--- a/lectures/Lect02_SimpRegression.pptx
+++ b/lectures/Lect02_SimpRegression.pptx
@@ -1,11 +1,11 @@
 
 <file path=ppt/presentation.xml><?xml version="1.0" encoding="utf-8"?>
-<p:presentation xmlns:a="http://schemas.openxmlformats.org/drawingml/2006/main" xmlns:r="http://schemas.openxmlformats.org/officeDocument/2006/relationships" xmlns:p="http://schemas.openxmlformats.org/presentationml/2006/main" autoCompressPictures="0">
+<p:presentation xmlns:a="http://schemas.openxmlformats.org/drawingml/2006/main" xmlns:r="http://schemas.openxmlformats.org/officeDocument/2006/relationships" xmlns:p="http://schemas.openxmlformats.org/presentationml/2006/main" saveSubsetFonts="1" autoCompressPictures="0">
   <p:sldMasterIdLst>
     <p:sldMasterId id="2147483648" r:id="rId1"/>
   </p:sldMasterIdLst>
   <p:notesMasterIdLst>
-    <p:notesMasterId r:id="rId36"/>
+    <p:notesMasterId r:id="rId37"/>
   </p:notesMasterIdLst>
   <p:sldIdLst>
     <p:sldId id="258" r:id="rId2"/>
@@ -39,9 +39,10 @@
     <p:sldId id="290" r:id="rId30"/>
     <p:sldId id="291" r:id="rId31"/>
     <p:sldId id="280" r:id="rId32"/>
-    <p:sldId id="281" r:id="rId33"/>
-    <p:sldId id="274" r:id="rId34"/>
-    <p:sldId id="294" r:id="rId35"/>
+    <p:sldId id="296" r:id="rId33"/>
+    <p:sldId id="281" r:id="rId34"/>
+    <p:sldId id="274" r:id="rId35"/>
+    <p:sldId id="294" r:id="rId36"/>
   </p:sldIdLst>
   <p:sldSz cx="12192000" cy="6858000"/>
   <p:notesSz cx="7315200" cy="9601200"/>
@@ -245,7 +246,7 @@
           <a:p>
             <a:fld id="{B7D6DDD3-D7E9-488B-B626-1E8285E424D8}" type="datetimeFigureOut">
               <a:rPr lang="en-US" smtClean="0"/>
-              <a:t>9/8/2017</a:t>
+              <a:t>1/20/18</a:t>
             </a:fld>
             <a:endParaRPr lang="en-US"/>
           </a:p>
@@ -4075,8 +4076,21 @@
           <a:p>
             <a:r>
               <a:rPr lang="en-US" dirty="0"/>
-              <a:t>Prof. Sundeep rangan</a:t>
-            </a:r>
+              <a:t>Prof. </a:t>
+            </a:r>
+            <a:r>
+              <a:rPr lang="en-US" dirty="0" err="1"/>
+              <a:t>Sundeep</a:t>
+            </a:r>
+            <a:r>
+              <a:rPr lang="en-US" dirty="0"/>
+              <a:t> </a:t>
+            </a:r>
+            <a:r>
+              <a:rPr lang="en-US" dirty="0" err="1" smtClean="0"/>
+              <a:t>rangan</a:t>
+            </a:r>
+            <a:endParaRPr lang="en-US" dirty="0"/>
           </a:p>
         </p:txBody>
       </p:sp>
@@ -4731,7 +4745,7 @@
                       <m:dPr>
                         <m:ctrlPr>
                           <a:rPr lang="en-US" b="0" i="1" smtClean="0">
-                            <a:latin typeface="Cambria Math" panose="02040503050406030204" pitchFamily="18" charset="0"/>
+                            <a:latin typeface="Cambria Math" charset="0"/>
                           </a:rPr>
                         </m:ctrlPr>
                       </m:dPr>
@@ -4740,7 +4754,7 @@
                           <m:sSubPr>
                             <m:ctrlPr>
                               <a:rPr lang="en-US" b="0" i="1" smtClean="0">
-                                <a:latin typeface="Cambria Math" panose="02040503050406030204" pitchFamily="18" charset="0"/>
+                                <a:latin typeface="Cambria Math" charset="0"/>
                               </a:rPr>
                             </m:ctrlPr>
                           </m:sSubPr>
@@ -4771,7 +4785,7 @@
                           <m:sSubPr>
                             <m:ctrlPr>
                               <a:rPr lang="en-US" b="0" i="1" smtClean="0">
-                                <a:latin typeface="Cambria Math" panose="02040503050406030204" pitchFamily="18" charset="0"/>
+                                <a:latin typeface="Cambria Math" charset="0"/>
                               </a:rPr>
                             </m:ctrlPr>
                           </m:sSubPr>
@@ -5180,7 +5194,7 @@
                       <m:sSubPr>
                         <m:ctrlPr>
                           <a:rPr lang="en-US" b="0" i="1" smtClean="0">
-                            <a:latin typeface="Cambria Math" panose="02040503050406030204" pitchFamily="18" charset="0"/>
+                            <a:latin typeface="Cambria Math" charset="0"/>
                           </a:rPr>
                         </m:ctrlPr>
                       </m:sSubPr>
@@ -5211,7 +5225,7 @@
                       <m:sSubPr>
                         <m:ctrlPr>
                           <a:rPr lang="en-US" b="0" i="1" smtClean="0">
-                            <a:latin typeface="Cambria Math" panose="02040503050406030204" pitchFamily="18" charset="0"/>
+                            <a:latin typeface="Cambria Math" charset="0"/>
                           </a:rPr>
                         </m:ctrlPr>
                       </m:sSubPr>
@@ -5250,7 +5264,7 @@
                       <m:sSubPr>
                         <m:ctrlPr>
                           <a:rPr lang="en-US" i="1">
-                            <a:latin typeface="Cambria Math" panose="02040503050406030204" pitchFamily="18" charset="0"/>
+                            <a:latin typeface="Cambria Math" charset="0"/>
                           </a:rPr>
                         </m:ctrlPr>
                       </m:sSubPr>
@@ -5286,7 +5300,7 @@
                       <m:sSubPr>
                         <m:ctrlPr>
                           <a:rPr lang="en-US" i="1">
-                            <a:latin typeface="Cambria Math" panose="02040503050406030204" pitchFamily="18" charset="0"/>
+                            <a:latin typeface="Cambria Math" charset="0"/>
                           </a:rPr>
                         </m:ctrlPr>
                       </m:sSubPr>
@@ -5333,7 +5347,7 @@
                       <m:dPr>
                         <m:ctrlPr>
                           <a:rPr lang="en-US" b="0" i="1" smtClean="0">
-                            <a:latin typeface="Cambria Math" panose="02040503050406030204" pitchFamily="18" charset="0"/>
+                            <a:latin typeface="Cambria Math" charset="0"/>
                           </a:rPr>
                         </m:ctrlPr>
                       </m:dPr>
@@ -5342,7 +5356,7 @@
                           <m:sSubPr>
                             <m:ctrlPr>
                               <a:rPr lang="en-US" b="0" i="1" smtClean="0">
-                                <a:latin typeface="Cambria Math" panose="02040503050406030204" pitchFamily="18" charset="0"/>
+                                <a:latin typeface="Cambria Math" charset="0"/>
                               </a:rPr>
                             </m:ctrlPr>
                           </m:sSubPr>
@@ -5373,7 +5387,7 @@
                           <m:sSubPr>
                             <m:ctrlPr>
                               <a:rPr lang="en-US" b="0" i="1" smtClean="0">
-                                <a:latin typeface="Cambria Math" panose="02040503050406030204" pitchFamily="18" charset="0"/>
+                                <a:latin typeface="Cambria Math" charset="0"/>
                               </a:rPr>
                             </m:ctrlPr>
                           </m:sSubPr>
@@ -5426,7 +5440,7 @@
                       <m:sSubPr>
                         <m:ctrlPr>
                           <a:rPr lang="en-US" b="0" i="1" smtClean="0">
-                            <a:latin typeface="Cambria Math" panose="02040503050406030204" pitchFamily="18" charset="0"/>
+                            <a:latin typeface="Cambria Math" charset="0"/>
                           </a:rPr>
                         </m:ctrlPr>
                       </m:sSubPr>
@@ -5457,7 +5471,7 @@
                       <m:sSubPr>
                         <m:ctrlPr>
                           <a:rPr lang="en-US" b="0" i="1" smtClean="0">
-                            <a:latin typeface="Cambria Math" panose="02040503050406030204" pitchFamily="18" charset="0"/>
+                            <a:latin typeface="Cambria Math" charset="0"/>
                           </a:rPr>
                         </m:ctrlPr>
                       </m:sSubPr>
@@ -5780,7 +5794,7 @@
                       <m:dPr>
                         <m:ctrlPr>
                           <a:rPr lang="en-US" b="0" i="1" smtClean="0">
-                            <a:latin typeface="Cambria Math" panose="02040503050406030204" pitchFamily="18" charset="0"/>
+                            <a:latin typeface="Cambria Math" charset="0"/>
                           </a:rPr>
                         </m:ctrlPr>
                       </m:dPr>
@@ -5823,7 +5837,7 @@
                       <m:sSubPr>
                         <m:ctrlPr>
                           <a:rPr lang="en-US" b="0" i="1" smtClean="0">
-                            <a:latin typeface="Cambria Math" panose="02040503050406030204" pitchFamily="18" charset="0"/>
+                            <a:latin typeface="Cambria Math" charset="0"/>
                           </a:rPr>
                         </m:ctrlPr>
                       </m:sSubPr>
@@ -5855,6 +5869,10 @@
                 <a:pPr marL="201168" lvl="1" indent="0">
                   <a:buNone/>
                 </a:pPr>
+                <a:r>
+                  <a:rPr lang="en-US" dirty="0"/>
+                  <a:t/>
+                </a:r>
                 <a:br>
                   <a:rPr lang="en-US" dirty="0"/>
                 </a:br>
@@ -5886,7 +5904,7 @@
                         <m:dPr>
                           <m:ctrlPr>
                             <a:rPr lang="en-US" b="0" i="1" smtClean="0">
-                              <a:latin typeface="Cambria Math" panose="02040503050406030204" pitchFamily="18" charset="0"/>
+                              <a:latin typeface="Cambria Math" charset="0"/>
                             </a:rPr>
                           </m:ctrlPr>
                         </m:dPr>
@@ -5895,7 +5913,7 @@
                             <m:sSubPr>
                               <m:ctrlPr>
                                 <a:rPr lang="en-US" b="0" i="1" smtClean="0">
-                                  <a:latin typeface="Cambria Math" panose="02040503050406030204" pitchFamily="18" charset="0"/>
+                                  <a:latin typeface="Cambria Math" charset="0"/>
                                 </a:rPr>
                               </m:ctrlPr>
                             </m:sSubPr>
@@ -5928,7 +5946,7 @@
                         <m:sSupPr>
                           <m:ctrlPr>
                             <a:rPr lang="en-US" b="0" i="1" smtClean="0">
-                              <a:latin typeface="Cambria Math" panose="02040503050406030204" pitchFamily="18" charset="0"/>
+                              <a:latin typeface="Cambria Math" charset="0"/>
                             </a:rPr>
                           </m:ctrlPr>
                         </m:sSupPr>
@@ -5953,7 +5971,7 @@
                         <m:dPr>
                           <m:ctrlPr>
                             <a:rPr lang="en-US" i="1">
-                              <a:latin typeface="Cambria Math" panose="02040503050406030204" pitchFamily="18" charset="0"/>
+                              <a:latin typeface="Cambria Math" charset="0"/>
                             </a:rPr>
                           </m:ctrlPr>
                         </m:dPr>
@@ -5962,7 +5980,7 @@
                             <m:sSubPr>
                               <m:ctrlPr>
                                 <a:rPr lang="en-US" i="1">
-                                  <a:latin typeface="Cambria Math" panose="02040503050406030204" pitchFamily="18" charset="0"/>
+                                  <a:latin typeface="Cambria Math" charset="0"/>
                                 </a:rPr>
                               </m:ctrlPr>
                             </m:sSubPr>
@@ -5989,7 +6007,7 @@
                         <m:dPr>
                           <m:ctrlPr>
                             <a:rPr lang="en-US" b="0" i="1" smtClean="0">
-                              <a:latin typeface="Cambria Math" panose="02040503050406030204" pitchFamily="18" charset="0"/>
+                              <a:latin typeface="Cambria Math" charset="0"/>
                             </a:rPr>
                           </m:ctrlPr>
                         </m:dPr>
@@ -6010,7 +6028,7 @@
                             <m:sSubPr>
                               <m:ctrlPr>
                                 <a:rPr lang="en-US" b="0" i="1" smtClean="0">
-                                  <a:latin typeface="Cambria Math" panose="02040503050406030204" pitchFamily="18" charset="0"/>
+                                  <a:latin typeface="Cambria Math" charset="0"/>
                                 </a:rPr>
                               </m:ctrlPr>
                             </m:sSubPr>
@@ -6043,7 +6061,7 @@
                         <m:sSubPr>
                           <m:ctrlPr>
                             <a:rPr lang="en-US" b="0" i="1" smtClean="0">
-                              <a:latin typeface="Cambria Math" panose="02040503050406030204" pitchFamily="18" charset="0"/>
+                              <a:latin typeface="Cambria Math" charset="0"/>
                             </a:rPr>
                           </m:ctrlPr>
                         </m:sSubPr>
@@ -6074,7 +6092,7 @@
                         <m:sSubPr>
                           <m:ctrlPr>
                             <a:rPr lang="en-US" b="0" i="1" smtClean="0">
-                              <a:latin typeface="Cambria Math" panose="02040503050406030204" pitchFamily="18" charset="0"/>
+                              <a:latin typeface="Cambria Math" charset="0"/>
                             </a:rPr>
                           </m:ctrlPr>
                         </m:sSubPr>
@@ -6110,6 +6128,12 @@
                     </m:oMath>
                   </m:oMathPara>
                 </a14:m>
+                <a:r>
+                  <a:rPr lang="en-US" b="0" i="1" dirty="0">
+                    <a:latin typeface="Cambria Math" panose="02040503050406030204" pitchFamily="18" charset="0"/>
+                  </a:rPr>
+                  <a:t/>
+                </a:r>
                 <a:br>
                   <a:rPr lang="en-US" b="0" i="1" dirty="0">
                     <a:latin typeface="Cambria Math" panose="02040503050406030204" pitchFamily="18" charset="0"/>
@@ -6139,7 +6163,7 @@
                         <m:sSubPr>
                           <m:ctrlPr>
                             <a:rPr lang="en-US" b="0" i="1" smtClean="0">
-                              <a:latin typeface="Cambria Math" panose="02040503050406030204" pitchFamily="18" charset="0"/>
+                              <a:latin typeface="Cambria Math" charset="0"/>
                             </a:rPr>
                           </m:ctrlPr>
                         </m:sSubPr>
@@ -6176,7 +6200,7 @@
                         <m:dPr>
                           <m:ctrlPr>
                             <a:rPr lang="en-US" b="0" i="1" smtClean="0">
-                              <a:latin typeface="Cambria Math" panose="02040503050406030204" pitchFamily="18" charset="0"/>
+                              <a:latin typeface="Cambria Math" charset="0"/>
                             </a:rPr>
                           </m:ctrlPr>
                         </m:dPr>
@@ -6185,7 +6209,7 @@
                             <m:sSubPr>
                               <m:ctrlPr>
                                 <a:rPr lang="en-US" b="0" i="1" smtClean="0">
-                                  <a:latin typeface="Cambria Math" panose="02040503050406030204" pitchFamily="18" charset="0"/>
+                                  <a:latin typeface="Cambria Math" charset="0"/>
                                 </a:rPr>
                               </m:ctrlPr>
                             </m:sSubPr>
@@ -6218,7 +6242,7 @@
                         <m:sSupPr>
                           <m:ctrlPr>
                             <a:rPr lang="en-US" b="0" i="1" smtClean="0">
-                              <a:latin typeface="Cambria Math" panose="02040503050406030204" pitchFamily="18" charset="0"/>
+                              <a:latin typeface="Cambria Math" charset="0"/>
                             </a:rPr>
                           </m:ctrlPr>
                         </m:sSupPr>
@@ -6243,7 +6267,7 @@
                         <m:dPr>
                           <m:ctrlPr>
                             <a:rPr lang="en-US" b="0" i="1" smtClean="0">
-                              <a:latin typeface="Cambria Math" panose="02040503050406030204" pitchFamily="18" charset="0"/>
+                              <a:latin typeface="Cambria Math" charset="0"/>
                             </a:rPr>
                           </m:ctrlPr>
                         </m:dPr>
@@ -6252,7 +6276,7 @@
                             <m:sSubPr>
                               <m:ctrlPr>
                                 <a:rPr lang="en-US" b="0" i="1" smtClean="0">
-                                  <a:latin typeface="Cambria Math" panose="02040503050406030204" pitchFamily="18" charset="0"/>
+                                  <a:latin typeface="Cambria Math" charset="0"/>
                                 </a:rPr>
                               </m:ctrlPr>
                             </m:sSubPr>
@@ -6279,7 +6303,7 @@
                         <m:sSubPr>
                           <m:ctrlPr>
                             <a:rPr lang="en-US" b="0" i="1" smtClean="0">
-                              <a:latin typeface="Cambria Math" panose="02040503050406030204" pitchFamily="18" charset="0"/>
+                              <a:latin typeface="Cambria Math" charset="0"/>
                             </a:rPr>
                           </m:ctrlPr>
                         </m:sSubPr>
@@ -6310,7 +6334,7 @@
                         <m:sSubPr>
                           <m:ctrlPr>
                             <a:rPr lang="en-US" b="0" i="1" smtClean="0">
-                              <a:latin typeface="Cambria Math" panose="02040503050406030204" pitchFamily="18" charset="0"/>
+                              <a:latin typeface="Cambria Math" charset="0"/>
                             </a:rPr>
                           </m:ctrlPr>
                         </m:sSubPr>
@@ -6353,7 +6377,7 @@
                         <m:sSubPr>
                           <m:ctrlPr>
                             <a:rPr lang="en-US" b="0" i="1" smtClean="0">
-                              <a:latin typeface="Cambria Math" panose="02040503050406030204" pitchFamily="18" charset="0"/>
+                              <a:latin typeface="Cambria Math" charset="0"/>
                             </a:rPr>
                           </m:ctrlPr>
                         </m:sSubPr>
@@ -6387,9 +6411,26 @@
               </a:p>
               <a:p>
                 <a:r>
-                  <a:rPr lang="en-US" dirty="0"/>
+                  <a:rPr lang="en-US" dirty="0">
+                    <a:solidFill>
+                      <a:srgbClr val="FF0000"/>
+                    </a:solidFill>
+                  </a:rPr>
                   <a:t>Gaussian random variables </a:t>
                 </a:r>
+                <a:r>
+                  <a:rPr lang="en-US" dirty="0" smtClean="0">
+                    <a:solidFill>
+                      <a:srgbClr val="FF0000"/>
+                    </a:solidFill>
+                  </a:rPr>
+                  <a:t>(?)</a:t>
+                </a:r>
+                <a:endParaRPr lang="en-US" dirty="0">
+                  <a:solidFill>
+                    <a:srgbClr val="FF0000"/>
+                  </a:solidFill>
+                </a:endParaRPr>
               </a:p>
               <a:p>
                 <a:r>
@@ -6418,7 +6459,7 @@
               </p:nvPr>
             </p:nvSpPr>
             <p:spPr>
-              <a:blipFill>
+              <a:blipFill rotWithShape="0">
                 <a:blip r:embed="rId2"/>
                 <a:stretch>
                   <a:fillRect l="-1455" t="-1549"/>
@@ -6775,7 +6816,7 @@
                       <m:sSubPr>
                         <m:ctrlPr>
                           <a:rPr lang="en-US" b="0" i="1" smtClean="0">
-                            <a:latin typeface="Cambria Math" panose="02040503050406030204" pitchFamily="18" charset="0"/>
+                            <a:latin typeface="Cambria Math" charset="0"/>
                           </a:rPr>
                         </m:ctrlPr>
                       </m:sSubPr>
@@ -6806,7 +6847,7 @@
                       <m:sSubPr>
                         <m:ctrlPr>
                           <a:rPr lang="en-US" b="0" i="1" smtClean="0">
-                            <a:latin typeface="Cambria Math" panose="02040503050406030204" pitchFamily="18" charset="0"/>
+                            <a:latin typeface="Cambria Math" charset="0"/>
                           </a:rPr>
                         </m:ctrlPr>
                       </m:sSubPr>
@@ -6867,7 +6908,7 @@
                       <m:sSubPr>
                         <m:ctrlPr>
                           <a:rPr lang="en-US" i="1" dirty="0">
-                            <a:latin typeface="Cambria Math" panose="02040503050406030204" pitchFamily="18" charset="0"/>
+                            <a:latin typeface="Cambria Math" charset="0"/>
                           </a:rPr>
                         </m:ctrlPr>
                       </m:sSubPr>
@@ -6877,7 +6918,7 @@
                             <m:chr m:val="̂"/>
                             <m:ctrlPr>
                               <a:rPr lang="en-US" i="1">
-                                <a:latin typeface="Cambria Math" panose="02040503050406030204" pitchFamily="18" charset="0"/>
+                                <a:latin typeface="Cambria Math" charset="0"/>
                               </a:rPr>
                             </m:ctrlPr>
                           </m:accPr>
@@ -6910,7 +6951,7 @@
                       <m:sSubPr>
                         <m:ctrlPr>
                           <a:rPr lang="en-US" i="1" dirty="0">
-                            <a:latin typeface="Cambria Math" panose="02040503050406030204" pitchFamily="18" charset="0"/>
+                            <a:latin typeface="Cambria Math" charset="0"/>
                           </a:rPr>
                         </m:ctrlPr>
                       </m:sSubPr>
@@ -6935,7 +6976,7 @@
                       <m:sSubPr>
                         <m:ctrlPr>
                           <a:rPr lang="en-US" i="1" dirty="0">
-                            <a:latin typeface="Cambria Math" panose="02040503050406030204" pitchFamily="18" charset="0"/>
+                            <a:latin typeface="Cambria Math" charset="0"/>
                           </a:rPr>
                         </m:ctrlPr>
                       </m:sSubPr>
@@ -6966,7 +7007,7 @@
                       <m:sSubPr>
                         <m:ctrlPr>
                           <a:rPr lang="en-US" i="1" dirty="0">
-                            <a:latin typeface="Cambria Math" panose="02040503050406030204" pitchFamily="18" charset="0"/>
+                            <a:latin typeface="Cambria Math" charset="0"/>
                           </a:rPr>
                         </m:ctrlPr>
                       </m:sSubPr>
@@ -7003,7 +7044,7 @@
                       <m:sSubPr>
                         <m:ctrlPr>
                           <a:rPr lang="en-US" b="0" i="1" smtClean="0">
-                            <a:latin typeface="Cambria Math" panose="02040503050406030204" pitchFamily="18" charset="0"/>
+                            <a:latin typeface="Cambria Math" charset="0"/>
                           </a:rPr>
                         </m:ctrlPr>
                       </m:sSubPr>
@@ -7034,7 +7075,7 @@
                       <m:sSubPr>
                         <m:ctrlPr>
                           <a:rPr lang="en-US" b="0" i="1" smtClean="0">
-                            <a:latin typeface="Cambria Math" panose="02040503050406030204" pitchFamily="18" charset="0"/>
+                            <a:latin typeface="Cambria Math" charset="0"/>
                           </a:rPr>
                         </m:ctrlPr>
                       </m:sSubPr>
@@ -7065,7 +7106,7 @@
                       <m:sSubPr>
                         <m:ctrlPr>
                           <a:rPr lang="en-US" i="1" dirty="0">
-                            <a:latin typeface="Cambria Math" panose="02040503050406030204" pitchFamily="18" charset="0"/>
+                            <a:latin typeface="Cambria Math" charset="0"/>
                           </a:rPr>
                         </m:ctrlPr>
                       </m:sSubPr>
@@ -7075,7 +7116,7 @@
                             <m:chr m:val="̂"/>
                             <m:ctrlPr>
                               <a:rPr lang="en-US" i="1">
-                                <a:latin typeface="Cambria Math" panose="02040503050406030204" pitchFamily="18" charset="0"/>
+                                <a:latin typeface="Cambria Math" charset="0"/>
                               </a:rPr>
                             </m:ctrlPr>
                           </m:accPr>
@@ -7338,7 +7379,7 @@
                       <m:sSubPr>
                         <m:ctrlPr>
                           <a:rPr lang="en-US" b="0" i="1" smtClean="0">
-                            <a:latin typeface="Cambria Math" panose="02040503050406030204" pitchFamily="18" charset="0"/>
+                            <a:latin typeface="Cambria Math" charset="0"/>
                           </a:rPr>
                         </m:ctrlPr>
                       </m:sSubPr>
@@ -7369,7 +7410,7 @@
                       <m:sSubPr>
                         <m:ctrlPr>
                           <a:rPr lang="en-US" b="0" i="1" smtClean="0">
-                            <a:latin typeface="Cambria Math" panose="02040503050406030204" pitchFamily="18" charset="0"/>
+                            <a:latin typeface="Cambria Math" charset="0"/>
                           </a:rPr>
                         </m:ctrlPr>
                       </m:sSubPr>
@@ -7414,7 +7455,7 @@
                       <m:sSubPr>
                         <m:ctrlPr>
                           <a:rPr lang="en-US" b="0" i="1" dirty="0" smtClean="0">
-                            <a:latin typeface="Cambria Math" panose="02040503050406030204" pitchFamily="18" charset="0"/>
+                            <a:latin typeface="Cambria Math" charset="0"/>
                           </a:rPr>
                         </m:ctrlPr>
                       </m:sSubPr>
@@ -7424,7 +7465,7 @@
                             <m:chr m:val="̂"/>
                             <m:ctrlPr>
                               <a:rPr lang="en-US" b="0" i="1" smtClean="0">
-                                <a:latin typeface="Cambria Math" panose="02040503050406030204" pitchFamily="18" charset="0"/>
+                                <a:latin typeface="Cambria Math" charset="0"/>
                               </a:rPr>
                             </m:ctrlPr>
                           </m:accPr>
@@ -7457,7 +7498,7 @@
                       <m:sSubPr>
                         <m:ctrlPr>
                           <a:rPr lang="en-US" b="0" i="1" dirty="0" smtClean="0">
-                            <a:latin typeface="Cambria Math" panose="02040503050406030204" pitchFamily="18" charset="0"/>
+                            <a:latin typeface="Cambria Math" charset="0"/>
                           </a:rPr>
                         </m:ctrlPr>
                       </m:sSubPr>
@@ -7482,7 +7523,7 @@
                       <m:sSubPr>
                         <m:ctrlPr>
                           <a:rPr lang="en-US" b="0" i="1" dirty="0" smtClean="0">
-                            <a:latin typeface="Cambria Math" panose="02040503050406030204" pitchFamily="18" charset="0"/>
+                            <a:latin typeface="Cambria Math" charset="0"/>
                           </a:rPr>
                         </m:ctrlPr>
                       </m:sSubPr>
@@ -7513,7 +7554,7 @@
                       <m:sSubPr>
                         <m:ctrlPr>
                           <a:rPr lang="en-US" b="0" i="1" dirty="0" smtClean="0">
-                            <a:latin typeface="Cambria Math" panose="02040503050406030204" pitchFamily="18" charset="0"/>
+                            <a:latin typeface="Cambria Math" charset="0"/>
                           </a:rPr>
                         </m:ctrlPr>
                       </m:sSubPr>
@@ -7576,7 +7617,7 @@
                       <m:sSubPr>
                         <m:ctrlPr>
                           <a:rPr lang="en-US" b="0" i="1" smtClean="0">
-                            <a:latin typeface="Cambria Math" panose="02040503050406030204" pitchFamily="18" charset="0"/>
+                            <a:latin typeface="Cambria Math" charset="0"/>
                           </a:rPr>
                         </m:ctrlPr>
                       </m:sSubPr>
@@ -7607,7 +7648,7 @@
                       <m:sSubPr>
                         <m:ctrlPr>
                           <a:rPr lang="en-US" b="0" i="1" smtClean="0">
-                            <a:latin typeface="Cambria Math" panose="02040503050406030204" pitchFamily="18" charset="0"/>
+                            <a:latin typeface="Cambria Math" charset="0"/>
                           </a:rPr>
                         </m:ctrlPr>
                       </m:sSubPr>
@@ -7676,7 +7717,7 @@
                       <m:dPr>
                         <m:ctrlPr>
                           <a:rPr lang="en-US" b="0" i="1" smtClean="0">
-                            <a:latin typeface="Cambria Math" panose="02040503050406030204" pitchFamily="18" charset="0"/>
+                            <a:latin typeface="Cambria Math" charset="0"/>
                           </a:rPr>
                         </m:ctrlPr>
                       </m:dPr>
@@ -7685,7 +7726,7 @@
                           <m:sSubPr>
                             <m:ctrlPr>
                               <a:rPr lang="en-US" b="0" i="1" smtClean="0">
-                                <a:latin typeface="Cambria Math" panose="02040503050406030204" pitchFamily="18" charset="0"/>
+                                <a:latin typeface="Cambria Math" charset="0"/>
                               </a:rPr>
                             </m:ctrlPr>
                           </m:sSubPr>
@@ -7716,7 +7757,7 @@
                           <m:sSubPr>
                             <m:ctrlPr>
                               <a:rPr lang="en-US" b="0" i="1" smtClean="0">
-                                <a:latin typeface="Cambria Math" panose="02040503050406030204" pitchFamily="18" charset="0"/>
+                                <a:latin typeface="Cambria Math" charset="0"/>
                               </a:rPr>
                             </m:ctrlPr>
                           </m:sSubPr>
@@ -7750,7 +7791,7 @@
                         <m:chr m:val="∑"/>
                         <m:ctrlPr>
                           <a:rPr lang="en-US" i="1">
-                            <a:latin typeface="Cambria Math" panose="02040503050406030204" pitchFamily="18" charset="0"/>
+                            <a:latin typeface="Cambria Math" charset="0"/>
                           </a:rPr>
                         </m:ctrlPr>
                       </m:naryPr>
@@ -7784,7 +7825,7 @@
                           <m:sSupPr>
                             <m:ctrlPr>
                               <a:rPr lang="en-US" i="1">
-                                <a:latin typeface="Cambria Math" panose="02040503050406030204" pitchFamily="18" charset="0"/>
+                                <a:latin typeface="Cambria Math" charset="0"/>
                               </a:rPr>
                             </m:ctrlPr>
                           </m:sSupPr>
@@ -7793,7 +7834,7 @@
                               <m:dPr>
                                 <m:ctrlPr>
                                   <a:rPr lang="en-US" i="1">
-                                    <a:latin typeface="Cambria Math" panose="02040503050406030204" pitchFamily="18" charset="0"/>
+                                    <a:latin typeface="Cambria Math" charset="0"/>
                                   </a:rPr>
                                 </m:ctrlPr>
                               </m:dPr>
@@ -7802,7 +7843,7 @@
                                   <m:sSubPr>
                                     <m:ctrlPr>
                                       <a:rPr lang="en-US" i="1">
-                                        <a:latin typeface="Cambria Math" panose="02040503050406030204" pitchFamily="18" charset="0"/>
+                                        <a:latin typeface="Cambria Math" charset="0"/>
                                       </a:rPr>
                                     </m:ctrlPr>
                                   </m:sSubPr>
@@ -7833,7 +7874,7 @@
                                   <m:sSubPr>
                                     <m:ctrlPr>
                                       <a:rPr lang="en-US" i="1">
-                                        <a:latin typeface="Cambria Math" panose="02040503050406030204" pitchFamily="18" charset="0"/>
+                                        <a:latin typeface="Cambria Math" charset="0"/>
                                       </a:rPr>
                                     </m:ctrlPr>
                                   </m:sSubPr>
@@ -7843,7 +7884,7 @@
                                         <m:chr m:val="̂"/>
                                         <m:ctrlPr>
                                           <a:rPr lang="en-US" i="1">
-                                            <a:latin typeface="Cambria Math" panose="02040503050406030204" pitchFamily="18" charset="0"/>
+                                            <a:latin typeface="Cambria Math" charset="0"/>
                                           </a:rPr>
                                         </m:ctrlPr>
                                       </m:accPr>
@@ -7896,7 +7937,7 @@
                       <m:sSubPr>
                         <m:ctrlPr>
                           <a:rPr lang="en-US" i="1" dirty="0">
-                            <a:latin typeface="Cambria Math" panose="02040503050406030204" pitchFamily="18" charset="0"/>
+                            <a:latin typeface="Cambria Math" charset="0"/>
                           </a:rPr>
                         </m:ctrlPr>
                       </m:sSubPr>
@@ -7906,7 +7947,7 @@
                             <m:chr m:val="̂"/>
                             <m:ctrlPr>
                               <a:rPr lang="en-US" i="1">
-                                <a:latin typeface="Cambria Math" panose="02040503050406030204" pitchFamily="18" charset="0"/>
+                                <a:latin typeface="Cambria Math" charset="0"/>
                               </a:rPr>
                             </m:ctrlPr>
                           </m:accPr>
@@ -7953,7 +7994,7 @@
                       <m:sSubPr>
                         <m:ctrlPr>
                           <a:rPr lang="en-US" i="1">
-                            <a:latin typeface="Cambria Math" panose="02040503050406030204" pitchFamily="18" charset="0"/>
+                            <a:latin typeface="Cambria Math" charset="0"/>
                           </a:rPr>
                         </m:ctrlPr>
                       </m:sSubPr>
@@ -7984,7 +8025,7 @@
                       <m:sSubPr>
                         <m:ctrlPr>
                           <a:rPr lang="en-US" i="1">
-                            <a:latin typeface="Cambria Math" panose="02040503050406030204" pitchFamily="18" charset="0"/>
+                            <a:latin typeface="Cambria Math" charset="0"/>
                           </a:rPr>
                         </m:ctrlPr>
                       </m:sSubPr>
@@ -8080,7 +8121,7 @@
                       <m:sSubPr>
                         <m:ctrlPr>
                           <a:rPr lang="en-US" i="1">
-                            <a:latin typeface="Cambria Math" panose="02040503050406030204" pitchFamily="18" charset="0"/>
+                            <a:latin typeface="Cambria Math" charset="0"/>
                           </a:rPr>
                         </m:ctrlPr>
                       </m:sSubPr>
@@ -8111,7 +8152,7 @@
                       <m:sSubPr>
                         <m:ctrlPr>
                           <a:rPr lang="en-US" i="1">
-                            <a:latin typeface="Cambria Math" panose="02040503050406030204" pitchFamily="18" charset="0"/>
+                            <a:latin typeface="Cambria Math" charset="0"/>
                           </a:rPr>
                         </m:ctrlPr>
                       </m:sSubPr>
@@ -8247,7 +8288,7 @@
           <p:cNvPr id="2" name="Title 1">
             <a:extLst>
               <a:ext uri="{FF2B5EF4-FFF2-40B4-BE49-F238E27FC236}">
-                <a16:creationId xmlns:a16="http://schemas.microsoft.com/office/drawing/2014/main" id="{AC3F4E49-8A04-40C4-83C5-D6F1042D29AB}"/>
+                <a16:creationId xmlns:a16="http://schemas.microsoft.com/office/drawing/2014/main" xmlns="" id="{AC3F4E49-8A04-40C4-83C5-D6F1042D29AB}"/>
               </a:ext>
             </a:extLst>
           </p:cNvPr>
@@ -8285,7 +8326,7 @@
           <p:cNvPr id="3" name="Content Placeholder 2">
             <a:extLst>
               <a:ext uri="{FF2B5EF4-FFF2-40B4-BE49-F238E27FC236}">
-                <a16:creationId xmlns:a16="http://schemas.microsoft.com/office/drawing/2014/main" id="{752A35B2-AA95-4610-BAB9-1F934F63E4E9}"/>
+                <a16:creationId xmlns:a16="http://schemas.microsoft.com/office/drawing/2014/main" xmlns="" id="{752A35B2-AA95-4610-BAB9-1F934F63E4E9}"/>
               </a:ext>
             </a:extLst>
           </p:cNvPr>
@@ -8409,7 +8450,7 @@
           <p:cNvPr id="4" name="Slide Number Placeholder 3">
             <a:extLst>
               <a:ext uri="{FF2B5EF4-FFF2-40B4-BE49-F238E27FC236}">
-                <a16:creationId xmlns:a16="http://schemas.microsoft.com/office/drawing/2014/main" id="{EA52666F-105A-4F08-9EC5-44E827836475}"/>
+                <a16:creationId xmlns:a16="http://schemas.microsoft.com/office/drawing/2014/main" xmlns="" id="{EA52666F-105A-4F08-9EC5-44E827836475}"/>
               </a:ext>
             </a:extLst>
           </p:cNvPr>
@@ -8440,7 +8481,7 @@
               <p:cNvPr id="5" name="Content Placeholder 2">
                 <a:extLst>
                   <a:ext uri="{FF2B5EF4-FFF2-40B4-BE49-F238E27FC236}">
-                    <a16:creationId xmlns:a16="http://schemas.microsoft.com/office/drawing/2014/main" id="{964CC669-0E37-468F-8F3D-9120FCB6CA04}"/>
+                    <a16:creationId xmlns:a16="http://schemas.microsoft.com/office/drawing/2014/main" xmlns="" id="{964CC669-0E37-468F-8F3D-9120FCB6CA04}"/>
                   </a:ext>
                 </a:extLst>
               </p:cNvPr>
@@ -8723,7 +8764,7 @@
                         <m:chr m:val="̂"/>
                         <m:ctrlPr>
                           <a:rPr lang="en-US" i="1" smtClean="0">
-                            <a:latin typeface="Cambria Math" panose="02040503050406030204" pitchFamily="18" charset="0"/>
+                            <a:latin typeface="Cambria Math" charset="0"/>
                           </a:rPr>
                         </m:ctrlPr>
                       </m:accPr>
@@ -8746,7 +8787,7 @@
                       <m:sSubPr>
                         <m:ctrlPr>
                           <a:rPr lang="en-US" b="0" i="1" smtClean="0">
-                            <a:latin typeface="Cambria Math" panose="02040503050406030204" pitchFamily="18" charset="0"/>
+                            <a:latin typeface="Cambria Math" charset="0"/>
                           </a:rPr>
                         </m:ctrlPr>
                       </m:sSubPr>
@@ -8777,7 +8818,7 @@
                       <m:sSubPr>
                         <m:ctrlPr>
                           <a:rPr lang="en-US" b="0" i="1" smtClean="0">
-                            <a:latin typeface="Cambria Math" panose="02040503050406030204" pitchFamily="18" charset="0"/>
+                            <a:latin typeface="Cambria Math" charset="0"/>
                           </a:rPr>
                         </m:ctrlPr>
                       </m:sSubPr>
@@ -8822,7 +8863,7 @@
                       <m:dPr>
                         <m:ctrlPr>
                           <a:rPr lang="en-US" b="0" i="1" smtClean="0">
-                            <a:latin typeface="Cambria Math" panose="02040503050406030204" pitchFamily="18" charset="0"/>
+                            <a:latin typeface="Cambria Math" charset="0"/>
                           </a:rPr>
                         </m:ctrlPr>
                       </m:dPr>
@@ -8831,7 +8872,7 @@
                           <m:sSubPr>
                             <m:ctrlPr>
                               <a:rPr lang="en-US" b="0" i="1" smtClean="0">
-                                <a:latin typeface="Cambria Math" panose="02040503050406030204" pitchFamily="18" charset="0"/>
+                                <a:latin typeface="Cambria Math" charset="0"/>
                               </a:rPr>
                             </m:ctrlPr>
                           </m:sSubPr>
@@ -8862,7 +8903,7 @@
                           <m:sSubPr>
                             <m:ctrlPr>
                               <a:rPr lang="en-US" b="0" i="1" smtClean="0">
-                                <a:latin typeface="Cambria Math" panose="02040503050406030204" pitchFamily="18" charset="0"/>
+                                <a:latin typeface="Cambria Math" charset="0"/>
                               </a:rPr>
                             </m:ctrlPr>
                           </m:sSubPr>
@@ -8921,6 +8962,12 @@
                   <a:rPr lang="en-US" dirty="0"/>
                   <a:t>Loss function:  </a:t>
                 </a:r>
+                <a:r>
+                  <a:rPr lang="en-US" b="0" i="1" dirty="0">
+                    <a:latin typeface="Cambria Math" panose="02040503050406030204" pitchFamily="18" charset="0"/>
+                  </a:rPr>
+                  <a:t/>
+                </a:r>
                 <a:br>
                   <a:rPr lang="en-US" b="0" i="1" dirty="0">
                     <a:latin typeface="Cambria Math" panose="02040503050406030204" pitchFamily="18" charset="0"/>
@@ -8942,7 +8989,7 @@
                         <m:dPr>
                           <m:ctrlPr>
                             <a:rPr lang="en-US" b="0" i="1" smtClean="0">
-                              <a:latin typeface="Cambria Math" panose="02040503050406030204" pitchFamily="18" charset="0"/>
+                              <a:latin typeface="Cambria Math" charset="0"/>
                             </a:rPr>
                           </m:ctrlPr>
                         </m:dPr>
@@ -8951,7 +8998,7 @@
                             <m:sSubPr>
                               <m:ctrlPr>
                                 <a:rPr lang="en-US" b="0" i="1" smtClean="0">
-                                  <a:latin typeface="Cambria Math" panose="02040503050406030204" pitchFamily="18" charset="0"/>
+                                  <a:latin typeface="Cambria Math" charset="0"/>
                                 </a:rPr>
                               </m:ctrlPr>
                             </m:sSubPr>
@@ -8982,7 +9029,7 @@
                             <m:sSubPr>
                               <m:ctrlPr>
                                 <a:rPr lang="en-US" b="0" i="1" smtClean="0">
-                                  <a:latin typeface="Cambria Math" panose="02040503050406030204" pitchFamily="18" charset="0"/>
+                                  <a:latin typeface="Cambria Math" charset="0"/>
                                 </a:rPr>
                               </m:ctrlPr>
                             </m:sSubPr>
@@ -9015,7 +9062,7 @@
                         <m:sSupPr>
                           <m:ctrlPr>
                             <a:rPr lang="en-US" b="0" i="1" smtClean="0">
-                              <a:latin typeface="Cambria Math" panose="02040503050406030204" pitchFamily="18" charset="0"/>
+                              <a:latin typeface="Cambria Math" charset="0"/>
                             </a:rPr>
                           </m:ctrlPr>
                         </m:sSupPr>
@@ -9024,7 +9071,7 @@
                             <m:dPr>
                               <m:ctrlPr>
                                 <a:rPr lang="en-US" b="0" i="1" smtClean="0">
-                                  <a:latin typeface="Cambria Math" panose="02040503050406030204" pitchFamily="18" charset="0"/>
+                                  <a:latin typeface="Cambria Math" charset="0"/>
                                 </a:rPr>
                               </m:ctrlPr>
                             </m:dPr>
@@ -9033,7 +9080,7 @@
                                 <m:sSubPr>
                                   <m:ctrlPr>
                                     <a:rPr lang="en-US" b="0" i="1" smtClean="0">
-                                      <a:latin typeface="Cambria Math" panose="02040503050406030204" pitchFamily="18" charset="0"/>
+                                      <a:latin typeface="Cambria Math" charset="0"/>
                                     </a:rPr>
                                   </m:ctrlPr>
                                 </m:sSubPr>
@@ -9064,7 +9111,7 @@
                                 <m:sSubPr>
                                   <m:ctrlPr>
                                     <a:rPr lang="en-US" i="1">
-                                      <a:latin typeface="Cambria Math" panose="02040503050406030204" pitchFamily="18" charset="0"/>
+                                      <a:latin typeface="Cambria Math" charset="0"/>
                                     </a:rPr>
                                   </m:ctrlPr>
                                 </m:sSubPr>
@@ -9095,7 +9142,7 @@
                                 <m:sSubPr>
                                   <m:ctrlPr>
                                     <a:rPr lang="en-US" i="1">
-                                      <a:latin typeface="Cambria Math" panose="02040503050406030204" pitchFamily="18" charset="0"/>
+                                      <a:latin typeface="Cambria Math" charset="0"/>
                                     </a:rPr>
                                   </m:ctrlPr>
                                 </m:sSubPr>
@@ -9120,7 +9167,7 @@
                                 <m:sSubPr>
                                   <m:ctrlPr>
                                     <a:rPr lang="en-US" b="0" i="1" smtClean="0">
-                                      <a:latin typeface="Cambria Math" panose="02040503050406030204" pitchFamily="18" charset="0"/>
+                                      <a:latin typeface="Cambria Math" charset="0"/>
                                     </a:rPr>
                                   </m:ctrlPr>
                                 </m:sSubPr>
@@ -9168,6 +9215,10 @@
                 <a:pPr marL="0" indent="0">
                   <a:buNone/>
                 </a:pPr>
+                <a:r>
+                  <a:rPr lang="en-US" dirty="0"/>
+                  <a:t/>
+                </a:r>
                 <a:br>
                   <a:rPr lang="en-US" dirty="0"/>
                 </a:br>
@@ -9181,7 +9232,7 @@
                       <m:sSubPr>
                         <m:ctrlPr>
                           <a:rPr lang="en-US" i="1">
-                            <a:latin typeface="Cambria Math" panose="02040503050406030204" pitchFamily="18" charset="0"/>
+                            <a:latin typeface="Cambria Math" charset="0"/>
                           </a:rPr>
                         </m:ctrlPr>
                       </m:sSubPr>
@@ -9212,7 +9263,7 @@
                       <m:sSubPr>
                         <m:ctrlPr>
                           <a:rPr lang="en-US" i="1">
-                            <a:latin typeface="Cambria Math" panose="02040503050406030204" pitchFamily="18" charset="0"/>
+                            <a:latin typeface="Cambria Math" charset="0"/>
                           </a:rPr>
                         </m:ctrlPr>
                       </m:sSubPr>
@@ -9251,7 +9302,7 @@
                       <m:dPr>
                         <m:ctrlPr>
                           <a:rPr lang="en-US" i="1">
-                            <a:latin typeface="Cambria Math" panose="02040503050406030204" pitchFamily="18" charset="0"/>
+                            <a:latin typeface="Cambria Math" charset="0"/>
                           </a:rPr>
                         </m:ctrlPr>
                       </m:dPr>
@@ -9260,7 +9311,7 @@
                           <m:sSubPr>
                             <m:ctrlPr>
                               <a:rPr lang="en-US" i="1">
-                                <a:latin typeface="Cambria Math" panose="02040503050406030204" pitchFamily="18" charset="0"/>
+                                <a:latin typeface="Cambria Math" charset="0"/>
                               </a:rPr>
                             </m:ctrlPr>
                           </m:sSubPr>
@@ -9291,7 +9342,7 @@
                           <m:sSubPr>
                             <m:ctrlPr>
                               <a:rPr lang="en-US" i="1">
-                                <a:latin typeface="Cambria Math" panose="02040503050406030204" pitchFamily="18" charset="0"/>
+                                <a:latin typeface="Cambria Math" charset="0"/>
                               </a:rPr>
                             </m:ctrlPr>
                           </m:sSubPr>
@@ -9374,7 +9425,7 @@
           <p:cNvPr id="6" name="TextBox 5">
             <a:extLst>
               <a:ext uri="{FF2B5EF4-FFF2-40B4-BE49-F238E27FC236}">
-                <a16:creationId xmlns:a16="http://schemas.microsoft.com/office/drawing/2014/main" id="{BE3968EA-E5BE-4E1D-AF03-45BAEED9E8DB}"/>
+                <a16:creationId xmlns:a16="http://schemas.microsoft.com/office/drawing/2014/main" xmlns="" id="{BE3968EA-E5BE-4E1D-AF03-45BAEED9E8DB}"/>
               </a:ext>
             </a:extLst>
           </p:cNvPr>
@@ -9415,7 +9466,7 @@
           <p:cNvPr id="7" name="TextBox 6">
             <a:extLst>
               <a:ext uri="{FF2B5EF4-FFF2-40B4-BE49-F238E27FC236}">
-                <a16:creationId xmlns:a16="http://schemas.microsoft.com/office/drawing/2014/main" id="{4BA7C69C-4A87-49C6-A38D-875A20723BD1}"/>
+                <a16:creationId xmlns:a16="http://schemas.microsoft.com/office/drawing/2014/main" xmlns="" id="{4BA7C69C-4A87-49C6-A38D-875A20723BD1}"/>
               </a:ext>
             </a:extLst>
           </p:cNvPr>
@@ -9456,7 +9507,7 @@
           <p:cNvPr id="8" name="Arrow: Right 7">
             <a:extLst>
               <a:ext uri="{FF2B5EF4-FFF2-40B4-BE49-F238E27FC236}">
-                <a16:creationId xmlns:a16="http://schemas.microsoft.com/office/drawing/2014/main" id="{1F1AF7DD-A149-43E3-BB8B-641C967A686E}"/>
+                <a16:creationId xmlns:a16="http://schemas.microsoft.com/office/drawing/2014/main" xmlns="" id="{1F1AF7DD-A149-43E3-BB8B-641C967A686E}"/>
               </a:ext>
             </a:extLst>
           </p:cNvPr>
@@ -9502,7 +9553,7 @@
           <p:cNvPr id="9" name="Arrow: Right 8">
             <a:extLst>
               <a:ext uri="{FF2B5EF4-FFF2-40B4-BE49-F238E27FC236}">
-                <a16:creationId xmlns:a16="http://schemas.microsoft.com/office/drawing/2014/main" id="{97099528-9AD3-42BF-A7BA-644899D08E0B}"/>
+                <a16:creationId xmlns:a16="http://schemas.microsoft.com/office/drawing/2014/main" xmlns="" id="{97099528-9AD3-42BF-A7BA-644899D08E0B}"/>
               </a:ext>
             </a:extLst>
           </p:cNvPr>
@@ -9548,7 +9599,7 @@
           <p:cNvPr id="10" name="Arrow: Right 9">
             <a:extLst>
               <a:ext uri="{FF2B5EF4-FFF2-40B4-BE49-F238E27FC236}">
-                <a16:creationId xmlns:a16="http://schemas.microsoft.com/office/drawing/2014/main" id="{9F372D1C-0F9C-4222-84A2-BDAABF4A5833}"/>
+                <a16:creationId xmlns:a16="http://schemas.microsoft.com/office/drawing/2014/main" xmlns="" id="{9F372D1C-0F9C-4222-84A2-BDAABF4A5833}"/>
               </a:ext>
             </a:extLst>
           </p:cNvPr>
@@ -9594,7 +9645,7 @@
           <p:cNvPr id="11" name="Arrow: Right 10">
             <a:extLst>
               <a:ext uri="{FF2B5EF4-FFF2-40B4-BE49-F238E27FC236}">
-                <a16:creationId xmlns:a16="http://schemas.microsoft.com/office/drawing/2014/main" id="{754FDE32-4695-4931-86B1-09272CFD14AC}"/>
+                <a16:creationId xmlns:a16="http://schemas.microsoft.com/office/drawing/2014/main" xmlns="" id="{754FDE32-4695-4931-86B1-09272CFD14AC}"/>
               </a:ext>
             </a:extLst>
           </p:cNvPr>
@@ -9970,7 +10021,7 @@
                       <m:sSupPr>
                         <m:ctrlPr>
                           <a:rPr lang="en-US" b="0" i="1" dirty="0" smtClean="0">
-                            <a:latin typeface="Cambria Math" panose="02040503050406030204" pitchFamily="18" charset="0"/>
+                            <a:latin typeface="Cambria Math" charset="0"/>
                           </a:rPr>
                         </m:ctrlPr>
                       </m:sSupPr>
@@ -10175,7 +10226,7 @@
                         <m:chr m:val="̅"/>
                         <m:ctrlPr>
                           <a:rPr lang="en-US" i="1">
-                            <a:latin typeface="Cambria Math" panose="02040503050406030204" pitchFamily="18" charset="0"/>
+                            <a:latin typeface="Cambria Math" charset="0"/>
                           </a:rPr>
                         </m:ctrlPr>
                       </m:accPr>
@@ -10201,7 +10252,7 @@
                         <m:chr m:val="̅"/>
                         <m:ctrlPr>
                           <a:rPr lang="en-US" i="1" smtClean="0">
-                            <a:latin typeface="Cambria Math" panose="02040503050406030204" pitchFamily="18" charset="0"/>
+                            <a:latin typeface="Cambria Math" charset="0"/>
                           </a:rPr>
                         </m:ctrlPr>
                       </m:accPr>
@@ -10240,7 +10291,7 @@
                       <m:sSubPr>
                         <m:ctrlPr>
                           <a:rPr lang="en-US" b="0" i="1" smtClean="0">
-                            <a:latin typeface="Cambria Math" panose="02040503050406030204" pitchFamily="18" charset="0"/>
+                            <a:latin typeface="Cambria Math" charset="0"/>
                           </a:rPr>
                         </m:ctrlPr>
                       </m:sSubPr>
@@ -10271,7 +10322,7 @@
                       <m:sSubPr>
                         <m:ctrlPr>
                           <a:rPr lang="en-US" b="0" i="1" smtClean="0">
-                            <a:latin typeface="Cambria Math" panose="02040503050406030204" pitchFamily="18" charset="0"/>
+                            <a:latin typeface="Cambria Math" charset="0"/>
                           </a:rPr>
                         </m:ctrlPr>
                       </m:sSubPr>
@@ -10483,7 +10534,7 @@
                         <m:chr m:val="̅"/>
                         <m:ctrlPr>
                           <a:rPr lang="en-US" b="0" i="1" smtClean="0">
-                            <a:latin typeface="Cambria Math" panose="02040503050406030204" pitchFamily="18" charset="0"/>
+                            <a:latin typeface="Cambria Math" charset="0"/>
                           </a:rPr>
                         </m:ctrlPr>
                       </m:accPr>
@@ -10506,7 +10557,7 @@
                       <m:fPr>
                         <m:ctrlPr>
                           <a:rPr lang="en-US" b="0" i="1" smtClean="0">
-                            <a:latin typeface="Cambria Math" panose="02040503050406030204" pitchFamily="18" charset="0"/>
+                            <a:latin typeface="Cambria Math" charset="0"/>
                           </a:rPr>
                         </m:ctrlPr>
                       </m:fPr>
@@ -10533,7 +10584,7 @@
                         <m:limLoc m:val="subSup"/>
                         <m:ctrlPr>
                           <a:rPr lang="en-US" b="0" i="1" smtClean="0">
-                            <a:latin typeface="Cambria Math" panose="02040503050406030204" pitchFamily="18" charset="0"/>
+                            <a:latin typeface="Cambria Math" charset="0"/>
                           </a:rPr>
                         </m:ctrlPr>
                       </m:naryPr>
@@ -10567,7 +10618,7 @@
                           <m:sSubPr>
                             <m:ctrlPr>
                               <a:rPr lang="en-US" b="0" i="1" smtClean="0">
-                                <a:latin typeface="Cambria Math" panose="02040503050406030204" pitchFamily="18" charset="0"/>
+                                <a:latin typeface="Cambria Math" charset="0"/>
                               </a:rPr>
                             </m:ctrlPr>
                           </m:sSubPr>
@@ -10601,7 +10652,7 @@
                         <m:chr m:val="̅"/>
                         <m:ctrlPr>
                           <a:rPr lang="en-US" i="1">
-                            <a:latin typeface="Cambria Math" panose="02040503050406030204" pitchFamily="18" charset="0"/>
+                            <a:latin typeface="Cambria Math" charset="0"/>
                           </a:rPr>
                         </m:ctrlPr>
                       </m:accPr>
@@ -10624,7 +10675,7 @@
                       <m:fPr>
                         <m:ctrlPr>
                           <a:rPr lang="en-US" i="1">
-                            <a:latin typeface="Cambria Math" panose="02040503050406030204" pitchFamily="18" charset="0"/>
+                            <a:latin typeface="Cambria Math" charset="0"/>
                           </a:rPr>
                         </m:ctrlPr>
                       </m:fPr>
@@ -10651,7 +10702,7 @@
                         <m:limLoc m:val="subSup"/>
                         <m:ctrlPr>
                           <a:rPr lang="en-US" i="1">
-                            <a:latin typeface="Cambria Math" panose="02040503050406030204" pitchFamily="18" charset="0"/>
+                            <a:latin typeface="Cambria Math" charset="0"/>
                           </a:rPr>
                         </m:ctrlPr>
                       </m:naryPr>
@@ -10685,7 +10736,7 @@
                           <m:sSubPr>
                             <m:ctrlPr>
                               <a:rPr lang="en-US" i="1">
-                                <a:latin typeface="Cambria Math" panose="02040503050406030204" pitchFamily="18" charset="0"/>
+                                <a:latin typeface="Cambria Math" charset="0"/>
                               </a:rPr>
                             </m:ctrlPr>
                           </m:sSubPr>
@@ -10726,7 +10777,7 @@
                       <m:sSubSupPr>
                         <m:ctrlPr>
                           <a:rPr lang="en-US" b="0" i="1" smtClean="0">
-                            <a:latin typeface="Cambria Math" panose="02040503050406030204" pitchFamily="18" charset="0"/>
+                            <a:latin typeface="Cambria Math" charset="0"/>
                           </a:rPr>
                         </m:ctrlPr>
                       </m:sSubSupPr>
@@ -10765,7 +10816,7 @@
                       <m:fPr>
                         <m:ctrlPr>
                           <a:rPr lang="en-US" i="1">
-                            <a:latin typeface="Cambria Math" panose="02040503050406030204" pitchFamily="18" charset="0"/>
+                            <a:latin typeface="Cambria Math" charset="0"/>
                           </a:rPr>
                         </m:ctrlPr>
                       </m:fPr>
@@ -10792,7 +10843,7 @@
                         <m:limLoc m:val="subSup"/>
                         <m:ctrlPr>
                           <a:rPr lang="en-US" i="1">
-                            <a:latin typeface="Cambria Math" panose="02040503050406030204" pitchFamily="18" charset="0"/>
+                            <a:latin typeface="Cambria Math" charset="0"/>
                           </a:rPr>
                         </m:ctrlPr>
                       </m:naryPr>
@@ -10826,7 +10877,7 @@
                           <m:sSupPr>
                             <m:ctrlPr>
                               <a:rPr lang="en-US" b="0" i="1" smtClean="0">
-                                <a:latin typeface="Cambria Math" panose="02040503050406030204" pitchFamily="18" charset="0"/>
+                                <a:latin typeface="Cambria Math" charset="0"/>
                               </a:rPr>
                             </m:ctrlPr>
                           </m:sSupPr>
@@ -10835,7 +10886,7 @@
                               <m:dPr>
                                 <m:ctrlPr>
                                   <a:rPr lang="en-US" b="0" i="1" smtClean="0">
-                                    <a:latin typeface="Cambria Math" panose="02040503050406030204" pitchFamily="18" charset="0"/>
+                                    <a:latin typeface="Cambria Math" charset="0"/>
                                   </a:rPr>
                                 </m:ctrlPr>
                               </m:dPr>
@@ -10844,7 +10895,7 @@
                                   <m:sSubPr>
                                     <m:ctrlPr>
                                       <a:rPr lang="en-US" b="0" i="1" smtClean="0">
-                                        <a:latin typeface="Cambria Math" panose="02040503050406030204" pitchFamily="18" charset="0"/>
+                                        <a:latin typeface="Cambria Math" charset="0"/>
                                       </a:rPr>
                                     </m:ctrlPr>
                                   </m:sSubPr>
@@ -10876,7 +10927,7 @@
                                     <m:chr m:val="̅"/>
                                     <m:ctrlPr>
                                       <a:rPr lang="en-US" i="1">
-                                        <a:latin typeface="Cambria Math" panose="02040503050406030204" pitchFamily="18" charset="0"/>
+                                        <a:latin typeface="Cambria Math" charset="0"/>
                                       </a:rPr>
                                     </m:ctrlPr>
                                   </m:accPr>
@@ -10919,7 +10970,7 @@
                       <m:sSubSupPr>
                         <m:ctrlPr>
                           <a:rPr lang="en-US" i="1">
-                            <a:latin typeface="Cambria Math" panose="02040503050406030204" pitchFamily="18" charset="0"/>
+                            <a:latin typeface="Cambria Math" charset="0"/>
                           </a:rPr>
                         </m:ctrlPr>
                       </m:sSubSupPr>
@@ -10958,7 +11009,7 @@
                       <m:fPr>
                         <m:ctrlPr>
                           <a:rPr lang="en-US" i="1">
-                            <a:latin typeface="Cambria Math" panose="02040503050406030204" pitchFamily="18" charset="0"/>
+                            <a:latin typeface="Cambria Math" charset="0"/>
                           </a:rPr>
                         </m:ctrlPr>
                       </m:fPr>
@@ -10985,7 +11036,7 @@
                         <m:limLoc m:val="subSup"/>
                         <m:ctrlPr>
                           <a:rPr lang="en-US" i="1">
-                            <a:latin typeface="Cambria Math" panose="02040503050406030204" pitchFamily="18" charset="0"/>
+                            <a:latin typeface="Cambria Math" charset="0"/>
                           </a:rPr>
                         </m:ctrlPr>
                       </m:naryPr>
@@ -11019,7 +11070,7 @@
                           <m:sSupPr>
                             <m:ctrlPr>
                               <a:rPr lang="en-US" i="1">
-                                <a:latin typeface="Cambria Math" panose="02040503050406030204" pitchFamily="18" charset="0"/>
+                                <a:latin typeface="Cambria Math" charset="0"/>
                               </a:rPr>
                             </m:ctrlPr>
                           </m:sSupPr>
@@ -11028,7 +11079,7 @@
                               <m:dPr>
                                 <m:ctrlPr>
                                   <a:rPr lang="en-US" i="1">
-                                    <a:latin typeface="Cambria Math" panose="02040503050406030204" pitchFamily="18" charset="0"/>
+                                    <a:latin typeface="Cambria Math" charset="0"/>
                                   </a:rPr>
                                 </m:ctrlPr>
                               </m:dPr>
@@ -11037,7 +11088,7 @@
                                   <m:sSubPr>
                                     <m:ctrlPr>
                                       <a:rPr lang="en-US" i="1">
-                                        <a:latin typeface="Cambria Math" panose="02040503050406030204" pitchFamily="18" charset="0"/>
+                                        <a:latin typeface="Cambria Math" charset="0"/>
                                       </a:rPr>
                                     </m:ctrlPr>
                                   </m:sSubPr>
@@ -11069,7 +11120,7 @@
                                     <m:chr m:val="̅"/>
                                     <m:ctrlPr>
                                       <a:rPr lang="en-US" i="1">
-                                        <a:latin typeface="Cambria Math" panose="02040503050406030204" pitchFamily="18" charset="0"/>
+                                        <a:latin typeface="Cambria Math" charset="0"/>
                                       </a:rPr>
                                     </m:ctrlPr>
                                   </m:accPr>
@@ -11151,7 +11202,7 @@
                       <m:sSubPr>
                         <m:ctrlPr>
                           <a:rPr lang="en-US" b="0" i="1" smtClean="0">
-                            <a:latin typeface="Cambria Math" panose="02040503050406030204" pitchFamily="18" charset="0"/>
+                            <a:latin typeface="Cambria Math" charset="0"/>
                           </a:rPr>
                         </m:ctrlPr>
                       </m:sSubPr>
@@ -11182,7 +11233,7 @@
                       <m:sSubPr>
                         <m:ctrlPr>
                           <a:rPr lang="en-US" b="0" i="1" smtClean="0">
-                            <a:latin typeface="Cambria Math" panose="02040503050406030204" pitchFamily="18" charset="0"/>
+                            <a:latin typeface="Cambria Math" charset="0"/>
                           </a:rPr>
                         </m:ctrlPr>
                       </m:sSubPr>
@@ -11429,8 +11480,8 @@
           </a:p>
         </p:txBody>
       </p:sp>
-      <mc:AlternateContent xmlns:mc="http://schemas.openxmlformats.org/markup-compatibility/2006" xmlns:a14="http://schemas.microsoft.com/office/drawing/2010/main">
-        <mc:Choice Requires="a14">
+      <mc:AlternateContent xmlns:mc="http://schemas.openxmlformats.org/markup-compatibility/2006">
+        <mc:Choice xmlns:a14="http://schemas.microsoft.com/office/drawing/2010/main" Requires="a14">
           <p:sp>
             <p:nvSpPr>
               <p:cNvPr id="3" name="Content Placeholder 2"/>
@@ -11475,7 +11526,7 @@
                         <m:chr m:val="̅"/>
                         <m:ctrlPr>
                           <a:rPr lang="en-US" i="1">
-                            <a:latin typeface="Cambria Math" panose="02040503050406030204" pitchFamily="18" charset="0"/>
+                            <a:latin typeface="Cambria Math" charset="0"/>
                           </a:rPr>
                         </m:ctrlPr>
                       </m:accPr>
@@ -11501,7 +11552,7 @@
                         <m:chr m:val="̅"/>
                         <m:ctrlPr>
                           <a:rPr lang="en-US" i="1">
-                            <a:latin typeface="Cambria Math" panose="02040503050406030204" pitchFamily="18" charset="0"/>
+                            <a:latin typeface="Cambria Math" charset="0"/>
                           </a:rPr>
                         </m:ctrlPr>
                       </m:accPr>
@@ -11551,7 +11602,7 @@
                       <m:sSubPr>
                         <m:ctrlPr>
                           <a:rPr lang="en-US" i="1">
-                            <a:latin typeface="Cambria Math" panose="02040503050406030204" pitchFamily="18" charset="0"/>
+                            <a:latin typeface="Cambria Math" charset="0"/>
                           </a:rPr>
                         </m:ctrlPr>
                       </m:sSubPr>
@@ -11590,7 +11641,7 @@
                       <m:sSubPr>
                         <m:ctrlPr>
                           <a:rPr lang="en-US" b="0" i="1" smtClean="0">
-                            <a:latin typeface="Cambria Math" panose="02040503050406030204" pitchFamily="18" charset="0"/>
+                            <a:latin typeface="Cambria Math" charset="0"/>
                           </a:rPr>
                         </m:ctrlPr>
                       </m:sSubPr>
@@ -11632,8 +11683,12 @@
                   <a:rPr lang="en-US" dirty="0"/>
                 </a:br>
                 <a:r>
+                  <a:rPr lang="en-US" dirty="0" smtClean="0"/>
+                  <a:t>0.27% </a:t>
+                </a:r>
+                <a:r>
                   <a:rPr lang="en-US" dirty="0"/>
-                  <a:t>1% of points are 3 SDs from mean</a:t>
+                  <a:t>of points are 3 SDs from mean</a:t>
                 </a:r>
               </a:p>
               <a:p>
@@ -11649,7 +11704,7 @@
             </p:txBody>
           </p:sp>
         </mc:Choice>
-        <mc:Fallback xmlns="">
+        <mc:Fallback>
           <p:sp>
             <p:nvSpPr>
               <p:cNvPr id="3" name="Content Placeholder 2"/>
@@ -11665,7 +11720,7 @@
                 <a:off x="1097281" y="1539277"/>
                 <a:ext cx="4717580" cy="3799889"/>
               </a:xfrm>
-              <a:blipFill>
+              <a:blipFill rotWithShape="0">
                 <a:blip r:embed="rId2"/>
                 <a:stretch>
                   <a:fillRect l="-3101" t="-1766" r="-2196"/>
@@ -11739,7 +11794,7 @@
           <p:cNvPr id="10" name="Straight Connector 9">
             <a:extLst>
               <a:ext uri="{FF2B5EF4-FFF2-40B4-BE49-F238E27FC236}">
-                <a16:creationId xmlns:a16="http://schemas.microsoft.com/office/drawing/2014/main" id="{EA6D4CB0-D8F1-4CC8-AA01-F0380C2CEEE5}"/>
+                <a16:creationId xmlns:a16="http://schemas.microsoft.com/office/drawing/2014/main" xmlns="" id="{EA6D4CB0-D8F1-4CC8-AA01-F0380C2CEEE5}"/>
               </a:ext>
             </a:extLst>
           </p:cNvPr>
@@ -11778,7 +11833,7 @@
           <p:cNvPr id="11" name="Straight Connector 10">
             <a:extLst>
               <a:ext uri="{FF2B5EF4-FFF2-40B4-BE49-F238E27FC236}">
-                <a16:creationId xmlns:a16="http://schemas.microsoft.com/office/drawing/2014/main" id="{660153AA-30E3-4386-AA2B-5E2AB65E7E30}"/>
+                <a16:creationId xmlns:a16="http://schemas.microsoft.com/office/drawing/2014/main" xmlns="" id="{660153AA-30E3-4386-AA2B-5E2AB65E7E30}"/>
               </a:ext>
             </a:extLst>
           </p:cNvPr>
@@ -11817,7 +11872,7 @@
           <p:cNvPr id="13" name="Straight Connector 12">
             <a:extLst>
               <a:ext uri="{FF2B5EF4-FFF2-40B4-BE49-F238E27FC236}">
-                <a16:creationId xmlns:a16="http://schemas.microsoft.com/office/drawing/2014/main" id="{9C9E5F9F-EC8A-46AC-AF9B-12D7F11F9564}"/>
+                <a16:creationId xmlns:a16="http://schemas.microsoft.com/office/drawing/2014/main" xmlns="" id="{9C9E5F9F-EC8A-46AC-AF9B-12D7F11F9564}"/>
               </a:ext>
             </a:extLst>
           </p:cNvPr>
@@ -11859,7 +11914,7 @@
           <p:cNvPr id="16" name="Straight Connector 15">
             <a:extLst>
               <a:ext uri="{FF2B5EF4-FFF2-40B4-BE49-F238E27FC236}">
-                <a16:creationId xmlns:a16="http://schemas.microsoft.com/office/drawing/2014/main" id="{C83269DB-AB31-4423-B115-91CBB6C0E4C2}"/>
+                <a16:creationId xmlns:a16="http://schemas.microsoft.com/office/drawing/2014/main" xmlns="" id="{C83269DB-AB31-4423-B115-91CBB6C0E4C2}"/>
               </a:ext>
             </a:extLst>
           </p:cNvPr>
@@ -11898,7 +11953,7 @@
           <p:cNvPr id="17" name="Straight Connector 16">
             <a:extLst>
               <a:ext uri="{FF2B5EF4-FFF2-40B4-BE49-F238E27FC236}">
-                <a16:creationId xmlns:a16="http://schemas.microsoft.com/office/drawing/2014/main" id="{CB94E085-5EF1-48CE-AF24-A919D7B9DC2F}"/>
+                <a16:creationId xmlns:a16="http://schemas.microsoft.com/office/drawing/2014/main" xmlns="" id="{CB94E085-5EF1-48CE-AF24-A919D7B9DC2F}"/>
               </a:ext>
             </a:extLst>
           </p:cNvPr>
@@ -11942,7 +11997,7 @@
               <p:cNvPr id="19" name="TextBox 18">
                 <a:extLst>
                   <a:ext uri="{FF2B5EF4-FFF2-40B4-BE49-F238E27FC236}">
-                    <a16:creationId xmlns:a16="http://schemas.microsoft.com/office/drawing/2014/main" id="{4502452B-A74D-4CEE-8F37-186351BB9F7F}"/>
+                    <a16:creationId xmlns:a16="http://schemas.microsoft.com/office/drawing/2014/main" xmlns="" id="{4502452B-A74D-4CEE-8F37-186351BB9F7F}"/>
                   </a:ext>
                 </a:extLst>
               </p:cNvPr>
@@ -11977,7 +12032,7 @@
                           <m:chr m:val="̅"/>
                           <m:ctrlPr>
                             <a:rPr lang="en-US" sz="2400" i="1" smtClean="0">
-                              <a:latin typeface="Cambria Math" panose="02040503050406030204" pitchFamily="18" charset="0"/>
+                              <a:latin typeface="Cambria Math" charset="0"/>
                             </a:rPr>
                           </m:ctrlPr>
                         </m:accPr>
@@ -12050,7 +12105,7 @@
               <p:cNvPr id="20" name="TextBox 19">
                 <a:extLst>
                   <a:ext uri="{FF2B5EF4-FFF2-40B4-BE49-F238E27FC236}">
-                    <a16:creationId xmlns:a16="http://schemas.microsoft.com/office/drawing/2014/main" id="{52A0CCC3-2C52-4D9F-9285-540D364A1D98}"/>
+                    <a16:creationId xmlns:a16="http://schemas.microsoft.com/office/drawing/2014/main" xmlns="" id="{52A0CCC3-2C52-4D9F-9285-540D364A1D98}"/>
                   </a:ext>
                 </a:extLst>
               </p:cNvPr>
@@ -12085,7 +12140,7 @@
                           <m:chr m:val="̅"/>
                           <m:ctrlPr>
                             <a:rPr lang="en-US" sz="2400" i="1" smtClean="0">
-                              <a:latin typeface="Cambria Math" panose="02040503050406030204" pitchFamily="18" charset="0"/>
+                              <a:latin typeface="Cambria Math" charset="0"/>
                             </a:rPr>
                           </m:ctrlPr>
                         </m:accPr>
@@ -12158,7 +12213,7 @@
               <p:cNvPr id="21" name="TextBox 20">
                 <a:extLst>
                   <a:ext uri="{FF2B5EF4-FFF2-40B4-BE49-F238E27FC236}">
-                    <a16:creationId xmlns:a16="http://schemas.microsoft.com/office/drawing/2014/main" id="{7BD1609F-EE96-43E1-BCA4-6C8D177C86B2}"/>
+                    <a16:creationId xmlns:a16="http://schemas.microsoft.com/office/drawing/2014/main" xmlns="" id="{7BD1609F-EE96-43E1-BCA4-6C8D177C86B2}"/>
                   </a:ext>
                 </a:extLst>
               </p:cNvPr>
@@ -12198,7 +12253,7 @@
                         <m:sSubPr>
                           <m:ctrlPr>
                             <a:rPr lang="en-US" sz="2400" b="0" i="1" smtClean="0">
-                              <a:latin typeface="Cambria Math" panose="02040503050406030204" pitchFamily="18" charset="0"/>
+                              <a:latin typeface="Cambria Math" charset="0"/>
                             </a:rPr>
                           </m:ctrlPr>
                         </m:sSubPr>
@@ -12279,7 +12334,7 @@
               <p:cNvPr id="22" name="TextBox 21">
                 <a:extLst>
                   <a:ext uri="{FF2B5EF4-FFF2-40B4-BE49-F238E27FC236}">
-                    <a16:creationId xmlns:a16="http://schemas.microsoft.com/office/drawing/2014/main" id="{4FDAB048-EBB4-431A-89CE-91A670C8C65E}"/>
+                    <a16:creationId xmlns:a16="http://schemas.microsoft.com/office/drawing/2014/main" xmlns="" id="{4FDAB048-EBB4-431A-89CE-91A670C8C65E}"/>
                   </a:ext>
                 </a:extLst>
               </p:cNvPr>
@@ -12319,7 +12374,7 @@
                         <m:sSubPr>
                           <m:ctrlPr>
                             <a:rPr lang="en-US" sz="2400" b="0" i="1" smtClean="0">
-                              <a:latin typeface="Cambria Math" panose="02040503050406030204" pitchFamily="18" charset="0"/>
+                              <a:latin typeface="Cambria Math" charset="0"/>
                             </a:rPr>
                           </m:ctrlPr>
                         </m:sSubPr>
@@ -12532,7 +12587,7 @@
           <p:cNvPr id="7" name="Picture 6">
             <a:extLst>
               <a:ext uri="{FF2B5EF4-FFF2-40B4-BE49-F238E27FC236}">
-                <a16:creationId xmlns:a16="http://schemas.microsoft.com/office/drawing/2014/main" id="{AE03F22E-4ECA-43A4-98E6-51456132DC57}"/>
+                <a16:creationId xmlns:a16="http://schemas.microsoft.com/office/drawing/2014/main" xmlns="" id="{AE03F22E-4ECA-43A4-98E6-51456132DC57}"/>
               </a:ext>
             </a:extLst>
           </p:cNvPr>
@@ -12562,7 +12617,7 @@
           <p:cNvPr id="10" name="Straight Connector 9">
             <a:extLst>
               <a:ext uri="{FF2B5EF4-FFF2-40B4-BE49-F238E27FC236}">
-                <a16:creationId xmlns:a16="http://schemas.microsoft.com/office/drawing/2014/main" id="{EA6D4CB0-D8F1-4CC8-AA01-F0380C2CEEE5}"/>
+                <a16:creationId xmlns:a16="http://schemas.microsoft.com/office/drawing/2014/main" xmlns="" id="{EA6D4CB0-D8F1-4CC8-AA01-F0380C2CEEE5}"/>
               </a:ext>
             </a:extLst>
           </p:cNvPr>
@@ -12601,7 +12656,7 @@
           <p:cNvPr id="11" name="Straight Connector 10">
             <a:extLst>
               <a:ext uri="{FF2B5EF4-FFF2-40B4-BE49-F238E27FC236}">
-                <a16:creationId xmlns:a16="http://schemas.microsoft.com/office/drawing/2014/main" id="{660153AA-30E3-4386-AA2B-5E2AB65E7E30}"/>
+                <a16:creationId xmlns:a16="http://schemas.microsoft.com/office/drawing/2014/main" xmlns="" id="{660153AA-30E3-4386-AA2B-5E2AB65E7E30}"/>
               </a:ext>
             </a:extLst>
           </p:cNvPr>
@@ -12640,7 +12695,7 @@
           <p:cNvPr id="13" name="Straight Connector 12">
             <a:extLst>
               <a:ext uri="{FF2B5EF4-FFF2-40B4-BE49-F238E27FC236}">
-                <a16:creationId xmlns:a16="http://schemas.microsoft.com/office/drawing/2014/main" id="{9C9E5F9F-EC8A-46AC-AF9B-12D7F11F9564}"/>
+                <a16:creationId xmlns:a16="http://schemas.microsoft.com/office/drawing/2014/main" xmlns="" id="{9C9E5F9F-EC8A-46AC-AF9B-12D7F11F9564}"/>
               </a:ext>
             </a:extLst>
           </p:cNvPr>
@@ -12682,7 +12737,7 @@
           <p:cNvPr id="16" name="Straight Connector 15">
             <a:extLst>
               <a:ext uri="{FF2B5EF4-FFF2-40B4-BE49-F238E27FC236}">
-                <a16:creationId xmlns:a16="http://schemas.microsoft.com/office/drawing/2014/main" id="{C83269DB-AB31-4423-B115-91CBB6C0E4C2}"/>
+                <a16:creationId xmlns:a16="http://schemas.microsoft.com/office/drawing/2014/main" xmlns="" id="{C83269DB-AB31-4423-B115-91CBB6C0E4C2}"/>
               </a:ext>
             </a:extLst>
           </p:cNvPr>
@@ -12721,7 +12776,7 @@
           <p:cNvPr id="17" name="Straight Connector 16">
             <a:extLst>
               <a:ext uri="{FF2B5EF4-FFF2-40B4-BE49-F238E27FC236}">
-                <a16:creationId xmlns:a16="http://schemas.microsoft.com/office/drawing/2014/main" id="{CB94E085-5EF1-48CE-AF24-A919D7B9DC2F}"/>
+                <a16:creationId xmlns:a16="http://schemas.microsoft.com/office/drawing/2014/main" xmlns="" id="{CB94E085-5EF1-48CE-AF24-A919D7B9DC2F}"/>
               </a:ext>
             </a:extLst>
           </p:cNvPr>
@@ -12765,7 +12820,7 @@
               <p:cNvPr id="19" name="TextBox 18">
                 <a:extLst>
                   <a:ext uri="{FF2B5EF4-FFF2-40B4-BE49-F238E27FC236}">
-                    <a16:creationId xmlns:a16="http://schemas.microsoft.com/office/drawing/2014/main" id="{4502452B-A74D-4CEE-8F37-186351BB9F7F}"/>
+                    <a16:creationId xmlns:a16="http://schemas.microsoft.com/office/drawing/2014/main" xmlns="" id="{4502452B-A74D-4CEE-8F37-186351BB9F7F}"/>
                   </a:ext>
                 </a:extLst>
               </p:cNvPr>
@@ -12800,7 +12855,7 @@
                           <m:chr m:val="̅"/>
                           <m:ctrlPr>
                             <a:rPr lang="en-US" sz="2400" i="1" smtClean="0">
-                              <a:latin typeface="Cambria Math" panose="02040503050406030204" pitchFamily="18" charset="0"/>
+                              <a:latin typeface="Cambria Math" charset="0"/>
                             </a:rPr>
                           </m:ctrlPr>
                         </m:accPr>
@@ -12873,7 +12928,7 @@
               <p:cNvPr id="20" name="TextBox 19">
                 <a:extLst>
                   <a:ext uri="{FF2B5EF4-FFF2-40B4-BE49-F238E27FC236}">
-                    <a16:creationId xmlns:a16="http://schemas.microsoft.com/office/drawing/2014/main" id="{52A0CCC3-2C52-4D9F-9285-540D364A1D98}"/>
+                    <a16:creationId xmlns:a16="http://schemas.microsoft.com/office/drawing/2014/main" xmlns="" id="{52A0CCC3-2C52-4D9F-9285-540D364A1D98}"/>
                   </a:ext>
                 </a:extLst>
               </p:cNvPr>
@@ -12908,7 +12963,7 @@
                           <m:chr m:val="̅"/>
                           <m:ctrlPr>
                             <a:rPr lang="en-US" sz="2400" i="1" smtClean="0">
-                              <a:latin typeface="Cambria Math" panose="02040503050406030204" pitchFamily="18" charset="0"/>
+                              <a:latin typeface="Cambria Math" charset="0"/>
                             </a:rPr>
                           </m:ctrlPr>
                         </m:accPr>
@@ -12981,7 +13036,7 @@
               <p:cNvPr id="21" name="TextBox 20">
                 <a:extLst>
                   <a:ext uri="{FF2B5EF4-FFF2-40B4-BE49-F238E27FC236}">
-                    <a16:creationId xmlns:a16="http://schemas.microsoft.com/office/drawing/2014/main" id="{7BD1609F-EE96-43E1-BCA4-6C8D177C86B2}"/>
+                    <a16:creationId xmlns:a16="http://schemas.microsoft.com/office/drawing/2014/main" xmlns="" id="{7BD1609F-EE96-43E1-BCA4-6C8D177C86B2}"/>
                   </a:ext>
                 </a:extLst>
               </p:cNvPr>
@@ -13021,7 +13076,7 @@
                         <m:sSubPr>
                           <m:ctrlPr>
                             <a:rPr lang="en-US" sz="2400" b="0" i="1" smtClean="0">
-                              <a:latin typeface="Cambria Math" panose="02040503050406030204" pitchFamily="18" charset="0"/>
+                              <a:latin typeface="Cambria Math" charset="0"/>
                             </a:rPr>
                           </m:ctrlPr>
                         </m:sSubPr>
@@ -13102,7 +13157,7 @@
               <p:cNvPr id="22" name="TextBox 21">
                 <a:extLst>
                   <a:ext uri="{FF2B5EF4-FFF2-40B4-BE49-F238E27FC236}">
-                    <a16:creationId xmlns:a16="http://schemas.microsoft.com/office/drawing/2014/main" id="{4FDAB048-EBB4-431A-89CE-91A670C8C65E}"/>
+                    <a16:creationId xmlns:a16="http://schemas.microsoft.com/office/drawing/2014/main" xmlns="" id="{4FDAB048-EBB4-431A-89CE-91A670C8C65E}"/>
                   </a:ext>
                 </a:extLst>
               </p:cNvPr>
@@ -13142,7 +13197,7 @@
                         <m:sSubPr>
                           <m:ctrlPr>
                             <a:rPr lang="en-US" sz="2400" b="0" i="1" smtClean="0">
-                              <a:latin typeface="Cambria Math" panose="02040503050406030204" pitchFamily="18" charset="0"/>
+                              <a:latin typeface="Cambria Math" charset="0"/>
                             </a:rPr>
                           </m:ctrlPr>
                         </m:sSubPr>
@@ -13221,7 +13276,7 @@
           <p:cNvPr id="9" name="Picture 8">
             <a:extLst>
               <a:ext uri="{FF2B5EF4-FFF2-40B4-BE49-F238E27FC236}">
-                <a16:creationId xmlns:a16="http://schemas.microsoft.com/office/drawing/2014/main" id="{6808EE9D-F3E7-49B0-84E5-D5C2118F2FED}"/>
+                <a16:creationId xmlns:a16="http://schemas.microsoft.com/office/drawing/2014/main" xmlns="" id="{6808EE9D-F3E7-49B0-84E5-D5C2118F2FED}"/>
               </a:ext>
             </a:extLst>
           </p:cNvPr>
@@ -13330,7 +13385,7 @@
                       <m:sSubPr>
                         <m:ctrlPr>
                           <a:rPr lang="en-US" b="0" i="1" smtClean="0">
-                            <a:latin typeface="Cambria Math" panose="02040503050406030204" pitchFamily="18" charset="0"/>
+                            <a:latin typeface="Cambria Math" charset="0"/>
                           </a:rPr>
                         </m:ctrlPr>
                       </m:sSubPr>
@@ -13361,7 +13416,7 @@
                       <m:fPr>
                         <m:ctrlPr>
                           <a:rPr lang="en-US" b="0" i="1" smtClean="0">
-                            <a:latin typeface="Cambria Math" panose="02040503050406030204" pitchFamily="18" charset="0"/>
+                            <a:latin typeface="Cambria Math" charset="0"/>
                           </a:rPr>
                         </m:ctrlPr>
                       </m:fPr>
@@ -13388,7 +13443,7 @@
                         <m:limLoc m:val="subSup"/>
                         <m:ctrlPr>
                           <a:rPr lang="en-US" b="0" i="1" smtClean="0">
-                            <a:latin typeface="Cambria Math" panose="02040503050406030204" pitchFamily="18" charset="0"/>
+                            <a:latin typeface="Cambria Math" charset="0"/>
                           </a:rPr>
                         </m:ctrlPr>
                       </m:naryPr>
@@ -13428,7 +13483,7 @@
                           <m:sSubPr>
                             <m:ctrlPr>
                               <a:rPr lang="en-US" b="0" i="1" smtClean="0">
-                                <a:latin typeface="Cambria Math" panose="02040503050406030204" pitchFamily="18" charset="0"/>
+                                <a:latin typeface="Cambria Math" charset="0"/>
                               </a:rPr>
                             </m:ctrlPr>
                           </m:sSubPr>
@@ -13460,7 +13515,7 @@
                             <m:chr m:val="̅"/>
                             <m:ctrlPr>
                               <a:rPr lang="en-US" i="1">
-                                <a:latin typeface="Cambria Math" panose="02040503050406030204" pitchFamily="18" charset="0"/>
+                                <a:latin typeface="Cambria Math" charset="0"/>
                               </a:rPr>
                             </m:ctrlPr>
                           </m:accPr>
@@ -13483,7 +13538,7 @@
                           <m:sSubPr>
                             <m:ctrlPr>
                               <a:rPr lang="en-US" b="0" i="1" smtClean="0">
-                                <a:latin typeface="Cambria Math" panose="02040503050406030204" pitchFamily="18" charset="0"/>
+                                <a:latin typeface="Cambria Math" charset="0"/>
                               </a:rPr>
                             </m:ctrlPr>
                           </m:sSubPr>
@@ -13515,7 +13570,7 @@
                             <m:chr m:val="̅"/>
                             <m:ctrlPr>
                               <a:rPr lang="en-US" i="1">
-                                <a:latin typeface="Cambria Math" panose="02040503050406030204" pitchFamily="18" charset="0"/>
+                                <a:latin typeface="Cambria Math" charset="0"/>
                               </a:rPr>
                             </m:ctrlPr>
                           </m:accPr>
@@ -13568,7 +13623,7 @@
                       <m:sSubPr>
                         <m:ctrlPr>
                           <a:rPr lang="en-US" b="0" i="1" smtClean="0">
-                            <a:latin typeface="Cambria Math" panose="02040503050406030204" pitchFamily="18" charset="0"/>
+                            <a:latin typeface="Cambria Math" charset="0"/>
                           </a:rPr>
                         </m:ctrlPr>
                       </m:sSubPr>
@@ -13605,7 +13660,7 @@
                       <m:sSubPr>
                         <m:ctrlPr>
                           <a:rPr lang="en-US" b="0" i="1" smtClean="0">
-                            <a:latin typeface="Cambria Math" panose="02040503050406030204" pitchFamily="18" charset="0"/>
+                            <a:latin typeface="Cambria Math" charset="0"/>
                           </a:rPr>
                         </m:ctrlPr>
                       </m:sSubPr>
@@ -13630,7 +13685,7 @@
                       <m:sSubPr>
                         <m:ctrlPr>
                           <a:rPr lang="en-US" b="0" i="1" smtClean="0">
-                            <a:latin typeface="Cambria Math" panose="02040503050406030204" pitchFamily="18" charset="0"/>
+                            <a:latin typeface="Cambria Math" charset="0"/>
                           </a:rPr>
                         </m:ctrlPr>
                       </m:sSubPr>
@@ -13669,7 +13724,7 @@
                       <m:sSubPr>
                         <m:ctrlPr>
                           <a:rPr lang="en-US" b="0" i="1" smtClean="0">
-                            <a:latin typeface="Cambria Math" panose="02040503050406030204" pitchFamily="18" charset="0"/>
+                            <a:latin typeface="Cambria Math" charset="0"/>
                           </a:rPr>
                         </m:ctrlPr>
                       </m:sSubPr>
@@ -13700,7 +13755,7 @@
                       <m:fPr>
                         <m:ctrlPr>
                           <a:rPr lang="en-US" b="0" i="1" smtClean="0">
-                            <a:latin typeface="Cambria Math" panose="02040503050406030204" pitchFamily="18" charset="0"/>
+                            <a:latin typeface="Cambria Math" charset="0"/>
                           </a:rPr>
                         </m:ctrlPr>
                       </m:fPr>
@@ -13709,7 +13764,7 @@
                           <m:sSubPr>
                             <m:ctrlPr>
                               <a:rPr lang="en-US" b="0" i="1" smtClean="0">
-                                <a:latin typeface="Cambria Math" panose="02040503050406030204" pitchFamily="18" charset="0"/>
+                                <a:latin typeface="Cambria Math" charset="0"/>
                               </a:rPr>
                             </m:ctrlPr>
                           </m:sSubPr>
@@ -13736,7 +13791,7 @@
                           <m:sSubPr>
                             <m:ctrlPr>
                               <a:rPr lang="en-US" b="0" i="1" smtClean="0">
-                                <a:latin typeface="Cambria Math" panose="02040503050406030204" pitchFamily="18" charset="0"/>
+                                <a:latin typeface="Cambria Math" charset="0"/>
                               </a:rPr>
                             </m:ctrlPr>
                           </m:sSubPr>
@@ -13761,7 +13816,7 @@
                           <m:sSubPr>
                             <m:ctrlPr>
                               <a:rPr lang="en-US" b="0" i="1" smtClean="0">
-                                <a:latin typeface="Cambria Math" panose="02040503050406030204" pitchFamily="18" charset="0"/>
+                                <a:latin typeface="Cambria Math" charset="0"/>
                               </a:rPr>
                             </m:ctrlPr>
                           </m:sSubPr>
@@ -13798,6 +13853,10 @@
                 <a:pPr marL="0" indent="0">
                   <a:buNone/>
                 </a:pPr>
+                <a:r>
+                  <a:rPr lang="en-US" dirty="0"/>
+                  <a:t/>
+                </a:r>
                 <a:br>
                   <a:rPr lang="en-US" dirty="0"/>
                 </a:br>
@@ -13942,7 +14001,7 @@
                       <m:sSubSupPr>
                         <m:ctrlPr>
                           <a:rPr lang="en-US" b="0" i="1" smtClean="0">
-                            <a:latin typeface="Cambria Math" panose="02040503050406030204" pitchFamily="18" charset="0"/>
+                            <a:latin typeface="Cambria Math" charset="0"/>
                           </a:rPr>
                         </m:ctrlPr>
                       </m:sSubSupPr>
@@ -13981,7 +14040,7 @@
                       <m:fPr>
                         <m:ctrlPr>
                           <a:rPr lang="en-US" b="0" i="1" smtClean="0">
-                            <a:latin typeface="Cambria Math" panose="02040503050406030204" pitchFamily="18" charset="0"/>
+                            <a:latin typeface="Cambria Math" charset="0"/>
                           </a:rPr>
                         </m:ctrlPr>
                       </m:fPr>
@@ -14009,7 +14068,7 @@
                         <m:supHide m:val="on"/>
                         <m:ctrlPr>
                           <a:rPr lang="en-US" b="0" i="1" smtClean="0">
-                            <a:latin typeface="Cambria Math" panose="02040503050406030204" pitchFamily="18" charset="0"/>
+                            <a:latin typeface="Cambria Math" charset="0"/>
                           </a:rPr>
                         </m:ctrlPr>
                       </m:naryPr>
@@ -14020,7 +14079,7 @@
                           <m:sSupPr>
                             <m:ctrlPr>
                               <a:rPr lang="en-US" b="0" i="1" smtClean="0">
-                                <a:latin typeface="Cambria Math" panose="02040503050406030204" pitchFamily="18" charset="0"/>
+                                <a:latin typeface="Cambria Math" charset="0"/>
                               </a:rPr>
                             </m:ctrlPr>
                           </m:sSupPr>
@@ -14029,7 +14088,7 @@
                               <m:dPr>
                                 <m:ctrlPr>
                                   <a:rPr lang="en-US" b="0" i="1" smtClean="0">
-                                    <a:latin typeface="Cambria Math" panose="02040503050406030204" pitchFamily="18" charset="0"/>
+                                    <a:latin typeface="Cambria Math" charset="0"/>
                                   </a:rPr>
                                 </m:ctrlPr>
                               </m:dPr>
@@ -14038,7 +14097,7 @@
                                   <m:sSubPr>
                                     <m:ctrlPr>
                                       <a:rPr lang="en-US" b="0" i="1" smtClean="0">
-                                        <a:latin typeface="Cambria Math" panose="02040503050406030204" pitchFamily="18" charset="0"/>
+                                        <a:latin typeface="Cambria Math" charset="0"/>
                                       </a:rPr>
                                     </m:ctrlPr>
                                   </m:sSubPr>
@@ -14070,7 +14129,7 @@
                                     <m:chr m:val="̅"/>
                                     <m:ctrlPr>
                                       <a:rPr lang="en-US" b="0" i="1" smtClean="0">
-                                        <a:latin typeface="Cambria Math" panose="02040503050406030204" pitchFamily="18" charset="0"/>
+                                        <a:latin typeface="Cambria Math" charset="0"/>
                                       </a:rPr>
                                     </m:ctrlPr>
                                   </m:accPr>
@@ -14116,7 +14175,7 @@
                       <m:sSubSupPr>
                         <m:ctrlPr>
                           <a:rPr lang="en-US" i="1">
-                            <a:latin typeface="Cambria Math" panose="02040503050406030204" pitchFamily="18" charset="0"/>
+                            <a:latin typeface="Cambria Math" charset="0"/>
                           </a:rPr>
                         </m:ctrlPr>
                       </m:sSubSupPr>
@@ -14155,7 +14214,7 @@
                       <m:fPr>
                         <m:ctrlPr>
                           <a:rPr lang="en-US" i="1">
-                            <a:latin typeface="Cambria Math" panose="02040503050406030204" pitchFamily="18" charset="0"/>
+                            <a:latin typeface="Cambria Math" charset="0"/>
                           </a:rPr>
                         </m:ctrlPr>
                       </m:fPr>
@@ -14183,7 +14242,7 @@
                         <m:supHide m:val="on"/>
                         <m:ctrlPr>
                           <a:rPr lang="en-US" i="1">
-                            <a:latin typeface="Cambria Math" panose="02040503050406030204" pitchFamily="18" charset="0"/>
+                            <a:latin typeface="Cambria Math" charset="0"/>
                           </a:rPr>
                         </m:ctrlPr>
                       </m:naryPr>
@@ -14194,7 +14253,7 @@
                           <m:sSubSupPr>
                             <m:ctrlPr>
                               <a:rPr lang="en-US" b="0" i="1" smtClean="0">
-                                <a:latin typeface="Cambria Math" panose="02040503050406030204" pitchFamily="18" charset="0"/>
+                                <a:latin typeface="Cambria Math" charset="0"/>
                               </a:rPr>
                             </m:ctrlPr>
                           </m:sSubSupPr>
@@ -14235,7 +14294,7 @@
                       <m:sSupPr>
                         <m:ctrlPr>
                           <a:rPr lang="en-US" b="0" i="1" smtClean="0">
-                            <a:latin typeface="Cambria Math" panose="02040503050406030204" pitchFamily="18" charset="0"/>
+                            <a:latin typeface="Cambria Math" charset="0"/>
                           </a:rPr>
                         </m:ctrlPr>
                       </m:sSupPr>
@@ -14244,7 +14303,7 @@
                           <m:dPr>
                             <m:ctrlPr>
                               <a:rPr lang="en-US" b="0" i="1" smtClean="0">
-                                <a:latin typeface="Cambria Math" panose="02040503050406030204" pitchFamily="18" charset="0"/>
+                                <a:latin typeface="Cambria Math" charset="0"/>
                               </a:rPr>
                             </m:ctrlPr>
                           </m:dPr>
@@ -14253,7 +14312,7 @@
                               <m:fPr>
                                 <m:ctrlPr>
                                   <a:rPr lang="en-US" i="1">
-                                    <a:latin typeface="Cambria Math" panose="02040503050406030204" pitchFamily="18" charset="0"/>
+                                    <a:latin typeface="Cambria Math" charset="0"/>
                                   </a:rPr>
                                 </m:ctrlPr>
                               </m:fPr>
@@ -14281,7 +14340,7 @@
                                 <m:supHide m:val="on"/>
                                 <m:ctrlPr>
                                   <a:rPr lang="en-US" i="1">
-                                    <a:latin typeface="Cambria Math" panose="02040503050406030204" pitchFamily="18" charset="0"/>
+                                    <a:latin typeface="Cambria Math" charset="0"/>
                                   </a:rPr>
                                 </m:ctrlPr>
                               </m:naryPr>
@@ -14292,7 +14351,7 @@
                                   <m:sSubPr>
                                     <m:ctrlPr>
                                       <a:rPr lang="en-US" i="1">
-                                        <a:latin typeface="Cambria Math" panose="02040503050406030204" pitchFamily="18" charset="0"/>
+                                        <a:latin typeface="Cambria Math" charset="0"/>
                                       </a:rPr>
                                     </m:ctrlPr>
                                   </m:sSubPr>
@@ -14337,7 +14396,7 @@
                       <m:fPr>
                         <m:ctrlPr>
                           <a:rPr lang="en-US" i="1">
-                            <a:latin typeface="Cambria Math" panose="02040503050406030204" pitchFamily="18" charset="0"/>
+                            <a:latin typeface="Cambria Math" charset="0"/>
                           </a:rPr>
                         </m:ctrlPr>
                       </m:fPr>
@@ -14365,7 +14424,7 @@
                         <m:supHide m:val="on"/>
                         <m:ctrlPr>
                           <a:rPr lang="en-US" i="1">
-                            <a:latin typeface="Cambria Math" panose="02040503050406030204" pitchFamily="18" charset="0"/>
+                            <a:latin typeface="Cambria Math" charset="0"/>
                           </a:rPr>
                         </m:ctrlPr>
                       </m:naryPr>
@@ -14376,7 +14435,7 @@
                           <m:sSubSupPr>
                             <m:ctrlPr>
                               <a:rPr lang="en-US" i="1">
-                                <a:latin typeface="Cambria Math" panose="02040503050406030204" pitchFamily="18" charset="0"/>
+                                <a:latin typeface="Cambria Math" charset="0"/>
                               </a:rPr>
                             </m:ctrlPr>
                           </m:sSubSupPr>
@@ -14417,7 +14476,7 @@
                       <m:sSupPr>
                         <m:ctrlPr>
                           <a:rPr lang="en-US" b="0" i="1" smtClean="0">
-                            <a:latin typeface="Cambria Math" panose="02040503050406030204" pitchFamily="18" charset="0"/>
+                            <a:latin typeface="Cambria Math" charset="0"/>
                           </a:rPr>
                         </m:ctrlPr>
                       </m:sSupPr>
@@ -14427,7 +14486,7 @@
                             <m:chr m:val="̅"/>
                             <m:ctrlPr>
                               <a:rPr lang="en-US" i="1" smtClean="0">
-                                <a:latin typeface="Cambria Math" panose="02040503050406030204" pitchFamily="18" charset="0"/>
+                                <a:latin typeface="Cambria Math" charset="0"/>
                               </a:rPr>
                             </m:ctrlPr>
                           </m:accPr>
@@ -14468,7 +14527,7 @@
                       <m:sSubPr>
                         <m:ctrlPr>
                           <a:rPr lang="en-US" b="0" i="1" smtClean="0">
-                            <a:latin typeface="Cambria Math" panose="02040503050406030204" pitchFamily="18" charset="0"/>
+                            <a:latin typeface="Cambria Math" charset="0"/>
                           </a:rPr>
                         </m:ctrlPr>
                       </m:sSubPr>
@@ -14499,7 +14558,7 @@
                       <m:fPr>
                         <m:ctrlPr>
                           <a:rPr lang="en-US" i="1">
-                            <a:latin typeface="Cambria Math" panose="02040503050406030204" pitchFamily="18" charset="0"/>
+                            <a:latin typeface="Cambria Math" charset="0"/>
                           </a:rPr>
                         </m:ctrlPr>
                       </m:fPr>
@@ -14527,7 +14586,7 @@
                         <m:supHide m:val="on"/>
                         <m:ctrlPr>
                           <a:rPr lang="en-US" i="1">
-                            <a:latin typeface="Cambria Math" panose="02040503050406030204" pitchFamily="18" charset="0"/>
+                            <a:latin typeface="Cambria Math" charset="0"/>
                           </a:rPr>
                         </m:ctrlPr>
                       </m:naryPr>
@@ -14538,7 +14597,7 @@
                           <m:sSubPr>
                             <m:ctrlPr>
                               <a:rPr lang="en-US" b="0" i="1" smtClean="0">
-                                <a:latin typeface="Cambria Math" panose="02040503050406030204" pitchFamily="18" charset="0"/>
+                                <a:latin typeface="Cambria Math" charset="0"/>
                               </a:rPr>
                             </m:ctrlPr>
                           </m:sSubPr>
@@ -14563,7 +14622,7 @@
                           <m:sSubPr>
                             <m:ctrlPr>
                               <a:rPr lang="en-US" b="0" i="1" smtClean="0">
-                                <a:latin typeface="Cambria Math" panose="02040503050406030204" pitchFamily="18" charset="0"/>
+                                <a:latin typeface="Cambria Math" charset="0"/>
                               </a:rPr>
                             </m:ctrlPr>
                           </m:sSubPr>
@@ -14597,7 +14656,7 @@
                         <m:chr m:val="̅"/>
                         <m:ctrlPr>
                           <a:rPr lang="en-US" b="0" i="1" smtClean="0">
-                            <a:latin typeface="Cambria Math" panose="02040503050406030204" pitchFamily="18" charset="0"/>
+                            <a:latin typeface="Cambria Math" charset="0"/>
                           </a:rPr>
                         </m:ctrlPr>
                       </m:accPr>
@@ -14713,7 +14772,7 @@
           <p:cNvPr id="2" name="Title 1">
             <a:extLst>
               <a:ext uri="{FF2B5EF4-FFF2-40B4-BE49-F238E27FC236}">
-                <a16:creationId xmlns:a16="http://schemas.microsoft.com/office/drawing/2014/main" id="{7F425731-EAEB-4609-A3FE-B30401F8A638}"/>
+                <a16:creationId xmlns:a16="http://schemas.microsoft.com/office/drawing/2014/main" xmlns="" id="{7F425731-EAEB-4609-A3FE-B30401F8A638}"/>
               </a:ext>
             </a:extLst>
           </p:cNvPr>
@@ -14741,7 +14800,7 @@
           <p:cNvPr id="3" name="Content Placeholder 2">
             <a:extLst>
               <a:ext uri="{FF2B5EF4-FFF2-40B4-BE49-F238E27FC236}">
-                <a16:creationId xmlns:a16="http://schemas.microsoft.com/office/drawing/2014/main" id="{2A4BC5EE-AC37-47AD-A9C4-C0B9B82F7B3A}"/>
+                <a16:creationId xmlns:a16="http://schemas.microsoft.com/office/drawing/2014/main" xmlns="" id="{2A4BC5EE-AC37-47AD-A9C4-C0B9B82F7B3A}"/>
               </a:ext>
             </a:extLst>
           </p:cNvPr>
@@ -14781,7 +14840,7 @@
           <p:cNvPr id="4" name="Slide Number Placeholder 3">
             <a:extLst>
               <a:ext uri="{FF2B5EF4-FFF2-40B4-BE49-F238E27FC236}">
-                <a16:creationId xmlns:a16="http://schemas.microsoft.com/office/drawing/2014/main" id="{090C78EC-4503-4AF9-87C0-FCA6C44A70A3}"/>
+                <a16:creationId xmlns:a16="http://schemas.microsoft.com/office/drawing/2014/main" xmlns="" id="{090C78EC-4503-4AF9-87C0-FCA6C44A70A3}"/>
               </a:ext>
             </a:extLst>
           </p:cNvPr>
@@ -14805,14 +14864,14 @@
           </a:p>
         </p:txBody>
       </p:sp>
-      <mc:AlternateContent xmlns:mc="http://schemas.openxmlformats.org/markup-compatibility/2006">
-        <mc:Choice xmlns:a14="http://schemas.microsoft.com/office/drawing/2010/main" Requires="a14">
+      <mc:AlternateContent xmlns:mc="http://schemas.openxmlformats.org/markup-compatibility/2006" xmlns:a14="http://schemas.microsoft.com/office/drawing/2010/main">
+        <mc:Choice Requires="a14">
           <p:graphicFrame>
             <p:nvGraphicFramePr>
               <p:cNvPr id="5" name="Table 4">
                 <a:extLst>
                   <a:ext uri="{FF2B5EF4-FFF2-40B4-BE49-F238E27FC236}">
-                    <a16:creationId xmlns:a16="http://schemas.microsoft.com/office/drawing/2014/main" id="{91086DA0-EC5B-4F6B-BCE7-07F76E485BB7}"/>
+                    <a16:creationId xmlns:a16="http://schemas.microsoft.com/office/drawing/2014/main" xmlns="" id="{91086DA0-EC5B-4F6B-BCE7-07F76E485BB7}"/>
                   </a:ext>
                 </a:extLst>
               </p:cNvPr>
@@ -14841,28 +14900,28 @@
                     <a:gridCol w="2361923">
                       <a:extLst>
                         <a:ext uri="{9D8B030D-6E8A-4147-A177-3AD203B41FA5}">
-                          <a16:colId xmlns:a16="http://schemas.microsoft.com/office/drawing/2014/main" val="874407200"/>
+                          <a16:colId xmlns:a16="http://schemas.microsoft.com/office/drawing/2014/main" xmlns="" val="874407200"/>
                         </a:ext>
                       </a:extLst>
                     </a:gridCol>
                     <a:gridCol w="1640849">
                       <a:extLst>
                         <a:ext uri="{9D8B030D-6E8A-4147-A177-3AD203B41FA5}">
-                          <a16:colId xmlns:a16="http://schemas.microsoft.com/office/drawing/2014/main" val="664001961"/>
+                          <a16:colId xmlns:a16="http://schemas.microsoft.com/office/drawing/2014/main" xmlns="" val="664001961"/>
                         </a:ext>
                       </a:extLst>
                     </a:gridCol>
                     <a:gridCol w="3082997">
                       <a:extLst>
                         <a:ext uri="{9D8B030D-6E8A-4147-A177-3AD203B41FA5}">
-                          <a16:colId xmlns:a16="http://schemas.microsoft.com/office/drawing/2014/main" val="2377827774"/>
+                          <a16:colId xmlns:a16="http://schemas.microsoft.com/office/drawing/2014/main" xmlns="" val="2377827774"/>
                         </a:ext>
                       </a:extLst>
                     </a:gridCol>
                     <a:gridCol w="2361923">
                       <a:extLst>
                         <a:ext uri="{9D8B030D-6E8A-4147-A177-3AD203B41FA5}">
-                          <a16:colId xmlns:a16="http://schemas.microsoft.com/office/drawing/2014/main" val="4127077390"/>
+                          <a16:colId xmlns:a16="http://schemas.microsoft.com/office/drawing/2014/main" xmlns="" val="4127077390"/>
                         </a:ext>
                       </a:extLst>
                     </a:gridCol>
@@ -14923,7 +14982,7 @@
                     </a:tc>
                     <a:extLst>
                       <a:ext uri="{0D108BD9-81ED-4DB2-BD59-A6C34878D82A}">
-                        <a16:rowId xmlns:a16="http://schemas.microsoft.com/office/drawing/2014/main" val="399602927"/>
+                        <a16:rowId xmlns:a16="http://schemas.microsoft.com/office/drawing/2014/main" xmlns="" val="399602927"/>
                       </a:ext>
                     </a:extLst>
                   </a:tr>
@@ -14954,7 +15013,7 @@
                                   <m:chr m:val="̅"/>
                                   <m:ctrlPr>
                                     <a:rPr lang="en-US" i="1" smtClean="0">
-                                      <a:latin typeface="Cambria Math" panose="02040503050406030204" pitchFamily="18" charset="0"/>
+                                      <a:latin typeface="Cambria Math" charset="0"/>
                                     </a:rPr>
                                   </m:ctrlPr>
                                 </m:accPr>
@@ -14994,7 +15053,7 @@
                                 <m:fPr>
                                   <m:ctrlPr>
                                     <a:rPr lang="en-US" b="0" i="1" smtClean="0">
-                                      <a:latin typeface="Cambria Math" panose="02040503050406030204" pitchFamily="18" charset="0"/>
+                                      <a:latin typeface="Cambria Math" charset="0"/>
                                     </a:rPr>
                                   </m:ctrlPr>
                                 </m:fPr>
@@ -15021,7 +15080,7 @@
                                   <m:limLoc m:val="subSup"/>
                                   <m:ctrlPr>
                                     <a:rPr lang="en-US" b="0" i="1" smtClean="0">
-                                      <a:latin typeface="Cambria Math" panose="02040503050406030204" pitchFamily="18" charset="0"/>
+                                      <a:latin typeface="Cambria Math" charset="0"/>
                                     </a:rPr>
                                   </m:ctrlPr>
                                 </m:naryPr>
@@ -15055,7 +15114,7 @@
                                     <m:sSubPr>
                                       <m:ctrlPr>
                                         <a:rPr lang="en-US" b="0" i="1" smtClean="0">
-                                          <a:latin typeface="Cambria Math" panose="02040503050406030204" pitchFamily="18" charset="0"/>
+                                          <a:latin typeface="Cambria Math" charset="0"/>
                                         </a:rPr>
                                       </m:ctrlPr>
                                     </m:sSubPr>
@@ -15110,7 +15169,7 @@
                     </a:tc>
                     <a:extLst>
                       <a:ext uri="{0D108BD9-81ED-4DB2-BD59-A6C34878D82A}">
-                        <a16:rowId xmlns:a16="http://schemas.microsoft.com/office/drawing/2014/main" val="2011650254"/>
+                        <a16:rowId xmlns:a16="http://schemas.microsoft.com/office/drawing/2014/main" xmlns="" val="2011650254"/>
                       </a:ext>
                     </a:extLst>
                   </a:tr>
@@ -15140,7 +15199,7 @@
                                 <m:sSubSupPr>
                                   <m:ctrlPr>
                                     <a:rPr lang="en-US" b="0" i="1" smtClean="0">
-                                      <a:latin typeface="Cambria Math" panose="02040503050406030204" pitchFamily="18" charset="0"/>
+                                      <a:latin typeface="Cambria Math" charset="0"/>
                                     </a:rPr>
                                   </m:ctrlPr>
                                 </m:sSubSupPr>
@@ -15179,7 +15238,7 @@
                                 <m:sSubPr>
                                   <m:ctrlPr>
                                     <a:rPr lang="en-US" b="0" i="1" smtClean="0">
-                                      <a:latin typeface="Cambria Math" panose="02040503050406030204" pitchFamily="18" charset="0"/>
+                                      <a:latin typeface="Cambria Math" charset="0"/>
                                     </a:rPr>
                                   </m:ctrlPr>
                                 </m:sSubPr>
@@ -15221,7 +15280,7 @@
                                 <m:fPr>
                                   <m:ctrlPr>
                                     <a:rPr lang="en-US" b="0" i="1" smtClean="0">
-                                      <a:latin typeface="Cambria Math" panose="02040503050406030204" pitchFamily="18" charset="0"/>
+                                      <a:latin typeface="Cambria Math" charset="0"/>
                                     </a:rPr>
                                   </m:ctrlPr>
                                 </m:fPr>
@@ -15248,7 +15307,7 @@
                                   <m:limLoc m:val="subSup"/>
                                   <m:ctrlPr>
                                     <a:rPr lang="en-US" b="0" i="1" smtClean="0">
-                                      <a:latin typeface="Cambria Math" panose="02040503050406030204" pitchFamily="18" charset="0"/>
+                                      <a:latin typeface="Cambria Math" charset="0"/>
                                     </a:rPr>
                                   </m:ctrlPr>
                                 </m:naryPr>
@@ -15282,7 +15341,7 @@
                                     <m:sSupPr>
                                       <m:ctrlPr>
                                         <a:rPr lang="en-US" b="0" i="1" smtClean="0">
-                                          <a:latin typeface="Cambria Math" panose="02040503050406030204" pitchFamily="18" charset="0"/>
+                                          <a:latin typeface="Cambria Math" charset="0"/>
                                         </a:rPr>
                                       </m:ctrlPr>
                                     </m:sSupPr>
@@ -15291,7 +15350,7 @@
                                         <m:dPr>
                                           <m:ctrlPr>
                                             <a:rPr lang="en-US" b="0" i="1" smtClean="0">
-                                              <a:latin typeface="Cambria Math" panose="02040503050406030204" pitchFamily="18" charset="0"/>
+                                              <a:latin typeface="Cambria Math" charset="0"/>
                                             </a:rPr>
                                           </m:ctrlPr>
                                         </m:dPr>
@@ -15300,7 +15359,7 @@
                                             <m:sSubPr>
                                               <m:ctrlPr>
                                                 <a:rPr lang="en-US" b="0" i="1" smtClean="0">
-                                                  <a:latin typeface="Cambria Math" panose="02040503050406030204" pitchFamily="18" charset="0"/>
+                                                  <a:latin typeface="Cambria Math" charset="0"/>
                                                 </a:rPr>
                                               </m:ctrlPr>
                                             </m:sSubPr>
@@ -15332,7 +15391,7 @@
                                               <m:chr m:val="̅"/>
                                               <m:ctrlPr>
                                                 <a:rPr lang="en-US" b="0" i="1" smtClean="0">
-                                                  <a:latin typeface="Cambria Math" panose="02040503050406030204" pitchFamily="18" charset="0"/>
+                                                  <a:latin typeface="Cambria Math" charset="0"/>
                                                 </a:rPr>
                                               </m:ctrlPr>
                                             </m:accPr>
@@ -15408,7 +15467,7 @@
                     </a:tc>
                     <a:extLst>
                       <a:ext uri="{0D108BD9-81ED-4DB2-BD59-A6C34878D82A}">
-                        <a16:rowId xmlns:a16="http://schemas.microsoft.com/office/drawing/2014/main" val="4070725496"/>
+                        <a16:rowId xmlns:a16="http://schemas.microsoft.com/office/drawing/2014/main" xmlns="" val="4070725496"/>
                       </a:ext>
                     </a:extLst>
                   </a:tr>
@@ -15438,7 +15497,7 @@
                                 <m:sSubPr>
                                   <m:ctrlPr>
                                     <a:rPr lang="en-US" b="0" i="1" smtClean="0">
-                                      <a:latin typeface="Cambria Math" panose="02040503050406030204" pitchFamily="18" charset="0"/>
+                                      <a:latin typeface="Cambria Math" charset="0"/>
                                     </a:rPr>
                                   </m:ctrlPr>
                                 </m:sSubPr>
@@ -15470,7 +15529,7 @@
                                   <m:degHide m:val="on"/>
                                   <m:ctrlPr>
                                     <a:rPr lang="en-US" b="0" i="1" smtClean="0">
-                                      <a:latin typeface="Cambria Math" panose="02040503050406030204" pitchFamily="18" charset="0"/>
+                                      <a:latin typeface="Cambria Math" charset="0"/>
                                     </a:rPr>
                                   </m:ctrlPr>
                                 </m:radPr>
@@ -15480,7 +15539,7 @@
                                     <m:sSubPr>
                                       <m:ctrlPr>
                                         <a:rPr lang="en-US" b="0" i="1" smtClean="0">
-                                          <a:latin typeface="Cambria Math" panose="02040503050406030204" pitchFamily="18" charset="0"/>
+                                          <a:latin typeface="Cambria Math" charset="0"/>
                                         </a:rPr>
                                       </m:ctrlPr>
                                     </m:sSubPr>
@@ -15524,7 +15583,7 @@
                                 <m:sSubPr>
                                   <m:ctrlPr>
                                     <a:rPr lang="en-US" b="0" i="1" smtClean="0">
-                                      <a:latin typeface="Cambria Math" panose="02040503050406030204" pitchFamily="18" charset="0"/>
+                                      <a:latin typeface="Cambria Math" charset="0"/>
                                     </a:rPr>
                                   </m:ctrlPr>
                                 </m:sSubPr>
@@ -15556,7 +15615,7 @@
                                   <m:degHide m:val="on"/>
                                   <m:ctrlPr>
                                     <a:rPr lang="en-US" b="0" i="1" smtClean="0">
-                                      <a:latin typeface="Cambria Math" panose="02040503050406030204" pitchFamily="18" charset="0"/>
+                                      <a:latin typeface="Cambria Math" charset="0"/>
                                     </a:rPr>
                                   </m:ctrlPr>
                                 </m:radPr>
@@ -15566,7 +15625,7 @@
                                     <m:sSubPr>
                                       <m:ctrlPr>
                                         <a:rPr lang="en-US" b="0" i="1" smtClean="0">
-                                          <a:latin typeface="Cambria Math" panose="02040503050406030204" pitchFamily="18" charset="0"/>
+                                          <a:latin typeface="Cambria Math" charset="0"/>
                                         </a:rPr>
                                       </m:ctrlPr>
                                     </m:sSubPr>
@@ -15641,7 +15700,7 @@
                     </a:tc>
                     <a:extLst>
                       <a:ext uri="{0D108BD9-81ED-4DB2-BD59-A6C34878D82A}">
-                        <a16:rowId xmlns:a16="http://schemas.microsoft.com/office/drawing/2014/main" val="925780785"/>
+                        <a16:rowId xmlns:a16="http://schemas.microsoft.com/office/drawing/2014/main" xmlns="" val="925780785"/>
                       </a:ext>
                     </a:extLst>
                   </a:tr>
@@ -15671,7 +15730,7 @@
                                 <m:sSubPr>
                                   <m:ctrlPr>
                                     <a:rPr lang="en-US" b="0" i="1" smtClean="0">
-                                      <a:latin typeface="Cambria Math" panose="02040503050406030204" pitchFamily="18" charset="0"/>
+                                      <a:latin typeface="Cambria Math" charset="0"/>
                                     </a:rPr>
                                   </m:ctrlPr>
                                 </m:sSubPr>
@@ -15688,13 +15747,7 @@
                                     <a:rPr lang="en-US" b="0" i="1" smtClean="0">
                                       <a:latin typeface="Cambria Math" panose="02040503050406030204" pitchFamily="18" charset="0"/>
                                     </a:rPr>
-                                    <m:t>𝑥</m:t>
-                                  </m:r>
-                                  <m:r>
-                                    <a:rPr lang="en-US" b="0" i="1" smtClean="0">
-                                      <a:latin typeface="Cambria Math" panose="02040503050406030204" pitchFamily="18" charset="0"/>
-                                    </a:rPr>
-                                    <m:t>𝑦</m:t>
+                                    <m:t>𝑥𝑦</m:t>
                                   </m:r>
                                 </m:sub>
                               </m:sSub>
@@ -15713,14 +15766,13 @@
                         <a:bodyPr/>
                         <a:lstStyle/>
                         <a:p>
-                          <a:pPr/>
                           <a14:m>
                             <m:oMath xmlns:m="http://schemas.openxmlformats.org/officeDocument/2006/math">
                               <m:f>
                                 <m:fPr>
                                   <m:ctrlPr>
                                     <a:rPr lang="en-US" b="0" i="1" smtClean="0">
-                                      <a:latin typeface="Cambria Math" panose="02040503050406030204" pitchFamily="18" charset="0"/>
+                                      <a:latin typeface="Cambria Math" charset="0"/>
                                     </a:rPr>
                                   </m:ctrlPr>
                                 </m:fPr>
@@ -15747,7 +15799,7 @@
                                   <m:limLoc m:val="subSup"/>
                                   <m:ctrlPr>
                                     <a:rPr lang="en-US" b="0" i="1" smtClean="0">
-                                      <a:latin typeface="Cambria Math" panose="02040503050406030204" pitchFamily="18" charset="0"/>
+                                      <a:latin typeface="Cambria Math" charset="0"/>
                                     </a:rPr>
                                   </m:ctrlPr>
                                 </m:naryPr>
@@ -15781,7 +15833,7 @@
                                     <m:dPr>
                                       <m:ctrlPr>
                                         <a:rPr lang="en-US" b="0" i="1" smtClean="0">
-                                          <a:latin typeface="Cambria Math" panose="02040503050406030204" pitchFamily="18" charset="0"/>
+                                          <a:latin typeface="Cambria Math" charset="0"/>
                                         </a:rPr>
                                       </m:ctrlPr>
                                     </m:dPr>
@@ -15790,7 +15842,7 @@
                                         <m:sSubPr>
                                           <m:ctrlPr>
                                             <a:rPr lang="en-US" b="0" i="1" smtClean="0">
-                                              <a:latin typeface="Cambria Math" panose="02040503050406030204" pitchFamily="18" charset="0"/>
+                                              <a:latin typeface="Cambria Math" charset="0"/>
                                             </a:rPr>
                                           </m:ctrlPr>
                                         </m:sSubPr>
@@ -15822,7 +15874,7 @@
                                           <m:chr m:val="̅"/>
                                           <m:ctrlPr>
                                             <a:rPr lang="en-US" b="0" i="1" smtClean="0">
-                                              <a:latin typeface="Cambria Math" panose="02040503050406030204" pitchFamily="18" charset="0"/>
+                                              <a:latin typeface="Cambria Math" charset="0"/>
                                             </a:rPr>
                                           </m:ctrlPr>
                                         </m:accPr>
@@ -15841,7 +15893,7 @@
                                     <m:dPr>
                                       <m:ctrlPr>
                                         <a:rPr lang="en-US" b="0" i="1" smtClean="0">
-                                          <a:latin typeface="Cambria Math" panose="02040503050406030204" pitchFamily="18" charset="0"/>
+                                          <a:latin typeface="Cambria Math" charset="0"/>
                                         </a:rPr>
                                       </m:ctrlPr>
                                     </m:dPr>
@@ -15850,7 +15902,7 @@
                                         <m:sSubPr>
                                           <m:ctrlPr>
                                             <a:rPr lang="en-US" b="0" i="1" smtClean="0">
-                                              <a:latin typeface="Cambria Math" panose="02040503050406030204" pitchFamily="18" charset="0"/>
+                                              <a:latin typeface="Cambria Math" charset="0"/>
                                             </a:rPr>
                                           </m:ctrlPr>
                                         </m:sSubPr>
@@ -15882,7 +15934,7 @@
                                           <m:chr m:val="̅"/>
                                           <m:ctrlPr>
                                             <a:rPr lang="en-US" b="0" i="1" smtClean="0">
-                                              <a:latin typeface="Cambria Math" panose="02040503050406030204" pitchFamily="18" charset="0"/>
+                                              <a:latin typeface="Cambria Math" charset="0"/>
                                             </a:rPr>
                                           </m:ctrlPr>
                                         </m:accPr>
@@ -15948,7 +16000,7 @@
                     </a:tc>
                     <a:extLst>
                       <a:ext uri="{0D108BD9-81ED-4DB2-BD59-A6C34878D82A}">
-                        <a16:rowId xmlns:a16="http://schemas.microsoft.com/office/drawing/2014/main" val="32612842"/>
+                        <a16:rowId xmlns:a16="http://schemas.microsoft.com/office/drawing/2014/main" xmlns="" val="32612842"/>
                       </a:ext>
                     </a:extLst>
                   </a:tr>
@@ -15957,7 +16009,7 @@
             </a:graphic>
           </p:graphicFrame>
         </mc:Choice>
-        <mc:Fallback>
+        <mc:Fallback xmlns="">
           <p:graphicFrame>
             <p:nvGraphicFramePr>
               <p:cNvPr id="5" name="Table 4">
@@ -16522,7 +16574,7 @@
                       <m:dPr>
                         <m:ctrlPr>
                           <a:rPr lang="en-US" i="1">
-                            <a:latin typeface="Cambria Math" panose="02040503050406030204" pitchFamily="18" charset="0"/>
+                            <a:latin typeface="Cambria Math" charset="0"/>
                           </a:rPr>
                         </m:ctrlPr>
                       </m:dPr>
@@ -16531,7 +16583,7 @@
                           <m:sSubPr>
                             <m:ctrlPr>
                               <a:rPr lang="en-US" i="1">
-                                <a:latin typeface="Cambria Math" panose="02040503050406030204" pitchFamily="18" charset="0"/>
+                                <a:latin typeface="Cambria Math" charset="0"/>
                               </a:rPr>
                             </m:ctrlPr>
                           </m:sSubPr>
@@ -16562,7 +16614,7 @@
                           <m:sSubPr>
                             <m:ctrlPr>
                               <a:rPr lang="en-US" i="1">
-                                <a:latin typeface="Cambria Math" panose="02040503050406030204" pitchFamily="18" charset="0"/>
+                                <a:latin typeface="Cambria Math" charset="0"/>
                               </a:rPr>
                             </m:ctrlPr>
                           </m:sSubPr>
@@ -16600,7 +16652,7 @@
                       <m:fPr>
                         <m:ctrlPr>
                           <a:rPr lang="en-US" b="0" i="1" smtClean="0">
-                            <a:latin typeface="Cambria Math" panose="02040503050406030204" pitchFamily="18" charset="0"/>
+                            <a:latin typeface="Cambria Math" charset="0"/>
                           </a:rPr>
                         </m:ctrlPr>
                       </m:fPr>
@@ -16632,7 +16684,7 @@
                           <m:sSubPr>
                             <m:ctrlPr>
                               <a:rPr lang="en-US" b="0" i="1" smtClean="0">
-                                <a:latin typeface="Cambria Math" panose="02040503050406030204" pitchFamily="18" charset="0"/>
+                                <a:latin typeface="Cambria Math" charset="0"/>
                               </a:rPr>
                             </m:ctrlPr>
                           </m:sSubPr>
@@ -16665,7 +16717,7 @@
                       <m:fPr>
                         <m:ctrlPr>
                           <a:rPr lang="en-US" i="1">
-                            <a:latin typeface="Cambria Math" panose="02040503050406030204" pitchFamily="18" charset="0"/>
+                            <a:latin typeface="Cambria Math" charset="0"/>
                           </a:rPr>
                         </m:ctrlPr>
                       </m:fPr>
@@ -16697,7 +16749,7 @@
                           <m:sSubPr>
                             <m:ctrlPr>
                               <a:rPr lang="en-US" i="1">
-                                <a:latin typeface="Cambria Math" panose="02040503050406030204" pitchFamily="18" charset="0"/>
+                                <a:latin typeface="Cambria Math" charset="0"/>
                               </a:rPr>
                             </m:ctrlPr>
                           </m:sSubPr>
@@ -16746,7 +16798,7 @@
                         <m:limLoc m:val="subSup"/>
                         <m:ctrlPr>
                           <a:rPr lang="en-US" i="1" smtClean="0">
-                            <a:latin typeface="Cambria Math" panose="02040503050406030204" pitchFamily="18" charset="0"/>
+                            <a:latin typeface="Cambria Math" charset="0"/>
                           </a:rPr>
                         </m:ctrlPr>
                       </m:naryPr>
@@ -16780,7 +16832,7 @@
                           <m:sSubPr>
                             <m:ctrlPr>
                               <a:rPr lang="en-US" b="0" i="1" smtClean="0">
-                                <a:latin typeface="Cambria Math" panose="02040503050406030204" pitchFamily="18" charset="0"/>
+                                <a:latin typeface="Cambria Math" charset="0"/>
                               </a:rPr>
                             </m:ctrlPr>
                           </m:sSubPr>
@@ -16815,7 +16867,7 @@
                         <m:limLoc m:val="subSup"/>
                         <m:ctrlPr>
                           <a:rPr lang="en-US" i="1">
-                            <a:latin typeface="Cambria Math" panose="02040503050406030204" pitchFamily="18" charset="0"/>
+                            <a:latin typeface="Cambria Math" charset="0"/>
                           </a:rPr>
                         </m:ctrlPr>
                       </m:naryPr>
@@ -16849,7 +16901,7 @@
                           <m:sSubPr>
                             <m:ctrlPr>
                               <a:rPr lang="en-US" i="1">
-                                <a:latin typeface="Cambria Math" panose="02040503050406030204" pitchFamily="18" charset="0"/>
+                                <a:latin typeface="Cambria Math" charset="0"/>
                               </a:rPr>
                             </m:ctrlPr>
                           </m:sSubPr>
@@ -16858,7 +16910,7 @@
                               <m:sSubPr>
                                 <m:ctrlPr>
                                   <a:rPr lang="en-US" b="0" i="1" smtClean="0">
-                                    <a:latin typeface="Cambria Math" panose="02040503050406030204" pitchFamily="18" charset="0"/>
+                                    <a:latin typeface="Cambria Math" charset="0"/>
                                   </a:rPr>
                                 </m:ctrlPr>
                               </m:sSubPr>
@@ -16931,7 +16983,7 @@
                       <m:sSubPr>
                         <m:ctrlPr>
                           <a:rPr lang="en-US" b="0" i="1" smtClean="0">
-                            <a:latin typeface="Cambria Math" panose="02040503050406030204" pitchFamily="18" charset="0"/>
+                            <a:latin typeface="Cambria Math" charset="0"/>
                           </a:rPr>
                         </m:ctrlPr>
                       </m:sSubPr>
@@ -16962,7 +17014,7 @@
                       <m:sSubPr>
                         <m:ctrlPr>
                           <a:rPr lang="en-US" b="0" i="1" smtClean="0">
-                            <a:latin typeface="Cambria Math" panose="02040503050406030204" pitchFamily="18" charset="0"/>
+                            <a:latin typeface="Cambria Math" charset="0"/>
                           </a:rPr>
                         </m:ctrlPr>
                       </m:sSubPr>
@@ -16993,7 +17045,7 @@
                       <m:sSubPr>
                         <m:ctrlPr>
                           <a:rPr lang="en-US" b="0" i="1" smtClean="0">
-                            <a:latin typeface="Cambria Math" panose="02040503050406030204" pitchFamily="18" charset="0"/>
+                            <a:latin typeface="Cambria Math" charset="0"/>
                           </a:rPr>
                         </m:ctrlPr>
                       </m:sSubPr>
@@ -17024,7 +17076,7 @@
                       <m:sSubPr>
                         <m:ctrlPr>
                           <a:rPr lang="en-US" b="0" i="1" smtClean="0">
-                            <a:latin typeface="Cambria Math" panose="02040503050406030204" pitchFamily="18" charset="0"/>
+                            <a:latin typeface="Cambria Math" charset="0"/>
                           </a:rPr>
                         </m:ctrlPr>
                       </m:sSubPr>
@@ -17049,7 +17101,7 @@
                       <m:sSubPr>
                         <m:ctrlPr>
                           <a:rPr lang="en-US" b="0" i="1" smtClean="0">
-                            <a:latin typeface="Cambria Math" panose="02040503050406030204" pitchFamily="18" charset="0"/>
+                            <a:latin typeface="Cambria Math" charset="0"/>
                           </a:rPr>
                         </m:ctrlPr>
                       </m:sSubPr>
@@ -17119,7 +17171,7 @@
                         <m:sSubPr>
                           <m:ctrlPr>
                             <a:rPr lang="en-US" b="0" i="1" smtClean="0">
-                              <a:latin typeface="Cambria Math" panose="02040503050406030204" pitchFamily="18" charset="0"/>
+                              <a:latin typeface="Cambria Math" charset="0"/>
                             </a:rPr>
                           </m:ctrlPr>
                         </m:sSubPr>
@@ -17150,7 +17202,7 @@
                         <m:fPr>
                           <m:ctrlPr>
                             <a:rPr lang="en-US" b="0" i="1" smtClean="0">
-                              <a:latin typeface="Cambria Math" panose="02040503050406030204" pitchFamily="18" charset="0"/>
+                              <a:latin typeface="Cambria Math" charset="0"/>
                             </a:rPr>
                           </m:ctrlPr>
                         </m:fPr>
@@ -17159,7 +17211,7 @@
                             <m:sSubPr>
                               <m:ctrlPr>
                                 <a:rPr lang="en-US" b="0" i="1" smtClean="0">
-                                  <a:latin typeface="Cambria Math" panose="02040503050406030204" pitchFamily="18" charset="0"/>
+                                  <a:latin typeface="Cambria Math" charset="0"/>
                                 </a:rPr>
                               </m:ctrlPr>
                             </m:sSubPr>
@@ -17186,7 +17238,7 @@
                             <m:sSubSupPr>
                               <m:ctrlPr>
                                 <a:rPr lang="en-US" b="0" i="1" smtClean="0">
-                                  <a:latin typeface="Cambria Math" panose="02040503050406030204" pitchFamily="18" charset="0"/>
+                                  <a:latin typeface="Cambria Math" charset="0"/>
                                 </a:rPr>
                               </m:ctrlPr>
                             </m:sSubSupPr>
@@ -17227,7 +17279,7 @@
                         <m:fPr>
                           <m:ctrlPr>
                             <a:rPr lang="en-US" b="0" i="1" smtClean="0">
-                              <a:latin typeface="Cambria Math" panose="02040503050406030204" pitchFamily="18" charset="0"/>
+                              <a:latin typeface="Cambria Math" charset="0"/>
                             </a:rPr>
                           </m:ctrlPr>
                         </m:fPr>
@@ -17236,7 +17288,7 @@
                             <m:sSubPr>
                               <m:ctrlPr>
                                 <a:rPr lang="en-US" b="0" i="1" smtClean="0">
-                                  <a:latin typeface="Cambria Math" panose="02040503050406030204" pitchFamily="18" charset="0"/>
+                                  <a:latin typeface="Cambria Math" charset="0"/>
                                 </a:rPr>
                               </m:ctrlPr>
                             </m:sSubPr>
@@ -17261,7 +17313,7 @@
                             <m:sSubPr>
                               <m:ctrlPr>
                                 <a:rPr lang="en-US" b="0" i="1" smtClean="0">
-                                  <a:latin typeface="Cambria Math" panose="02040503050406030204" pitchFamily="18" charset="0"/>
+                                  <a:latin typeface="Cambria Math" charset="0"/>
                                 </a:rPr>
                               </m:ctrlPr>
                             </m:sSubPr>
@@ -17288,7 +17340,7 @@
                             <m:sSubPr>
                               <m:ctrlPr>
                                 <a:rPr lang="en-US" b="0" i="1" smtClean="0">
-                                  <a:latin typeface="Cambria Math" panose="02040503050406030204" pitchFamily="18" charset="0"/>
+                                  <a:latin typeface="Cambria Math" charset="0"/>
                                 </a:rPr>
                               </m:ctrlPr>
                             </m:sSubPr>
@@ -17321,7 +17373,7 @@
                         <m:sSubPr>
                           <m:ctrlPr>
                             <a:rPr lang="en-US" b="0" i="1" smtClean="0">
-                              <a:latin typeface="Cambria Math" panose="02040503050406030204" pitchFamily="18" charset="0"/>
+                              <a:latin typeface="Cambria Math" charset="0"/>
                             </a:rPr>
                           </m:ctrlPr>
                         </m:sSubPr>
@@ -17353,7 +17405,7 @@
                           <m:chr m:val="̅"/>
                           <m:ctrlPr>
                             <a:rPr lang="en-US" i="1">
-                              <a:latin typeface="Cambria Math" panose="02040503050406030204" pitchFamily="18" charset="0"/>
+                              <a:latin typeface="Cambria Math" charset="0"/>
                             </a:rPr>
                           </m:ctrlPr>
                         </m:accPr>
@@ -17376,7 +17428,7 @@
                         <m:sSubPr>
                           <m:ctrlPr>
                             <a:rPr lang="en-US" b="0" i="1" smtClean="0">
-                              <a:latin typeface="Cambria Math" panose="02040503050406030204" pitchFamily="18" charset="0"/>
+                              <a:latin typeface="Cambria Math" charset="0"/>
                             </a:rPr>
                           </m:ctrlPr>
                         </m:sSubPr>
@@ -17402,7 +17454,7 @@
                           <m:chr m:val="̅"/>
                           <m:ctrlPr>
                             <a:rPr lang="en-US" i="1">
-                              <a:latin typeface="Cambria Math" panose="02040503050406030204" pitchFamily="18" charset="0"/>
+                              <a:latin typeface="Cambria Math" charset="0"/>
                             </a:rPr>
                           </m:ctrlPr>
                         </m:accPr>
@@ -17493,6 +17545,13 @@
   <p:clrMapOvr>
     <a:masterClrMapping/>
   </p:clrMapOvr>
+  <p:timing>
+    <p:tnLst>
+      <p:par>
+        <p:cTn id="1" dur="indefinite" restart="never" nodeType="tmRoot"/>
+      </p:par>
+    </p:tnLst>
+  </p:timing>
 </p:sld>
 </file>
 
@@ -17651,6 +17710,13 @@
   <p:clrMapOvr>
     <a:masterClrMapping/>
   </p:clrMapOvr>
+  <p:timing>
+    <p:tnLst>
+      <p:par>
+        <p:cTn id="1" dur="indefinite" restart="never" nodeType="tmRoot"/>
+      </p:par>
+    </p:tnLst>
+  </p:timing>
 </p:sld>
 </file>
 
@@ -17676,7 +17742,7 @@
           <p:cNvPr id="2" name="Title 1">
             <a:extLst>
               <a:ext uri="{FF2B5EF4-FFF2-40B4-BE49-F238E27FC236}">
-                <a16:creationId xmlns:a16="http://schemas.microsoft.com/office/drawing/2014/main" id="{866D54B8-AEA5-46C2-B44E-7BCF47FD7794}"/>
+                <a16:creationId xmlns:a16="http://schemas.microsoft.com/office/drawing/2014/main" xmlns="" id="{866D54B8-AEA5-46C2-B44E-7BCF47FD7794}"/>
               </a:ext>
             </a:extLst>
           </p:cNvPr>
@@ -17704,7 +17770,7 @@
           <p:cNvPr id="3" name="Content Placeholder 2">
             <a:extLst>
               <a:ext uri="{FF2B5EF4-FFF2-40B4-BE49-F238E27FC236}">
-                <a16:creationId xmlns:a16="http://schemas.microsoft.com/office/drawing/2014/main" id="{83087BE1-B931-4769-AD55-2C0F5262B9D8}"/>
+                <a16:creationId xmlns:a16="http://schemas.microsoft.com/office/drawing/2014/main" xmlns="" id="{83087BE1-B931-4769-AD55-2C0F5262B9D8}"/>
               </a:ext>
             </a:extLst>
           </p:cNvPr>
@@ -17737,7 +17803,7 @@
           <p:cNvPr id="4" name="Slide Number Placeholder 3">
             <a:extLst>
               <a:ext uri="{FF2B5EF4-FFF2-40B4-BE49-F238E27FC236}">
-                <a16:creationId xmlns:a16="http://schemas.microsoft.com/office/drawing/2014/main" id="{F0FD2EA7-019F-4A87-94AE-4D82CD97A0A0}"/>
+                <a16:creationId xmlns:a16="http://schemas.microsoft.com/office/drawing/2014/main" xmlns="" id="{F0FD2EA7-019F-4A87-94AE-4D82CD97A0A0}"/>
               </a:ext>
             </a:extLst>
           </p:cNvPr>
@@ -17766,7 +17832,7 @@
           <p:cNvPr id="5" name="Picture 4">
             <a:extLst>
               <a:ext uri="{FF2B5EF4-FFF2-40B4-BE49-F238E27FC236}">
-                <a16:creationId xmlns:a16="http://schemas.microsoft.com/office/drawing/2014/main" id="{519D1326-4AEB-419A-8C9C-15737481638E}"/>
+                <a16:creationId xmlns:a16="http://schemas.microsoft.com/office/drawing/2014/main" xmlns="" id="{519D1326-4AEB-419A-8C9C-15737481638E}"/>
               </a:ext>
             </a:extLst>
           </p:cNvPr>
@@ -17798,7 +17864,7 @@
               <p:cNvPr id="6" name="TextBox 5">
                 <a:extLst>
                   <a:ext uri="{FF2B5EF4-FFF2-40B4-BE49-F238E27FC236}">
-                    <a16:creationId xmlns:a16="http://schemas.microsoft.com/office/drawing/2014/main" id="{5FA0A83E-B807-40EB-9E05-7A22667E5B94}"/>
+                    <a16:creationId xmlns:a16="http://schemas.microsoft.com/office/drawing/2014/main" xmlns="" id="{5FA0A83E-B807-40EB-9E05-7A22667E5B94}"/>
                   </a:ext>
                 </a:extLst>
               </p:cNvPr>
@@ -17877,7 +17943,7 @@
                               <a:solidFill>
                                 <a:schemeClr val="tx1"/>
                               </a:solidFill>
-                              <a:latin typeface="Cambria Math" panose="02040503050406030204" pitchFamily="18" charset="0"/>
+                              <a:latin typeface="Cambria Math" charset="0"/>
                             </a:rPr>
                           </m:ctrlPr>
                         </m:sSubPr>
@@ -17920,7 +17986,7 @@
                               <a:solidFill>
                                 <a:schemeClr val="tx1"/>
                               </a:solidFill>
-                              <a:latin typeface="Cambria Math" panose="02040503050406030204" pitchFamily="18" charset="0"/>
+                              <a:latin typeface="Cambria Math" charset="0"/>
                             </a:rPr>
                           </m:ctrlPr>
                         </m:sSubPr>
@@ -18030,7 +18096,7 @@
           <p:cNvPr id="7" name="Straight Arrow Connector 6">
             <a:extLst>
               <a:ext uri="{FF2B5EF4-FFF2-40B4-BE49-F238E27FC236}">
-                <a16:creationId xmlns:a16="http://schemas.microsoft.com/office/drawing/2014/main" id="{E8FF2704-2F8E-4C4F-9FB6-F3F8DD768E56}"/>
+                <a16:creationId xmlns:a16="http://schemas.microsoft.com/office/drawing/2014/main" xmlns="" id="{E8FF2704-2F8E-4C4F-9FB6-F3F8DD768E56}"/>
               </a:ext>
             </a:extLst>
           </p:cNvPr>
@@ -18071,7 +18137,7 @@
           <p:cNvPr id="9" name="Picture 8">
             <a:extLst>
               <a:ext uri="{FF2B5EF4-FFF2-40B4-BE49-F238E27FC236}">
-                <a16:creationId xmlns:a16="http://schemas.microsoft.com/office/drawing/2014/main" id="{F67A1493-8D1C-4E5C-B518-877092AD29EF}"/>
+                <a16:creationId xmlns:a16="http://schemas.microsoft.com/office/drawing/2014/main" xmlns="" id="{F67A1493-8D1C-4E5C-B518-877092AD29EF}"/>
               </a:ext>
             </a:extLst>
           </p:cNvPr>
@@ -18101,7 +18167,7 @@
           <p:cNvPr id="10" name="Picture 9">
             <a:extLst>
               <a:ext uri="{FF2B5EF4-FFF2-40B4-BE49-F238E27FC236}">
-                <a16:creationId xmlns:a16="http://schemas.microsoft.com/office/drawing/2014/main" id="{F0C35C37-8397-4175-9F18-1252F69D3EA5}"/>
+                <a16:creationId xmlns:a16="http://schemas.microsoft.com/office/drawing/2014/main" xmlns="" id="{F0C35C37-8397-4175-9F18-1252F69D3EA5}"/>
               </a:ext>
             </a:extLst>
           </p:cNvPr>
@@ -18136,6 +18202,13 @@
   <p:clrMapOvr>
     <a:masterClrMapping/>
   </p:clrMapOvr>
+  <p:timing>
+    <p:tnLst>
+      <p:par>
+        <p:cTn id="1" dur="indefinite" restart="never" nodeType="tmRoot"/>
+      </p:par>
+    </p:tnLst>
+  </p:timing>
 </p:sld>
 </file>
 
@@ -18470,6 +18543,13 @@
   <p:clrMapOvr>
     <a:masterClrMapping/>
   </p:clrMapOvr>
+  <p:timing>
+    <p:tnLst>
+      <p:par>
+        <p:cTn id="1" dur="indefinite" restart="never" nodeType="tmRoot"/>
+      </p:par>
+    </p:tnLst>
+  </p:timing>
 </p:sld>
 </file>
 
@@ -18551,7 +18631,7 @@
                       <m:limLowPr>
                         <m:ctrlPr>
                           <a:rPr lang="en-US" b="0" i="1" dirty="0" smtClean="0">
-                            <a:latin typeface="Cambria Math" panose="02040503050406030204" pitchFamily="18" charset="0"/>
+                            <a:latin typeface="Cambria Math" charset="0"/>
                           </a:rPr>
                         </m:ctrlPr>
                       </m:limLowPr>
@@ -18580,7 +18660,7 @@
                           <m:sSubPr>
                             <m:ctrlPr>
                               <a:rPr lang="en-US" b="0" i="1" dirty="0" smtClean="0">
-                                <a:latin typeface="Cambria Math" panose="02040503050406030204" pitchFamily="18" charset="0"/>
+                                <a:latin typeface="Cambria Math" charset="0"/>
                               </a:rPr>
                             </m:ctrlPr>
                           </m:sSubPr>
@@ -18611,7 +18691,7 @@
                           <m:sSubPr>
                             <m:ctrlPr>
                               <a:rPr lang="en-US" b="0" i="1" dirty="0" smtClean="0">
-                                <a:latin typeface="Cambria Math" panose="02040503050406030204" pitchFamily="18" charset="0"/>
+                                <a:latin typeface="Cambria Math" charset="0"/>
                               </a:rPr>
                             </m:ctrlPr>
                           </m:sSubPr>
@@ -18653,7 +18733,7 @@
                       <m:dPr>
                         <m:ctrlPr>
                           <a:rPr lang="en-US" i="1">
-                            <a:latin typeface="Cambria Math" panose="02040503050406030204" pitchFamily="18" charset="0"/>
+                            <a:latin typeface="Cambria Math" charset="0"/>
                           </a:rPr>
                         </m:ctrlPr>
                       </m:dPr>
@@ -18662,7 +18742,7 @@
                           <m:sSubPr>
                             <m:ctrlPr>
                               <a:rPr lang="en-US" i="1">
-                                <a:latin typeface="Cambria Math" panose="02040503050406030204" pitchFamily="18" charset="0"/>
+                                <a:latin typeface="Cambria Math" charset="0"/>
                               </a:rPr>
                             </m:ctrlPr>
                           </m:sSubPr>
@@ -18693,7 +18773,7 @@
                           <m:sSubPr>
                             <m:ctrlPr>
                               <a:rPr lang="en-US" i="1">
-                                <a:latin typeface="Cambria Math" panose="02040503050406030204" pitchFamily="18" charset="0"/>
+                                <a:latin typeface="Cambria Math" charset="0"/>
                               </a:rPr>
                             </m:ctrlPr>
                           </m:sSubPr>
@@ -18732,7 +18812,7 @@
                       <m:dPr>
                         <m:ctrlPr>
                           <a:rPr lang="en-US" b="0" i="1" smtClean="0">
-                            <a:latin typeface="Cambria Math" panose="02040503050406030204" pitchFamily="18" charset="0"/>
+                            <a:latin typeface="Cambria Math" charset="0"/>
                           </a:rPr>
                         </m:ctrlPr>
                       </m:dPr>
@@ -18747,7 +18827,7 @@
                           <m:sSubSupPr>
                             <m:ctrlPr>
                               <a:rPr lang="en-US" b="0" i="1" smtClean="0">
-                                <a:latin typeface="Cambria Math" panose="02040503050406030204" pitchFamily="18" charset="0"/>
+                                <a:latin typeface="Cambria Math" charset="0"/>
                               </a:rPr>
                             </m:ctrlPr>
                           </m:sSubSupPr>
@@ -18782,7 +18862,7 @@
                       <m:sSubSupPr>
                         <m:ctrlPr>
                           <a:rPr lang="en-US" b="0" i="1" smtClean="0">
-                            <a:latin typeface="Cambria Math" panose="02040503050406030204" pitchFamily="18" charset="0"/>
+                            <a:latin typeface="Cambria Math" charset="0"/>
                           </a:rPr>
                         </m:ctrlPr>
                       </m:sSubSupPr>
@@ -18840,7 +18920,7 @@
                       <m:sSupPr>
                         <m:ctrlPr>
                           <a:rPr lang="en-US" b="0" i="1" smtClean="0">
-                            <a:latin typeface="Cambria Math" panose="02040503050406030204" pitchFamily="18" charset="0"/>
+                            <a:latin typeface="Cambria Math" charset="0"/>
                           </a:rPr>
                         </m:ctrlPr>
                       </m:sSupPr>
@@ -18871,7 +18951,7 @@
                       <m:sSubSupPr>
                         <m:ctrlPr>
                           <a:rPr lang="en-US" i="1">
-                            <a:latin typeface="Cambria Math" panose="02040503050406030204" pitchFamily="18" charset="0"/>
+                            <a:latin typeface="Cambria Math" charset="0"/>
                           </a:rPr>
                         </m:ctrlPr>
                       </m:sSubSupPr>
@@ -18944,7 +19024,7 @@
                       <m:sSubSupPr>
                         <m:ctrlPr>
                           <a:rPr lang="en-US" i="1">
-                            <a:latin typeface="Cambria Math" panose="02040503050406030204" pitchFamily="18" charset="0"/>
+                            <a:latin typeface="Cambria Math" charset="0"/>
                           </a:rPr>
                         </m:ctrlPr>
                       </m:sSubSupPr>
@@ -18999,7 +19079,7 @@
                       <m:dPr>
                         <m:ctrlPr>
                           <a:rPr lang="en-US" i="1">
-                            <a:latin typeface="Cambria Math" panose="02040503050406030204" pitchFamily="18" charset="0"/>
+                            <a:latin typeface="Cambria Math" charset="0"/>
                           </a:rPr>
                         </m:ctrlPr>
                       </m:dPr>
@@ -19014,7 +19094,7 @@
                           <m:sSupPr>
                             <m:ctrlPr>
                               <a:rPr lang="en-US" b="0" i="1" smtClean="0">
-                                <a:latin typeface="Cambria Math" panose="02040503050406030204" pitchFamily="18" charset="0"/>
+                                <a:latin typeface="Cambria Math" charset="0"/>
                               </a:rPr>
                             </m:ctrlPr>
                           </m:sSupPr>
@@ -19041,7 +19121,7 @@
                       <m:sSubSupPr>
                         <m:ctrlPr>
                           <a:rPr lang="en-US" i="1">
-                            <a:latin typeface="Cambria Math" panose="02040503050406030204" pitchFamily="18" charset="0"/>
+                            <a:latin typeface="Cambria Math" charset="0"/>
                           </a:rPr>
                         </m:ctrlPr>
                       </m:sSubSupPr>
@@ -19207,6 +19287,13 @@
   <p:clrMapOvr>
     <a:masterClrMapping/>
   </p:clrMapOvr>
+  <p:timing>
+    <p:tnLst>
+      <p:par>
+        <p:cTn id="1" dur="indefinite" restart="never" nodeType="tmRoot"/>
+      </p:par>
+    </p:tnLst>
+  </p:timing>
 </p:sld>
 </file>
 
@@ -19243,6 +19330,101 @@
           <a:lstStyle/>
           <a:p>
             <a:r>
+              <a:rPr lang="en-US" dirty="0" smtClean="0"/>
+              <a:t>Go through Unit1 Demo </a:t>
+            </a:r>
+            <a:endParaRPr lang="en-US" dirty="0"/>
+          </a:p>
+        </p:txBody>
+      </p:sp>
+      <p:sp>
+        <p:nvSpPr>
+          <p:cNvPr id="3" name="Content Placeholder 2"/>
+          <p:cNvSpPr>
+            <a:spLocks noGrp="1"/>
+          </p:cNvSpPr>
+          <p:nvPr>
+            <p:ph idx="1"/>
+          </p:nvPr>
+        </p:nvSpPr>
+        <p:spPr/>
+        <p:txBody>
+          <a:bodyPr/>
+          <a:lstStyle/>
+          <a:p>
+            <a:endParaRPr lang="en-US" dirty="0"/>
+          </a:p>
+        </p:txBody>
+      </p:sp>
+      <p:sp>
+        <p:nvSpPr>
+          <p:cNvPr id="4" name="Slide Number Placeholder 3"/>
+          <p:cNvSpPr>
+            <a:spLocks noGrp="1"/>
+          </p:cNvSpPr>
+          <p:nvPr>
+            <p:ph type="sldNum" sz="quarter" idx="12"/>
+          </p:nvPr>
+        </p:nvSpPr>
+        <p:spPr/>
+        <p:txBody>
+          <a:bodyPr/>
+          <a:lstStyle/>
+          <a:p>
+            <a:fld id="{629637A9-119A-49DA-BD12-AAC58B377D80}" type="slidenum">
+              <a:rPr lang="en-US" smtClean="0"/>
+              <a:t>32</a:t>
+            </a:fld>
+            <a:endParaRPr lang="en-US" dirty="0"/>
+          </a:p>
+        </p:txBody>
+      </p:sp>
+    </p:spTree>
+    <p:extLst>
+      <p:ext uri="{BB962C8B-B14F-4D97-AF65-F5344CB8AC3E}">
+        <p14:creationId xmlns:p14="http://schemas.microsoft.com/office/powerpoint/2010/main" val="1517598583"/>
+      </p:ext>
+    </p:extLst>
+  </p:cSld>
+  <p:clrMapOvr>
+    <a:masterClrMapping/>
+  </p:clrMapOvr>
+</p:sld>
+</file>
+
+<file path=ppt/slides/slide33.xml><?xml version="1.0" encoding="utf-8"?>
+<p:sld xmlns:a="http://schemas.openxmlformats.org/drawingml/2006/main" xmlns:r="http://schemas.openxmlformats.org/officeDocument/2006/relationships" xmlns:p="http://schemas.openxmlformats.org/presentationml/2006/main">
+  <p:cSld>
+    <p:spTree>
+      <p:nvGrpSpPr>
+        <p:cNvPr id="1" name=""/>
+        <p:cNvGrpSpPr/>
+        <p:nvPr/>
+      </p:nvGrpSpPr>
+      <p:grpSpPr>
+        <a:xfrm>
+          <a:off x="0" y="0"/>
+          <a:ext cx="0" cy="0"/>
+          <a:chOff x="0" y="0"/>
+          <a:chExt cx="0" cy="0"/>
+        </a:xfrm>
+      </p:grpSpPr>
+      <p:sp>
+        <p:nvSpPr>
+          <p:cNvPr id="2" name="Title 1"/>
+          <p:cNvSpPr>
+            <a:spLocks noGrp="1"/>
+          </p:cNvSpPr>
+          <p:nvPr>
+            <p:ph type="title"/>
+          </p:nvPr>
+        </p:nvSpPr>
+        <p:spPr/>
+        <p:txBody>
+          <a:bodyPr/>
+          <a:lstStyle/>
+          <a:p>
+            <a:r>
               <a:rPr lang="en-US" dirty="0"/>
               <a:t>Visually seeing correlation</a:t>
             </a:r>
@@ -19279,7 +19461,7 @@
                       <m:sSupPr>
                         <m:ctrlPr>
                           <a:rPr lang="en-US" b="0" i="1" dirty="0" smtClean="0">
-                            <a:latin typeface="Cambria Math" panose="02040503050406030204" pitchFamily="18" charset="0"/>
+                            <a:latin typeface="Cambria Math" charset="0"/>
                           </a:rPr>
                         </m:ctrlPr>
                       </m:sSupPr>
@@ -19310,7 +19492,7 @@
                       <m:sSubSupPr>
                         <m:ctrlPr>
                           <a:rPr lang="en-US" b="0" i="1" dirty="0" smtClean="0">
-                            <a:latin typeface="Cambria Math" panose="02040503050406030204" pitchFamily="18" charset="0"/>
+                            <a:latin typeface="Cambria Math" charset="0"/>
                           </a:rPr>
                         </m:ctrlPr>
                       </m:sSubSupPr>
@@ -19359,7 +19541,7 @@
                       <m:sSupPr>
                         <m:ctrlPr>
                           <a:rPr lang="en-US" i="1" dirty="0">
-                            <a:latin typeface="Cambria Math" panose="02040503050406030204" pitchFamily="18" charset="0"/>
+                            <a:latin typeface="Cambria Math" charset="0"/>
                           </a:rPr>
                         </m:ctrlPr>
                       </m:sSupPr>
@@ -19390,7 +19572,7 @@
                       <m:sSubSupPr>
                         <m:ctrlPr>
                           <a:rPr lang="en-US" i="1" dirty="0">
-                            <a:latin typeface="Cambria Math" panose="02040503050406030204" pitchFamily="18" charset="0"/>
+                            <a:latin typeface="Cambria Math" charset="0"/>
                           </a:rPr>
                         </m:ctrlPr>
                       </m:sSubSupPr>
@@ -19451,7 +19633,7 @@
                       <m:sSubPr>
                         <m:ctrlPr>
                           <a:rPr lang="en-US" b="0" i="1" smtClean="0">
-                            <a:latin typeface="Cambria Math" panose="02040503050406030204" pitchFamily="18" charset="0"/>
+                            <a:latin typeface="Cambria Math" charset="0"/>
                           </a:rPr>
                         </m:ctrlPr>
                       </m:sSubPr>
@@ -19482,7 +19664,7 @@
                       <m:fPr>
                         <m:ctrlPr>
                           <a:rPr lang="en-US" b="0" i="1" smtClean="0">
-                            <a:latin typeface="Cambria Math" panose="02040503050406030204" pitchFamily="18" charset="0"/>
+                            <a:latin typeface="Cambria Math" charset="0"/>
                           </a:rPr>
                         </m:ctrlPr>
                       </m:fPr>
@@ -19491,7 +19673,7 @@
                           <m:sSubPr>
                             <m:ctrlPr>
                               <a:rPr lang="en-US" b="0" i="1" smtClean="0">
-                                <a:latin typeface="Cambria Math" panose="02040503050406030204" pitchFamily="18" charset="0"/>
+                                <a:latin typeface="Cambria Math" charset="0"/>
                               </a:rPr>
                             </m:ctrlPr>
                           </m:sSubPr>
@@ -19516,7 +19698,7 @@
                           <m:sSubPr>
                             <m:ctrlPr>
                               <a:rPr lang="en-US" b="0" i="1" smtClean="0">
-                                <a:latin typeface="Cambria Math" panose="02040503050406030204" pitchFamily="18" charset="0"/>
+                                <a:latin typeface="Cambria Math" charset="0"/>
                               </a:rPr>
                             </m:ctrlPr>
                           </m:sSubPr>
@@ -19543,7 +19725,7 @@
                           <m:sSubPr>
                             <m:ctrlPr>
                               <a:rPr lang="en-US" b="0" i="1" smtClean="0">
-                                <a:latin typeface="Cambria Math" panose="02040503050406030204" pitchFamily="18" charset="0"/>
+                                <a:latin typeface="Cambria Math" charset="0"/>
                               </a:rPr>
                             </m:ctrlPr>
                           </m:sSubPr>
@@ -19584,7 +19766,7 @@
                       <m:sSubPr>
                         <m:ctrlPr>
                           <a:rPr lang="en-US" i="1">
-                            <a:latin typeface="Cambria Math" panose="02040503050406030204" pitchFamily="18" charset="0"/>
+                            <a:latin typeface="Cambria Math" charset="0"/>
                           </a:rPr>
                         </m:ctrlPr>
                       </m:sSubPr>
@@ -19617,7 +19799,7 @@
                       <m:sSubPr>
                         <m:ctrlPr>
                           <a:rPr lang="en-US" i="1">
-                            <a:latin typeface="Cambria Math" panose="02040503050406030204" pitchFamily="18" charset="0"/>
+                            <a:latin typeface="Cambria Math" charset="0"/>
                           </a:rPr>
                         </m:ctrlPr>
                       </m:sSubPr>
@@ -19706,7 +19888,7 @@
           <a:p>
             <a:fld id="{629637A9-119A-49DA-BD12-AAC58B377D80}" type="slidenum">
               <a:rPr lang="en-US" smtClean="0"/>
-              <a:t>32</a:t>
+              <a:t>33</a:t>
             </a:fld>
             <a:endParaRPr lang="en-US" dirty="0"/>
           </a:p>
@@ -19787,7 +19969,7 @@
                       <m:sSubPr>
                         <m:ctrlPr>
                           <a:rPr lang="en-US" b="0" i="1" smtClean="0">
-                            <a:latin typeface="Cambria Math" panose="02040503050406030204" pitchFamily="18" charset="0"/>
+                            <a:latin typeface="Cambria Math" charset="0"/>
                           </a:rPr>
                         </m:ctrlPr>
                       </m:sSubPr>
@@ -20030,10 +20212,17 @@
   <p:clrMapOvr>
     <a:masterClrMapping/>
   </p:clrMapOvr>
+  <p:timing>
+    <p:tnLst>
+      <p:par>
+        <p:cTn id="1" dur="indefinite" restart="never" nodeType="tmRoot"/>
+      </p:par>
+    </p:tnLst>
+  </p:timing>
 </p:sld>
 </file>
 
-<file path=ppt/slides/slide33.xml><?xml version="1.0" encoding="utf-8"?>
+<file path=ppt/slides/slide34.xml><?xml version="1.0" encoding="utf-8"?>
 <p:sld xmlns:a="http://schemas.openxmlformats.org/drawingml/2006/main" xmlns:r="http://schemas.openxmlformats.org/officeDocument/2006/relationships" xmlns:p="http://schemas.openxmlformats.org/presentationml/2006/main">
   <p:cSld>
     <p:spTree>
@@ -20100,7 +20289,15 @@
           <a:p>
             <a:r>
               <a:rPr lang="en-US" dirty="0"/>
-              <a:t>Always good to visual inspect the scatter plot</a:t>
+              <a:t>Always good to </a:t>
+            </a:r>
+            <a:r>
+              <a:rPr lang="en-US" dirty="0" smtClean="0"/>
+              <a:t>visually </a:t>
+            </a:r>
+            <a:r>
+              <a:rPr lang="en-US" dirty="0"/>
+              <a:t>inspect the scatter plot</a:t>
             </a:r>
           </a:p>
           <a:p>
@@ -20161,7 +20358,7 @@
           <a:p>
             <a:fld id="{629637A9-119A-49DA-BD12-AAC58B377D80}" type="slidenum">
               <a:rPr lang="en-US" smtClean="0"/>
-              <a:t>33</a:t>
+              <a:t>34</a:t>
             </a:fld>
             <a:endParaRPr lang="en-US" dirty="0"/>
           </a:p>
@@ -20218,10 +20415,17 @@
   <p:clrMapOvr>
     <a:masterClrMapping/>
   </p:clrMapOvr>
+  <p:timing>
+    <p:tnLst>
+      <p:par>
+        <p:cTn id="1" dur="indefinite" restart="never" nodeType="tmRoot"/>
+      </p:par>
+    </p:tnLst>
+  </p:timing>
 </p:sld>
 </file>
 
-<file path=ppt/slides/slide34.xml><?xml version="1.0" encoding="utf-8"?>
+<file path=ppt/slides/slide35.xml><?xml version="1.0" encoding="utf-8"?>
 <p:sld xmlns:a="http://schemas.openxmlformats.org/drawingml/2006/main" xmlns:r="http://schemas.openxmlformats.org/officeDocument/2006/relationships" xmlns:p="http://schemas.openxmlformats.org/presentationml/2006/main">
   <p:cSld>
     <p:spTree>
@@ -20243,7 +20447,7 @@
           <p:cNvPr id="2" name="Title 1">
             <a:extLst>
               <a:ext uri="{FF2B5EF4-FFF2-40B4-BE49-F238E27FC236}">
-                <a16:creationId xmlns:a16="http://schemas.microsoft.com/office/drawing/2014/main" id="{9BBDDD66-5D5A-4D19-8C6B-FFEB898D97AC}"/>
+                <a16:creationId xmlns:a16="http://schemas.microsoft.com/office/drawing/2014/main" xmlns="" id="{9BBDDD66-5D5A-4D19-8C6B-FFEB898D97AC}"/>
               </a:ext>
             </a:extLst>
           </p:cNvPr>
@@ -20273,7 +20477,7 @@
               <p:cNvPr id="3" name="Content Placeholder 2">
                 <a:extLst>
                   <a:ext uri="{FF2B5EF4-FFF2-40B4-BE49-F238E27FC236}">
-                    <a16:creationId xmlns:a16="http://schemas.microsoft.com/office/drawing/2014/main" id="{46F88025-D301-4B5B-9EB2-8E02B478C745}"/>
+                    <a16:creationId xmlns:a16="http://schemas.microsoft.com/office/drawing/2014/main" xmlns="" id="{46F88025-D301-4B5B-9EB2-8E02B478C745}"/>
                   </a:ext>
                 </a:extLst>
               </p:cNvPr>
@@ -20299,7 +20503,7 @@
                       <m:fPr>
                         <m:ctrlPr>
                           <a:rPr lang="en-US" b="0" i="1" smtClean="0">
-                            <a:latin typeface="Cambria Math" panose="02040503050406030204" pitchFamily="18" charset="0"/>
+                            <a:latin typeface="Cambria Math" charset="0"/>
                           </a:rPr>
                         </m:ctrlPr>
                       </m:fPr>
@@ -20339,7 +20543,7 @@
                       <m:sSubPr>
                         <m:ctrlPr>
                           <a:rPr lang="en-US" b="0" i="1" smtClean="0">
-                            <a:latin typeface="Cambria Math" panose="02040503050406030204" pitchFamily="18" charset="0"/>
+                            <a:latin typeface="Cambria Math" charset="0"/>
                           </a:rPr>
                         </m:ctrlPr>
                       </m:sSubPr>
@@ -20370,7 +20574,7 @@
                       <m:sSubPr>
                         <m:ctrlPr>
                           <a:rPr lang="en-US" b="0" i="1" smtClean="0">
-                            <a:latin typeface="Cambria Math" panose="02040503050406030204" pitchFamily="18" charset="0"/>
+                            <a:latin typeface="Cambria Math" charset="0"/>
                           </a:rPr>
                         </m:ctrlPr>
                       </m:sSubPr>
@@ -20467,7 +20671,7 @@
           <p:cNvPr id="4" name="Slide Number Placeholder 3">
             <a:extLst>
               <a:ext uri="{FF2B5EF4-FFF2-40B4-BE49-F238E27FC236}">
-                <a16:creationId xmlns:a16="http://schemas.microsoft.com/office/drawing/2014/main" id="{C360AD86-FCD2-4007-A5B7-8CD09BC238A7}"/>
+                <a16:creationId xmlns:a16="http://schemas.microsoft.com/office/drawing/2014/main" xmlns="" id="{C360AD86-FCD2-4007-A5B7-8CD09BC238A7}"/>
               </a:ext>
             </a:extLst>
           </p:cNvPr>
@@ -20485,7 +20689,7 @@
           <a:p>
             <a:fld id="{629637A9-119A-49DA-BD12-AAC58B377D80}" type="slidenum">
               <a:rPr lang="en-US" smtClean="0"/>
-              <a:t>34</a:t>
+              <a:t>35</a:t>
             </a:fld>
             <a:endParaRPr lang="en-US" dirty="0"/>
           </a:p>
@@ -20496,7 +20700,7 @@
           <p:cNvPr id="5" name="Picture 4">
             <a:extLst>
               <a:ext uri="{FF2B5EF4-FFF2-40B4-BE49-F238E27FC236}">
-                <a16:creationId xmlns:a16="http://schemas.microsoft.com/office/drawing/2014/main" id="{06952A5F-F1F9-4705-AEFE-DE3779E0E249}"/>
+                <a16:creationId xmlns:a16="http://schemas.microsoft.com/office/drawing/2014/main" xmlns="" id="{06952A5F-F1F9-4705-AEFE-DE3779E0E249}"/>
               </a:ext>
             </a:extLst>
           </p:cNvPr>
@@ -20513,8 +20717,38 @@
         </p:blipFill>
         <p:spPr>
           <a:xfrm>
-            <a:off x="5758589" y="2231998"/>
-            <a:ext cx="5448300" cy="3571875"/>
+            <a:off x="6620158" y="1539277"/>
+            <a:ext cx="4781636" cy="3134814"/>
+          </a:xfrm>
+          <a:prstGeom prst="rect">
+            <a:avLst/>
+          </a:prstGeom>
+        </p:spPr>
+      </p:pic>
+      <p:pic>
+        <p:nvPicPr>
+          <p:cNvPr id="6" name="Picture 5"/>
+          <p:cNvPicPr>
+            <a:picLocks noChangeAspect="1"/>
+          </p:cNvPicPr>
+          <p:nvPr/>
+        </p:nvPicPr>
+        <p:blipFill>
+          <a:blip r:embed="rId4">
+            <a:extLst>
+              <a:ext uri="{28A0092B-C50C-407E-A947-70E740481C1C}">
+                <a14:useLocalDpi xmlns:a14="http://schemas.microsoft.com/office/drawing/2010/main" val="0"/>
+              </a:ext>
+            </a:extLst>
+          </a:blip>
+          <a:stretch>
+            <a:fillRect/>
+          </a:stretch>
+        </p:blipFill>
+        <p:spPr>
+          <a:xfrm>
+            <a:off x="1748155" y="2992064"/>
+            <a:ext cx="4625889" cy="3089493"/>
           </a:xfrm>
           <a:prstGeom prst="rect">
             <a:avLst/>
@@ -20531,6 +20765,13 @@
   <p:clrMapOvr>
     <a:masterClrMapping/>
   </p:clrMapOvr>
+  <p:timing>
+    <p:tnLst>
+      <p:par>
+        <p:cTn id="1" dur="indefinite" restart="never" nodeType="tmRoot"/>
+      </p:par>
+    </p:tnLst>
+  </p:timing>
 </p:sld>
 </file>
 
@@ -20737,7 +20978,7 @@
           <p:cNvPr id="2" name="Title 1">
             <a:extLst>
               <a:ext uri="{FF2B5EF4-FFF2-40B4-BE49-F238E27FC236}">
-                <a16:creationId xmlns:a16="http://schemas.microsoft.com/office/drawing/2014/main" id="{1E76DD85-3A47-4934-B484-4155003DC884}"/>
+                <a16:creationId xmlns:a16="http://schemas.microsoft.com/office/drawing/2014/main" xmlns="" id="{1E76DD85-3A47-4934-B484-4155003DC884}"/>
               </a:ext>
             </a:extLst>
           </p:cNvPr>
@@ -20770,7 +21011,7 @@
           <p:cNvPr id="3" name="Content Placeholder 2">
             <a:extLst>
               <a:ext uri="{FF2B5EF4-FFF2-40B4-BE49-F238E27FC236}">
-                <a16:creationId xmlns:a16="http://schemas.microsoft.com/office/drawing/2014/main" id="{94DF8060-0899-4DE1-A5A2-2F2A1AD3C636}"/>
+                <a16:creationId xmlns:a16="http://schemas.microsoft.com/office/drawing/2014/main" xmlns="" id="{94DF8060-0899-4DE1-A5A2-2F2A1AD3C636}"/>
               </a:ext>
             </a:extLst>
           </p:cNvPr>
@@ -20806,7 +21047,7 @@
           <p:cNvPr id="4" name="Slide Number Placeholder 3">
             <a:extLst>
               <a:ext uri="{FF2B5EF4-FFF2-40B4-BE49-F238E27FC236}">
-                <a16:creationId xmlns:a16="http://schemas.microsoft.com/office/drawing/2014/main" id="{EC97F1AF-7088-426E-92BA-32566DBE58C9}"/>
+                <a16:creationId xmlns:a16="http://schemas.microsoft.com/office/drawing/2014/main" xmlns="" id="{EC97F1AF-7088-426E-92BA-32566DBE58C9}"/>
               </a:ext>
             </a:extLst>
           </p:cNvPr>
@@ -20835,7 +21076,7 @@
           <p:cNvPr id="5" name="Picture 4">
             <a:extLst>
               <a:ext uri="{FF2B5EF4-FFF2-40B4-BE49-F238E27FC236}">
-                <a16:creationId xmlns:a16="http://schemas.microsoft.com/office/drawing/2014/main" id="{09D3E0D0-5BE3-4962-927C-8A351826E84B}"/>
+                <a16:creationId xmlns:a16="http://schemas.microsoft.com/office/drawing/2014/main" xmlns="" id="{09D3E0D0-5BE3-4962-927C-8A351826E84B}"/>
               </a:ext>
             </a:extLst>
           </p:cNvPr>
@@ -21365,6 +21606,10 @@
               <a:rPr lang="en-US" dirty="0" err="1"/>
               <a:t>Jupyter</a:t>
             </a:r>
+            <a:r>
+              <a:rPr lang="en-US" dirty="0"/>
+              <a:t/>
+            </a:r>
             <a:br>
               <a:rPr lang="en-US" dirty="0"/>
             </a:br>
@@ -21393,7 +21638,9 @@
           </a:xfrm>
         </p:spPr>
         <p:txBody>
-          <a:bodyPr/>
+          <a:bodyPr>
+            <a:normAutofit lnSpcReduction="10000"/>
+          </a:bodyPr>
           <a:lstStyle/>
           <a:p>
             <a:r>
@@ -21429,7 +21676,53 @@
             <a:pPr lvl="1"/>
             <a:r>
               <a:rPr lang="en-US" dirty="0"/>
-              <a:t>You are not the first to have these problems.</a:t>
+              <a:t>You are not the first to have these problems</a:t>
+            </a:r>
+            <a:r>
+              <a:rPr lang="en-US" dirty="0" smtClean="0"/>
+              <a:t>.</a:t>
+            </a:r>
+          </a:p>
+          <a:p>
+            <a:pPr lvl="1"/>
+            <a:r>
+              <a:rPr lang="en-US" dirty="0" smtClean="0"/>
+              <a:t>Ex: </a:t>
+            </a:r>
+            <a:r>
+              <a:rPr lang="en-US" dirty="0"/>
+              <a:t>g</a:t>
+            </a:r>
+            <a:r>
+              <a:rPr lang="en-US" dirty="0" smtClean="0"/>
+              <a:t>oogle “</a:t>
+            </a:r>
+            <a:r>
+              <a:rPr lang="en-US" dirty="0" err="1" smtClean="0"/>
+              <a:t>pandas.dataframe</a:t>
+            </a:r>
+            <a:r>
+              <a:rPr lang="en-US" dirty="0" smtClean="0"/>
+              <a:t>”</a:t>
+            </a:r>
+          </a:p>
+          <a:p>
+            <a:pPr lvl="1"/>
+            <a:r>
+              <a:rPr lang="en-US" dirty="0" smtClean="0"/>
+              <a:t>Ex. google </a:t>
+            </a:r>
+            <a:r>
+              <a:rPr lang="en-US" dirty="0"/>
+              <a:t>“</a:t>
+            </a:r>
+            <a:r>
+              <a:rPr lang="en-US" dirty="0" err="1"/>
+              <a:t>pandas.read</a:t>
+            </a:r>
+            <a:r>
+              <a:rPr lang="en-US" dirty="0"/>
+              <a:t>”</a:t>
             </a:r>
           </a:p>
           <a:p>

--- a/lectures/Lect02_SimpRegression.pptx
+++ b/lectures/Lect02_SimpRegression.pptx
@@ -14,32 +14,32 @@
     <p:sldId id="264" r:id="rId5"/>
     <p:sldId id="288" r:id="rId6"/>
     <p:sldId id="263" r:id="rId7"/>
-    <p:sldId id="265" r:id="rId8"/>
-    <p:sldId id="266" r:id="rId9"/>
-    <p:sldId id="267" r:id="rId10"/>
-    <p:sldId id="268" r:id="rId11"/>
-    <p:sldId id="292" r:id="rId12"/>
-    <p:sldId id="270" r:id="rId13"/>
-    <p:sldId id="271" r:id="rId14"/>
-    <p:sldId id="283" r:id="rId15"/>
-    <p:sldId id="273" r:id="rId16"/>
-    <p:sldId id="272" r:id="rId17"/>
-    <p:sldId id="261" r:id="rId18"/>
-    <p:sldId id="286" r:id="rId19"/>
-    <p:sldId id="287" r:id="rId20"/>
-    <p:sldId id="276" r:id="rId21"/>
-    <p:sldId id="275" r:id="rId22"/>
-    <p:sldId id="289" r:id="rId23"/>
-    <p:sldId id="285" r:id="rId24"/>
-    <p:sldId id="277" r:id="rId25"/>
-    <p:sldId id="284" r:id="rId26"/>
-    <p:sldId id="295" r:id="rId27"/>
-    <p:sldId id="262" r:id="rId28"/>
-    <p:sldId id="278" r:id="rId29"/>
-    <p:sldId id="290" r:id="rId30"/>
-    <p:sldId id="291" r:id="rId31"/>
-    <p:sldId id="280" r:id="rId32"/>
-    <p:sldId id="296" r:id="rId33"/>
+    <p:sldId id="296" r:id="rId8"/>
+    <p:sldId id="265" r:id="rId9"/>
+    <p:sldId id="266" r:id="rId10"/>
+    <p:sldId id="267" r:id="rId11"/>
+    <p:sldId id="268" r:id="rId12"/>
+    <p:sldId id="292" r:id="rId13"/>
+    <p:sldId id="270" r:id="rId14"/>
+    <p:sldId id="271" r:id="rId15"/>
+    <p:sldId id="283" r:id="rId16"/>
+    <p:sldId id="273" r:id="rId17"/>
+    <p:sldId id="272" r:id="rId18"/>
+    <p:sldId id="261" r:id="rId19"/>
+    <p:sldId id="286" r:id="rId20"/>
+    <p:sldId id="287" r:id="rId21"/>
+    <p:sldId id="276" r:id="rId22"/>
+    <p:sldId id="275" r:id="rId23"/>
+    <p:sldId id="289" r:id="rId24"/>
+    <p:sldId id="285" r:id="rId25"/>
+    <p:sldId id="277" r:id="rId26"/>
+    <p:sldId id="284" r:id="rId27"/>
+    <p:sldId id="295" r:id="rId28"/>
+    <p:sldId id="262" r:id="rId29"/>
+    <p:sldId id="278" r:id="rId30"/>
+    <p:sldId id="290" r:id="rId31"/>
+    <p:sldId id="291" r:id="rId32"/>
+    <p:sldId id="280" r:id="rId33"/>
     <p:sldId id="281" r:id="rId34"/>
     <p:sldId id="274" r:id="rId35"/>
     <p:sldId id="294" r:id="rId36"/>
@@ -160,10 +160,6 @@
 </p:presentation>
 </file>
 
-<file path=ppt/revisionInfo.xml><?xml version="1.0" encoding="utf-8"?>
-<p1510:revInfo xmlns:a="http://schemas.openxmlformats.org/drawingml/2006/main" xmlns:r="http://schemas.openxmlformats.org/officeDocument/2006/relationships" xmlns:p1510="http://schemas.microsoft.com/office/powerpoint/2015/10/main"/>
-</file>
-
 <file path=ppt/notesMasters/notesMaster1.xml><?xml version="1.0" encoding="utf-8"?>
 <p:notesMaster xmlns:a="http://schemas.openxmlformats.org/drawingml/2006/main" xmlns:r="http://schemas.openxmlformats.org/officeDocument/2006/relationships" xmlns:p="http://schemas.openxmlformats.org/presentationml/2006/main">
   <p:cSld>
@@ -246,7 +242,7 @@
           <a:p>
             <a:fld id="{B7D6DDD3-D7E9-488B-B626-1E8285E424D8}" type="datetimeFigureOut">
               <a:rPr lang="en-US" smtClean="0"/>
-              <a:t>1/20/18</a:t>
+              <a:t>9/4/2018</a:t>
             </a:fld>
             <a:endParaRPr lang="en-US"/>
           </a:p>
@@ -4087,7 +4083,7 @@
               <a:t> </a:t>
             </a:r>
             <a:r>
-              <a:rPr lang="en-US" dirty="0" err="1" smtClean="0"/>
+              <a:rPr lang="en-US" dirty="0" err="1"/>
               <a:t>rangan</a:t>
             </a:r>
             <a:endParaRPr lang="en-US" dirty="0"/>
@@ -4165,7 +4161,7 @@
           <a:p>
             <a:r>
               <a:rPr lang="en-US" dirty="0"/>
-              <a:t>Postulating a Model</a:t>
+              <a:t>Visualizing the Data</a:t>
             </a:r>
           </a:p>
         </p:txBody>
@@ -4180,26 +4176,36 @@
             <p:ph idx="1"/>
           </p:nvPr>
         </p:nvSpPr>
-        <p:spPr/>
+        <p:spPr>
+          <a:xfrm>
+            <a:off x="5047489" y="1539277"/>
+            <a:ext cx="6108192" cy="4329817"/>
+          </a:xfrm>
+        </p:spPr>
         <p:txBody>
           <a:bodyPr/>
           <a:lstStyle/>
           <a:p>
             <a:r>
               <a:rPr lang="en-US" dirty="0"/>
-              <a:t>What relationships do you see?</a:t>
+              <a:t>When possible, look at data before doing anything</a:t>
             </a:r>
           </a:p>
           <a:p>
             <a:r>
               <a:rPr lang="en-US" dirty="0"/>
-              <a:t>Is there a mathematical model relating the variables?</a:t>
-            </a:r>
-          </a:p>
-          <a:p>
+              <a:t>Python has MATLAB-like plotting </a:t>
+            </a:r>
+          </a:p>
+          <a:p>
+            <a:pPr lvl="1"/>
+            <a:r>
+              <a:rPr lang="en-US" dirty="0" err="1"/>
+              <a:t>Matplotlib</a:t>
+            </a:r>
             <a:r>
               <a:rPr lang="en-US" dirty="0"/>
-              <a:t>How well can you predict mpg from these variables?</a:t>
+              <a:t> module</a:t>
             </a:r>
           </a:p>
         </p:txBody>
@@ -4243,8 +4249,8 @@
         </p:blipFill>
         <p:spPr>
           <a:xfrm>
-            <a:off x="882098" y="3279913"/>
-            <a:ext cx="3000021" cy="2026133"/>
+            <a:off x="559283" y="1539277"/>
+            <a:ext cx="3542265" cy="2642310"/>
           </a:xfrm>
           <a:prstGeom prst="rect">
             <a:avLst/>
@@ -4267,174 +4273,18 @@
         </p:blipFill>
         <p:spPr>
           <a:xfrm>
-            <a:off x="3952253" y="3279913"/>
-            <a:ext cx="3223799" cy="2087831"/>
+            <a:off x="4354167" y="2983226"/>
+            <a:ext cx="4272998" cy="2885868"/>
           </a:xfrm>
           <a:prstGeom prst="rect">
             <a:avLst/>
           </a:prstGeom>
         </p:spPr>
       </p:pic>
-      <p:pic>
-        <p:nvPicPr>
-          <p:cNvPr id="7" name="Picture 6"/>
-          <p:cNvPicPr>
-            <a:picLocks noChangeAspect="1"/>
-          </p:cNvPicPr>
-          <p:nvPr/>
-        </p:nvPicPr>
-        <p:blipFill>
-          <a:blip r:embed="rId4"/>
-          <a:stretch>
-            <a:fillRect/>
-          </a:stretch>
-        </p:blipFill>
-        <p:spPr>
-          <a:xfrm>
-            <a:off x="7176052" y="3318767"/>
-            <a:ext cx="3137038" cy="1948424"/>
-          </a:xfrm>
-          <a:prstGeom prst="rect">
-            <a:avLst/>
-          </a:prstGeom>
-        </p:spPr>
-      </p:pic>
-      <p:sp>
-        <p:nvSpPr>
-          <p:cNvPr id="8" name="TextBox 7"/>
-          <p:cNvSpPr txBox="1"/>
-          <p:nvPr/>
-        </p:nvSpPr>
-        <p:spPr>
-          <a:xfrm>
-            <a:off x="4897398" y="5608585"/>
-            <a:ext cx="1333507" cy="369332"/>
-          </a:xfrm>
-          <a:prstGeom prst="rect">
-            <a:avLst/>
-          </a:prstGeom>
-          <a:noFill/>
-        </p:spPr>
-        <p:txBody>
-          <a:bodyPr wrap="none" rtlCol="0">
-            <a:spAutoFit/>
-          </a:bodyPr>
-          <a:lstStyle/>
-          <a:p>
-            <a:r>
-              <a:rPr lang="en-US" dirty="0">
-                <a:solidFill>
-                  <a:schemeClr val="accent1"/>
-                </a:solidFill>
-              </a:rPr>
-              <a:t>Horsepower</a:t>
-            </a:r>
-          </a:p>
-        </p:txBody>
-      </p:sp>
-      <p:sp>
-        <p:nvSpPr>
-          <p:cNvPr id="9" name="TextBox 8"/>
-          <p:cNvSpPr txBox="1"/>
-          <p:nvPr/>
-        </p:nvSpPr>
-        <p:spPr>
-          <a:xfrm>
-            <a:off x="1707145" y="5608585"/>
-            <a:ext cx="1464953" cy="369332"/>
-          </a:xfrm>
-          <a:prstGeom prst="rect">
-            <a:avLst/>
-          </a:prstGeom>
-          <a:noFill/>
-        </p:spPr>
-        <p:txBody>
-          <a:bodyPr wrap="none" rtlCol="0">
-            <a:spAutoFit/>
-          </a:bodyPr>
-          <a:lstStyle/>
-          <a:p>
-            <a:r>
-              <a:rPr lang="en-US" dirty="0">
-                <a:solidFill>
-                  <a:schemeClr val="accent1"/>
-                </a:solidFill>
-              </a:rPr>
-              <a:t>Displacement</a:t>
-            </a:r>
-          </a:p>
-        </p:txBody>
-      </p:sp>
-      <p:sp>
-        <p:nvSpPr>
-          <p:cNvPr id="10" name="TextBox 9"/>
-          <p:cNvSpPr txBox="1"/>
-          <p:nvPr/>
-        </p:nvSpPr>
-        <p:spPr>
-          <a:xfrm>
-            <a:off x="8077817" y="5551926"/>
-            <a:ext cx="1354410" cy="369332"/>
-          </a:xfrm>
-          <a:prstGeom prst="rect">
-            <a:avLst/>
-          </a:prstGeom>
-          <a:noFill/>
-        </p:spPr>
-        <p:txBody>
-          <a:bodyPr wrap="none" rtlCol="0">
-            <a:spAutoFit/>
-          </a:bodyPr>
-          <a:lstStyle/>
-          <a:p>
-            <a:r>
-              <a:rPr lang="en-US" dirty="0">
-                <a:solidFill>
-                  <a:schemeClr val="accent1"/>
-                </a:solidFill>
-              </a:rPr>
-              <a:t>Acceleration</a:t>
-            </a:r>
-          </a:p>
-        </p:txBody>
-      </p:sp>
-      <p:sp>
-        <p:nvSpPr>
-          <p:cNvPr id="11" name="TextBox 10"/>
-          <p:cNvSpPr txBox="1"/>
-          <p:nvPr/>
-        </p:nvSpPr>
-        <p:spPr>
-          <a:xfrm rot="16200000">
-            <a:off x="362443" y="4016075"/>
-            <a:ext cx="599844" cy="369332"/>
-          </a:xfrm>
-          <a:prstGeom prst="rect">
-            <a:avLst/>
-          </a:prstGeom>
-          <a:noFill/>
-        </p:spPr>
-        <p:txBody>
-          <a:bodyPr wrap="none" rtlCol="0">
-            <a:spAutoFit/>
-          </a:bodyPr>
-          <a:lstStyle/>
-          <a:p>
-            <a:r>
-              <a:rPr lang="en-US" dirty="0">
-                <a:solidFill>
-                  <a:schemeClr val="accent1"/>
-                </a:solidFill>
-              </a:rPr>
-              <a:t>mpg</a:t>
-            </a:r>
-          </a:p>
-        </p:txBody>
-      </p:sp>
     </p:spTree>
     <p:extLst>
       <p:ext uri="{BB962C8B-B14F-4D97-AF65-F5344CB8AC3E}">
-        <p14:creationId xmlns:p14="http://schemas.microsoft.com/office/powerpoint/2010/main" val="3505209133"/>
+        <p14:creationId xmlns:p14="http://schemas.microsoft.com/office/powerpoint/2010/main" val="3150755345"/>
       </p:ext>
     </p:extLst>
   </p:cSld>
@@ -4478,7 +4328,7 @@
           <a:p>
             <a:r>
               <a:rPr lang="en-US" dirty="0"/>
-              <a:t>Outline</a:t>
+              <a:t>Exercise:  Postulate a Model</a:t>
             </a:r>
           </a:p>
         </p:txBody>
@@ -4500,31 +4350,32 @@
           <a:p>
             <a:r>
               <a:rPr lang="en-US" dirty="0"/>
-              <a:t>Motivating Example:  Predicting the mpg of a car</a:t>
+              <a:t>Break into small groups</a:t>
             </a:r>
           </a:p>
           <a:p>
             <a:r>
               <a:rPr lang="en-US" dirty="0"/>
-              <a:t>Linear Model</a:t>
+              <a:t>Try to find a mathematical to predict mpg from displacement</a:t>
             </a:r>
           </a:p>
           <a:p>
             <a:r>
               <a:rPr lang="en-US" dirty="0"/>
-              <a:t>Least Squares Fit Problem</a:t>
-            </a:r>
-          </a:p>
-          <a:p>
+              <a:t>Try to “fit” the model.  Find coefficients / parameters in the model. </a:t>
+            </a:r>
+          </a:p>
+          <a:p>
+            <a:pPr lvl="1"/>
             <a:r>
               <a:rPr lang="en-US" dirty="0"/>
-              <a:t>Sample Mean and Variance; LS Fit Solution</a:t>
+              <a:t>Without using python, make a good guess at the parameters</a:t>
             </a:r>
           </a:p>
           <a:p>
             <a:r>
               <a:rPr lang="en-US" dirty="0"/>
-              <a:t>Assessing Goodness of Fit</a:t>
+              <a:t>Which variables (displacement, horsepower, acceleration) seem to predict mpg the best?</a:t>
             </a:r>
           </a:p>
         </p:txBody>
@@ -4547,6 +4398,331 @@
             <a:fld id="{629637A9-119A-49DA-BD12-AAC58B377D80}" type="slidenum">
               <a:rPr lang="en-US" smtClean="0"/>
               <a:t>11</a:t>
+            </a:fld>
+            <a:endParaRPr lang="en-US" dirty="0"/>
+          </a:p>
+        </p:txBody>
+      </p:sp>
+      <p:pic>
+        <p:nvPicPr>
+          <p:cNvPr id="5" name="Picture 4"/>
+          <p:cNvPicPr>
+            <a:picLocks noChangeAspect="1"/>
+          </p:cNvPicPr>
+          <p:nvPr/>
+        </p:nvPicPr>
+        <p:blipFill>
+          <a:blip r:embed="rId2"/>
+          <a:stretch>
+            <a:fillRect/>
+          </a:stretch>
+        </p:blipFill>
+        <p:spPr>
+          <a:xfrm>
+            <a:off x="882098" y="3564648"/>
+            <a:ext cx="3000021" cy="2026133"/>
+          </a:xfrm>
+          <a:prstGeom prst="rect">
+            <a:avLst/>
+          </a:prstGeom>
+        </p:spPr>
+      </p:pic>
+      <p:pic>
+        <p:nvPicPr>
+          <p:cNvPr id="6" name="Picture 5"/>
+          <p:cNvPicPr>
+            <a:picLocks noChangeAspect="1"/>
+          </p:cNvPicPr>
+          <p:nvPr/>
+        </p:nvPicPr>
+        <p:blipFill>
+          <a:blip r:embed="rId3"/>
+          <a:stretch>
+            <a:fillRect/>
+          </a:stretch>
+        </p:blipFill>
+        <p:spPr>
+          <a:xfrm>
+            <a:off x="3952253" y="3564648"/>
+            <a:ext cx="3223799" cy="2087831"/>
+          </a:xfrm>
+          <a:prstGeom prst="rect">
+            <a:avLst/>
+          </a:prstGeom>
+        </p:spPr>
+      </p:pic>
+      <p:pic>
+        <p:nvPicPr>
+          <p:cNvPr id="7" name="Picture 6"/>
+          <p:cNvPicPr>
+            <a:picLocks noChangeAspect="1"/>
+          </p:cNvPicPr>
+          <p:nvPr/>
+        </p:nvPicPr>
+        <p:blipFill>
+          <a:blip r:embed="rId4"/>
+          <a:stretch>
+            <a:fillRect/>
+          </a:stretch>
+        </p:blipFill>
+        <p:spPr>
+          <a:xfrm>
+            <a:off x="7176052" y="3603502"/>
+            <a:ext cx="3137038" cy="1948424"/>
+          </a:xfrm>
+          <a:prstGeom prst="rect">
+            <a:avLst/>
+          </a:prstGeom>
+        </p:spPr>
+      </p:pic>
+      <p:sp>
+        <p:nvSpPr>
+          <p:cNvPr id="8" name="TextBox 7"/>
+          <p:cNvSpPr txBox="1"/>
+          <p:nvPr/>
+        </p:nvSpPr>
+        <p:spPr>
+          <a:xfrm>
+            <a:off x="4897398" y="5608585"/>
+            <a:ext cx="1333507" cy="369332"/>
+          </a:xfrm>
+          <a:prstGeom prst="rect">
+            <a:avLst/>
+          </a:prstGeom>
+          <a:noFill/>
+        </p:spPr>
+        <p:txBody>
+          <a:bodyPr wrap="none" rtlCol="0">
+            <a:spAutoFit/>
+          </a:bodyPr>
+          <a:lstStyle/>
+          <a:p>
+            <a:r>
+              <a:rPr lang="en-US" dirty="0">
+                <a:solidFill>
+                  <a:schemeClr val="accent1"/>
+                </a:solidFill>
+              </a:rPr>
+              <a:t>Horsepower</a:t>
+            </a:r>
+          </a:p>
+        </p:txBody>
+      </p:sp>
+      <p:sp>
+        <p:nvSpPr>
+          <p:cNvPr id="9" name="TextBox 8"/>
+          <p:cNvSpPr txBox="1"/>
+          <p:nvPr/>
+        </p:nvSpPr>
+        <p:spPr>
+          <a:xfrm>
+            <a:off x="1707145" y="5608585"/>
+            <a:ext cx="1464953" cy="369332"/>
+          </a:xfrm>
+          <a:prstGeom prst="rect">
+            <a:avLst/>
+          </a:prstGeom>
+          <a:noFill/>
+        </p:spPr>
+        <p:txBody>
+          <a:bodyPr wrap="none" rtlCol="0">
+            <a:spAutoFit/>
+          </a:bodyPr>
+          <a:lstStyle/>
+          <a:p>
+            <a:r>
+              <a:rPr lang="en-US" dirty="0">
+                <a:solidFill>
+                  <a:schemeClr val="accent1"/>
+                </a:solidFill>
+              </a:rPr>
+              <a:t>Displacement</a:t>
+            </a:r>
+          </a:p>
+        </p:txBody>
+      </p:sp>
+      <p:sp>
+        <p:nvSpPr>
+          <p:cNvPr id="10" name="TextBox 9"/>
+          <p:cNvSpPr txBox="1"/>
+          <p:nvPr/>
+        </p:nvSpPr>
+        <p:spPr>
+          <a:xfrm>
+            <a:off x="8077817" y="5551926"/>
+            <a:ext cx="1354410" cy="369332"/>
+          </a:xfrm>
+          <a:prstGeom prst="rect">
+            <a:avLst/>
+          </a:prstGeom>
+          <a:noFill/>
+        </p:spPr>
+        <p:txBody>
+          <a:bodyPr wrap="none" rtlCol="0">
+            <a:spAutoFit/>
+          </a:bodyPr>
+          <a:lstStyle/>
+          <a:p>
+            <a:r>
+              <a:rPr lang="en-US" dirty="0">
+                <a:solidFill>
+                  <a:schemeClr val="accent1"/>
+                </a:solidFill>
+              </a:rPr>
+              <a:t>Acceleration</a:t>
+            </a:r>
+          </a:p>
+        </p:txBody>
+      </p:sp>
+      <p:sp>
+        <p:nvSpPr>
+          <p:cNvPr id="11" name="TextBox 10"/>
+          <p:cNvSpPr txBox="1"/>
+          <p:nvPr/>
+        </p:nvSpPr>
+        <p:spPr>
+          <a:xfrm rot="16200000">
+            <a:off x="362443" y="4300810"/>
+            <a:ext cx="599844" cy="369332"/>
+          </a:xfrm>
+          <a:prstGeom prst="rect">
+            <a:avLst/>
+          </a:prstGeom>
+          <a:noFill/>
+        </p:spPr>
+        <p:txBody>
+          <a:bodyPr wrap="none" rtlCol="0">
+            <a:spAutoFit/>
+          </a:bodyPr>
+          <a:lstStyle/>
+          <a:p>
+            <a:r>
+              <a:rPr lang="en-US" dirty="0">
+                <a:solidFill>
+                  <a:schemeClr val="accent1"/>
+                </a:solidFill>
+              </a:rPr>
+              <a:t>mpg</a:t>
+            </a:r>
+          </a:p>
+        </p:txBody>
+      </p:sp>
+    </p:spTree>
+    <p:extLst>
+      <p:ext uri="{BB962C8B-B14F-4D97-AF65-F5344CB8AC3E}">
+        <p14:creationId xmlns:p14="http://schemas.microsoft.com/office/powerpoint/2010/main" val="3505209133"/>
+      </p:ext>
+    </p:extLst>
+  </p:cSld>
+  <p:clrMapOvr>
+    <a:masterClrMapping/>
+  </p:clrMapOvr>
+</p:sld>
+</file>
+
+<file path=ppt/slides/slide12.xml><?xml version="1.0" encoding="utf-8"?>
+<p:sld xmlns:a="http://schemas.openxmlformats.org/drawingml/2006/main" xmlns:r="http://schemas.openxmlformats.org/officeDocument/2006/relationships" xmlns:p="http://schemas.openxmlformats.org/presentationml/2006/main">
+  <p:cSld>
+    <p:spTree>
+      <p:nvGrpSpPr>
+        <p:cNvPr id="1" name=""/>
+        <p:cNvGrpSpPr/>
+        <p:nvPr/>
+      </p:nvGrpSpPr>
+      <p:grpSpPr>
+        <a:xfrm>
+          <a:off x="0" y="0"/>
+          <a:ext cx="0" cy="0"/>
+          <a:chOff x="0" y="0"/>
+          <a:chExt cx="0" cy="0"/>
+        </a:xfrm>
+      </p:grpSpPr>
+      <p:sp>
+        <p:nvSpPr>
+          <p:cNvPr id="2" name="Title 1"/>
+          <p:cNvSpPr>
+            <a:spLocks noGrp="1"/>
+          </p:cNvSpPr>
+          <p:nvPr>
+            <p:ph type="title"/>
+          </p:nvPr>
+        </p:nvSpPr>
+        <p:spPr/>
+        <p:txBody>
+          <a:bodyPr/>
+          <a:lstStyle/>
+          <a:p>
+            <a:r>
+              <a:rPr lang="en-US" dirty="0"/>
+              <a:t>Outline</a:t>
+            </a:r>
+          </a:p>
+        </p:txBody>
+      </p:sp>
+      <p:sp>
+        <p:nvSpPr>
+          <p:cNvPr id="3" name="Content Placeholder 2"/>
+          <p:cNvSpPr>
+            <a:spLocks noGrp="1"/>
+          </p:cNvSpPr>
+          <p:nvPr>
+            <p:ph idx="1"/>
+          </p:nvPr>
+        </p:nvSpPr>
+        <p:spPr/>
+        <p:txBody>
+          <a:bodyPr/>
+          <a:lstStyle/>
+          <a:p>
+            <a:r>
+              <a:rPr lang="en-US" dirty="0"/>
+              <a:t>Motivating Example:  Predicting the mpg of a car</a:t>
+            </a:r>
+          </a:p>
+          <a:p>
+            <a:r>
+              <a:rPr lang="en-US" dirty="0"/>
+              <a:t>Linear Model</a:t>
+            </a:r>
+          </a:p>
+          <a:p>
+            <a:r>
+              <a:rPr lang="en-US" dirty="0"/>
+              <a:t>Least Squares Fit Problem</a:t>
+            </a:r>
+          </a:p>
+          <a:p>
+            <a:r>
+              <a:rPr lang="en-US" dirty="0"/>
+              <a:t>Sample Mean and Variance; LS Fit Solution</a:t>
+            </a:r>
+          </a:p>
+          <a:p>
+            <a:r>
+              <a:rPr lang="en-US" dirty="0"/>
+              <a:t>Assessing Goodness of Fit</a:t>
+            </a:r>
+          </a:p>
+        </p:txBody>
+      </p:sp>
+      <p:sp>
+        <p:nvSpPr>
+          <p:cNvPr id="4" name="Slide Number Placeholder 3"/>
+          <p:cNvSpPr>
+            <a:spLocks noGrp="1"/>
+          </p:cNvSpPr>
+          <p:nvPr>
+            <p:ph type="sldNum" sz="quarter" idx="12"/>
+          </p:nvPr>
+        </p:nvSpPr>
+        <p:spPr/>
+        <p:txBody>
+          <a:bodyPr/>
+          <a:lstStyle/>
+          <a:p>
+            <a:fld id="{629637A9-119A-49DA-BD12-AAC58B377D80}" type="slidenum">
+              <a:rPr lang="en-US" smtClean="0"/>
+              <a:t>12</a:t>
             </a:fld>
             <a:endParaRPr lang="en-US" dirty="0"/>
           </a:p>
@@ -4611,7 +4787,7 @@
 </p:sld>
 </file>
 
-<file path=ppt/slides/slide12.xml><?xml version="1.0" encoding="utf-8"?>
+<file path=ppt/slides/slide13.xml><?xml version="1.0" encoding="utf-8"?>
 <p:sld xmlns:a="http://schemas.openxmlformats.org/drawingml/2006/main" xmlns:r="http://schemas.openxmlformats.org/officeDocument/2006/relationships" xmlns:p="http://schemas.openxmlformats.org/presentationml/2006/main">
   <p:cSld>
     <p:spTree>
@@ -4745,7 +4921,7 @@
                       <m:dPr>
                         <m:ctrlPr>
                           <a:rPr lang="en-US" b="0" i="1" smtClean="0">
-                            <a:latin typeface="Cambria Math" charset="0"/>
+                            <a:latin typeface="Cambria Math" panose="02040503050406030204" pitchFamily="18" charset="0"/>
                           </a:rPr>
                         </m:ctrlPr>
                       </m:dPr>
@@ -4754,7 +4930,7 @@
                           <m:sSubPr>
                             <m:ctrlPr>
                               <a:rPr lang="en-US" b="0" i="1" smtClean="0">
-                                <a:latin typeface="Cambria Math" charset="0"/>
+                                <a:latin typeface="Cambria Math" panose="02040503050406030204" pitchFamily="18" charset="0"/>
                               </a:rPr>
                             </m:ctrlPr>
                           </m:sSubPr>
@@ -4785,7 +4961,7 @@
                           <m:sSubPr>
                             <m:ctrlPr>
                               <a:rPr lang="en-US" b="0" i="1" smtClean="0">
-                                <a:latin typeface="Cambria Math" charset="0"/>
+                                <a:latin typeface="Cambria Math" panose="02040503050406030204" pitchFamily="18" charset="0"/>
                               </a:rPr>
                             </m:ctrlPr>
                           </m:sSubPr>
@@ -4903,7 +5079,7 @@
           <a:p>
             <a:fld id="{629637A9-119A-49DA-BD12-AAC58B377D80}" type="slidenum">
               <a:rPr lang="en-US" smtClean="0"/>
-              <a:t>12</a:t>
+              <a:t>13</a:t>
             </a:fld>
             <a:endParaRPr lang="en-US" dirty="0"/>
           </a:p>
@@ -5108,7 +5284,7 @@
 </p:sld>
 </file>
 
-<file path=ppt/slides/slide13.xml><?xml version="1.0" encoding="utf-8"?>
+<file path=ppt/slides/slide14.xml><?xml version="1.0" encoding="utf-8"?>
 <p:sld xmlns:a="http://schemas.openxmlformats.org/drawingml/2006/main" xmlns:r="http://schemas.openxmlformats.org/officeDocument/2006/relationships" xmlns:p="http://schemas.openxmlformats.org/presentationml/2006/main">
   <p:cSld>
     <p:spTree>
@@ -5194,7 +5370,7 @@
                       <m:sSubPr>
                         <m:ctrlPr>
                           <a:rPr lang="en-US" b="0" i="1" smtClean="0">
-                            <a:latin typeface="Cambria Math" charset="0"/>
+                            <a:latin typeface="Cambria Math" panose="02040503050406030204" pitchFamily="18" charset="0"/>
                           </a:rPr>
                         </m:ctrlPr>
                       </m:sSubPr>
@@ -5225,7 +5401,7 @@
                       <m:sSubPr>
                         <m:ctrlPr>
                           <a:rPr lang="en-US" b="0" i="1" smtClean="0">
-                            <a:latin typeface="Cambria Math" charset="0"/>
+                            <a:latin typeface="Cambria Math" panose="02040503050406030204" pitchFamily="18" charset="0"/>
                           </a:rPr>
                         </m:ctrlPr>
                       </m:sSubPr>
@@ -5264,7 +5440,7 @@
                       <m:sSubPr>
                         <m:ctrlPr>
                           <a:rPr lang="en-US" i="1">
-                            <a:latin typeface="Cambria Math" charset="0"/>
+                            <a:latin typeface="Cambria Math" panose="02040503050406030204" pitchFamily="18" charset="0"/>
                           </a:rPr>
                         </m:ctrlPr>
                       </m:sSubPr>
@@ -5300,7 +5476,7 @@
                       <m:sSubPr>
                         <m:ctrlPr>
                           <a:rPr lang="en-US" i="1">
-                            <a:latin typeface="Cambria Math" charset="0"/>
+                            <a:latin typeface="Cambria Math" panose="02040503050406030204" pitchFamily="18" charset="0"/>
                           </a:rPr>
                         </m:ctrlPr>
                       </m:sSubPr>
@@ -5347,7 +5523,7 @@
                       <m:dPr>
                         <m:ctrlPr>
                           <a:rPr lang="en-US" b="0" i="1" smtClean="0">
-                            <a:latin typeface="Cambria Math" charset="0"/>
+                            <a:latin typeface="Cambria Math" panose="02040503050406030204" pitchFamily="18" charset="0"/>
                           </a:rPr>
                         </m:ctrlPr>
                       </m:dPr>
@@ -5356,7 +5532,7 @@
                           <m:sSubPr>
                             <m:ctrlPr>
                               <a:rPr lang="en-US" b="0" i="1" smtClean="0">
-                                <a:latin typeface="Cambria Math" charset="0"/>
+                                <a:latin typeface="Cambria Math" panose="02040503050406030204" pitchFamily="18" charset="0"/>
                               </a:rPr>
                             </m:ctrlPr>
                           </m:sSubPr>
@@ -5387,7 +5563,7 @@
                           <m:sSubPr>
                             <m:ctrlPr>
                               <a:rPr lang="en-US" b="0" i="1" smtClean="0">
-                                <a:latin typeface="Cambria Math" charset="0"/>
+                                <a:latin typeface="Cambria Math" panose="02040503050406030204" pitchFamily="18" charset="0"/>
                               </a:rPr>
                             </m:ctrlPr>
                           </m:sSubPr>
@@ -5440,7 +5616,7 @@
                       <m:sSubPr>
                         <m:ctrlPr>
                           <a:rPr lang="en-US" b="0" i="1" smtClean="0">
-                            <a:latin typeface="Cambria Math" charset="0"/>
+                            <a:latin typeface="Cambria Math" panose="02040503050406030204" pitchFamily="18" charset="0"/>
                           </a:rPr>
                         </m:ctrlPr>
                       </m:sSubPr>
@@ -5471,7 +5647,7 @@
                       <m:sSubPr>
                         <m:ctrlPr>
                           <a:rPr lang="en-US" b="0" i="1" smtClean="0">
-                            <a:latin typeface="Cambria Math" charset="0"/>
+                            <a:latin typeface="Cambria Math" panose="02040503050406030204" pitchFamily="18" charset="0"/>
                           </a:rPr>
                         </m:ctrlPr>
                       </m:sSubPr>
@@ -5566,7 +5742,7 @@
           <a:p>
             <a:fld id="{629637A9-119A-49DA-BD12-AAC58B377D80}" type="slidenum">
               <a:rPr lang="en-US" smtClean="0"/>
-              <a:t>13</a:t>
+              <a:t>14</a:t>
             </a:fld>
             <a:endParaRPr lang="en-US" dirty="0"/>
           </a:p>
@@ -5697,7 +5873,7 @@
 </p:sld>
 </file>
 
-<file path=ppt/slides/slide14.xml><?xml version="1.0" encoding="utf-8"?>
+<file path=ppt/slides/slide15.xml><?xml version="1.0" encoding="utf-8"?>
 <p:sld xmlns:a="http://schemas.openxmlformats.org/drawingml/2006/main" xmlns:r="http://schemas.openxmlformats.org/officeDocument/2006/relationships" xmlns:p="http://schemas.openxmlformats.org/presentationml/2006/main">
   <p:cSld>
     <p:spTree>
@@ -5794,7 +5970,7 @@
                       <m:dPr>
                         <m:ctrlPr>
                           <a:rPr lang="en-US" b="0" i="1" smtClean="0">
-                            <a:latin typeface="Cambria Math" charset="0"/>
+                            <a:latin typeface="Cambria Math" panose="02040503050406030204" pitchFamily="18" charset="0"/>
                           </a:rPr>
                         </m:ctrlPr>
                       </m:dPr>
@@ -5837,7 +6013,7 @@
                       <m:sSubPr>
                         <m:ctrlPr>
                           <a:rPr lang="en-US" b="0" i="1" smtClean="0">
-                            <a:latin typeface="Cambria Math" charset="0"/>
+                            <a:latin typeface="Cambria Math" panose="02040503050406030204" pitchFamily="18" charset="0"/>
                           </a:rPr>
                         </m:ctrlPr>
                       </m:sSubPr>
@@ -5869,10 +6045,6 @@
                 <a:pPr marL="201168" lvl="1" indent="0">
                   <a:buNone/>
                 </a:pPr>
-                <a:r>
-                  <a:rPr lang="en-US" dirty="0"/>
-                  <a:t/>
-                </a:r>
                 <a:br>
                   <a:rPr lang="en-US" dirty="0"/>
                 </a:br>
@@ -5904,7 +6076,7 @@
                         <m:dPr>
                           <m:ctrlPr>
                             <a:rPr lang="en-US" b="0" i="1" smtClean="0">
-                              <a:latin typeface="Cambria Math" charset="0"/>
+                              <a:latin typeface="Cambria Math" panose="02040503050406030204" pitchFamily="18" charset="0"/>
                             </a:rPr>
                           </m:ctrlPr>
                         </m:dPr>
@@ -5913,7 +6085,7 @@
                             <m:sSubPr>
                               <m:ctrlPr>
                                 <a:rPr lang="en-US" b="0" i="1" smtClean="0">
-                                  <a:latin typeface="Cambria Math" charset="0"/>
+                                  <a:latin typeface="Cambria Math" panose="02040503050406030204" pitchFamily="18" charset="0"/>
                                 </a:rPr>
                               </m:ctrlPr>
                             </m:sSubPr>
@@ -5946,7 +6118,7 @@
                         <m:sSupPr>
                           <m:ctrlPr>
                             <a:rPr lang="en-US" b="0" i="1" smtClean="0">
-                              <a:latin typeface="Cambria Math" charset="0"/>
+                              <a:latin typeface="Cambria Math" panose="02040503050406030204" pitchFamily="18" charset="0"/>
                             </a:rPr>
                           </m:ctrlPr>
                         </m:sSupPr>
@@ -5971,7 +6143,7 @@
                         <m:dPr>
                           <m:ctrlPr>
                             <a:rPr lang="en-US" i="1">
-                              <a:latin typeface="Cambria Math" charset="0"/>
+                              <a:latin typeface="Cambria Math" panose="02040503050406030204" pitchFamily="18" charset="0"/>
                             </a:rPr>
                           </m:ctrlPr>
                         </m:dPr>
@@ -5980,7 +6152,7 @@
                             <m:sSubPr>
                               <m:ctrlPr>
                                 <a:rPr lang="en-US" i="1">
-                                  <a:latin typeface="Cambria Math" charset="0"/>
+                                  <a:latin typeface="Cambria Math" panose="02040503050406030204" pitchFamily="18" charset="0"/>
                                 </a:rPr>
                               </m:ctrlPr>
                             </m:sSubPr>
@@ -6007,7 +6179,7 @@
                         <m:dPr>
                           <m:ctrlPr>
                             <a:rPr lang="en-US" b="0" i="1" smtClean="0">
-                              <a:latin typeface="Cambria Math" charset="0"/>
+                              <a:latin typeface="Cambria Math" panose="02040503050406030204" pitchFamily="18" charset="0"/>
                             </a:rPr>
                           </m:ctrlPr>
                         </m:dPr>
@@ -6028,7 +6200,7 @@
                             <m:sSubPr>
                               <m:ctrlPr>
                                 <a:rPr lang="en-US" b="0" i="1" smtClean="0">
-                                  <a:latin typeface="Cambria Math" charset="0"/>
+                                  <a:latin typeface="Cambria Math" panose="02040503050406030204" pitchFamily="18" charset="0"/>
                                 </a:rPr>
                               </m:ctrlPr>
                             </m:sSubPr>
@@ -6061,7 +6233,7 @@
                         <m:sSubPr>
                           <m:ctrlPr>
                             <a:rPr lang="en-US" b="0" i="1" smtClean="0">
-                              <a:latin typeface="Cambria Math" charset="0"/>
+                              <a:latin typeface="Cambria Math" panose="02040503050406030204" pitchFamily="18" charset="0"/>
                             </a:rPr>
                           </m:ctrlPr>
                         </m:sSubPr>
@@ -6092,7 +6264,7 @@
                         <m:sSubPr>
                           <m:ctrlPr>
                             <a:rPr lang="en-US" b="0" i="1" smtClean="0">
-                              <a:latin typeface="Cambria Math" charset="0"/>
+                              <a:latin typeface="Cambria Math" panose="02040503050406030204" pitchFamily="18" charset="0"/>
                             </a:rPr>
                           </m:ctrlPr>
                         </m:sSubPr>
@@ -6128,12 +6300,6 @@
                     </m:oMath>
                   </m:oMathPara>
                 </a14:m>
-                <a:r>
-                  <a:rPr lang="en-US" b="0" i="1" dirty="0">
-                    <a:latin typeface="Cambria Math" panose="02040503050406030204" pitchFamily="18" charset="0"/>
-                  </a:rPr>
-                  <a:t/>
-                </a:r>
                 <a:br>
                   <a:rPr lang="en-US" b="0" i="1" dirty="0">
                     <a:latin typeface="Cambria Math" panose="02040503050406030204" pitchFamily="18" charset="0"/>
@@ -6163,7 +6329,7 @@
                         <m:sSubPr>
                           <m:ctrlPr>
                             <a:rPr lang="en-US" b="0" i="1" smtClean="0">
-                              <a:latin typeface="Cambria Math" charset="0"/>
+                              <a:latin typeface="Cambria Math" panose="02040503050406030204" pitchFamily="18" charset="0"/>
                             </a:rPr>
                           </m:ctrlPr>
                         </m:sSubPr>
@@ -6200,7 +6366,7 @@
                         <m:dPr>
                           <m:ctrlPr>
                             <a:rPr lang="en-US" b="0" i="1" smtClean="0">
-                              <a:latin typeface="Cambria Math" charset="0"/>
+                              <a:latin typeface="Cambria Math" panose="02040503050406030204" pitchFamily="18" charset="0"/>
                             </a:rPr>
                           </m:ctrlPr>
                         </m:dPr>
@@ -6209,7 +6375,7 @@
                             <m:sSubPr>
                               <m:ctrlPr>
                                 <a:rPr lang="en-US" b="0" i="1" smtClean="0">
-                                  <a:latin typeface="Cambria Math" charset="0"/>
+                                  <a:latin typeface="Cambria Math" panose="02040503050406030204" pitchFamily="18" charset="0"/>
                                 </a:rPr>
                               </m:ctrlPr>
                             </m:sSubPr>
@@ -6242,7 +6408,7 @@
                         <m:sSupPr>
                           <m:ctrlPr>
                             <a:rPr lang="en-US" b="0" i="1" smtClean="0">
-                              <a:latin typeface="Cambria Math" charset="0"/>
+                              <a:latin typeface="Cambria Math" panose="02040503050406030204" pitchFamily="18" charset="0"/>
                             </a:rPr>
                           </m:ctrlPr>
                         </m:sSupPr>
@@ -6267,7 +6433,7 @@
                         <m:dPr>
                           <m:ctrlPr>
                             <a:rPr lang="en-US" b="0" i="1" smtClean="0">
-                              <a:latin typeface="Cambria Math" charset="0"/>
+                              <a:latin typeface="Cambria Math" panose="02040503050406030204" pitchFamily="18" charset="0"/>
                             </a:rPr>
                           </m:ctrlPr>
                         </m:dPr>
@@ -6276,7 +6442,7 @@
                             <m:sSubPr>
                               <m:ctrlPr>
                                 <a:rPr lang="en-US" b="0" i="1" smtClean="0">
-                                  <a:latin typeface="Cambria Math" charset="0"/>
+                                  <a:latin typeface="Cambria Math" panose="02040503050406030204" pitchFamily="18" charset="0"/>
                                 </a:rPr>
                               </m:ctrlPr>
                             </m:sSubPr>
@@ -6303,7 +6469,7 @@
                         <m:sSubPr>
                           <m:ctrlPr>
                             <a:rPr lang="en-US" b="0" i="1" smtClean="0">
-                              <a:latin typeface="Cambria Math" charset="0"/>
+                              <a:latin typeface="Cambria Math" panose="02040503050406030204" pitchFamily="18" charset="0"/>
                             </a:rPr>
                           </m:ctrlPr>
                         </m:sSubPr>
@@ -6334,7 +6500,7 @@
                         <m:sSubPr>
                           <m:ctrlPr>
                             <a:rPr lang="en-US" b="0" i="1" smtClean="0">
-                              <a:latin typeface="Cambria Math" charset="0"/>
+                              <a:latin typeface="Cambria Math" panose="02040503050406030204" pitchFamily="18" charset="0"/>
                             </a:rPr>
                           </m:ctrlPr>
                         </m:sSubPr>
@@ -6377,7 +6543,7 @@
                         <m:sSubPr>
                           <m:ctrlPr>
                             <a:rPr lang="en-US" b="0" i="1" smtClean="0">
-                              <a:latin typeface="Cambria Math" charset="0"/>
+                              <a:latin typeface="Cambria Math" panose="02040503050406030204" pitchFamily="18" charset="0"/>
                             </a:rPr>
                           </m:ctrlPr>
                         </m:sSubPr>
@@ -6411,29 +6577,6 @@
               </a:p>
               <a:p>
                 <a:r>
-                  <a:rPr lang="en-US" dirty="0">
-                    <a:solidFill>
-                      <a:srgbClr val="FF0000"/>
-                    </a:solidFill>
-                  </a:rPr>
-                  <a:t>Gaussian random variables </a:t>
-                </a:r>
-                <a:r>
-                  <a:rPr lang="en-US" dirty="0" smtClean="0">
-                    <a:solidFill>
-                      <a:srgbClr val="FF0000"/>
-                    </a:solidFill>
-                  </a:rPr>
-                  <a:t>(?)</a:t>
-                </a:r>
-                <a:endParaRPr lang="en-US" dirty="0">
-                  <a:solidFill>
-                    <a:srgbClr val="FF0000"/>
-                  </a:solidFill>
-                </a:endParaRPr>
-              </a:p>
-              <a:p>
-                <a:r>
                   <a:rPr lang="en-US" dirty="0"/>
                   <a:t>Simple to compute</a:t>
                 </a:r>
@@ -6443,6 +6586,65 @@
                   <a:rPr lang="en-US" dirty="0"/>
                   <a:t>Easy to interpret relation</a:t>
                 </a:r>
+              </a:p>
+              <a:p>
+                <a:r>
+                  <a:rPr lang="en-US" dirty="0"/>
+                  <a:t>Gaussian random variables:  If </a:t>
+                </a:r>
+                <a14:m>
+                  <m:oMath xmlns:m="http://schemas.openxmlformats.org/officeDocument/2006/math">
+                    <m:r>
+                      <a:rPr lang="en-US" b="0" i="1" smtClean="0">
+                        <a:latin typeface="Cambria Math" panose="02040503050406030204" pitchFamily="18" charset="0"/>
+                      </a:rPr>
+                      <m:t>𝑥</m:t>
+                    </m:r>
+                  </m:oMath>
+                </a14:m>
+                <a:r>
+                  <a:rPr lang="en-US" dirty="0"/>
+                  <a:t> and </a:t>
+                </a:r>
+                <a14:m>
+                  <m:oMath xmlns:m="http://schemas.openxmlformats.org/officeDocument/2006/math">
+                    <m:r>
+                      <a:rPr lang="en-US" b="0" i="1" smtClean="0">
+                        <a:latin typeface="Cambria Math" panose="02040503050406030204" pitchFamily="18" charset="0"/>
+                      </a:rPr>
+                      <m:t>𝑦</m:t>
+                    </m:r>
+                  </m:oMath>
+                </a14:m>
+                <a:r>
+                  <a:rPr lang="en-US" dirty="0"/>
+                  <a:t> were Gaussian, optimal estimator of </a:t>
+                </a:r>
+                <a14:m>
+                  <m:oMath xmlns:m="http://schemas.openxmlformats.org/officeDocument/2006/math">
+                    <m:r>
+                      <a:rPr lang="en-US" i="1">
+                        <a:latin typeface="Cambria Math" panose="02040503050406030204" pitchFamily="18" charset="0"/>
+                      </a:rPr>
+                      <m:t>𝑦</m:t>
+                    </m:r>
+                  </m:oMath>
+                </a14:m>
+                <a:r>
+                  <a:rPr lang="en-US" dirty="0"/>
+                  <a:t> is linear in </a:t>
+                </a:r>
+                <a14:m>
+                  <m:oMath xmlns:m="http://schemas.openxmlformats.org/officeDocument/2006/math">
+                    <m:r>
+                      <a:rPr lang="en-US" i="1">
+                        <a:latin typeface="Cambria Math" panose="02040503050406030204" pitchFamily="18" charset="0"/>
+                      </a:rPr>
+                      <m:t>𝑥</m:t>
+                    </m:r>
+                  </m:oMath>
+                </a14:m>
+                <a:endParaRPr lang="en-US" dirty="0"/>
               </a:p>
             </p:txBody>
           </p:sp>
@@ -6459,7 +6661,7 @@
               </p:nvPr>
             </p:nvSpPr>
             <p:spPr>
-              <a:blipFill rotWithShape="0">
+              <a:blipFill>
                 <a:blip r:embed="rId2"/>
                 <a:stretch>
                   <a:fillRect l="-1455" t="-1549"/>
@@ -6498,7 +6700,7 @@
           <a:p>
             <a:fld id="{629637A9-119A-49DA-BD12-AAC58B377D80}" type="slidenum">
               <a:rPr lang="en-US" smtClean="0"/>
-              <a:t>14</a:t>
+              <a:t>15</a:t>
             </a:fld>
             <a:endParaRPr lang="en-US" dirty="0"/>
           </a:p>
@@ -6517,7 +6719,7 @@
 </p:sld>
 </file>
 
-<file path=ppt/slides/slide15.xml><?xml version="1.0" encoding="utf-8"?>
+<file path=ppt/slides/slide16.xml><?xml version="1.0" encoding="utf-8"?>
 <p:sld xmlns:a="http://schemas.openxmlformats.org/drawingml/2006/main" xmlns:r="http://schemas.openxmlformats.org/officeDocument/2006/relationships" xmlns:p="http://schemas.openxmlformats.org/presentationml/2006/main">
   <p:cSld>
     <p:spTree>
@@ -6619,7 +6821,7 @@
           <a:p>
             <a:fld id="{629637A9-119A-49DA-BD12-AAC58B377D80}" type="slidenum">
               <a:rPr lang="en-US" smtClean="0"/>
-              <a:t>15</a:t>
+              <a:t>16</a:t>
             </a:fld>
             <a:endParaRPr lang="en-US" dirty="0"/>
           </a:p>
@@ -6684,7 +6886,7 @@
 </p:sld>
 </file>
 
-<file path=ppt/slides/slide16.xml><?xml version="1.0" encoding="utf-8"?>
+<file path=ppt/slides/slide17.xml><?xml version="1.0" encoding="utf-8"?>
 <p:sld xmlns:a="http://schemas.openxmlformats.org/drawingml/2006/main" xmlns:r="http://schemas.openxmlformats.org/officeDocument/2006/relationships" xmlns:p="http://schemas.openxmlformats.org/presentationml/2006/main">
   <p:cSld>
     <p:spTree>
@@ -6723,8 +6925,8 @@
           </a:p>
         </p:txBody>
       </p:sp>
-      <mc:AlternateContent xmlns:mc="http://schemas.openxmlformats.org/markup-compatibility/2006" xmlns:a14="http://schemas.microsoft.com/office/drawing/2010/main">
-        <mc:Choice Requires="a14">
+      <mc:AlternateContent xmlns:mc="http://schemas.openxmlformats.org/markup-compatibility/2006">
+        <mc:Choice xmlns:a14="http://schemas.microsoft.com/office/drawing/2010/main" Requires="a14">
           <p:sp>
             <p:nvSpPr>
               <p:cNvPr id="3" name="Content Placeholder 2"/>
@@ -6776,6 +6978,38 @@
                 <a:endParaRPr lang="en-US" dirty="0"/>
               </a:p>
               <a:p>
+                <a:pPr lvl="1"/>
+                <a:r>
+                  <a:rPr lang="en-US" dirty="0"/>
+                  <a:t>Variation in </a:t>
+                </a:r>
+                <a14:m>
+                  <m:oMath xmlns:m="http://schemas.openxmlformats.org/officeDocument/2006/math">
+                    <m:r>
+                      <a:rPr lang="en-US" i="1">
+                        <a:latin typeface="Cambria Math" panose="02040503050406030204" pitchFamily="18" charset="0"/>
+                      </a:rPr>
+                      <m:t>𝑦</m:t>
+                    </m:r>
+                  </m:oMath>
+                </a14:m>
+                <a:r>
+                  <a:rPr lang="en-US" dirty="0"/>
+                  <a:t> due to factors other than </a:t>
+                </a:r>
+                <a14:m>
+                  <m:oMath xmlns:m="http://schemas.openxmlformats.org/officeDocument/2006/math">
+                    <m:r>
+                      <a:rPr lang="en-US" i="1">
+                        <a:latin typeface="Cambria Math" panose="02040503050406030204" pitchFamily="18" charset="0"/>
+                      </a:rPr>
+                      <m:t>𝑥</m:t>
+                    </m:r>
+                  </m:oMath>
+                </a14:m>
+                <a:endParaRPr lang="en-US" dirty="0"/>
+              </a:p>
+              <a:p>
                 <a:r>
                   <a:rPr lang="en-US" dirty="0"/>
                   <a:t>Add a </a:t>
@@ -6816,7 +7050,7 @@
                       <m:sSubPr>
                         <m:ctrlPr>
                           <a:rPr lang="en-US" b="0" i="1" smtClean="0">
-                            <a:latin typeface="Cambria Math" charset="0"/>
+                            <a:latin typeface="Cambria Math" panose="02040503050406030204" pitchFamily="18" charset="0"/>
                           </a:rPr>
                         </m:ctrlPr>
                       </m:sSubPr>
@@ -6847,7 +7081,7 @@
                       <m:sSubPr>
                         <m:ctrlPr>
                           <a:rPr lang="en-US" b="0" i="1" smtClean="0">
-                            <a:latin typeface="Cambria Math" charset="0"/>
+                            <a:latin typeface="Cambria Math" panose="02040503050406030204" pitchFamily="18" charset="0"/>
                           </a:rPr>
                         </m:ctrlPr>
                       </m:sSubPr>
@@ -6908,7 +7142,7 @@
                       <m:sSubPr>
                         <m:ctrlPr>
                           <a:rPr lang="en-US" i="1" dirty="0">
-                            <a:latin typeface="Cambria Math" charset="0"/>
+                            <a:latin typeface="Cambria Math" panose="02040503050406030204" pitchFamily="18" charset="0"/>
                           </a:rPr>
                         </m:ctrlPr>
                       </m:sSubPr>
@@ -6918,7 +7152,7 @@
                             <m:chr m:val="̂"/>
                             <m:ctrlPr>
                               <a:rPr lang="en-US" i="1">
-                                <a:latin typeface="Cambria Math" charset="0"/>
+                                <a:latin typeface="Cambria Math" panose="02040503050406030204" pitchFamily="18" charset="0"/>
                               </a:rPr>
                             </m:ctrlPr>
                           </m:accPr>
@@ -6951,7 +7185,7 @@
                       <m:sSubPr>
                         <m:ctrlPr>
                           <a:rPr lang="en-US" i="1" dirty="0">
-                            <a:latin typeface="Cambria Math" charset="0"/>
+                            <a:latin typeface="Cambria Math" panose="02040503050406030204" pitchFamily="18" charset="0"/>
                           </a:rPr>
                         </m:ctrlPr>
                       </m:sSubPr>
@@ -6976,7 +7210,7 @@
                       <m:sSubPr>
                         <m:ctrlPr>
                           <a:rPr lang="en-US" i="1" dirty="0">
-                            <a:latin typeface="Cambria Math" charset="0"/>
+                            <a:latin typeface="Cambria Math" panose="02040503050406030204" pitchFamily="18" charset="0"/>
                           </a:rPr>
                         </m:ctrlPr>
                       </m:sSubPr>
@@ -7007,7 +7241,7 @@
                       <m:sSubPr>
                         <m:ctrlPr>
                           <a:rPr lang="en-US" i="1" dirty="0">
-                            <a:latin typeface="Cambria Math" charset="0"/>
+                            <a:latin typeface="Cambria Math" panose="02040503050406030204" pitchFamily="18" charset="0"/>
                           </a:rPr>
                         </m:ctrlPr>
                       </m:sSubPr>
@@ -7044,7 +7278,7 @@
                       <m:sSubPr>
                         <m:ctrlPr>
                           <a:rPr lang="en-US" b="0" i="1" smtClean="0">
-                            <a:latin typeface="Cambria Math" charset="0"/>
+                            <a:latin typeface="Cambria Math" panose="02040503050406030204" pitchFamily="18" charset="0"/>
                           </a:rPr>
                         </m:ctrlPr>
                       </m:sSubPr>
@@ -7075,7 +7309,7 @@
                       <m:sSubPr>
                         <m:ctrlPr>
                           <a:rPr lang="en-US" b="0" i="1" smtClean="0">
-                            <a:latin typeface="Cambria Math" charset="0"/>
+                            <a:latin typeface="Cambria Math" panose="02040503050406030204" pitchFamily="18" charset="0"/>
                           </a:rPr>
                         </m:ctrlPr>
                       </m:sSubPr>
@@ -7106,7 +7340,7 @@
                       <m:sSubPr>
                         <m:ctrlPr>
                           <a:rPr lang="en-US" i="1" dirty="0">
-                            <a:latin typeface="Cambria Math" charset="0"/>
+                            <a:latin typeface="Cambria Math" panose="02040503050406030204" pitchFamily="18" charset="0"/>
                           </a:rPr>
                         </m:ctrlPr>
                       </m:sSubPr>
@@ -7116,7 +7350,7 @@
                             <m:chr m:val="̂"/>
                             <m:ctrlPr>
                               <a:rPr lang="en-US" i="1">
-                                <a:latin typeface="Cambria Math" charset="0"/>
+                                <a:latin typeface="Cambria Math" panose="02040503050406030204" pitchFamily="18" charset="0"/>
                               </a:rPr>
                             </m:ctrlPr>
                           </m:accPr>
@@ -7153,7 +7387,7 @@
             </p:txBody>
           </p:sp>
         </mc:Choice>
-        <mc:Fallback xmlns="">
+        <mc:Fallback>
           <p:sp>
             <p:nvSpPr>
               <p:cNvPr id="3" name="Content Placeholder 2"/>
@@ -7208,7 +7442,7 @@
           <a:p>
             <a:fld id="{629637A9-119A-49DA-BD12-AAC58B377D80}" type="slidenum">
               <a:rPr lang="en-US" smtClean="0"/>
-              <a:t>16</a:t>
+              <a:t>17</a:t>
             </a:fld>
             <a:endParaRPr lang="en-US" dirty="0"/>
           </a:p>
@@ -7301,7 +7535,7 @@
 </p:sld>
 </file>
 
-<file path=ppt/slides/slide17.xml><?xml version="1.0" encoding="utf-8"?>
+<file path=ppt/slides/slide18.xml><?xml version="1.0" encoding="utf-8"?>
 <p:sld xmlns:a="http://schemas.openxmlformats.org/drawingml/2006/main" xmlns:r="http://schemas.openxmlformats.org/officeDocument/2006/relationships" xmlns:p="http://schemas.openxmlformats.org/presentationml/2006/main">
   <p:cSld>
     <p:spTree>
@@ -7379,7 +7613,7 @@
                       <m:sSubPr>
                         <m:ctrlPr>
                           <a:rPr lang="en-US" b="0" i="1" smtClean="0">
-                            <a:latin typeface="Cambria Math" charset="0"/>
+                            <a:latin typeface="Cambria Math" panose="02040503050406030204" pitchFamily="18" charset="0"/>
                           </a:rPr>
                         </m:ctrlPr>
                       </m:sSubPr>
@@ -7410,7 +7644,7 @@
                       <m:sSubPr>
                         <m:ctrlPr>
                           <a:rPr lang="en-US" b="0" i="1" smtClean="0">
-                            <a:latin typeface="Cambria Math" charset="0"/>
+                            <a:latin typeface="Cambria Math" panose="02040503050406030204" pitchFamily="18" charset="0"/>
                           </a:rPr>
                         </m:ctrlPr>
                       </m:sSubPr>
@@ -7455,7 +7689,7 @@
                       <m:sSubPr>
                         <m:ctrlPr>
                           <a:rPr lang="en-US" b="0" i="1" dirty="0" smtClean="0">
-                            <a:latin typeface="Cambria Math" charset="0"/>
+                            <a:latin typeface="Cambria Math" panose="02040503050406030204" pitchFamily="18" charset="0"/>
                           </a:rPr>
                         </m:ctrlPr>
                       </m:sSubPr>
@@ -7465,7 +7699,7 @@
                             <m:chr m:val="̂"/>
                             <m:ctrlPr>
                               <a:rPr lang="en-US" b="0" i="1" smtClean="0">
-                                <a:latin typeface="Cambria Math" charset="0"/>
+                                <a:latin typeface="Cambria Math" panose="02040503050406030204" pitchFamily="18" charset="0"/>
                               </a:rPr>
                             </m:ctrlPr>
                           </m:accPr>
@@ -7498,7 +7732,7 @@
                       <m:sSubPr>
                         <m:ctrlPr>
                           <a:rPr lang="en-US" b="0" i="1" dirty="0" smtClean="0">
-                            <a:latin typeface="Cambria Math" charset="0"/>
+                            <a:latin typeface="Cambria Math" panose="02040503050406030204" pitchFamily="18" charset="0"/>
                           </a:rPr>
                         </m:ctrlPr>
                       </m:sSubPr>
@@ -7523,7 +7757,7 @@
                       <m:sSubPr>
                         <m:ctrlPr>
                           <a:rPr lang="en-US" b="0" i="1" dirty="0" smtClean="0">
-                            <a:latin typeface="Cambria Math" charset="0"/>
+                            <a:latin typeface="Cambria Math" panose="02040503050406030204" pitchFamily="18" charset="0"/>
                           </a:rPr>
                         </m:ctrlPr>
                       </m:sSubPr>
@@ -7554,7 +7788,7 @@
                       <m:sSubPr>
                         <m:ctrlPr>
                           <a:rPr lang="en-US" b="0" i="1" dirty="0" smtClean="0">
-                            <a:latin typeface="Cambria Math" charset="0"/>
+                            <a:latin typeface="Cambria Math" panose="02040503050406030204" pitchFamily="18" charset="0"/>
                           </a:rPr>
                         </m:ctrlPr>
                       </m:sSubPr>
@@ -7617,7 +7851,7 @@
                       <m:sSubPr>
                         <m:ctrlPr>
                           <a:rPr lang="en-US" b="0" i="1" smtClean="0">
-                            <a:latin typeface="Cambria Math" charset="0"/>
+                            <a:latin typeface="Cambria Math" panose="02040503050406030204" pitchFamily="18" charset="0"/>
                           </a:rPr>
                         </m:ctrlPr>
                       </m:sSubPr>
@@ -7648,7 +7882,7 @@
                       <m:sSubPr>
                         <m:ctrlPr>
                           <a:rPr lang="en-US" b="0" i="1" smtClean="0">
-                            <a:latin typeface="Cambria Math" charset="0"/>
+                            <a:latin typeface="Cambria Math" panose="02040503050406030204" pitchFamily="18" charset="0"/>
                           </a:rPr>
                         </m:ctrlPr>
                       </m:sSubPr>
@@ -7717,7 +7951,7 @@
                       <m:dPr>
                         <m:ctrlPr>
                           <a:rPr lang="en-US" b="0" i="1" smtClean="0">
-                            <a:latin typeface="Cambria Math" charset="0"/>
+                            <a:latin typeface="Cambria Math" panose="02040503050406030204" pitchFamily="18" charset="0"/>
                           </a:rPr>
                         </m:ctrlPr>
                       </m:dPr>
@@ -7726,7 +7960,7 @@
                           <m:sSubPr>
                             <m:ctrlPr>
                               <a:rPr lang="en-US" b="0" i="1" smtClean="0">
-                                <a:latin typeface="Cambria Math" charset="0"/>
+                                <a:latin typeface="Cambria Math" panose="02040503050406030204" pitchFamily="18" charset="0"/>
                               </a:rPr>
                             </m:ctrlPr>
                           </m:sSubPr>
@@ -7757,7 +7991,7 @@
                           <m:sSubPr>
                             <m:ctrlPr>
                               <a:rPr lang="en-US" b="0" i="1" smtClean="0">
-                                <a:latin typeface="Cambria Math" charset="0"/>
+                                <a:latin typeface="Cambria Math" panose="02040503050406030204" pitchFamily="18" charset="0"/>
                               </a:rPr>
                             </m:ctrlPr>
                           </m:sSubPr>
@@ -7791,7 +8025,7 @@
                         <m:chr m:val="∑"/>
                         <m:ctrlPr>
                           <a:rPr lang="en-US" i="1">
-                            <a:latin typeface="Cambria Math" charset="0"/>
+                            <a:latin typeface="Cambria Math" panose="02040503050406030204" pitchFamily="18" charset="0"/>
                           </a:rPr>
                         </m:ctrlPr>
                       </m:naryPr>
@@ -7825,7 +8059,7 @@
                           <m:sSupPr>
                             <m:ctrlPr>
                               <a:rPr lang="en-US" i="1">
-                                <a:latin typeface="Cambria Math" charset="0"/>
+                                <a:latin typeface="Cambria Math" panose="02040503050406030204" pitchFamily="18" charset="0"/>
                               </a:rPr>
                             </m:ctrlPr>
                           </m:sSupPr>
@@ -7834,7 +8068,7 @@
                               <m:dPr>
                                 <m:ctrlPr>
                                   <a:rPr lang="en-US" i="1">
-                                    <a:latin typeface="Cambria Math" charset="0"/>
+                                    <a:latin typeface="Cambria Math" panose="02040503050406030204" pitchFamily="18" charset="0"/>
                                   </a:rPr>
                                 </m:ctrlPr>
                               </m:dPr>
@@ -7843,7 +8077,7 @@
                                   <m:sSubPr>
                                     <m:ctrlPr>
                                       <a:rPr lang="en-US" i="1">
-                                        <a:latin typeface="Cambria Math" charset="0"/>
+                                        <a:latin typeface="Cambria Math" panose="02040503050406030204" pitchFamily="18" charset="0"/>
                                       </a:rPr>
                                     </m:ctrlPr>
                                   </m:sSubPr>
@@ -7874,7 +8108,7 @@
                                   <m:sSubPr>
                                     <m:ctrlPr>
                                       <a:rPr lang="en-US" i="1">
-                                        <a:latin typeface="Cambria Math" charset="0"/>
+                                        <a:latin typeface="Cambria Math" panose="02040503050406030204" pitchFamily="18" charset="0"/>
                                       </a:rPr>
                                     </m:ctrlPr>
                                   </m:sSubPr>
@@ -7884,7 +8118,7 @@
                                         <m:chr m:val="̂"/>
                                         <m:ctrlPr>
                                           <a:rPr lang="en-US" i="1">
-                                            <a:latin typeface="Cambria Math" charset="0"/>
+                                            <a:latin typeface="Cambria Math" panose="02040503050406030204" pitchFamily="18" charset="0"/>
                                           </a:rPr>
                                         </m:ctrlPr>
                                       </m:accPr>
@@ -7937,7 +8171,7 @@
                       <m:sSubPr>
                         <m:ctrlPr>
                           <a:rPr lang="en-US" i="1" dirty="0">
-                            <a:latin typeface="Cambria Math" charset="0"/>
+                            <a:latin typeface="Cambria Math" panose="02040503050406030204" pitchFamily="18" charset="0"/>
                           </a:rPr>
                         </m:ctrlPr>
                       </m:sSubPr>
@@ -7947,7 +8181,7 @@
                             <m:chr m:val="̂"/>
                             <m:ctrlPr>
                               <a:rPr lang="en-US" i="1">
-                                <a:latin typeface="Cambria Math" charset="0"/>
+                                <a:latin typeface="Cambria Math" panose="02040503050406030204" pitchFamily="18" charset="0"/>
                               </a:rPr>
                             </m:ctrlPr>
                           </m:accPr>
@@ -7994,7 +8228,7 @@
                       <m:sSubPr>
                         <m:ctrlPr>
                           <a:rPr lang="en-US" i="1">
-                            <a:latin typeface="Cambria Math" charset="0"/>
+                            <a:latin typeface="Cambria Math" panose="02040503050406030204" pitchFamily="18" charset="0"/>
                           </a:rPr>
                         </m:ctrlPr>
                       </m:sSubPr>
@@ -8025,7 +8259,7 @@
                       <m:sSubPr>
                         <m:ctrlPr>
                           <a:rPr lang="en-US" i="1">
-                            <a:latin typeface="Cambria Math" charset="0"/>
+                            <a:latin typeface="Cambria Math" panose="02040503050406030204" pitchFamily="18" charset="0"/>
                           </a:rPr>
                         </m:ctrlPr>
                       </m:sSubPr>
@@ -8121,7 +8355,7 @@
                       <m:sSubPr>
                         <m:ctrlPr>
                           <a:rPr lang="en-US" i="1">
-                            <a:latin typeface="Cambria Math" charset="0"/>
+                            <a:latin typeface="Cambria Math" panose="02040503050406030204" pitchFamily="18" charset="0"/>
                           </a:rPr>
                         </m:ctrlPr>
                       </m:sSubPr>
@@ -8152,7 +8386,7 @@
                       <m:sSubPr>
                         <m:ctrlPr>
                           <a:rPr lang="en-US" i="1">
-                            <a:latin typeface="Cambria Math" charset="0"/>
+                            <a:latin typeface="Cambria Math" panose="02040503050406030204" pitchFamily="18" charset="0"/>
                           </a:rPr>
                         </m:ctrlPr>
                       </m:sSubPr>
@@ -8247,7 +8481,7 @@
           <a:p>
             <a:fld id="{629637A9-119A-49DA-BD12-AAC58B377D80}" type="slidenum">
               <a:rPr lang="en-US" smtClean="0"/>
-              <a:t>17</a:t>
+              <a:t>18</a:t>
             </a:fld>
             <a:endParaRPr lang="en-US" dirty="0"/>
           </a:p>
@@ -8266,7 +8500,7 @@
 </p:sld>
 </file>
 
-<file path=ppt/slides/slide18.xml><?xml version="1.0" encoding="utf-8"?>
+<file path=ppt/slides/slide19.xml><?xml version="1.0" encoding="utf-8"?>
 <p:sld xmlns:a="http://schemas.openxmlformats.org/drawingml/2006/main" xmlns:r="http://schemas.openxmlformats.org/officeDocument/2006/relationships" xmlns:p="http://schemas.openxmlformats.org/presentationml/2006/main">
   <p:cSld>
     <p:spTree>
@@ -8288,7 +8522,7 @@
           <p:cNvPr id="2" name="Title 1">
             <a:extLst>
               <a:ext uri="{FF2B5EF4-FFF2-40B4-BE49-F238E27FC236}">
-                <a16:creationId xmlns:a16="http://schemas.microsoft.com/office/drawing/2014/main" xmlns="" id="{AC3F4E49-8A04-40C4-83C5-D6F1042D29AB}"/>
+                <a16:creationId xmlns:a16="http://schemas.microsoft.com/office/drawing/2014/main" id="{AC3F4E49-8A04-40C4-83C5-D6F1042D29AB}"/>
               </a:ext>
             </a:extLst>
           </p:cNvPr>
@@ -8326,7 +8560,7 @@
           <p:cNvPr id="3" name="Content Placeholder 2">
             <a:extLst>
               <a:ext uri="{FF2B5EF4-FFF2-40B4-BE49-F238E27FC236}">
-                <a16:creationId xmlns:a16="http://schemas.microsoft.com/office/drawing/2014/main" xmlns="" id="{752A35B2-AA95-4610-BAB9-1F934F63E4E9}"/>
+                <a16:creationId xmlns:a16="http://schemas.microsoft.com/office/drawing/2014/main" id="{752A35B2-AA95-4610-BAB9-1F934F63E4E9}"/>
               </a:ext>
             </a:extLst>
           </p:cNvPr>
@@ -8381,7 +8615,18 @@
           <a:p>
             <a:r>
               <a:rPr lang="en-US" dirty="0"/>
-              <a:t>Get data</a:t>
+              <a:t>Get </a:t>
+            </a:r>
+            <a:r>
+              <a:rPr lang="en-US" dirty="0">
+                <a:solidFill>
+                  <a:schemeClr val="accent1">
+                    <a:lumMod val="60000"/>
+                    <a:lumOff val="40000"/>
+                  </a:schemeClr>
+                </a:solidFill>
+              </a:rPr>
+              <a:t>data</a:t>
             </a:r>
           </a:p>
           <a:p>
@@ -8450,7 +8695,7 @@
           <p:cNvPr id="4" name="Slide Number Placeholder 3">
             <a:extLst>
               <a:ext uri="{FF2B5EF4-FFF2-40B4-BE49-F238E27FC236}">
-                <a16:creationId xmlns:a16="http://schemas.microsoft.com/office/drawing/2014/main" xmlns="" id="{EA52666F-105A-4F08-9EC5-44E827836475}"/>
+                <a16:creationId xmlns:a16="http://schemas.microsoft.com/office/drawing/2014/main" id="{EA52666F-105A-4F08-9EC5-44E827836475}"/>
               </a:ext>
             </a:extLst>
           </p:cNvPr>
@@ -8468,7 +8713,7 @@
           <a:p>
             <a:fld id="{629637A9-119A-49DA-BD12-AAC58B377D80}" type="slidenum">
               <a:rPr lang="en-US" smtClean="0"/>
-              <a:t>18</a:t>
+              <a:t>19</a:t>
             </a:fld>
             <a:endParaRPr lang="en-US" dirty="0"/>
           </a:p>
@@ -8481,7 +8726,7 @@
               <p:cNvPr id="5" name="Content Placeholder 2">
                 <a:extLst>
                   <a:ext uri="{FF2B5EF4-FFF2-40B4-BE49-F238E27FC236}">
-                    <a16:creationId xmlns:a16="http://schemas.microsoft.com/office/drawing/2014/main" xmlns="" id="{964CC669-0E37-468F-8F3D-9120FCB6CA04}"/>
+                    <a16:creationId xmlns:a16="http://schemas.microsoft.com/office/drawing/2014/main" id="{964CC669-0E37-468F-8F3D-9120FCB6CA04}"/>
                   </a:ext>
                 </a:extLst>
               </p:cNvPr>
@@ -8764,7 +9009,7 @@
                         <m:chr m:val="̂"/>
                         <m:ctrlPr>
                           <a:rPr lang="en-US" i="1" smtClean="0">
-                            <a:latin typeface="Cambria Math" charset="0"/>
+                            <a:latin typeface="Cambria Math" panose="02040503050406030204" pitchFamily="18" charset="0"/>
                           </a:rPr>
                         </m:ctrlPr>
                       </m:accPr>
@@ -8787,7 +9032,7 @@
                       <m:sSubPr>
                         <m:ctrlPr>
                           <a:rPr lang="en-US" b="0" i="1" smtClean="0">
-                            <a:latin typeface="Cambria Math" charset="0"/>
+                            <a:latin typeface="Cambria Math" panose="02040503050406030204" pitchFamily="18" charset="0"/>
                           </a:rPr>
                         </m:ctrlPr>
                       </m:sSubPr>
@@ -8818,7 +9063,7 @@
                       <m:sSubPr>
                         <m:ctrlPr>
                           <a:rPr lang="en-US" b="0" i="1" smtClean="0">
-                            <a:latin typeface="Cambria Math" charset="0"/>
+                            <a:latin typeface="Cambria Math" panose="02040503050406030204" pitchFamily="18" charset="0"/>
                           </a:rPr>
                         </m:ctrlPr>
                       </m:sSubPr>
@@ -8863,7 +9108,7 @@
                       <m:dPr>
                         <m:ctrlPr>
                           <a:rPr lang="en-US" b="0" i="1" smtClean="0">
-                            <a:latin typeface="Cambria Math" charset="0"/>
+                            <a:latin typeface="Cambria Math" panose="02040503050406030204" pitchFamily="18" charset="0"/>
                           </a:rPr>
                         </m:ctrlPr>
                       </m:dPr>
@@ -8872,7 +9117,7 @@
                           <m:sSubPr>
                             <m:ctrlPr>
                               <a:rPr lang="en-US" b="0" i="1" smtClean="0">
-                                <a:latin typeface="Cambria Math" charset="0"/>
+                                <a:latin typeface="Cambria Math" panose="02040503050406030204" pitchFamily="18" charset="0"/>
                               </a:rPr>
                             </m:ctrlPr>
                           </m:sSubPr>
@@ -8903,7 +9148,7 @@
                           <m:sSubPr>
                             <m:ctrlPr>
                               <a:rPr lang="en-US" b="0" i="1" smtClean="0">
-                                <a:latin typeface="Cambria Math" charset="0"/>
+                                <a:latin typeface="Cambria Math" panose="02040503050406030204" pitchFamily="18" charset="0"/>
                               </a:rPr>
                             </m:ctrlPr>
                           </m:sSubPr>
@@ -8962,12 +9207,6 @@
                   <a:rPr lang="en-US" dirty="0"/>
                   <a:t>Loss function:  </a:t>
                 </a:r>
-                <a:r>
-                  <a:rPr lang="en-US" b="0" i="1" dirty="0">
-                    <a:latin typeface="Cambria Math" panose="02040503050406030204" pitchFamily="18" charset="0"/>
-                  </a:rPr>
-                  <a:t/>
-                </a:r>
                 <a:br>
                   <a:rPr lang="en-US" b="0" i="1" dirty="0">
                     <a:latin typeface="Cambria Math" panose="02040503050406030204" pitchFamily="18" charset="0"/>
@@ -8989,7 +9228,7 @@
                         <m:dPr>
                           <m:ctrlPr>
                             <a:rPr lang="en-US" b="0" i="1" smtClean="0">
-                              <a:latin typeface="Cambria Math" charset="0"/>
+                              <a:latin typeface="Cambria Math" panose="02040503050406030204" pitchFamily="18" charset="0"/>
                             </a:rPr>
                           </m:ctrlPr>
                         </m:dPr>
@@ -8998,7 +9237,7 @@
                             <m:sSubPr>
                               <m:ctrlPr>
                                 <a:rPr lang="en-US" b="0" i="1" smtClean="0">
-                                  <a:latin typeface="Cambria Math" charset="0"/>
+                                  <a:latin typeface="Cambria Math" panose="02040503050406030204" pitchFamily="18" charset="0"/>
                                 </a:rPr>
                               </m:ctrlPr>
                             </m:sSubPr>
@@ -9029,7 +9268,7 @@
                             <m:sSubPr>
                               <m:ctrlPr>
                                 <a:rPr lang="en-US" b="0" i="1" smtClean="0">
-                                  <a:latin typeface="Cambria Math" charset="0"/>
+                                  <a:latin typeface="Cambria Math" panose="02040503050406030204" pitchFamily="18" charset="0"/>
                                 </a:rPr>
                               </m:ctrlPr>
                             </m:sSubPr>
@@ -9062,7 +9301,7 @@
                         <m:sSupPr>
                           <m:ctrlPr>
                             <a:rPr lang="en-US" b="0" i="1" smtClean="0">
-                              <a:latin typeface="Cambria Math" charset="0"/>
+                              <a:latin typeface="Cambria Math" panose="02040503050406030204" pitchFamily="18" charset="0"/>
                             </a:rPr>
                           </m:ctrlPr>
                         </m:sSupPr>
@@ -9071,7 +9310,7 @@
                             <m:dPr>
                               <m:ctrlPr>
                                 <a:rPr lang="en-US" b="0" i="1" smtClean="0">
-                                  <a:latin typeface="Cambria Math" charset="0"/>
+                                  <a:latin typeface="Cambria Math" panose="02040503050406030204" pitchFamily="18" charset="0"/>
                                 </a:rPr>
                               </m:ctrlPr>
                             </m:dPr>
@@ -9080,7 +9319,7 @@
                                 <m:sSubPr>
                                   <m:ctrlPr>
                                     <a:rPr lang="en-US" b="0" i="1" smtClean="0">
-                                      <a:latin typeface="Cambria Math" charset="0"/>
+                                      <a:latin typeface="Cambria Math" panose="02040503050406030204" pitchFamily="18" charset="0"/>
                                     </a:rPr>
                                   </m:ctrlPr>
                                 </m:sSubPr>
@@ -9111,7 +9350,7 @@
                                 <m:sSubPr>
                                   <m:ctrlPr>
                                     <a:rPr lang="en-US" i="1">
-                                      <a:latin typeface="Cambria Math" charset="0"/>
+                                      <a:latin typeface="Cambria Math" panose="02040503050406030204" pitchFamily="18" charset="0"/>
                                     </a:rPr>
                                   </m:ctrlPr>
                                 </m:sSubPr>
@@ -9142,7 +9381,7 @@
                                 <m:sSubPr>
                                   <m:ctrlPr>
                                     <a:rPr lang="en-US" i="1">
-                                      <a:latin typeface="Cambria Math" charset="0"/>
+                                      <a:latin typeface="Cambria Math" panose="02040503050406030204" pitchFamily="18" charset="0"/>
                                     </a:rPr>
                                   </m:ctrlPr>
                                 </m:sSubPr>
@@ -9167,7 +9406,7 @@
                                 <m:sSubPr>
                                   <m:ctrlPr>
                                     <a:rPr lang="en-US" b="0" i="1" smtClean="0">
-                                      <a:latin typeface="Cambria Math" charset="0"/>
+                                      <a:latin typeface="Cambria Math" panose="02040503050406030204" pitchFamily="18" charset="0"/>
                                     </a:rPr>
                                   </m:ctrlPr>
                                 </m:sSubPr>
@@ -9215,10 +9454,6 @@
                 <a:pPr marL="0" indent="0">
                   <a:buNone/>
                 </a:pPr>
-                <a:r>
-                  <a:rPr lang="en-US" dirty="0"/>
-                  <a:t/>
-                </a:r>
                 <a:br>
                   <a:rPr lang="en-US" dirty="0"/>
                 </a:br>
@@ -9232,7 +9467,7 @@
                       <m:sSubPr>
                         <m:ctrlPr>
                           <a:rPr lang="en-US" i="1">
-                            <a:latin typeface="Cambria Math" charset="0"/>
+                            <a:latin typeface="Cambria Math" panose="02040503050406030204" pitchFamily="18" charset="0"/>
                           </a:rPr>
                         </m:ctrlPr>
                       </m:sSubPr>
@@ -9263,7 +9498,7 @@
                       <m:sSubPr>
                         <m:ctrlPr>
                           <a:rPr lang="en-US" i="1">
-                            <a:latin typeface="Cambria Math" charset="0"/>
+                            <a:latin typeface="Cambria Math" panose="02040503050406030204" pitchFamily="18" charset="0"/>
                           </a:rPr>
                         </m:ctrlPr>
                       </m:sSubPr>
@@ -9302,7 +9537,7 @@
                       <m:dPr>
                         <m:ctrlPr>
                           <a:rPr lang="en-US" i="1">
-                            <a:latin typeface="Cambria Math" charset="0"/>
+                            <a:latin typeface="Cambria Math" panose="02040503050406030204" pitchFamily="18" charset="0"/>
                           </a:rPr>
                         </m:ctrlPr>
                       </m:dPr>
@@ -9311,7 +9546,7 @@
                           <m:sSubPr>
                             <m:ctrlPr>
                               <a:rPr lang="en-US" i="1">
-                                <a:latin typeface="Cambria Math" charset="0"/>
+                                <a:latin typeface="Cambria Math" panose="02040503050406030204" pitchFamily="18" charset="0"/>
                               </a:rPr>
                             </m:ctrlPr>
                           </m:sSubPr>
@@ -9342,7 +9577,7 @@
                           <m:sSubPr>
                             <m:ctrlPr>
                               <a:rPr lang="en-US" i="1">
-                                <a:latin typeface="Cambria Math" charset="0"/>
+                                <a:latin typeface="Cambria Math" panose="02040503050406030204" pitchFamily="18" charset="0"/>
                               </a:rPr>
                             </m:ctrlPr>
                           </m:sSubPr>
@@ -9425,7 +9660,7 @@
           <p:cNvPr id="6" name="TextBox 5">
             <a:extLst>
               <a:ext uri="{FF2B5EF4-FFF2-40B4-BE49-F238E27FC236}">
-                <a16:creationId xmlns:a16="http://schemas.microsoft.com/office/drawing/2014/main" xmlns="" id="{BE3968EA-E5BE-4E1D-AF03-45BAEED9E8DB}"/>
+                <a16:creationId xmlns:a16="http://schemas.microsoft.com/office/drawing/2014/main" id="{BE3968EA-E5BE-4E1D-AF03-45BAEED9E8DB}"/>
               </a:ext>
             </a:extLst>
           </p:cNvPr>
@@ -9466,7 +9701,7 @@
           <p:cNvPr id="7" name="TextBox 6">
             <a:extLst>
               <a:ext uri="{FF2B5EF4-FFF2-40B4-BE49-F238E27FC236}">
-                <a16:creationId xmlns:a16="http://schemas.microsoft.com/office/drawing/2014/main" xmlns="" id="{4BA7C69C-4A87-49C6-A38D-875A20723BD1}"/>
+                <a16:creationId xmlns:a16="http://schemas.microsoft.com/office/drawing/2014/main" id="{4BA7C69C-4A87-49C6-A38D-875A20723BD1}"/>
               </a:ext>
             </a:extLst>
           </p:cNvPr>
@@ -9507,7 +9742,7 @@
           <p:cNvPr id="8" name="Arrow: Right 7">
             <a:extLst>
               <a:ext uri="{FF2B5EF4-FFF2-40B4-BE49-F238E27FC236}">
-                <a16:creationId xmlns:a16="http://schemas.microsoft.com/office/drawing/2014/main" xmlns="" id="{1F1AF7DD-A149-43E3-BB8B-641C967A686E}"/>
+                <a16:creationId xmlns:a16="http://schemas.microsoft.com/office/drawing/2014/main" id="{1F1AF7DD-A149-43E3-BB8B-641C967A686E}"/>
               </a:ext>
             </a:extLst>
           </p:cNvPr>
@@ -9553,7 +9788,7 @@
           <p:cNvPr id="9" name="Arrow: Right 8">
             <a:extLst>
               <a:ext uri="{FF2B5EF4-FFF2-40B4-BE49-F238E27FC236}">
-                <a16:creationId xmlns:a16="http://schemas.microsoft.com/office/drawing/2014/main" xmlns="" id="{97099528-9AD3-42BF-A7BA-644899D08E0B}"/>
+                <a16:creationId xmlns:a16="http://schemas.microsoft.com/office/drawing/2014/main" id="{97099528-9AD3-42BF-A7BA-644899D08E0B}"/>
               </a:ext>
             </a:extLst>
           </p:cNvPr>
@@ -9599,7 +9834,7 @@
           <p:cNvPr id="10" name="Arrow: Right 9">
             <a:extLst>
               <a:ext uri="{FF2B5EF4-FFF2-40B4-BE49-F238E27FC236}">
-                <a16:creationId xmlns:a16="http://schemas.microsoft.com/office/drawing/2014/main" xmlns="" id="{9F372D1C-0F9C-4222-84A2-BDAABF4A5833}"/>
+                <a16:creationId xmlns:a16="http://schemas.microsoft.com/office/drawing/2014/main" id="{9F372D1C-0F9C-4222-84A2-BDAABF4A5833}"/>
               </a:ext>
             </a:extLst>
           </p:cNvPr>
@@ -9645,7 +9880,7 @@
           <p:cNvPr id="11" name="Arrow: Right 10">
             <a:extLst>
               <a:ext uri="{FF2B5EF4-FFF2-40B4-BE49-F238E27FC236}">
-                <a16:creationId xmlns:a16="http://schemas.microsoft.com/office/drawing/2014/main" xmlns="" id="{754FDE32-4695-4931-86B1-09272CFD14AC}"/>
+                <a16:creationId xmlns:a16="http://schemas.microsoft.com/office/drawing/2014/main" id="{754FDE32-4695-4931-86B1-09272CFD14AC}"/>
               </a:ext>
             </a:extLst>
           </p:cNvPr>
@@ -9690,173 +9925,6 @@
     <p:extLst>
       <p:ext uri="{BB962C8B-B14F-4D97-AF65-F5344CB8AC3E}">
         <p14:creationId xmlns:p14="http://schemas.microsoft.com/office/powerpoint/2010/main" val="765077543"/>
-      </p:ext>
-    </p:extLst>
-  </p:cSld>
-  <p:clrMapOvr>
-    <a:masterClrMapping/>
-  </p:clrMapOvr>
-</p:sld>
-</file>
-
-<file path=ppt/slides/slide19.xml><?xml version="1.0" encoding="utf-8"?>
-<p:sld xmlns:a="http://schemas.openxmlformats.org/drawingml/2006/main" xmlns:r="http://schemas.openxmlformats.org/officeDocument/2006/relationships" xmlns:p="http://schemas.openxmlformats.org/presentationml/2006/main">
-  <p:cSld>
-    <p:spTree>
-      <p:nvGrpSpPr>
-        <p:cNvPr id="1" name=""/>
-        <p:cNvGrpSpPr/>
-        <p:nvPr/>
-      </p:nvGrpSpPr>
-      <p:grpSpPr>
-        <a:xfrm>
-          <a:off x="0" y="0"/>
-          <a:ext cx="0" cy="0"/>
-          <a:chOff x="0" y="0"/>
-          <a:chExt cx="0" cy="0"/>
-        </a:xfrm>
-      </p:grpSpPr>
-      <p:sp>
-        <p:nvSpPr>
-          <p:cNvPr id="2" name="Title 1"/>
-          <p:cNvSpPr>
-            <a:spLocks noGrp="1"/>
-          </p:cNvSpPr>
-          <p:nvPr>
-            <p:ph type="title"/>
-          </p:nvPr>
-        </p:nvSpPr>
-        <p:spPr/>
-        <p:txBody>
-          <a:bodyPr/>
-          <a:lstStyle/>
-          <a:p>
-            <a:r>
-              <a:rPr lang="en-US" dirty="0"/>
-              <a:t>Outline</a:t>
-            </a:r>
-          </a:p>
-        </p:txBody>
-      </p:sp>
-      <p:sp>
-        <p:nvSpPr>
-          <p:cNvPr id="3" name="Content Placeholder 2"/>
-          <p:cNvSpPr>
-            <a:spLocks noGrp="1"/>
-          </p:cNvSpPr>
-          <p:nvPr>
-            <p:ph idx="1"/>
-          </p:nvPr>
-        </p:nvSpPr>
-        <p:spPr/>
-        <p:txBody>
-          <a:bodyPr/>
-          <a:lstStyle/>
-          <a:p>
-            <a:r>
-              <a:rPr lang="en-US" dirty="0"/>
-              <a:t>Motivating Example:  Predicting the mpg of a car</a:t>
-            </a:r>
-          </a:p>
-          <a:p>
-            <a:r>
-              <a:rPr lang="en-US" dirty="0"/>
-              <a:t>Linear Model</a:t>
-            </a:r>
-          </a:p>
-          <a:p>
-            <a:r>
-              <a:rPr lang="en-US" dirty="0"/>
-              <a:t>Least Squares Fit Problem</a:t>
-            </a:r>
-          </a:p>
-          <a:p>
-            <a:r>
-              <a:rPr lang="en-US" dirty="0"/>
-              <a:t>Sample Mean and Variance; LS Fit Solution</a:t>
-            </a:r>
-          </a:p>
-          <a:p>
-            <a:r>
-              <a:rPr lang="en-US" dirty="0"/>
-              <a:t>Assessing Goodness of Fit</a:t>
-            </a:r>
-          </a:p>
-        </p:txBody>
-      </p:sp>
-      <p:sp>
-        <p:nvSpPr>
-          <p:cNvPr id="4" name="Slide Number Placeholder 3"/>
-          <p:cNvSpPr>
-            <a:spLocks noGrp="1"/>
-          </p:cNvSpPr>
-          <p:nvPr>
-            <p:ph type="sldNum" sz="quarter" idx="12"/>
-          </p:nvPr>
-        </p:nvSpPr>
-        <p:spPr/>
-        <p:txBody>
-          <a:bodyPr/>
-          <a:lstStyle/>
-          <a:p>
-            <a:fld id="{629637A9-119A-49DA-BD12-AAC58B377D80}" type="slidenum">
-              <a:rPr lang="en-US" smtClean="0"/>
-              <a:t>19</a:t>
-            </a:fld>
-            <a:endParaRPr lang="en-US" dirty="0"/>
-          </a:p>
-        </p:txBody>
-      </p:sp>
-      <p:sp>
-        <p:nvSpPr>
-          <p:cNvPr id="5" name="Arrow: Right 4"/>
-          <p:cNvSpPr/>
-          <p:nvPr/>
-        </p:nvSpPr>
-        <p:spPr>
-          <a:xfrm>
-            <a:off x="326497" y="2794758"/>
-            <a:ext cx="938784" cy="484632"/>
-          </a:xfrm>
-          <a:prstGeom prst="rightArrow">
-            <a:avLst/>
-          </a:prstGeom>
-          <a:solidFill>
-            <a:schemeClr val="accent1">
-              <a:lumMod val="40000"/>
-              <a:lumOff val="60000"/>
-            </a:schemeClr>
-          </a:solidFill>
-        </p:spPr>
-        <p:style>
-          <a:lnRef idx="2">
-            <a:schemeClr val="accent1">
-              <a:shade val="50000"/>
-            </a:schemeClr>
-          </a:lnRef>
-          <a:fillRef idx="1">
-            <a:schemeClr val="accent1"/>
-          </a:fillRef>
-          <a:effectRef idx="0">
-            <a:schemeClr val="accent1"/>
-          </a:effectRef>
-          <a:fontRef idx="minor">
-            <a:schemeClr val="lt1"/>
-          </a:fontRef>
-        </p:style>
-        <p:txBody>
-          <a:bodyPr rtlCol="0" anchor="ctr"/>
-          <a:lstStyle/>
-          <a:p>
-            <a:pPr algn="ctr"/>
-            <a:endParaRPr lang="en-US"/>
-          </a:p>
-        </p:txBody>
-      </p:sp>
-    </p:spTree>
-    <p:extLst>
-      <p:ext uri="{BB962C8B-B14F-4D97-AF65-F5344CB8AC3E}">
-        <p14:creationId xmlns:p14="http://schemas.microsoft.com/office/powerpoint/2010/main" val="1336926771"/>
       </p:ext>
     </p:extLst>
   </p:cSld>
@@ -10021,7 +10089,7 @@
                       <m:sSupPr>
                         <m:ctrlPr>
                           <a:rPr lang="en-US" b="0" i="1" dirty="0" smtClean="0">
-                            <a:latin typeface="Cambria Math" charset="0"/>
+                            <a:latin typeface="Cambria Math" panose="02040503050406030204" pitchFamily="18" charset="0"/>
                           </a:rPr>
                         </m:ctrlPr>
                       </m:sSupPr>
@@ -10155,6 +10223,173 @@
             <p:ph type="title"/>
           </p:nvPr>
         </p:nvSpPr>
+        <p:spPr/>
+        <p:txBody>
+          <a:bodyPr/>
+          <a:lstStyle/>
+          <a:p>
+            <a:r>
+              <a:rPr lang="en-US" dirty="0"/>
+              <a:t>Outline</a:t>
+            </a:r>
+          </a:p>
+        </p:txBody>
+      </p:sp>
+      <p:sp>
+        <p:nvSpPr>
+          <p:cNvPr id="3" name="Content Placeholder 2"/>
+          <p:cNvSpPr>
+            <a:spLocks noGrp="1"/>
+          </p:cNvSpPr>
+          <p:nvPr>
+            <p:ph idx="1"/>
+          </p:nvPr>
+        </p:nvSpPr>
+        <p:spPr/>
+        <p:txBody>
+          <a:bodyPr/>
+          <a:lstStyle/>
+          <a:p>
+            <a:r>
+              <a:rPr lang="en-US" dirty="0"/>
+              <a:t>Motivating Example:  Predicting the mpg of a car</a:t>
+            </a:r>
+          </a:p>
+          <a:p>
+            <a:r>
+              <a:rPr lang="en-US" dirty="0"/>
+              <a:t>Linear Model</a:t>
+            </a:r>
+          </a:p>
+          <a:p>
+            <a:r>
+              <a:rPr lang="en-US" dirty="0"/>
+              <a:t>Least Squares Fit Problem</a:t>
+            </a:r>
+          </a:p>
+          <a:p>
+            <a:r>
+              <a:rPr lang="en-US" dirty="0"/>
+              <a:t>Sample Mean and Variance; LS Fit Solution</a:t>
+            </a:r>
+          </a:p>
+          <a:p>
+            <a:r>
+              <a:rPr lang="en-US" dirty="0"/>
+              <a:t>Assessing Goodness of Fit</a:t>
+            </a:r>
+          </a:p>
+        </p:txBody>
+      </p:sp>
+      <p:sp>
+        <p:nvSpPr>
+          <p:cNvPr id="4" name="Slide Number Placeholder 3"/>
+          <p:cNvSpPr>
+            <a:spLocks noGrp="1"/>
+          </p:cNvSpPr>
+          <p:nvPr>
+            <p:ph type="sldNum" sz="quarter" idx="12"/>
+          </p:nvPr>
+        </p:nvSpPr>
+        <p:spPr/>
+        <p:txBody>
+          <a:bodyPr/>
+          <a:lstStyle/>
+          <a:p>
+            <a:fld id="{629637A9-119A-49DA-BD12-AAC58B377D80}" type="slidenum">
+              <a:rPr lang="en-US" smtClean="0"/>
+              <a:t>20</a:t>
+            </a:fld>
+            <a:endParaRPr lang="en-US" dirty="0"/>
+          </a:p>
+        </p:txBody>
+      </p:sp>
+      <p:sp>
+        <p:nvSpPr>
+          <p:cNvPr id="5" name="Arrow: Right 4"/>
+          <p:cNvSpPr/>
+          <p:nvPr/>
+        </p:nvSpPr>
+        <p:spPr>
+          <a:xfrm>
+            <a:off x="326497" y="2794758"/>
+            <a:ext cx="938784" cy="484632"/>
+          </a:xfrm>
+          <a:prstGeom prst="rightArrow">
+            <a:avLst/>
+          </a:prstGeom>
+          <a:solidFill>
+            <a:schemeClr val="accent1">
+              <a:lumMod val="40000"/>
+              <a:lumOff val="60000"/>
+            </a:schemeClr>
+          </a:solidFill>
+        </p:spPr>
+        <p:style>
+          <a:lnRef idx="2">
+            <a:schemeClr val="accent1">
+              <a:shade val="50000"/>
+            </a:schemeClr>
+          </a:lnRef>
+          <a:fillRef idx="1">
+            <a:schemeClr val="accent1"/>
+          </a:fillRef>
+          <a:effectRef idx="0">
+            <a:schemeClr val="accent1"/>
+          </a:effectRef>
+          <a:fontRef idx="minor">
+            <a:schemeClr val="lt1"/>
+          </a:fontRef>
+        </p:style>
+        <p:txBody>
+          <a:bodyPr rtlCol="0" anchor="ctr"/>
+          <a:lstStyle/>
+          <a:p>
+            <a:pPr algn="ctr"/>
+            <a:endParaRPr lang="en-US"/>
+          </a:p>
+        </p:txBody>
+      </p:sp>
+    </p:spTree>
+    <p:extLst>
+      <p:ext uri="{BB962C8B-B14F-4D97-AF65-F5344CB8AC3E}">
+        <p14:creationId xmlns:p14="http://schemas.microsoft.com/office/powerpoint/2010/main" val="1336926771"/>
+      </p:ext>
+    </p:extLst>
+  </p:cSld>
+  <p:clrMapOvr>
+    <a:masterClrMapping/>
+  </p:clrMapOvr>
+</p:sld>
+</file>
+
+<file path=ppt/slides/slide21.xml><?xml version="1.0" encoding="utf-8"?>
+<p:sld xmlns:a="http://schemas.openxmlformats.org/drawingml/2006/main" xmlns:r="http://schemas.openxmlformats.org/officeDocument/2006/relationships" xmlns:p="http://schemas.openxmlformats.org/presentationml/2006/main">
+  <p:cSld>
+    <p:spTree>
+      <p:nvGrpSpPr>
+        <p:cNvPr id="1" name=""/>
+        <p:cNvGrpSpPr/>
+        <p:nvPr/>
+      </p:nvGrpSpPr>
+      <p:grpSpPr>
+        <a:xfrm>
+          <a:off x="0" y="0"/>
+          <a:ext cx="0" cy="0"/>
+          <a:chOff x="0" y="0"/>
+          <a:chExt cx="0" cy="0"/>
+        </a:xfrm>
+      </p:grpSpPr>
+      <p:sp>
+        <p:nvSpPr>
+          <p:cNvPr id="2" name="Title 1"/>
+          <p:cNvSpPr>
+            <a:spLocks noGrp="1"/>
+          </p:cNvSpPr>
+          <p:nvPr>
+            <p:ph type="title"/>
+          </p:nvPr>
+        </p:nvSpPr>
         <p:spPr>
           <a:xfrm>
             <a:off x="1097280" y="286603"/>
@@ -10226,7 +10461,7 @@
                         <m:chr m:val="̅"/>
                         <m:ctrlPr>
                           <a:rPr lang="en-US" i="1">
-                            <a:latin typeface="Cambria Math" charset="0"/>
+                            <a:latin typeface="Cambria Math" panose="02040503050406030204" pitchFamily="18" charset="0"/>
                           </a:rPr>
                         </m:ctrlPr>
                       </m:accPr>
@@ -10252,7 +10487,7 @@
                         <m:chr m:val="̅"/>
                         <m:ctrlPr>
                           <a:rPr lang="en-US" i="1" smtClean="0">
-                            <a:latin typeface="Cambria Math" charset="0"/>
+                            <a:latin typeface="Cambria Math" panose="02040503050406030204" pitchFamily="18" charset="0"/>
                           </a:rPr>
                         </m:ctrlPr>
                       </m:accPr>
@@ -10291,7 +10526,7 @@
                       <m:sSubPr>
                         <m:ctrlPr>
                           <a:rPr lang="en-US" b="0" i="1" smtClean="0">
-                            <a:latin typeface="Cambria Math" charset="0"/>
+                            <a:latin typeface="Cambria Math" panose="02040503050406030204" pitchFamily="18" charset="0"/>
                           </a:rPr>
                         </m:ctrlPr>
                       </m:sSubPr>
@@ -10322,7 +10557,7 @@
                       <m:sSubPr>
                         <m:ctrlPr>
                           <a:rPr lang="en-US" b="0" i="1" smtClean="0">
-                            <a:latin typeface="Cambria Math" charset="0"/>
+                            <a:latin typeface="Cambria Math" panose="02040503050406030204" pitchFamily="18" charset="0"/>
                           </a:rPr>
                         </m:ctrlPr>
                       </m:sSubPr>
@@ -10410,7 +10645,7 @@
           <a:p>
             <a:fld id="{629637A9-119A-49DA-BD12-AAC58B377D80}" type="slidenum">
               <a:rPr lang="en-US" smtClean="0"/>
-              <a:t>20</a:t>
+              <a:t>21</a:t>
             </a:fld>
             <a:endParaRPr lang="en-US" dirty="0"/>
           </a:p>
@@ -10453,7 +10688,7 @@
 </p:sld>
 </file>
 
-<file path=ppt/slides/slide21.xml><?xml version="1.0" encoding="utf-8"?>
+<file path=ppt/slides/slide22.xml><?xml version="1.0" encoding="utf-8"?>
 <p:sld xmlns:a="http://schemas.openxmlformats.org/drawingml/2006/main" xmlns:r="http://schemas.openxmlformats.org/officeDocument/2006/relationships" xmlns:p="http://schemas.openxmlformats.org/presentationml/2006/main">
   <p:cSld>
     <p:spTree>
@@ -10534,7 +10769,7 @@
                         <m:chr m:val="̅"/>
                         <m:ctrlPr>
                           <a:rPr lang="en-US" b="0" i="1" smtClean="0">
-                            <a:latin typeface="Cambria Math" charset="0"/>
+                            <a:latin typeface="Cambria Math" panose="02040503050406030204" pitchFamily="18" charset="0"/>
                           </a:rPr>
                         </m:ctrlPr>
                       </m:accPr>
@@ -10557,7 +10792,7 @@
                       <m:fPr>
                         <m:ctrlPr>
                           <a:rPr lang="en-US" b="0" i="1" smtClean="0">
-                            <a:latin typeface="Cambria Math" charset="0"/>
+                            <a:latin typeface="Cambria Math" panose="02040503050406030204" pitchFamily="18" charset="0"/>
                           </a:rPr>
                         </m:ctrlPr>
                       </m:fPr>
@@ -10584,7 +10819,7 @@
                         <m:limLoc m:val="subSup"/>
                         <m:ctrlPr>
                           <a:rPr lang="en-US" b="0" i="1" smtClean="0">
-                            <a:latin typeface="Cambria Math" charset="0"/>
+                            <a:latin typeface="Cambria Math" panose="02040503050406030204" pitchFamily="18" charset="0"/>
                           </a:rPr>
                         </m:ctrlPr>
                       </m:naryPr>
@@ -10618,7 +10853,7 @@
                           <m:sSubPr>
                             <m:ctrlPr>
                               <a:rPr lang="en-US" b="0" i="1" smtClean="0">
-                                <a:latin typeface="Cambria Math" charset="0"/>
+                                <a:latin typeface="Cambria Math" panose="02040503050406030204" pitchFamily="18" charset="0"/>
                               </a:rPr>
                             </m:ctrlPr>
                           </m:sSubPr>
@@ -10652,7 +10887,7 @@
                         <m:chr m:val="̅"/>
                         <m:ctrlPr>
                           <a:rPr lang="en-US" i="1">
-                            <a:latin typeface="Cambria Math" charset="0"/>
+                            <a:latin typeface="Cambria Math" panose="02040503050406030204" pitchFamily="18" charset="0"/>
                           </a:rPr>
                         </m:ctrlPr>
                       </m:accPr>
@@ -10675,7 +10910,7 @@
                       <m:fPr>
                         <m:ctrlPr>
                           <a:rPr lang="en-US" i="1">
-                            <a:latin typeface="Cambria Math" charset="0"/>
+                            <a:latin typeface="Cambria Math" panose="02040503050406030204" pitchFamily="18" charset="0"/>
                           </a:rPr>
                         </m:ctrlPr>
                       </m:fPr>
@@ -10702,7 +10937,7 @@
                         <m:limLoc m:val="subSup"/>
                         <m:ctrlPr>
                           <a:rPr lang="en-US" i="1">
-                            <a:latin typeface="Cambria Math" charset="0"/>
+                            <a:latin typeface="Cambria Math" panose="02040503050406030204" pitchFamily="18" charset="0"/>
                           </a:rPr>
                         </m:ctrlPr>
                       </m:naryPr>
@@ -10736,7 +10971,7 @@
                           <m:sSubPr>
                             <m:ctrlPr>
                               <a:rPr lang="en-US" i="1">
-                                <a:latin typeface="Cambria Math" charset="0"/>
+                                <a:latin typeface="Cambria Math" panose="02040503050406030204" pitchFamily="18" charset="0"/>
                               </a:rPr>
                             </m:ctrlPr>
                           </m:sSubPr>
@@ -10777,7 +11012,7 @@
                       <m:sSubSupPr>
                         <m:ctrlPr>
                           <a:rPr lang="en-US" b="0" i="1" smtClean="0">
-                            <a:latin typeface="Cambria Math" charset="0"/>
+                            <a:latin typeface="Cambria Math" panose="02040503050406030204" pitchFamily="18" charset="0"/>
                           </a:rPr>
                         </m:ctrlPr>
                       </m:sSubSupPr>
@@ -10816,7 +11051,7 @@
                       <m:fPr>
                         <m:ctrlPr>
                           <a:rPr lang="en-US" i="1">
-                            <a:latin typeface="Cambria Math" charset="0"/>
+                            <a:latin typeface="Cambria Math" panose="02040503050406030204" pitchFamily="18" charset="0"/>
                           </a:rPr>
                         </m:ctrlPr>
                       </m:fPr>
@@ -10843,7 +11078,7 @@
                         <m:limLoc m:val="subSup"/>
                         <m:ctrlPr>
                           <a:rPr lang="en-US" i="1">
-                            <a:latin typeface="Cambria Math" charset="0"/>
+                            <a:latin typeface="Cambria Math" panose="02040503050406030204" pitchFamily="18" charset="0"/>
                           </a:rPr>
                         </m:ctrlPr>
                       </m:naryPr>
@@ -10877,7 +11112,7 @@
                           <m:sSupPr>
                             <m:ctrlPr>
                               <a:rPr lang="en-US" b="0" i="1" smtClean="0">
-                                <a:latin typeface="Cambria Math" charset="0"/>
+                                <a:latin typeface="Cambria Math" panose="02040503050406030204" pitchFamily="18" charset="0"/>
                               </a:rPr>
                             </m:ctrlPr>
                           </m:sSupPr>
@@ -10886,7 +11121,7 @@
                               <m:dPr>
                                 <m:ctrlPr>
                                   <a:rPr lang="en-US" b="0" i="1" smtClean="0">
-                                    <a:latin typeface="Cambria Math" charset="0"/>
+                                    <a:latin typeface="Cambria Math" panose="02040503050406030204" pitchFamily="18" charset="0"/>
                                   </a:rPr>
                                 </m:ctrlPr>
                               </m:dPr>
@@ -10895,7 +11130,7 @@
                                   <m:sSubPr>
                                     <m:ctrlPr>
                                       <a:rPr lang="en-US" b="0" i="1" smtClean="0">
-                                        <a:latin typeface="Cambria Math" charset="0"/>
+                                        <a:latin typeface="Cambria Math" panose="02040503050406030204" pitchFamily="18" charset="0"/>
                                       </a:rPr>
                                     </m:ctrlPr>
                                   </m:sSubPr>
@@ -10927,7 +11162,7 @@
                                     <m:chr m:val="̅"/>
                                     <m:ctrlPr>
                                       <a:rPr lang="en-US" i="1">
-                                        <a:latin typeface="Cambria Math" charset="0"/>
+                                        <a:latin typeface="Cambria Math" panose="02040503050406030204" pitchFamily="18" charset="0"/>
                                       </a:rPr>
                                     </m:ctrlPr>
                                   </m:accPr>
@@ -10970,7 +11205,7 @@
                       <m:sSubSupPr>
                         <m:ctrlPr>
                           <a:rPr lang="en-US" i="1">
-                            <a:latin typeface="Cambria Math" charset="0"/>
+                            <a:latin typeface="Cambria Math" panose="02040503050406030204" pitchFamily="18" charset="0"/>
                           </a:rPr>
                         </m:ctrlPr>
                       </m:sSubSupPr>
@@ -11009,7 +11244,7 @@
                       <m:fPr>
                         <m:ctrlPr>
                           <a:rPr lang="en-US" i="1">
-                            <a:latin typeface="Cambria Math" charset="0"/>
+                            <a:latin typeface="Cambria Math" panose="02040503050406030204" pitchFamily="18" charset="0"/>
                           </a:rPr>
                         </m:ctrlPr>
                       </m:fPr>
@@ -11036,7 +11271,7 @@
                         <m:limLoc m:val="subSup"/>
                         <m:ctrlPr>
                           <a:rPr lang="en-US" i="1">
-                            <a:latin typeface="Cambria Math" charset="0"/>
+                            <a:latin typeface="Cambria Math" panose="02040503050406030204" pitchFamily="18" charset="0"/>
                           </a:rPr>
                         </m:ctrlPr>
                       </m:naryPr>
@@ -11070,7 +11305,7 @@
                           <m:sSupPr>
                             <m:ctrlPr>
                               <a:rPr lang="en-US" i="1">
-                                <a:latin typeface="Cambria Math" charset="0"/>
+                                <a:latin typeface="Cambria Math" panose="02040503050406030204" pitchFamily="18" charset="0"/>
                               </a:rPr>
                             </m:ctrlPr>
                           </m:sSupPr>
@@ -11079,7 +11314,7 @@
                               <m:dPr>
                                 <m:ctrlPr>
                                   <a:rPr lang="en-US" i="1">
-                                    <a:latin typeface="Cambria Math" charset="0"/>
+                                    <a:latin typeface="Cambria Math" panose="02040503050406030204" pitchFamily="18" charset="0"/>
                                   </a:rPr>
                                 </m:ctrlPr>
                               </m:dPr>
@@ -11088,7 +11323,7 @@
                                   <m:sSubPr>
                                     <m:ctrlPr>
                                       <a:rPr lang="en-US" i="1">
-                                        <a:latin typeface="Cambria Math" charset="0"/>
+                                        <a:latin typeface="Cambria Math" panose="02040503050406030204" pitchFamily="18" charset="0"/>
                                       </a:rPr>
                                     </m:ctrlPr>
                                   </m:sSubPr>
@@ -11120,7 +11355,7 @@
                                     <m:chr m:val="̅"/>
                                     <m:ctrlPr>
                                       <a:rPr lang="en-US" i="1">
-                                        <a:latin typeface="Cambria Math" charset="0"/>
+                                        <a:latin typeface="Cambria Math" panose="02040503050406030204" pitchFamily="18" charset="0"/>
                                       </a:rPr>
                                     </m:ctrlPr>
                                   </m:accPr>
@@ -11202,7 +11437,7 @@
                       <m:sSubPr>
                         <m:ctrlPr>
                           <a:rPr lang="en-US" b="0" i="1" smtClean="0">
-                            <a:latin typeface="Cambria Math" charset="0"/>
+                            <a:latin typeface="Cambria Math" panose="02040503050406030204" pitchFamily="18" charset="0"/>
                           </a:rPr>
                         </m:ctrlPr>
                       </m:sSubPr>
@@ -11233,7 +11468,7 @@
                       <m:sSubPr>
                         <m:ctrlPr>
                           <a:rPr lang="en-US" b="0" i="1" smtClean="0">
-                            <a:latin typeface="Cambria Math" charset="0"/>
+                            <a:latin typeface="Cambria Math" panose="02040503050406030204" pitchFamily="18" charset="0"/>
                           </a:rPr>
                         </m:ctrlPr>
                       </m:sSubPr>
@@ -11332,7 +11567,7 @@
           <a:p>
             <a:fld id="{629637A9-119A-49DA-BD12-AAC58B377D80}" type="slidenum">
               <a:rPr lang="en-US" smtClean="0"/>
-              <a:t>21</a:t>
+              <a:t>22</a:t>
             </a:fld>
             <a:endParaRPr lang="en-US" dirty="0"/>
           </a:p>
@@ -11431,7 +11666,7 @@
 </p:sld>
 </file>
 
-<file path=ppt/slides/slide22.xml><?xml version="1.0" encoding="utf-8"?>
+<file path=ppt/slides/slide23.xml><?xml version="1.0" encoding="utf-8"?>
 <p:sld xmlns:a="http://schemas.openxmlformats.org/drawingml/2006/main" xmlns:r="http://schemas.openxmlformats.org/officeDocument/2006/relationships" xmlns:p="http://schemas.openxmlformats.org/presentationml/2006/main">
   <p:cSld>
     <p:spTree>
@@ -11480,8 +11715,8 @@
           </a:p>
         </p:txBody>
       </p:sp>
-      <mc:AlternateContent xmlns:mc="http://schemas.openxmlformats.org/markup-compatibility/2006">
-        <mc:Choice xmlns:a14="http://schemas.microsoft.com/office/drawing/2010/main" Requires="a14">
+      <mc:AlternateContent xmlns:mc="http://schemas.openxmlformats.org/markup-compatibility/2006" xmlns:a14="http://schemas.microsoft.com/office/drawing/2010/main">
+        <mc:Choice Requires="a14">
           <p:sp>
             <p:nvSpPr>
               <p:cNvPr id="3" name="Content Placeholder 2"/>
@@ -11526,7 +11761,7 @@
                         <m:chr m:val="̅"/>
                         <m:ctrlPr>
                           <a:rPr lang="en-US" i="1">
-                            <a:latin typeface="Cambria Math" charset="0"/>
+                            <a:latin typeface="Cambria Math" panose="02040503050406030204" pitchFamily="18" charset="0"/>
                           </a:rPr>
                         </m:ctrlPr>
                       </m:accPr>
@@ -11552,7 +11787,7 @@
                         <m:chr m:val="̅"/>
                         <m:ctrlPr>
                           <a:rPr lang="en-US" i="1">
-                            <a:latin typeface="Cambria Math" charset="0"/>
+                            <a:latin typeface="Cambria Math" panose="02040503050406030204" pitchFamily="18" charset="0"/>
                           </a:rPr>
                         </m:ctrlPr>
                       </m:accPr>
@@ -11602,7 +11837,7 @@
                       <m:sSubPr>
                         <m:ctrlPr>
                           <a:rPr lang="en-US" i="1">
-                            <a:latin typeface="Cambria Math" charset="0"/>
+                            <a:latin typeface="Cambria Math" panose="02040503050406030204" pitchFamily="18" charset="0"/>
                           </a:rPr>
                         </m:ctrlPr>
                       </m:sSubPr>
@@ -11641,7 +11876,7 @@
                       <m:sSubPr>
                         <m:ctrlPr>
                           <a:rPr lang="en-US" b="0" i="1" smtClean="0">
-                            <a:latin typeface="Cambria Math" charset="0"/>
+                            <a:latin typeface="Cambria Math" panose="02040503050406030204" pitchFamily="18" charset="0"/>
                           </a:rPr>
                         </m:ctrlPr>
                       </m:sSubPr>
@@ -11683,12 +11918,8 @@
                   <a:rPr lang="en-US" dirty="0"/>
                 </a:br>
                 <a:r>
-                  <a:rPr lang="en-US" dirty="0" smtClean="0"/>
-                  <a:t>0.27% </a:t>
-                </a:r>
-                <a:r>
                   <a:rPr lang="en-US" dirty="0"/>
-                  <a:t>of points are 3 SDs from mean</a:t>
+                  <a:t>0.27% of points are 3 SDs from mean</a:t>
                 </a:r>
               </a:p>
               <a:p>
@@ -11704,7 +11935,7 @@
             </p:txBody>
           </p:sp>
         </mc:Choice>
-        <mc:Fallback>
+        <mc:Fallback xmlns="">
           <p:sp>
             <p:nvSpPr>
               <p:cNvPr id="3" name="Content Placeholder 2"/>
@@ -11759,7 +11990,7 @@
           <a:p>
             <a:fld id="{629637A9-119A-49DA-BD12-AAC58B377D80}" type="slidenum">
               <a:rPr lang="en-US" smtClean="0"/>
-              <a:t>22</a:t>
+              <a:t>23</a:t>
             </a:fld>
             <a:endParaRPr lang="en-US" dirty="0"/>
           </a:p>
@@ -11794,7 +12025,7 @@
           <p:cNvPr id="10" name="Straight Connector 9">
             <a:extLst>
               <a:ext uri="{FF2B5EF4-FFF2-40B4-BE49-F238E27FC236}">
-                <a16:creationId xmlns:a16="http://schemas.microsoft.com/office/drawing/2014/main" xmlns="" id="{EA6D4CB0-D8F1-4CC8-AA01-F0380C2CEEE5}"/>
+                <a16:creationId xmlns:a16="http://schemas.microsoft.com/office/drawing/2014/main" id="{EA6D4CB0-D8F1-4CC8-AA01-F0380C2CEEE5}"/>
               </a:ext>
             </a:extLst>
           </p:cNvPr>
@@ -11833,7 +12064,7 @@
           <p:cNvPr id="11" name="Straight Connector 10">
             <a:extLst>
               <a:ext uri="{FF2B5EF4-FFF2-40B4-BE49-F238E27FC236}">
-                <a16:creationId xmlns:a16="http://schemas.microsoft.com/office/drawing/2014/main" xmlns="" id="{660153AA-30E3-4386-AA2B-5E2AB65E7E30}"/>
+                <a16:creationId xmlns:a16="http://schemas.microsoft.com/office/drawing/2014/main" id="{660153AA-30E3-4386-AA2B-5E2AB65E7E30}"/>
               </a:ext>
             </a:extLst>
           </p:cNvPr>
@@ -11872,7 +12103,7 @@
           <p:cNvPr id="13" name="Straight Connector 12">
             <a:extLst>
               <a:ext uri="{FF2B5EF4-FFF2-40B4-BE49-F238E27FC236}">
-                <a16:creationId xmlns:a16="http://schemas.microsoft.com/office/drawing/2014/main" xmlns="" id="{9C9E5F9F-EC8A-46AC-AF9B-12D7F11F9564}"/>
+                <a16:creationId xmlns:a16="http://schemas.microsoft.com/office/drawing/2014/main" id="{9C9E5F9F-EC8A-46AC-AF9B-12D7F11F9564}"/>
               </a:ext>
             </a:extLst>
           </p:cNvPr>
@@ -11914,7 +12145,7 @@
           <p:cNvPr id="16" name="Straight Connector 15">
             <a:extLst>
               <a:ext uri="{FF2B5EF4-FFF2-40B4-BE49-F238E27FC236}">
-                <a16:creationId xmlns:a16="http://schemas.microsoft.com/office/drawing/2014/main" xmlns="" id="{C83269DB-AB31-4423-B115-91CBB6C0E4C2}"/>
+                <a16:creationId xmlns:a16="http://schemas.microsoft.com/office/drawing/2014/main" id="{C83269DB-AB31-4423-B115-91CBB6C0E4C2}"/>
               </a:ext>
             </a:extLst>
           </p:cNvPr>
@@ -11953,7 +12184,7 @@
           <p:cNvPr id="17" name="Straight Connector 16">
             <a:extLst>
               <a:ext uri="{FF2B5EF4-FFF2-40B4-BE49-F238E27FC236}">
-                <a16:creationId xmlns:a16="http://schemas.microsoft.com/office/drawing/2014/main" xmlns="" id="{CB94E085-5EF1-48CE-AF24-A919D7B9DC2F}"/>
+                <a16:creationId xmlns:a16="http://schemas.microsoft.com/office/drawing/2014/main" id="{CB94E085-5EF1-48CE-AF24-A919D7B9DC2F}"/>
               </a:ext>
             </a:extLst>
           </p:cNvPr>
@@ -11997,7 +12228,7 @@
               <p:cNvPr id="19" name="TextBox 18">
                 <a:extLst>
                   <a:ext uri="{FF2B5EF4-FFF2-40B4-BE49-F238E27FC236}">
-                    <a16:creationId xmlns:a16="http://schemas.microsoft.com/office/drawing/2014/main" xmlns="" id="{4502452B-A74D-4CEE-8F37-186351BB9F7F}"/>
+                    <a16:creationId xmlns:a16="http://schemas.microsoft.com/office/drawing/2014/main" id="{4502452B-A74D-4CEE-8F37-186351BB9F7F}"/>
                   </a:ext>
                 </a:extLst>
               </p:cNvPr>
@@ -12032,7 +12263,7 @@
                           <m:chr m:val="̅"/>
                           <m:ctrlPr>
                             <a:rPr lang="en-US" sz="2400" i="1" smtClean="0">
-                              <a:latin typeface="Cambria Math" charset="0"/>
+                              <a:latin typeface="Cambria Math" panose="02040503050406030204" pitchFamily="18" charset="0"/>
                             </a:rPr>
                           </m:ctrlPr>
                         </m:accPr>
@@ -12105,7 +12336,7 @@
               <p:cNvPr id="20" name="TextBox 19">
                 <a:extLst>
                   <a:ext uri="{FF2B5EF4-FFF2-40B4-BE49-F238E27FC236}">
-                    <a16:creationId xmlns:a16="http://schemas.microsoft.com/office/drawing/2014/main" xmlns="" id="{52A0CCC3-2C52-4D9F-9285-540D364A1D98}"/>
+                    <a16:creationId xmlns:a16="http://schemas.microsoft.com/office/drawing/2014/main" id="{52A0CCC3-2C52-4D9F-9285-540D364A1D98}"/>
                   </a:ext>
                 </a:extLst>
               </p:cNvPr>
@@ -12140,7 +12371,7 @@
                           <m:chr m:val="̅"/>
                           <m:ctrlPr>
                             <a:rPr lang="en-US" sz="2400" i="1" smtClean="0">
-                              <a:latin typeface="Cambria Math" charset="0"/>
+                              <a:latin typeface="Cambria Math" panose="02040503050406030204" pitchFamily="18" charset="0"/>
                             </a:rPr>
                           </m:ctrlPr>
                         </m:accPr>
@@ -12213,7 +12444,7 @@
               <p:cNvPr id="21" name="TextBox 20">
                 <a:extLst>
                   <a:ext uri="{FF2B5EF4-FFF2-40B4-BE49-F238E27FC236}">
-                    <a16:creationId xmlns:a16="http://schemas.microsoft.com/office/drawing/2014/main" xmlns="" id="{7BD1609F-EE96-43E1-BCA4-6C8D177C86B2}"/>
+                    <a16:creationId xmlns:a16="http://schemas.microsoft.com/office/drawing/2014/main" id="{7BD1609F-EE96-43E1-BCA4-6C8D177C86B2}"/>
                   </a:ext>
                 </a:extLst>
               </p:cNvPr>
@@ -12253,7 +12484,7 @@
                         <m:sSubPr>
                           <m:ctrlPr>
                             <a:rPr lang="en-US" sz="2400" b="0" i="1" smtClean="0">
-                              <a:latin typeface="Cambria Math" charset="0"/>
+                              <a:latin typeface="Cambria Math" panose="02040503050406030204" pitchFamily="18" charset="0"/>
                             </a:rPr>
                           </m:ctrlPr>
                         </m:sSubPr>
@@ -12334,7 +12565,7 @@
               <p:cNvPr id="22" name="TextBox 21">
                 <a:extLst>
                   <a:ext uri="{FF2B5EF4-FFF2-40B4-BE49-F238E27FC236}">
-                    <a16:creationId xmlns:a16="http://schemas.microsoft.com/office/drawing/2014/main" xmlns="" id="{4FDAB048-EBB4-431A-89CE-91A670C8C65E}"/>
+                    <a16:creationId xmlns:a16="http://schemas.microsoft.com/office/drawing/2014/main" id="{4FDAB048-EBB4-431A-89CE-91A670C8C65E}"/>
                   </a:ext>
                 </a:extLst>
               </p:cNvPr>
@@ -12374,7 +12605,7 @@
                         <m:sSubPr>
                           <m:ctrlPr>
                             <a:rPr lang="en-US" sz="2400" b="0" i="1" smtClean="0">
-                              <a:latin typeface="Cambria Math" charset="0"/>
+                              <a:latin typeface="Cambria Math" panose="02040503050406030204" pitchFamily="18" charset="0"/>
                             </a:rPr>
                           </m:ctrlPr>
                         </m:sSubPr>
@@ -12461,7 +12692,7 @@
 </p:sld>
 </file>
 
-<file path=ppt/slides/slide23.xml><?xml version="1.0" encoding="utf-8"?>
+<file path=ppt/slides/slide24.xml><?xml version="1.0" encoding="utf-8"?>
 <p:sld xmlns:a="http://schemas.openxmlformats.org/drawingml/2006/main" xmlns:r="http://schemas.openxmlformats.org/officeDocument/2006/relationships" xmlns:p="http://schemas.openxmlformats.org/presentationml/2006/main">
   <p:cSld>
     <p:spTree>
@@ -12552,7 +12783,7 @@
           <a:p>
             <a:fld id="{629637A9-119A-49DA-BD12-AAC58B377D80}" type="slidenum">
               <a:rPr lang="en-US" smtClean="0"/>
-              <a:t>23</a:t>
+              <a:t>24</a:t>
             </a:fld>
             <a:endParaRPr lang="en-US" dirty="0"/>
           </a:p>
@@ -12587,7 +12818,7 @@
           <p:cNvPr id="7" name="Picture 6">
             <a:extLst>
               <a:ext uri="{FF2B5EF4-FFF2-40B4-BE49-F238E27FC236}">
-                <a16:creationId xmlns:a16="http://schemas.microsoft.com/office/drawing/2014/main" xmlns="" id="{AE03F22E-4ECA-43A4-98E6-51456132DC57}"/>
+                <a16:creationId xmlns:a16="http://schemas.microsoft.com/office/drawing/2014/main" id="{AE03F22E-4ECA-43A4-98E6-51456132DC57}"/>
               </a:ext>
             </a:extLst>
           </p:cNvPr>
@@ -12617,7 +12848,7 @@
           <p:cNvPr id="10" name="Straight Connector 9">
             <a:extLst>
               <a:ext uri="{FF2B5EF4-FFF2-40B4-BE49-F238E27FC236}">
-                <a16:creationId xmlns:a16="http://schemas.microsoft.com/office/drawing/2014/main" xmlns="" id="{EA6D4CB0-D8F1-4CC8-AA01-F0380C2CEEE5}"/>
+                <a16:creationId xmlns:a16="http://schemas.microsoft.com/office/drawing/2014/main" id="{EA6D4CB0-D8F1-4CC8-AA01-F0380C2CEEE5}"/>
               </a:ext>
             </a:extLst>
           </p:cNvPr>
@@ -12656,7 +12887,7 @@
           <p:cNvPr id="11" name="Straight Connector 10">
             <a:extLst>
               <a:ext uri="{FF2B5EF4-FFF2-40B4-BE49-F238E27FC236}">
-                <a16:creationId xmlns:a16="http://schemas.microsoft.com/office/drawing/2014/main" xmlns="" id="{660153AA-30E3-4386-AA2B-5E2AB65E7E30}"/>
+                <a16:creationId xmlns:a16="http://schemas.microsoft.com/office/drawing/2014/main" id="{660153AA-30E3-4386-AA2B-5E2AB65E7E30}"/>
               </a:ext>
             </a:extLst>
           </p:cNvPr>
@@ -12695,7 +12926,7 @@
           <p:cNvPr id="13" name="Straight Connector 12">
             <a:extLst>
               <a:ext uri="{FF2B5EF4-FFF2-40B4-BE49-F238E27FC236}">
-                <a16:creationId xmlns:a16="http://schemas.microsoft.com/office/drawing/2014/main" xmlns="" id="{9C9E5F9F-EC8A-46AC-AF9B-12D7F11F9564}"/>
+                <a16:creationId xmlns:a16="http://schemas.microsoft.com/office/drawing/2014/main" id="{9C9E5F9F-EC8A-46AC-AF9B-12D7F11F9564}"/>
               </a:ext>
             </a:extLst>
           </p:cNvPr>
@@ -12737,7 +12968,7 @@
           <p:cNvPr id="16" name="Straight Connector 15">
             <a:extLst>
               <a:ext uri="{FF2B5EF4-FFF2-40B4-BE49-F238E27FC236}">
-                <a16:creationId xmlns:a16="http://schemas.microsoft.com/office/drawing/2014/main" xmlns="" id="{C83269DB-AB31-4423-B115-91CBB6C0E4C2}"/>
+                <a16:creationId xmlns:a16="http://schemas.microsoft.com/office/drawing/2014/main" id="{C83269DB-AB31-4423-B115-91CBB6C0E4C2}"/>
               </a:ext>
             </a:extLst>
           </p:cNvPr>
@@ -12776,7 +13007,7 @@
           <p:cNvPr id="17" name="Straight Connector 16">
             <a:extLst>
               <a:ext uri="{FF2B5EF4-FFF2-40B4-BE49-F238E27FC236}">
-                <a16:creationId xmlns:a16="http://schemas.microsoft.com/office/drawing/2014/main" xmlns="" id="{CB94E085-5EF1-48CE-AF24-A919D7B9DC2F}"/>
+                <a16:creationId xmlns:a16="http://schemas.microsoft.com/office/drawing/2014/main" id="{CB94E085-5EF1-48CE-AF24-A919D7B9DC2F}"/>
               </a:ext>
             </a:extLst>
           </p:cNvPr>
@@ -12820,7 +13051,7 @@
               <p:cNvPr id="19" name="TextBox 18">
                 <a:extLst>
                   <a:ext uri="{FF2B5EF4-FFF2-40B4-BE49-F238E27FC236}">
-                    <a16:creationId xmlns:a16="http://schemas.microsoft.com/office/drawing/2014/main" xmlns="" id="{4502452B-A74D-4CEE-8F37-186351BB9F7F}"/>
+                    <a16:creationId xmlns:a16="http://schemas.microsoft.com/office/drawing/2014/main" id="{4502452B-A74D-4CEE-8F37-186351BB9F7F}"/>
                   </a:ext>
                 </a:extLst>
               </p:cNvPr>
@@ -12855,7 +13086,7 @@
                           <m:chr m:val="̅"/>
                           <m:ctrlPr>
                             <a:rPr lang="en-US" sz="2400" i="1" smtClean="0">
-                              <a:latin typeface="Cambria Math" charset="0"/>
+                              <a:latin typeface="Cambria Math" panose="02040503050406030204" pitchFamily="18" charset="0"/>
                             </a:rPr>
                           </m:ctrlPr>
                         </m:accPr>
@@ -12928,7 +13159,7 @@
               <p:cNvPr id="20" name="TextBox 19">
                 <a:extLst>
                   <a:ext uri="{FF2B5EF4-FFF2-40B4-BE49-F238E27FC236}">
-                    <a16:creationId xmlns:a16="http://schemas.microsoft.com/office/drawing/2014/main" xmlns="" id="{52A0CCC3-2C52-4D9F-9285-540D364A1D98}"/>
+                    <a16:creationId xmlns:a16="http://schemas.microsoft.com/office/drawing/2014/main" id="{52A0CCC3-2C52-4D9F-9285-540D364A1D98}"/>
                   </a:ext>
                 </a:extLst>
               </p:cNvPr>
@@ -12963,7 +13194,7 @@
                           <m:chr m:val="̅"/>
                           <m:ctrlPr>
                             <a:rPr lang="en-US" sz="2400" i="1" smtClean="0">
-                              <a:latin typeface="Cambria Math" charset="0"/>
+                              <a:latin typeface="Cambria Math" panose="02040503050406030204" pitchFamily="18" charset="0"/>
                             </a:rPr>
                           </m:ctrlPr>
                         </m:accPr>
@@ -13036,7 +13267,7 @@
               <p:cNvPr id="21" name="TextBox 20">
                 <a:extLst>
                   <a:ext uri="{FF2B5EF4-FFF2-40B4-BE49-F238E27FC236}">
-                    <a16:creationId xmlns:a16="http://schemas.microsoft.com/office/drawing/2014/main" xmlns="" id="{7BD1609F-EE96-43E1-BCA4-6C8D177C86B2}"/>
+                    <a16:creationId xmlns:a16="http://schemas.microsoft.com/office/drawing/2014/main" id="{7BD1609F-EE96-43E1-BCA4-6C8D177C86B2}"/>
                   </a:ext>
                 </a:extLst>
               </p:cNvPr>
@@ -13076,7 +13307,7 @@
                         <m:sSubPr>
                           <m:ctrlPr>
                             <a:rPr lang="en-US" sz="2400" b="0" i="1" smtClean="0">
-                              <a:latin typeface="Cambria Math" charset="0"/>
+                              <a:latin typeface="Cambria Math" panose="02040503050406030204" pitchFamily="18" charset="0"/>
                             </a:rPr>
                           </m:ctrlPr>
                         </m:sSubPr>
@@ -13157,7 +13388,7 @@
               <p:cNvPr id="22" name="TextBox 21">
                 <a:extLst>
                   <a:ext uri="{FF2B5EF4-FFF2-40B4-BE49-F238E27FC236}">
-                    <a16:creationId xmlns:a16="http://schemas.microsoft.com/office/drawing/2014/main" xmlns="" id="{4FDAB048-EBB4-431A-89CE-91A670C8C65E}"/>
+                    <a16:creationId xmlns:a16="http://schemas.microsoft.com/office/drawing/2014/main" id="{4FDAB048-EBB4-431A-89CE-91A670C8C65E}"/>
                   </a:ext>
                 </a:extLst>
               </p:cNvPr>
@@ -13197,7 +13428,7 @@
                         <m:sSubPr>
                           <m:ctrlPr>
                             <a:rPr lang="en-US" sz="2400" b="0" i="1" smtClean="0">
-                              <a:latin typeface="Cambria Math" charset="0"/>
+                              <a:latin typeface="Cambria Math" panose="02040503050406030204" pitchFamily="18" charset="0"/>
                             </a:rPr>
                           </m:ctrlPr>
                         </m:sSubPr>
@@ -13276,7 +13507,7 @@
           <p:cNvPr id="9" name="Picture 8">
             <a:extLst>
               <a:ext uri="{FF2B5EF4-FFF2-40B4-BE49-F238E27FC236}">
-                <a16:creationId xmlns:a16="http://schemas.microsoft.com/office/drawing/2014/main" xmlns="" id="{6808EE9D-F3E7-49B0-84E5-D5C2118F2FED}"/>
+                <a16:creationId xmlns:a16="http://schemas.microsoft.com/office/drawing/2014/main" id="{6808EE9D-F3E7-49B0-84E5-D5C2118F2FED}"/>
               </a:ext>
             </a:extLst>
           </p:cNvPr>
@@ -13314,7 +13545,7 @@
 </p:sld>
 </file>
 
-<file path=ppt/slides/slide24.xml><?xml version="1.0" encoding="utf-8"?>
+<file path=ppt/slides/slide25.xml><?xml version="1.0" encoding="utf-8"?>
 <p:sld xmlns:a="http://schemas.openxmlformats.org/drawingml/2006/main" xmlns:r="http://schemas.openxmlformats.org/officeDocument/2006/relationships" xmlns:p="http://schemas.openxmlformats.org/presentationml/2006/main">
   <p:cSld>
     <p:spTree>
@@ -13385,7 +13616,7 @@
                       <m:sSubPr>
                         <m:ctrlPr>
                           <a:rPr lang="en-US" b="0" i="1" smtClean="0">
-                            <a:latin typeface="Cambria Math" charset="0"/>
+                            <a:latin typeface="Cambria Math" panose="02040503050406030204" pitchFamily="18" charset="0"/>
                           </a:rPr>
                         </m:ctrlPr>
                       </m:sSubPr>
@@ -13416,7 +13647,7 @@
                       <m:fPr>
                         <m:ctrlPr>
                           <a:rPr lang="en-US" b="0" i="1" smtClean="0">
-                            <a:latin typeface="Cambria Math" charset="0"/>
+                            <a:latin typeface="Cambria Math" panose="02040503050406030204" pitchFamily="18" charset="0"/>
                           </a:rPr>
                         </m:ctrlPr>
                       </m:fPr>
@@ -13443,7 +13674,7 @@
                         <m:limLoc m:val="subSup"/>
                         <m:ctrlPr>
                           <a:rPr lang="en-US" b="0" i="1" smtClean="0">
-                            <a:latin typeface="Cambria Math" charset="0"/>
+                            <a:latin typeface="Cambria Math" panose="02040503050406030204" pitchFamily="18" charset="0"/>
                           </a:rPr>
                         </m:ctrlPr>
                       </m:naryPr>
@@ -13483,7 +13714,7 @@
                           <m:sSubPr>
                             <m:ctrlPr>
                               <a:rPr lang="en-US" b="0" i="1" smtClean="0">
-                                <a:latin typeface="Cambria Math" charset="0"/>
+                                <a:latin typeface="Cambria Math" panose="02040503050406030204" pitchFamily="18" charset="0"/>
                               </a:rPr>
                             </m:ctrlPr>
                           </m:sSubPr>
@@ -13515,7 +13746,7 @@
                             <m:chr m:val="̅"/>
                             <m:ctrlPr>
                               <a:rPr lang="en-US" i="1">
-                                <a:latin typeface="Cambria Math" charset="0"/>
+                                <a:latin typeface="Cambria Math" panose="02040503050406030204" pitchFamily="18" charset="0"/>
                               </a:rPr>
                             </m:ctrlPr>
                           </m:accPr>
@@ -13538,7 +13769,7 @@
                           <m:sSubPr>
                             <m:ctrlPr>
                               <a:rPr lang="en-US" b="0" i="1" smtClean="0">
-                                <a:latin typeface="Cambria Math" charset="0"/>
+                                <a:latin typeface="Cambria Math" panose="02040503050406030204" pitchFamily="18" charset="0"/>
                               </a:rPr>
                             </m:ctrlPr>
                           </m:sSubPr>
@@ -13570,7 +13801,7 @@
                             <m:chr m:val="̅"/>
                             <m:ctrlPr>
                               <a:rPr lang="en-US" i="1">
-                                <a:latin typeface="Cambria Math" charset="0"/>
+                                <a:latin typeface="Cambria Math" panose="02040503050406030204" pitchFamily="18" charset="0"/>
                               </a:rPr>
                             </m:ctrlPr>
                           </m:accPr>
@@ -13623,7 +13854,7 @@
                       <m:sSubPr>
                         <m:ctrlPr>
                           <a:rPr lang="en-US" b="0" i="1" smtClean="0">
-                            <a:latin typeface="Cambria Math" charset="0"/>
+                            <a:latin typeface="Cambria Math" panose="02040503050406030204" pitchFamily="18" charset="0"/>
                           </a:rPr>
                         </m:ctrlPr>
                       </m:sSubPr>
@@ -13660,7 +13891,7 @@
                       <m:sSubPr>
                         <m:ctrlPr>
                           <a:rPr lang="en-US" b="0" i="1" smtClean="0">
-                            <a:latin typeface="Cambria Math" charset="0"/>
+                            <a:latin typeface="Cambria Math" panose="02040503050406030204" pitchFamily="18" charset="0"/>
                           </a:rPr>
                         </m:ctrlPr>
                       </m:sSubPr>
@@ -13685,7 +13916,7 @@
                       <m:sSubPr>
                         <m:ctrlPr>
                           <a:rPr lang="en-US" b="0" i="1" smtClean="0">
-                            <a:latin typeface="Cambria Math" charset="0"/>
+                            <a:latin typeface="Cambria Math" panose="02040503050406030204" pitchFamily="18" charset="0"/>
                           </a:rPr>
                         </m:ctrlPr>
                       </m:sSubPr>
@@ -13724,7 +13955,7 @@
                       <m:sSubPr>
                         <m:ctrlPr>
                           <a:rPr lang="en-US" b="0" i="1" smtClean="0">
-                            <a:latin typeface="Cambria Math" charset="0"/>
+                            <a:latin typeface="Cambria Math" panose="02040503050406030204" pitchFamily="18" charset="0"/>
                           </a:rPr>
                         </m:ctrlPr>
                       </m:sSubPr>
@@ -13755,7 +13986,7 @@
                       <m:fPr>
                         <m:ctrlPr>
                           <a:rPr lang="en-US" b="0" i="1" smtClean="0">
-                            <a:latin typeface="Cambria Math" charset="0"/>
+                            <a:latin typeface="Cambria Math" panose="02040503050406030204" pitchFamily="18" charset="0"/>
                           </a:rPr>
                         </m:ctrlPr>
                       </m:fPr>
@@ -13764,7 +13995,7 @@
                           <m:sSubPr>
                             <m:ctrlPr>
                               <a:rPr lang="en-US" b="0" i="1" smtClean="0">
-                                <a:latin typeface="Cambria Math" charset="0"/>
+                                <a:latin typeface="Cambria Math" panose="02040503050406030204" pitchFamily="18" charset="0"/>
                               </a:rPr>
                             </m:ctrlPr>
                           </m:sSubPr>
@@ -13791,7 +14022,7 @@
                           <m:sSubPr>
                             <m:ctrlPr>
                               <a:rPr lang="en-US" b="0" i="1" smtClean="0">
-                                <a:latin typeface="Cambria Math" charset="0"/>
+                                <a:latin typeface="Cambria Math" panose="02040503050406030204" pitchFamily="18" charset="0"/>
                               </a:rPr>
                             </m:ctrlPr>
                           </m:sSubPr>
@@ -13816,7 +14047,7 @@
                           <m:sSubPr>
                             <m:ctrlPr>
                               <a:rPr lang="en-US" b="0" i="1" smtClean="0">
-                                <a:latin typeface="Cambria Math" charset="0"/>
+                                <a:latin typeface="Cambria Math" panose="02040503050406030204" pitchFamily="18" charset="0"/>
                               </a:rPr>
                             </m:ctrlPr>
                           </m:sSubPr>
@@ -13853,10 +14084,6 @@
                 <a:pPr marL="0" indent="0">
                   <a:buNone/>
                 </a:pPr>
-                <a:r>
-                  <a:rPr lang="en-US" dirty="0"/>
-                  <a:t/>
-                </a:r>
                 <a:br>
                   <a:rPr lang="en-US" dirty="0"/>
                 </a:br>
@@ -13916,7 +14143,7 @@
           <a:p>
             <a:fld id="{629637A9-119A-49DA-BD12-AAC58B377D80}" type="slidenum">
               <a:rPr lang="en-US" smtClean="0"/>
-              <a:t>24</a:t>
+              <a:t>25</a:t>
             </a:fld>
             <a:endParaRPr lang="en-US" dirty="0"/>
           </a:p>
@@ -13935,7 +14162,7 @@
 </p:sld>
 </file>
 
-<file path=ppt/slides/slide25.xml><?xml version="1.0" encoding="utf-8"?>
+<file path=ppt/slides/slide26.xml><?xml version="1.0" encoding="utf-8"?>
 <p:sld xmlns:a="http://schemas.openxmlformats.org/drawingml/2006/main" xmlns:r="http://schemas.openxmlformats.org/officeDocument/2006/relationships" xmlns:p="http://schemas.openxmlformats.org/presentationml/2006/main">
   <p:cSld>
     <p:spTree>
@@ -14001,7 +14228,7 @@
                       <m:sSubSupPr>
                         <m:ctrlPr>
                           <a:rPr lang="en-US" b="0" i="1" smtClean="0">
-                            <a:latin typeface="Cambria Math" charset="0"/>
+                            <a:latin typeface="Cambria Math" panose="02040503050406030204" pitchFamily="18" charset="0"/>
                           </a:rPr>
                         </m:ctrlPr>
                       </m:sSubSupPr>
@@ -14040,7 +14267,7 @@
                       <m:fPr>
                         <m:ctrlPr>
                           <a:rPr lang="en-US" b="0" i="1" smtClean="0">
-                            <a:latin typeface="Cambria Math" charset="0"/>
+                            <a:latin typeface="Cambria Math" panose="02040503050406030204" pitchFamily="18" charset="0"/>
                           </a:rPr>
                         </m:ctrlPr>
                       </m:fPr>
@@ -14068,7 +14295,7 @@
                         <m:supHide m:val="on"/>
                         <m:ctrlPr>
                           <a:rPr lang="en-US" b="0" i="1" smtClean="0">
-                            <a:latin typeface="Cambria Math" charset="0"/>
+                            <a:latin typeface="Cambria Math" panose="02040503050406030204" pitchFamily="18" charset="0"/>
                           </a:rPr>
                         </m:ctrlPr>
                       </m:naryPr>
@@ -14079,7 +14306,7 @@
                           <m:sSupPr>
                             <m:ctrlPr>
                               <a:rPr lang="en-US" b="0" i="1" smtClean="0">
-                                <a:latin typeface="Cambria Math" charset="0"/>
+                                <a:latin typeface="Cambria Math" panose="02040503050406030204" pitchFamily="18" charset="0"/>
                               </a:rPr>
                             </m:ctrlPr>
                           </m:sSupPr>
@@ -14088,7 +14315,7 @@
                               <m:dPr>
                                 <m:ctrlPr>
                                   <a:rPr lang="en-US" b="0" i="1" smtClean="0">
-                                    <a:latin typeface="Cambria Math" charset="0"/>
+                                    <a:latin typeface="Cambria Math" panose="02040503050406030204" pitchFamily="18" charset="0"/>
                                   </a:rPr>
                                 </m:ctrlPr>
                               </m:dPr>
@@ -14097,7 +14324,7 @@
                                   <m:sSubPr>
                                     <m:ctrlPr>
                                       <a:rPr lang="en-US" b="0" i="1" smtClean="0">
-                                        <a:latin typeface="Cambria Math" charset="0"/>
+                                        <a:latin typeface="Cambria Math" panose="02040503050406030204" pitchFamily="18" charset="0"/>
                                       </a:rPr>
                                     </m:ctrlPr>
                                   </m:sSubPr>
@@ -14129,7 +14356,7 @@
                                     <m:chr m:val="̅"/>
                                     <m:ctrlPr>
                                       <a:rPr lang="en-US" b="0" i="1" smtClean="0">
-                                        <a:latin typeface="Cambria Math" charset="0"/>
+                                        <a:latin typeface="Cambria Math" panose="02040503050406030204" pitchFamily="18" charset="0"/>
                                       </a:rPr>
                                     </m:ctrlPr>
                                   </m:accPr>
@@ -14175,7 +14402,7 @@
                       <m:sSubSupPr>
                         <m:ctrlPr>
                           <a:rPr lang="en-US" i="1">
-                            <a:latin typeface="Cambria Math" charset="0"/>
+                            <a:latin typeface="Cambria Math" panose="02040503050406030204" pitchFamily="18" charset="0"/>
                           </a:rPr>
                         </m:ctrlPr>
                       </m:sSubSupPr>
@@ -14214,7 +14441,7 @@
                       <m:fPr>
                         <m:ctrlPr>
                           <a:rPr lang="en-US" i="1">
-                            <a:latin typeface="Cambria Math" charset="0"/>
+                            <a:latin typeface="Cambria Math" panose="02040503050406030204" pitchFamily="18" charset="0"/>
                           </a:rPr>
                         </m:ctrlPr>
                       </m:fPr>
@@ -14242,7 +14469,7 @@
                         <m:supHide m:val="on"/>
                         <m:ctrlPr>
                           <a:rPr lang="en-US" i="1">
-                            <a:latin typeface="Cambria Math" charset="0"/>
+                            <a:latin typeface="Cambria Math" panose="02040503050406030204" pitchFamily="18" charset="0"/>
                           </a:rPr>
                         </m:ctrlPr>
                       </m:naryPr>
@@ -14253,7 +14480,7 @@
                           <m:sSubSupPr>
                             <m:ctrlPr>
                               <a:rPr lang="en-US" b="0" i="1" smtClean="0">
-                                <a:latin typeface="Cambria Math" charset="0"/>
+                                <a:latin typeface="Cambria Math" panose="02040503050406030204" pitchFamily="18" charset="0"/>
                               </a:rPr>
                             </m:ctrlPr>
                           </m:sSubSupPr>
@@ -14294,7 +14521,7 @@
                       <m:sSupPr>
                         <m:ctrlPr>
                           <a:rPr lang="en-US" b="0" i="1" smtClean="0">
-                            <a:latin typeface="Cambria Math" charset="0"/>
+                            <a:latin typeface="Cambria Math" panose="02040503050406030204" pitchFamily="18" charset="0"/>
                           </a:rPr>
                         </m:ctrlPr>
                       </m:sSupPr>
@@ -14303,7 +14530,7 @@
                           <m:dPr>
                             <m:ctrlPr>
                               <a:rPr lang="en-US" b="0" i="1" smtClean="0">
-                                <a:latin typeface="Cambria Math" charset="0"/>
+                                <a:latin typeface="Cambria Math" panose="02040503050406030204" pitchFamily="18" charset="0"/>
                               </a:rPr>
                             </m:ctrlPr>
                           </m:dPr>
@@ -14312,7 +14539,7 @@
                               <m:fPr>
                                 <m:ctrlPr>
                                   <a:rPr lang="en-US" i="1">
-                                    <a:latin typeface="Cambria Math" charset="0"/>
+                                    <a:latin typeface="Cambria Math" panose="02040503050406030204" pitchFamily="18" charset="0"/>
                                   </a:rPr>
                                 </m:ctrlPr>
                               </m:fPr>
@@ -14340,7 +14567,7 @@
                                 <m:supHide m:val="on"/>
                                 <m:ctrlPr>
                                   <a:rPr lang="en-US" i="1">
-                                    <a:latin typeface="Cambria Math" charset="0"/>
+                                    <a:latin typeface="Cambria Math" panose="02040503050406030204" pitchFamily="18" charset="0"/>
                                   </a:rPr>
                                 </m:ctrlPr>
                               </m:naryPr>
@@ -14351,7 +14578,7 @@
                                   <m:sSubPr>
                                     <m:ctrlPr>
                                       <a:rPr lang="en-US" i="1">
-                                        <a:latin typeface="Cambria Math" charset="0"/>
+                                        <a:latin typeface="Cambria Math" panose="02040503050406030204" pitchFamily="18" charset="0"/>
                                       </a:rPr>
                                     </m:ctrlPr>
                                   </m:sSubPr>
@@ -14396,7 +14623,7 @@
                       <m:fPr>
                         <m:ctrlPr>
                           <a:rPr lang="en-US" i="1">
-                            <a:latin typeface="Cambria Math" charset="0"/>
+                            <a:latin typeface="Cambria Math" panose="02040503050406030204" pitchFamily="18" charset="0"/>
                           </a:rPr>
                         </m:ctrlPr>
                       </m:fPr>
@@ -14424,7 +14651,7 @@
                         <m:supHide m:val="on"/>
                         <m:ctrlPr>
                           <a:rPr lang="en-US" i="1">
-                            <a:latin typeface="Cambria Math" charset="0"/>
+                            <a:latin typeface="Cambria Math" panose="02040503050406030204" pitchFamily="18" charset="0"/>
                           </a:rPr>
                         </m:ctrlPr>
                       </m:naryPr>
@@ -14435,7 +14662,7 @@
                           <m:sSubSupPr>
                             <m:ctrlPr>
                               <a:rPr lang="en-US" i="1">
-                                <a:latin typeface="Cambria Math" charset="0"/>
+                                <a:latin typeface="Cambria Math" panose="02040503050406030204" pitchFamily="18" charset="0"/>
                               </a:rPr>
                             </m:ctrlPr>
                           </m:sSubSupPr>
@@ -14476,7 +14703,7 @@
                       <m:sSupPr>
                         <m:ctrlPr>
                           <a:rPr lang="en-US" b="0" i="1" smtClean="0">
-                            <a:latin typeface="Cambria Math" charset="0"/>
+                            <a:latin typeface="Cambria Math" panose="02040503050406030204" pitchFamily="18" charset="0"/>
                           </a:rPr>
                         </m:ctrlPr>
                       </m:sSupPr>
@@ -14486,7 +14713,7 @@
                             <m:chr m:val="̅"/>
                             <m:ctrlPr>
                               <a:rPr lang="en-US" i="1" smtClean="0">
-                                <a:latin typeface="Cambria Math" charset="0"/>
+                                <a:latin typeface="Cambria Math" panose="02040503050406030204" pitchFamily="18" charset="0"/>
                               </a:rPr>
                             </m:ctrlPr>
                           </m:accPr>
@@ -14527,7 +14754,7 @@
                       <m:sSubPr>
                         <m:ctrlPr>
                           <a:rPr lang="en-US" b="0" i="1" smtClean="0">
-                            <a:latin typeface="Cambria Math" charset="0"/>
+                            <a:latin typeface="Cambria Math" panose="02040503050406030204" pitchFamily="18" charset="0"/>
                           </a:rPr>
                         </m:ctrlPr>
                       </m:sSubPr>
@@ -14558,7 +14785,7 @@
                       <m:fPr>
                         <m:ctrlPr>
                           <a:rPr lang="en-US" i="1">
-                            <a:latin typeface="Cambria Math" charset="0"/>
+                            <a:latin typeface="Cambria Math" panose="02040503050406030204" pitchFamily="18" charset="0"/>
                           </a:rPr>
                         </m:ctrlPr>
                       </m:fPr>
@@ -14586,7 +14813,7 @@
                         <m:supHide m:val="on"/>
                         <m:ctrlPr>
                           <a:rPr lang="en-US" i="1">
-                            <a:latin typeface="Cambria Math" charset="0"/>
+                            <a:latin typeface="Cambria Math" panose="02040503050406030204" pitchFamily="18" charset="0"/>
                           </a:rPr>
                         </m:ctrlPr>
                       </m:naryPr>
@@ -14597,7 +14824,7 @@
                           <m:sSubPr>
                             <m:ctrlPr>
                               <a:rPr lang="en-US" b="0" i="1" smtClean="0">
-                                <a:latin typeface="Cambria Math" charset="0"/>
+                                <a:latin typeface="Cambria Math" panose="02040503050406030204" pitchFamily="18" charset="0"/>
                               </a:rPr>
                             </m:ctrlPr>
                           </m:sSubPr>
@@ -14622,7 +14849,7 @@
                           <m:sSubPr>
                             <m:ctrlPr>
                               <a:rPr lang="en-US" b="0" i="1" smtClean="0">
-                                <a:latin typeface="Cambria Math" charset="0"/>
+                                <a:latin typeface="Cambria Math" panose="02040503050406030204" pitchFamily="18" charset="0"/>
                               </a:rPr>
                             </m:ctrlPr>
                           </m:sSubPr>
@@ -14656,7 +14883,7 @@
                         <m:chr m:val="̅"/>
                         <m:ctrlPr>
                           <a:rPr lang="en-US" b="0" i="1" smtClean="0">
-                            <a:latin typeface="Cambria Math" charset="0"/>
+                            <a:latin typeface="Cambria Math" panose="02040503050406030204" pitchFamily="18" charset="0"/>
                           </a:rPr>
                         </m:ctrlPr>
                       </m:accPr>
@@ -14731,7 +14958,7 @@
           <a:p>
             <a:fld id="{629637A9-119A-49DA-BD12-AAC58B377D80}" type="slidenum">
               <a:rPr lang="en-US" smtClean="0"/>
-              <a:t>25</a:t>
+              <a:t>26</a:t>
             </a:fld>
             <a:endParaRPr lang="en-US" dirty="0"/>
           </a:p>
@@ -14750,7 +14977,7 @@
 </p:sld>
 </file>
 
-<file path=ppt/slides/slide26.xml><?xml version="1.0" encoding="utf-8"?>
+<file path=ppt/slides/slide27.xml><?xml version="1.0" encoding="utf-8"?>
 <p:sld xmlns:a="http://schemas.openxmlformats.org/drawingml/2006/main" xmlns:r="http://schemas.openxmlformats.org/officeDocument/2006/relationships" xmlns:p="http://schemas.openxmlformats.org/presentationml/2006/main">
   <p:cSld>
     <p:spTree>
@@ -14772,7 +14999,7 @@
           <p:cNvPr id="2" name="Title 1">
             <a:extLst>
               <a:ext uri="{FF2B5EF4-FFF2-40B4-BE49-F238E27FC236}">
-                <a16:creationId xmlns:a16="http://schemas.microsoft.com/office/drawing/2014/main" xmlns="" id="{7F425731-EAEB-4609-A3FE-B30401F8A638}"/>
+                <a16:creationId xmlns:a16="http://schemas.microsoft.com/office/drawing/2014/main" id="{7F425731-EAEB-4609-A3FE-B30401F8A638}"/>
               </a:ext>
             </a:extLst>
           </p:cNvPr>
@@ -14800,7 +15027,7 @@
           <p:cNvPr id="3" name="Content Placeholder 2">
             <a:extLst>
               <a:ext uri="{FF2B5EF4-FFF2-40B4-BE49-F238E27FC236}">
-                <a16:creationId xmlns:a16="http://schemas.microsoft.com/office/drawing/2014/main" xmlns="" id="{2A4BC5EE-AC37-47AD-A9C4-C0B9B82F7B3A}"/>
+                <a16:creationId xmlns:a16="http://schemas.microsoft.com/office/drawing/2014/main" id="{2A4BC5EE-AC37-47AD-A9C4-C0B9B82F7B3A}"/>
               </a:ext>
             </a:extLst>
           </p:cNvPr>
@@ -14840,7 +15067,7 @@
           <p:cNvPr id="4" name="Slide Number Placeholder 3">
             <a:extLst>
               <a:ext uri="{FF2B5EF4-FFF2-40B4-BE49-F238E27FC236}">
-                <a16:creationId xmlns:a16="http://schemas.microsoft.com/office/drawing/2014/main" xmlns="" id="{090C78EC-4503-4AF9-87C0-FCA6C44A70A3}"/>
+                <a16:creationId xmlns:a16="http://schemas.microsoft.com/office/drawing/2014/main" id="{090C78EC-4503-4AF9-87C0-FCA6C44A70A3}"/>
               </a:ext>
             </a:extLst>
           </p:cNvPr>
@@ -14858,7 +15085,7 @@
           <a:p>
             <a:fld id="{629637A9-119A-49DA-BD12-AAC58B377D80}" type="slidenum">
               <a:rPr lang="en-US" smtClean="0"/>
-              <a:t>26</a:t>
+              <a:t>27</a:t>
             </a:fld>
             <a:endParaRPr lang="en-US" dirty="0"/>
           </a:p>
@@ -14871,7 +15098,7 @@
               <p:cNvPr id="5" name="Table 4">
                 <a:extLst>
                   <a:ext uri="{FF2B5EF4-FFF2-40B4-BE49-F238E27FC236}">
-                    <a16:creationId xmlns:a16="http://schemas.microsoft.com/office/drawing/2014/main" xmlns="" id="{91086DA0-EC5B-4F6B-BCE7-07F76E485BB7}"/>
+                    <a16:creationId xmlns:a16="http://schemas.microsoft.com/office/drawing/2014/main" id="{91086DA0-EC5B-4F6B-BCE7-07F76E485BB7}"/>
                   </a:ext>
                 </a:extLst>
               </p:cNvPr>
@@ -14900,28 +15127,28 @@
                     <a:gridCol w="2361923">
                       <a:extLst>
                         <a:ext uri="{9D8B030D-6E8A-4147-A177-3AD203B41FA5}">
-                          <a16:colId xmlns:a16="http://schemas.microsoft.com/office/drawing/2014/main" xmlns="" val="874407200"/>
+                          <a16:colId xmlns:a16="http://schemas.microsoft.com/office/drawing/2014/main" val="874407200"/>
                         </a:ext>
                       </a:extLst>
                     </a:gridCol>
                     <a:gridCol w="1640849">
                       <a:extLst>
                         <a:ext uri="{9D8B030D-6E8A-4147-A177-3AD203B41FA5}">
-                          <a16:colId xmlns:a16="http://schemas.microsoft.com/office/drawing/2014/main" xmlns="" val="664001961"/>
+                          <a16:colId xmlns:a16="http://schemas.microsoft.com/office/drawing/2014/main" val="664001961"/>
                         </a:ext>
                       </a:extLst>
                     </a:gridCol>
                     <a:gridCol w="3082997">
                       <a:extLst>
                         <a:ext uri="{9D8B030D-6E8A-4147-A177-3AD203B41FA5}">
-                          <a16:colId xmlns:a16="http://schemas.microsoft.com/office/drawing/2014/main" xmlns="" val="2377827774"/>
+                          <a16:colId xmlns:a16="http://schemas.microsoft.com/office/drawing/2014/main" val="2377827774"/>
                         </a:ext>
                       </a:extLst>
                     </a:gridCol>
                     <a:gridCol w="2361923">
                       <a:extLst>
                         <a:ext uri="{9D8B030D-6E8A-4147-A177-3AD203B41FA5}">
-                          <a16:colId xmlns:a16="http://schemas.microsoft.com/office/drawing/2014/main" xmlns="" val="4127077390"/>
+                          <a16:colId xmlns:a16="http://schemas.microsoft.com/office/drawing/2014/main" val="4127077390"/>
                         </a:ext>
                       </a:extLst>
                     </a:gridCol>
@@ -14982,7 +15209,7 @@
                     </a:tc>
                     <a:extLst>
                       <a:ext uri="{0D108BD9-81ED-4DB2-BD59-A6C34878D82A}">
-                        <a16:rowId xmlns:a16="http://schemas.microsoft.com/office/drawing/2014/main" xmlns="" val="399602927"/>
+                        <a16:rowId xmlns:a16="http://schemas.microsoft.com/office/drawing/2014/main" val="399602927"/>
                       </a:ext>
                     </a:extLst>
                   </a:tr>
@@ -15013,7 +15240,7 @@
                                   <m:chr m:val="̅"/>
                                   <m:ctrlPr>
                                     <a:rPr lang="en-US" i="1" smtClean="0">
-                                      <a:latin typeface="Cambria Math" charset="0"/>
+                                      <a:latin typeface="Cambria Math" panose="02040503050406030204" pitchFamily="18" charset="0"/>
                                     </a:rPr>
                                   </m:ctrlPr>
                                 </m:accPr>
@@ -15053,7 +15280,7 @@
                                 <m:fPr>
                                   <m:ctrlPr>
                                     <a:rPr lang="en-US" b="0" i="1" smtClean="0">
-                                      <a:latin typeface="Cambria Math" charset="0"/>
+                                      <a:latin typeface="Cambria Math" panose="02040503050406030204" pitchFamily="18" charset="0"/>
                                     </a:rPr>
                                   </m:ctrlPr>
                                 </m:fPr>
@@ -15080,7 +15307,7 @@
                                   <m:limLoc m:val="subSup"/>
                                   <m:ctrlPr>
                                     <a:rPr lang="en-US" b="0" i="1" smtClean="0">
-                                      <a:latin typeface="Cambria Math" charset="0"/>
+                                      <a:latin typeface="Cambria Math" panose="02040503050406030204" pitchFamily="18" charset="0"/>
                                     </a:rPr>
                                   </m:ctrlPr>
                                 </m:naryPr>
@@ -15114,7 +15341,7 @@
                                     <m:sSubPr>
                                       <m:ctrlPr>
                                         <a:rPr lang="en-US" b="0" i="1" smtClean="0">
-                                          <a:latin typeface="Cambria Math" charset="0"/>
+                                          <a:latin typeface="Cambria Math" panose="02040503050406030204" pitchFamily="18" charset="0"/>
                                         </a:rPr>
                                       </m:ctrlPr>
                                     </m:sSubPr>
@@ -15169,7 +15396,7 @@
                     </a:tc>
                     <a:extLst>
                       <a:ext uri="{0D108BD9-81ED-4DB2-BD59-A6C34878D82A}">
-                        <a16:rowId xmlns:a16="http://schemas.microsoft.com/office/drawing/2014/main" xmlns="" val="2011650254"/>
+                        <a16:rowId xmlns:a16="http://schemas.microsoft.com/office/drawing/2014/main" val="2011650254"/>
                       </a:ext>
                     </a:extLst>
                   </a:tr>
@@ -15199,7 +15426,7 @@
                                 <m:sSubSupPr>
                                   <m:ctrlPr>
                                     <a:rPr lang="en-US" b="0" i="1" smtClean="0">
-                                      <a:latin typeface="Cambria Math" charset="0"/>
+                                      <a:latin typeface="Cambria Math" panose="02040503050406030204" pitchFamily="18" charset="0"/>
                                     </a:rPr>
                                   </m:ctrlPr>
                                 </m:sSubSupPr>
@@ -15238,7 +15465,7 @@
                                 <m:sSubPr>
                                   <m:ctrlPr>
                                     <a:rPr lang="en-US" b="0" i="1" smtClean="0">
-                                      <a:latin typeface="Cambria Math" charset="0"/>
+                                      <a:latin typeface="Cambria Math" panose="02040503050406030204" pitchFamily="18" charset="0"/>
                                     </a:rPr>
                                   </m:ctrlPr>
                                 </m:sSubPr>
@@ -15280,7 +15507,7 @@
                                 <m:fPr>
                                   <m:ctrlPr>
                                     <a:rPr lang="en-US" b="0" i="1" smtClean="0">
-                                      <a:latin typeface="Cambria Math" charset="0"/>
+                                      <a:latin typeface="Cambria Math" panose="02040503050406030204" pitchFamily="18" charset="0"/>
                                     </a:rPr>
                                   </m:ctrlPr>
                                 </m:fPr>
@@ -15307,7 +15534,7 @@
                                   <m:limLoc m:val="subSup"/>
                                   <m:ctrlPr>
                                     <a:rPr lang="en-US" b="0" i="1" smtClean="0">
-                                      <a:latin typeface="Cambria Math" charset="0"/>
+                                      <a:latin typeface="Cambria Math" panose="02040503050406030204" pitchFamily="18" charset="0"/>
                                     </a:rPr>
                                   </m:ctrlPr>
                                 </m:naryPr>
@@ -15341,7 +15568,7 @@
                                     <m:sSupPr>
                                       <m:ctrlPr>
                                         <a:rPr lang="en-US" b="0" i="1" smtClean="0">
-                                          <a:latin typeface="Cambria Math" charset="0"/>
+                                          <a:latin typeface="Cambria Math" panose="02040503050406030204" pitchFamily="18" charset="0"/>
                                         </a:rPr>
                                       </m:ctrlPr>
                                     </m:sSupPr>
@@ -15350,7 +15577,7 @@
                                         <m:dPr>
                                           <m:ctrlPr>
                                             <a:rPr lang="en-US" b="0" i="1" smtClean="0">
-                                              <a:latin typeface="Cambria Math" charset="0"/>
+                                              <a:latin typeface="Cambria Math" panose="02040503050406030204" pitchFamily="18" charset="0"/>
                                             </a:rPr>
                                           </m:ctrlPr>
                                         </m:dPr>
@@ -15359,7 +15586,7 @@
                                             <m:sSubPr>
                                               <m:ctrlPr>
                                                 <a:rPr lang="en-US" b="0" i="1" smtClean="0">
-                                                  <a:latin typeface="Cambria Math" charset="0"/>
+                                                  <a:latin typeface="Cambria Math" panose="02040503050406030204" pitchFamily="18" charset="0"/>
                                                 </a:rPr>
                                               </m:ctrlPr>
                                             </m:sSubPr>
@@ -15391,7 +15618,7 @@
                                               <m:chr m:val="̅"/>
                                               <m:ctrlPr>
                                                 <a:rPr lang="en-US" b="0" i="1" smtClean="0">
-                                                  <a:latin typeface="Cambria Math" charset="0"/>
+                                                  <a:latin typeface="Cambria Math" panose="02040503050406030204" pitchFamily="18" charset="0"/>
                                                 </a:rPr>
                                               </m:ctrlPr>
                                             </m:accPr>
@@ -15467,7 +15694,7 @@
                     </a:tc>
                     <a:extLst>
                       <a:ext uri="{0D108BD9-81ED-4DB2-BD59-A6C34878D82A}">
-                        <a16:rowId xmlns:a16="http://schemas.microsoft.com/office/drawing/2014/main" xmlns="" val="4070725496"/>
+                        <a16:rowId xmlns:a16="http://schemas.microsoft.com/office/drawing/2014/main" val="4070725496"/>
                       </a:ext>
                     </a:extLst>
                   </a:tr>
@@ -15497,7 +15724,7 @@
                                 <m:sSubPr>
                                   <m:ctrlPr>
                                     <a:rPr lang="en-US" b="0" i="1" smtClean="0">
-                                      <a:latin typeface="Cambria Math" charset="0"/>
+                                      <a:latin typeface="Cambria Math" panose="02040503050406030204" pitchFamily="18" charset="0"/>
                                     </a:rPr>
                                   </m:ctrlPr>
                                 </m:sSubPr>
@@ -15529,7 +15756,7 @@
                                   <m:degHide m:val="on"/>
                                   <m:ctrlPr>
                                     <a:rPr lang="en-US" b="0" i="1" smtClean="0">
-                                      <a:latin typeface="Cambria Math" charset="0"/>
+                                      <a:latin typeface="Cambria Math" panose="02040503050406030204" pitchFamily="18" charset="0"/>
                                     </a:rPr>
                                   </m:ctrlPr>
                                 </m:radPr>
@@ -15539,7 +15766,7 @@
                                     <m:sSubPr>
                                       <m:ctrlPr>
                                         <a:rPr lang="en-US" b="0" i="1" smtClean="0">
-                                          <a:latin typeface="Cambria Math" charset="0"/>
+                                          <a:latin typeface="Cambria Math" panose="02040503050406030204" pitchFamily="18" charset="0"/>
                                         </a:rPr>
                                       </m:ctrlPr>
                                     </m:sSubPr>
@@ -15583,7 +15810,7 @@
                                 <m:sSubPr>
                                   <m:ctrlPr>
                                     <a:rPr lang="en-US" b="0" i="1" smtClean="0">
-                                      <a:latin typeface="Cambria Math" charset="0"/>
+                                      <a:latin typeface="Cambria Math" panose="02040503050406030204" pitchFamily="18" charset="0"/>
                                     </a:rPr>
                                   </m:ctrlPr>
                                 </m:sSubPr>
@@ -15615,7 +15842,7 @@
                                   <m:degHide m:val="on"/>
                                   <m:ctrlPr>
                                     <a:rPr lang="en-US" b="0" i="1" smtClean="0">
-                                      <a:latin typeface="Cambria Math" charset="0"/>
+                                      <a:latin typeface="Cambria Math" panose="02040503050406030204" pitchFamily="18" charset="0"/>
                                     </a:rPr>
                                   </m:ctrlPr>
                                 </m:radPr>
@@ -15625,7 +15852,7 @@
                                     <m:sSubPr>
                                       <m:ctrlPr>
                                         <a:rPr lang="en-US" b="0" i="1" smtClean="0">
-                                          <a:latin typeface="Cambria Math" charset="0"/>
+                                          <a:latin typeface="Cambria Math" panose="02040503050406030204" pitchFamily="18" charset="0"/>
                                         </a:rPr>
                                       </m:ctrlPr>
                                     </m:sSubPr>
@@ -15700,7 +15927,7 @@
                     </a:tc>
                     <a:extLst>
                       <a:ext uri="{0D108BD9-81ED-4DB2-BD59-A6C34878D82A}">
-                        <a16:rowId xmlns:a16="http://schemas.microsoft.com/office/drawing/2014/main" xmlns="" val="925780785"/>
+                        <a16:rowId xmlns:a16="http://schemas.microsoft.com/office/drawing/2014/main" val="925780785"/>
                       </a:ext>
                     </a:extLst>
                   </a:tr>
@@ -15730,7 +15957,7 @@
                                 <m:sSubPr>
                                   <m:ctrlPr>
                                     <a:rPr lang="en-US" b="0" i="1" smtClean="0">
-                                      <a:latin typeface="Cambria Math" charset="0"/>
+                                      <a:latin typeface="Cambria Math" panose="02040503050406030204" pitchFamily="18" charset="0"/>
                                     </a:rPr>
                                   </m:ctrlPr>
                                 </m:sSubPr>
@@ -15772,7 +15999,7 @@
                                 <m:fPr>
                                   <m:ctrlPr>
                                     <a:rPr lang="en-US" b="0" i="1" smtClean="0">
-                                      <a:latin typeface="Cambria Math" charset="0"/>
+                                      <a:latin typeface="Cambria Math" panose="02040503050406030204" pitchFamily="18" charset="0"/>
                                     </a:rPr>
                                   </m:ctrlPr>
                                 </m:fPr>
@@ -15799,7 +16026,7 @@
                                   <m:limLoc m:val="subSup"/>
                                   <m:ctrlPr>
                                     <a:rPr lang="en-US" b="0" i="1" smtClean="0">
-                                      <a:latin typeface="Cambria Math" charset="0"/>
+                                      <a:latin typeface="Cambria Math" panose="02040503050406030204" pitchFamily="18" charset="0"/>
                                     </a:rPr>
                                   </m:ctrlPr>
                                 </m:naryPr>
@@ -15833,7 +16060,7 @@
                                     <m:dPr>
                                       <m:ctrlPr>
                                         <a:rPr lang="en-US" b="0" i="1" smtClean="0">
-                                          <a:latin typeface="Cambria Math" charset="0"/>
+                                          <a:latin typeface="Cambria Math" panose="02040503050406030204" pitchFamily="18" charset="0"/>
                                         </a:rPr>
                                       </m:ctrlPr>
                                     </m:dPr>
@@ -15842,7 +16069,7 @@
                                         <m:sSubPr>
                                           <m:ctrlPr>
                                             <a:rPr lang="en-US" b="0" i="1" smtClean="0">
-                                              <a:latin typeface="Cambria Math" charset="0"/>
+                                              <a:latin typeface="Cambria Math" panose="02040503050406030204" pitchFamily="18" charset="0"/>
                                             </a:rPr>
                                           </m:ctrlPr>
                                         </m:sSubPr>
@@ -15874,7 +16101,7 @@
                                           <m:chr m:val="̅"/>
                                           <m:ctrlPr>
                                             <a:rPr lang="en-US" b="0" i="1" smtClean="0">
-                                              <a:latin typeface="Cambria Math" charset="0"/>
+                                              <a:latin typeface="Cambria Math" panose="02040503050406030204" pitchFamily="18" charset="0"/>
                                             </a:rPr>
                                           </m:ctrlPr>
                                         </m:accPr>
@@ -15893,7 +16120,7 @@
                                     <m:dPr>
                                       <m:ctrlPr>
                                         <a:rPr lang="en-US" b="0" i="1" smtClean="0">
-                                          <a:latin typeface="Cambria Math" charset="0"/>
+                                          <a:latin typeface="Cambria Math" panose="02040503050406030204" pitchFamily="18" charset="0"/>
                                         </a:rPr>
                                       </m:ctrlPr>
                                     </m:dPr>
@@ -15902,7 +16129,7 @@
                                         <m:sSubPr>
                                           <m:ctrlPr>
                                             <a:rPr lang="en-US" b="0" i="1" smtClean="0">
-                                              <a:latin typeface="Cambria Math" charset="0"/>
+                                              <a:latin typeface="Cambria Math" panose="02040503050406030204" pitchFamily="18" charset="0"/>
                                             </a:rPr>
                                           </m:ctrlPr>
                                         </m:sSubPr>
@@ -15934,7 +16161,7 @@
                                           <m:chr m:val="̅"/>
                                           <m:ctrlPr>
                                             <a:rPr lang="en-US" b="0" i="1" smtClean="0">
-                                              <a:latin typeface="Cambria Math" charset="0"/>
+                                              <a:latin typeface="Cambria Math" panose="02040503050406030204" pitchFamily="18" charset="0"/>
                                             </a:rPr>
                                           </m:ctrlPr>
                                         </m:accPr>
@@ -16000,7 +16227,7 @@
                     </a:tc>
                     <a:extLst>
                       <a:ext uri="{0D108BD9-81ED-4DB2-BD59-A6C34878D82A}">
-                        <a16:rowId xmlns:a16="http://schemas.microsoft.com/office/drawing/2014/main" xmlns="" val="32612842"/>
+                        <a16:rowId xmlns:a16="http://schemas.microsoft.com/office/drawing/2014/main" val="32612842"/>
                       </a:ext>
                     </a:extLst>
                   </a:tr>
@@ -16499,7 +16726,7 @@
 </p:sld>
 </file>
 
-<file path=ppt/slides/slide27.xml><?xml version="1.0" encoding="utf-8"?>
+<file path=ppt/slides/slide28.xml><?xml version="1.0" encoding="utf-8"?>
 <p:sld xmlns:a="http://schemas.openxmlformats.org/drawingml/2006/main" xmlns:r="http://schemas.openxmlformats.org/officeDocument/2006/relationships" xmlns:p="http://schemas.openxmlformats.org/presentationml/2006/main">
   <p:cSld>
     <p:spTree>
@@ -16574,7 +16801,7 @@
                       <m:dPr>
                         <m:ctrlPr>
                           <a:rPr lang="en-US" i="1">
-                            <a:latin typeface="Cambria Math" charset="0"/>
+                            <a:latin typeface="Cambria Math" panose="02040503050406030204" pitchFamily="18" charset="0"/>
                           </a:rPr>
                         </m:ctrlPr>
                       </m:dPr>
@@ -16583,7 +16810,7 @@
                           <m:sSubPr>
                             <m:ctrlPr>
                               <a:rPr lang="en-US" i="1">
-                                <a:latin typeface="Cambria Math" charset="0"/>
+                                <a:latin typeface="Cambria Math" panose="02040503050406030204" pitchFamily="18" charset="0"/>
                               </a:rPr>
                             </m:ctrlPr>
                           </m:sSubPr>
@@ -16614,7 +16841,7 @@
                           <m:sSubPr>
                             <m:ctrlPr>
                               <a:rPr lang="en-US" i="1">
-                                <a:latin typeface="Cambria Math" charset="0"/>
+                                <a:latin typeface="Cambria Math" panose="02040503050406030204" pitchFamily="18" charset="0"/>
                               </a:rPr>
                             </m:ctrlPr>
                           </m:sSubPr>
@@ -16652,7 +16879,7 @@
                       <m:fPr>
                         <m:ctrlPr>
                           <a:rPr lang="en-US" b="0" i="1" smtClean="0">
-                            <a:latin typeface="Cambria Math" charset="0"/>
+                            <a:latin typeface="Cambria Math" panose="02040503050406030204" pitchFamily="18" charset="0"/>
                           </a:rPr>
                         </m:ctrlPr>
                       </m:fPr>
@@ -16684,7 +16911,7 @@
                           <m:sSubPr>
                             <m:ctrlPr>
                               <a:rPr lang="en-US" b="0" i="1" smtClean="0">
-                                <a:latin typeface="Cambria Math" charset="0"/>
+                                <a:latin typeface="Cambria Math" panose="02040503050406030204" pitchFamily="18" charset="0"/>
                               </a:rPr>
                             </m:ctrlPr>
                           </m:sSubPr>
@@ -16717,7 +16944,7 @@
                       <m:fPr>
                         <m:ctrlPr>
                           <a:rPr lang="en-US" i="1">
-                            <a:latin typeface="Cambria Math" charset="0"/>
+                            <a:latin typeface="Cambria Math" panose="02040503050406030204" pitchFamily="18" charset="0"/>
                           </a:rPr>
                         </m:ctrlPr>
                       </m:fPr>
@@ -16749,7 +16976,7 @@
                           <m:sSubPr>
                             <m:ctrlPr>
                               <a:rPr lang="en-US" i="1">
-                                <a:latin typeface="Cambria Math" charset="0"/>
+                                <a:latin typeface="Cambria Math" panose="02040503050406030204" pitchFamily="18" charset="0"/>
                               </a:rPr>
                             </m:ctrlPr>
                           </m:sSubPr>
@@ -16798,7 +17025,7 @@
                         <m:limLoc m:val="subSup"/>
                         <m:ctrlPr>
                           <a:rPr lang="en-US" i="1" smtClean="0">
-                            <a:latin typeface="Cambria Math" charset="0"/>
+                            <a:latin typeface="Cambria Math" panose="02040503050406030204" pitchFamily="18" charset="0"/>
                           </a:rPr>
                         </m:ctrlPr>
                       </m:naryPr>
@@ -16832,7 +17059,7 @@
                           <m:sSubPr>
                             <m:ctrlPr>
                               <a:rPr lang="en-US" b="0" i="1" smtClean="0">
-                                <a:latin typeface="Cambria Math" charset="0"/>
+                                <a:latin typeface="Cambria Math" panose="02040503050406030204" pitchFamily="18" charset="0"/>
                               </a:rPr>
                             </m:ctrlPr>
                           </m:sSubPr>
@@ -16867,7 +17094,7 @@
                         <m:limLoc m:val="subSup"/>
                         <m:ctrlPr>
                           <a:rPr lang="en-US" i="1">
-                            <a:latin typeface="Cambria Math" charset="0"/>
+                            <a:latin typeface="Cambria Math" panose="02040503050406030204" pitchFamily="18" charset="0"/>
                           </a:rPr>
                         </m:ctrlPr>
                       </m:naryPr>
@@ -16901,7 +17128,7 @@
                           <m:sSubPr>
                             <m:ctrlPr>
                               <a:rPr lang="en-US" i="1">
-                                <a:latin typeface="Cambria Math" charset="0"/>
+                                <a:latin typeface="Cambria Math" panose="02040503050406030204" pitchFamily="18" charset="0"/>
                               </a:rPr>
                             </m:ctrlPr>
                           </m:sSubPr>
@@ -16910,7 +17137,7 @@
                               <m:sSubPr>
                                 <m:ctrlPr>
                                   <a:rPr lang="en-US" b="0" i="1" smtClean="0">
-                                    <a:latin typeface="Cambria Math" charset="0"/>
+                                    <a:latin typeface="Cambria Math" panose="02040503050406030204" pitchFamily="18" charset="0"/>
                                   </a:rPr>
                                 </m:ctrlPr>
                               </m:sSubPr>
@@ -16983,7 +17210,7 @@
                       <m:sSubPr>
                         <m:ctrlPr>
                           <a:rPr lang="en-US" b="0" i="1" smtClean="0">
-                            <a:latin typeface="Cambria Math" charset="0"/>
+                            <a:latin typeface="Cambria Math" panose="02040503050406030204" pitchFamily="18" charset="0"/>
                           </a:rPr>
                         </m:ctrlPr>
                       </m:sSubPr>
@@ -17014,7 +17241,7 @@
                       <m:sSubPr>
                         <m:ctrlPr>
                           <a:rPr lang="en-US" b="0" i="1" smtClean="0">
-                            <a:latin typeface="Cambria Math" charset="0"/>
+                            <a:latin typeface="Cambria Math" panose="02040503050406030204" pitchFamily="18" charset="0"/>
                           </a:rPr>
                         </m:ctrlPr>
                       </m:sSubPr>
@@ -17045,7 +17272,7 @@
                       <m:sSubPr>
                         <m:ctrlPr>
                           <a:rPr lang="en-US" b="0" i="1" smtClean="0">
-                            <a:latin typeface="Cambria Math" charset="0"/>
+                            <a:latin typeface="Cambria Math" panose="02040503050406030204" pitchFamily="18" charset="0"/>
                           </a:rPr>
                         </m:ctrlPr>
                       </m:sSubPr>
@@ -17076,7 +17303,7 @@
                       <m:sSubPr>
                         <m:ctrlPr>
                           <a:rPr lang="en-US" b="0" i="1" smtClean="0">
-                            <a:latin typeface="Cambria Math" charset="0"/>
+                            <a:latin typeface="Cambria Math" panose="02040503050406030204" pitchFamily="18" charset="0"/>
                           </a:rPr>
                         </m:ctrlPr>
                       </m:sSubPr>
@@ -17101,7 +17328,7 @@
                       <m:sSubPr>
                         <m:ctrlPr>
                           <a:rPr lang="en-US" b="0" i="1" smtClean="0">
-                            <a:latin typeface="Cambria Math" charset="0"/>
+                            <a:latin typeface="Cambria Math" panose="02040503050406030204" pitchFamily="18" charset="0"/>
                           </a:rPr>
                         </m:ctrlPr>
                       </m:sSubPr>
@@ -17171,7 +17398,7 @@
                         <m:sSubPr>
                           <m:ctrlPr>
                             <a:rPr lang="en-US" b="0" i="1" smtClean="0">
-                              <a:latin typeface="Cambria Math" charset="0"/>
+                              <a:latin typeface="Cambria Math" panose="02040503050406030204" pitchFamily="18" charset="0"/>
                             </a:rPr>
                           </m:ctrlPr>
                         </m:sSubPr>
@@ -17202,7 +17429,7 @@
                         <m:fPr>
                           <m:ctrlPr>
                             <a:rPr lang="en-US" b="0" i="1" smtClean="0">
-                              <a:latin typeface="Cambria Math" charset="0"/>
+                              <a:latin typeface="Cambria Math" panose="02040503050406030204" pitchFamily="18" charset="0"/>
                             </a:rPr>
                           </m:ctrlPr>
                         </m:fPr>
@@ -17211,7 +17438,7 @@
                             <m:sSubPr>
                               <m:ctrlPr>
                                 <a:rPr lang="en-US" b="0" i="1" smtClean="0">
-                                  <a:latin typeface="Cambria Math" charset="0"/>
+                                  <a:latin typeface="Cambria Math" panose="02040503050406030204" pitchFamily="18" charset="0"/>
                                 </a:rPr>
                               </m:ctrlPr>
                             </m:sSubPr>
@@ -17238,7 +17465,7 @@
                             <m:sSubSupPr>
                               <m:ctrlPr>
                                 <a:rPr lang="en-US" b="0" i="1" smtClean="0">
-                                  <a:latin typeface="Cambria Math" charset="0"/>
+                                  <a:latin typeface="Cambria Math" panose="02040503050406030204" pitchFamily="18" charset="0"/>
                                 </a:rPr>
                               </m:ctrlPr>
                             </m:sSubSupPr>
@@ -17279,7 +17506,7 @@
                         <m:fPr>
                           <m:ctrlPr>
                             <a:rPr lang="en-US" b="0" i="1" smtClean="0">
-                              <a:latin typeface="Cambria Math" charset="0"/>
+                              <a:latin typeface="Cambria Math" panose="02040503050406030204" pitchFamily="18" charset="0"/>
                             </a:rPr>
                           </m:ctrlPr>
                         </m:fPr>
@@ -17288,7 +17515,7 @@
                             <m:sSubPr>
                               <m:ctrlPr>
                                 <a:rPr lang="en-US" b="0" i="1" smtClean="0">
-                                  <a:latin typeface="Cambria Math" charset="0"/>
+                                  <a:latin typeface="Cambria Math" panose="02040503050406030204" pitchFamily="18" charset="0"/>
                                 </a:rPr>
                               </m:ctrlPr>
                             </m:sSubPr>
@@ -17313,7 +17540,7 @@
                             <m:sSubPr>
                               <m:ctrlPr>
                                 <a:rPr lang="en-US" b="0" i="1" smtClean="0">
-                                  <a:latin typeface="Cambria Math" charset="0"/>
+                                  <a:latin typeface="Cambria Math" panose="02040503050406030204" pitchFamily="18" charset="0"/>
                                 </a:rPr>
                               </m:ctrlPr>
                             </m:sSubPr>
@@ -17340,7 +17567,7 @@
                             <m:sSubPr>
                               <m:ctrlPr>
                                 <a:rPr lang="en-US" b="0" i="1" smtClean="0">
-                                  <a:latin typeface="Cambria Math" charset="0"/>
+                                  <a:latin typeface="Cambria Math" panose="02040503050406030204" pitchFamily="18" charset="0"/>
                                 </a:rPr>
                               </m:ctrlPr>
                             </m:sSubPr>
@@ -17373,7 +17600,7 @@
                         <m:sSubPr>
                           <m:ctrlPr>
                             <a:rPr lang="en-US" b="0" i="1" smtClean="0">
-                              <a:latin typeface="Cambria Math" charset="0"/>
+                              <a:latin typeface="Cambria Math" panose="02040503050406030204" pitchFamily="18" charset="0"/>
                             </a:rPr>
                           </m:ctrlPr>
                         </m:sSubPr>
@@ -17405,7 +17632,7 @@
                           <m:chr m:val="̅"/>
                           <m:ctrlPr>
                             <a:rPr lang="en-US" i="1">
-                              <a:latin typeface="Cambria Math" charset="0"/>
+                              <a:latin typeface="Cambria Math" panose="02040503050406030204" pitchFamily="18" charset="0"/>
                             </a:rPr>
                           </m:ctrlPr>
                         </m:accPr>
@@ -17428,7 +17655,7 @@
                         <m:sSubPr>
                           <m:ctrlPr>
                             <a:rPr lang="en-US" b="0" i="1" smtClean="0">
-                              <a:latin typeface="Cambria Math" charset="0"/>
+                              <a:latin typeface="Cambria Math" panose="02040503050406030204" pitchFamily="18" charset="0"/>
                             </a:rPr>
                           </m:ctrlPr>
                         </m:sSubPr>
@@ -17454,7 +17681,7 @@
                           <m:chr m:val="̅"/>
                           <m:ctrlPr>
                             <a:rPr lang="en-US" i="1">
-                              <a:latin typeface="Cambria Math" charset="0"/>
+                              <a:latin typeface="Cambria Math" panose="02040503050406030204" pitchFamily="18" charset="0"/>
                             </a:rPr>
                           </m:ctrlPr>
                         </m:accPr>
@@ -17529,7 +17756,7 @@
           <a:p>
             <a:fld id="{629637A9-119A-49DA-BD12-AAC58B377D80}" type="slidenum">
               <a:rPr lang="en-US" smtClean="0"/>
-              <a:t>27</a:t>
+              <a:t>28</a:t>
             </a:fld>
             <a:endParaRPr lang="en-US" dirty="0"/>
           </a:p>
@@ -17545,17 +17772,10 @@
   <p:clrMapOvr>
     <a:masterClrMapping/>
   </p:clrMapOvr>
-  <p:timing>
-    <p:tnLst>
-      <p:par>
-        <p:cTn id="1" dur="indefinite" restart="never" nodeType="tmRoot"/>
-      </p:par>
-    </p:tnLst>
-  </p:timing>
 </p:sld>
 </file>
 
-<file path=ppt/slides/slide28.xml><?xml version="1.0" encoding="utf-8"?>
+<file path=ppt/slides/slide29.xml><?xml version="1.0" encoding="utf-8"?>
 <p:sld xmlns:a="http://schemas.openxmlformats.org/drawingml/2006/main" xmlns:r="http://schemas.openxmlformats.org/officeDocument/2006/relationships" xmlns:p="http://schemas.openxmlformats.org/presentationml/2006/main">
   <p:cSld>
     <p:spTree>
@@ -17670,7 +17890,7 @@
           <a:p>
             <a:fld id="{629637A9-119A-49DA-BD12-AAC58B377D80}" type="slidenum">
               <a:rPr lang="en-US" smtClean="0"/>
-              <a:t>28</a:t>
+              <a:t>29</a:t>
             </a:fld>
             <a:endParaRPr lang="en-US" dirty="0"/>
           </a:p>
@@ -17710,17 +17930,177 @@
   <p:clrMapOvr>
     <a:masterClrMapping/>
   </p:clrMapOvr>
-  <p:timing>
-    <p:tnLst>
-      <p:par>
-        <p:cTn id="1" dur="indefinite" restart="never" nodeType="tmRoot"/>
-      </p:par>
-    </p:tnLst>
-  </p:timing>
 </p:sld>
 </file>
 
-<file path=ppt/slides/slide29.xml><?xml version="1.0" encoding="utf-8"?>
+<file path=ppt/slides/slide3.xml><?xml version="1.0" encoding="utf-8"?>
+<p:sld xmlns:a="http://schemas.openxmlformats.org/drawingml/2006/main" xmlns:r="http://schemas.openxmlformats.org/officeDocument/2006/relationships" xmlns:p="http://schemas.openxmlformats.org/presentationml/2006/main">
+  <p:cSld>
+    <p:spTree>
+      <p:nvGrpSpPr>
+        <p:cNvPr id="1" name=""/>
+        <p:cNvGrpSpPr/>
+        <p:nvPr/>
+      </p:nvGrpSpPr>
+      <p:grpSpPr>
+        <a:xfrm>
+          <a:off x="0" y="0"/>
+          <a:ext cx="0" cy="0"/>
+          <a:chOff x="0" y="0"/>
+          <a:chExt cx="0" cy="0"/>
+        </a:xfrm>
+      </p:grpSpPr>
+      <p:sp>
+        <p:nvSpPr>
+          <p:cNvPr id="2" name="Title 1"/>
+          <p:cNvSpPr>
+            <a:spLocks noGrp="1"/>
+          </p:cNvSpPr>
+          <p:nvPr>
+            <p:ph type="title"/>
+          </p:nvPr>
+        </p:nvSpPr>
+        <p:spPr/>
+        <p:txBody>
+          <a:bodyPr/>
+          <a:lstStyle/>
+          <a:p>
+            <a:r>
+              <a:rPr lang="en-US" dirty="0"/>
+              <a:t>Outline</a:t>
+            </a:r>
+          </a:p>
+        </p:txBody>
+      </p:sp>
+      <p:sp>
+        <p:nvSpPr>
+          <p:cNvPr id="3" name="Content Placeholder 2"/>
+          <p:cNvSpPr>
+            <a:spLocks noGrp="1"/>
+          </p:cNvSpPr>
+          <p:nvPr>
+            <p:ph idx="1"/>
+          </p:nvPr>
+        </p:nvSpPr>
+        <p:spPr/>
+        <p:txBody>
+          <a:bodyPr/>
+          <a:lstStyle/>
+          <a:p>
+            <a:r>
+              <a:rPr lang="en-US" dirty="0"/>
+              <a:t>Motivating Example:  Predicting the mpg of a car</a:t>
+            </a:r>
+          </a:p>
+          <a:p>
+            <a:r>
+              <a:rPr lang="en-US" dirty="0"/>
+              <a:t>Linear Model</a:t>
+            </a:r>
+          </a:p>
+          <a:p>
+            <a:r>
+              <a:rPr lang="en-US" dirty="0"/>
+              <a:t>Least Squares Fit Problem</a:t>
+            </a:r>
+          </a:p>
+          <a:p>
+            <a:r>
+              <a:rPr lang="en-US" dirty="0"/>
+              <a:t>Sample Mean and Variance; LS Fit Solution</a:t>
+            </a:r>
+          </a:p>
+          <a:p>
+            <a:r>
+              <a:rPr lang="en-US" dirty="0"/>
+              <a:t>Assessing Goodness of Fit</a:t>
+            </a:r>
+          </a:p>
+        </p:txBody>
+      </p:sp>
+      <p:sp>
+        <p:nvSpPr>
+          <p:cNvPr id="4" name="Slide Number Placeholder 3"/>
+          <p:cNvSpPr>
+            <a:spLocks noGrp="1"/>
+          </p:cNvSpPr>
+          <p:nvPr>
+            <p:ph type="sldNum" sz="quarter" idx="12"/>
+          </p:nvPr>
+        </p:nvSpPr>
+        <p:spPr/>
+        <p:txBody>
+          <a:bodyPr/>
+          <a:lstStyle/>
+          <a:p>
+            <a:fld id="{629637A9-119A-49DA-BD12-AAC58B377D80}" type="slidenum">
+              <a:rPr lang="en-US" smtClean="0"/>
+              <a:t>3</a:t>
+            </a:fld>
+            <a:endParaRPr lang="en-US" dirty="0"/>
+          </a:p>
+        </p:txBody>
+      </p:sp>
+      <p:sp>
+        <p:nvSpPr>
+          <p:cNvPr id="5" name="Arrow: Right 4"/>
+          <p:cNvSpPr/>
+          <p:nvPr/>
+        </p:nvSpPr>
+        <p:spPr>
+          <a:xfrm>
+            <a:off x="303250" y="1430906"/>
+            <a:ext cx="938784" cy="484632"/>
+          </a:xfrm>
+          <a:prstGeom prst="rightArrow">
+            <a:avLst/>
+          </a:prstGeom>
+          <a:solidFill>
+            <a:schemeClr val="accent1">
+              <a:lumMod val="40000"/>
+              <a:lumOff val="60000"/>
+            </a:schemeClr>
+          </a:solidFill>
+        </p:spPr>
+        <p:style>
+          <a:lnRef idx="2">
+            <a:schemeClr val="accent1">
+              <a:shade val="50000"/>
+            </a:schemeClr>
+          </a:lnRef>
+          <a:fillRef idx="1">
+            <a:schemeClr val="accent1"/>
+          </a:fillRef>
+          <a:effectRef idx="0">
+            <a:schemeClr val="accent1"/>
+          </a:effectRef>
+          <a:fontRef idx="minor">
+            <a:schemeClr val="lt1"/>
+          </a:fontRef>
+        </p:style>
+        <p:txBody>
+          <a:bodyPr rtlCol="0" anchor="ctr"/>
+          <a:lstStyle/>
+          <a:p>
+            <a:pPr algn="ctr"/>
+            <a:endParaRPr lang="en-US"/>
+          </a:p>
+        </p:txBody>
+      </p:sp>
+    </p:spTree>
+    <p:extLst>
+      <p:ext uri="{BB962C8B-B14F-4D97-AF65-F5344CB8AC3E}">
+        <p14:creationId xmlns:p14="http://schemas.microsoft.com/office/powerpoint/2010/main" val="2110066861"/>
+      </p:ext>
+    </p:extLst>
+  </p:cSld>
+  <p:clrMapOvr>
+    <a:masterClrMapping/>
+  </p:clrMapOvr>
+</p:sld>
+</file>
+
+<file path=ppt/slides/slide30.xml><?xml version="1.0" encoding="utf-8"?>
 <p:sld xmlns:a="http://schemas.openxmlformats.org/drawingml/2006/main" xmlns:r="http://schemas.openxmlformats.org/officeDocument/2006/relationships" xmlns:p="http://schemas.openxmlformats.org/presentationml/2006/main">
   <p:cSld>
     <p:spTree>
@@ -17742,7 +18122,7 @@
           <p:cNvPr id="2" name="Title 1">
             <a:extLst>
               <a:ext uri="{FF2B5EF4-FFF2-40B4-BE49-F238E27FC236}">
-                <a16:creationId xmlns:a16="http://schemas.microsoft.com/office/drawing/2014/main" xmlns="" id="{866D54B8-AEA5-46C2-B44E-7BCF47FD7794}"/>
+                <a16:creationId xmlns:a16="http://schemas.microsoft.com/office/drawing/2014/main" id="{866D54B8-AEA5-46C2-B44E-7BCF47FD7794}"/>
               </a:ext>
             </a:extLst>
           </p:cNvPr>
@@ -17770,7 +18150,7 @@
           <p:cNvPr id="3" name="Content Placeholder 2">
             <a:extLst>
               <a:ext uri="{FF2B5EF4-FFF2-40B4-BE49-F238E27FC236}">
-                <a16:creationId xmlns:a16="http://schemas.microsoft.com/office/drawing/2014/main" xmlns="" id="{83087BE1-B931-4769-AD55-2C0F5262B9D8}"/>
+                <a16:creationId xmlns:a16="http://schemas.microsoft.com/office/drawing/2014/main" id="{83087BE1-B931-4769-AD55-2C0F5262B9D8}"/>
               </a:ext>
             </a:extLst>
           </p:cNvPr>
@@ -17803,7 +18183,7 @@
           <p:cNvPr id="4" name="Slide Number Placeholder 3">
             <a:extLst>
               <a:ext uri="{FF2B5EF4-FFF2-40B4-BE49-F238E27FC236}">
-                <a16:creationId xmlns:a16="http://schemas.microsoft.com/office/drawing/2014/main" xmlns="" id="{F0FD2EA7-019F-4A87-94AE-4D82CD97A0A0}"/>
+                <a16:creationId xmlns:a16="http://schemas.microsoft.com/office/drawing/2014/main" id="{F0FD2EA7-019F-4A87-94AE-4D82CD97A0A0}"/>
               </a:ext>
             </a:extLst>
           </p:cNvPr>
@@ -17821,7 +18201,7 @@
           <a:p>
             <a:fld id="{629637A9-119A-49DA-BD12-AAC58B377D80}" type="slidenum">
               <a:rPr lang="en-US" smtClean="0"/>
-              <a:t>29</a:t>
+              <a:t>30</a:t>
             </a:fld>
             <a:endParaRPr lang="en-US" dirty="0"/>
           </a:p>
@@ -17832,7 +18212,7 @@
           <p:cNvPr id="5" name="Picture 4">
             <a:extLst>
               <a:ext uri="{FF2B5EF4-FFF2-40B4-BE49-F238E27FC236}">
-                <a16:creationId xmlns:a16="http://schemas.microsoft.com/office/drawing/2014/main" xmlns="" id="{519D1326-4AEB-419A-8C9C-15737481638E}"/>
+                <a16:creationId xmlns:a16="http://schemas.microsoft.com/office/drawing/2014/main" id="{519D1326-4AEB-419A-8C9C-15737481638E}"/>
               </a:ext>
             </a:extLst>
           </p:cNvPr>
@@ -17864,7 +18244,7 @@
               <p:cNvPr id="6" name="TextBox 5">
                 <a:extLst>
                   <a:ext uri="{FF2B5EF4-FFF2-40B4-BE49-F238E27FC236}">
-                    <a16:creationId xmlns:a16="http://schemas.microsoft.com/office/drawing/2014/main" xmlns="" id="{5FA0A83E-B807-40EB-9E05-7A22667E5B94}"/>
+                    <a16:creationId xmlns:a16="http://schemas.microsoft.com/office/drawing/2014/main" id="{5FA0A83E-B807-40EB-9E05-7A22667E5B94}"/>
                   </a:ext>
                 </a:extLst>
               </p:cNvPr>
@@ -17943,7 +18323,7 @@
                               <a:solidFill>
                                 <a:schemeClr val="tx1"/>
                               </a:solidFill>
-                              <a:latin typeface="Cambria Math" charset="0"/>
+                              <a:latin typeface="Cambria Math" panose="02040503050406030204" pitchFamily="18" charset="0"/>
                             </a:rPr>
                           </m:ctrlPr>
                         </m:sSubPr>
@@ -17986,7 +18366,7 @@
                               <a:solidFill>
                                 <a:schemeClr val="tx1"/>
                               </a:solidFill>
-                              <a:latin typeface="Cambria Math" charset="0"/>
+                              <a:latin typeface="Cambria Math" panose="02040503050406030204" pitchFamily="18" charset="0"/>
                             </a:rPr>
                           </m:ctrlPr>
                         </m:sSubPr>
@@ -18096,7 +18476,7 @@
           <p:cNvPr id="7" name="Straight Arrow Connector 6">
             <a:extLst>
               <a:ext uri="{FF2B5EF4-FFF2-40B4-BE49-F238E27FC236}">
-                <a16:creationId xmlns:a16="http://schemas.microsoft.com/office/drawing/2014/main" xmlns="" id="{E8FF2704-2F8E-4C4F-9FB6-F3F8DD768E56}"/>
+                <a16:creationId xmlns:a16="http://schemas.microsoft.com/office/drawing/2014/main" id="{E8FF2704-2F8E-4C4F-9FB6-F3F8DD768E56}"/>
               </a:ext>
             </a:extLst>
           </p:cNvPr>
@@ -18137,7 +18517,7 @@
           <p:cNvPr id="9" name="Picture 8">
             <a:extLst>
               <a:ext uri="{FF2B5EF4-FFF2-40B4-BE49-F238E27FC236}">
-                <a16:creationId xmlns:a16="http://schemas.microsoft.com/office/drawing/2014/main" xmlns="" id="{F67A1493-8D1C-4E5C-B518-877092AD29EF}"/>
+                <a16:creationId xmlns:a16="http://schemas.microsoft.com/office/drawing/2014/main" id="{F67A1493-8D1C-4E5C-B518-877092AD29EF}"/>
               </a:ext>
             </a:extLst>
           </p:cNvPr>
@@ -18167,7 +18547,7 @@
           <p:cNvPr id="10" name="Picture 9">
             <a:extLst>
               <a:ext uri="{FF2B5EF4-FFF2-40B4-BE49-F238E27FC236}">
-                <a16:creationId xmlns:a16="http://schemas.microsoft.com/office/drawing/2014/main" xmlns="" id="{F0C35C37-8397-4175-9F18-1252F69D3EA5}"/>
+                <a16:creationId xmlns:a16="http://schemas.microsoft.com/office/drawing/2014/main" id="{F0C35C37-8397-4175-9F18-1252F69D3EA5}"/>
               </a:ext>
             </a:extLst>
           </p:cNvPr>
@@ -18202,17 +18582,10 @@
   <p:clrMapOvr>
     <a:masterClrMapping/>
   </p:clrMapOvr>
-  <p:timing>
-    <p:tnLst>
-      <p:par>
-        <p:cTn id="1" dur="indefinite" restart="never" nodeType="tmRoot"/>
-      </p:par>
-    </p:tnLst>
-  </p:timing>
 </p:sld>
 </file>
 
-<file path=ppt/slides/slide3.xml><?xml version="1.0" encoding="utf-8"?>
+<file path=ppt/slides/slide31.xml><?xml version="1.0" encoding="utf-8"?>
 <p:sld xmlns:a="http://schemas.openxmlformats.org/drawingml/2006/main" xmlns:r="http://schemas.openxmlformats.org/officeDocument/2006/relationships" xmlns:p="http://schemas.openxmlformats.org/presentationml/2006/main">
   <p:cSld>
     <p:spTree>
@@ -18314,174 +18687,7 @@
           <a:p>
             <a:fld id="{629637A9-119A-49DA-BD12-AAC58B377D80}" type="slidenum">
               <a:rPr lang="en-US" smtClean="0"/>
-              <a:t>3</a:t>
-            </a:fld>
-            <a:endParaRPr lang="en-US" dirty="0"/>
-          </a:p>
-        </p:txBody>
-      </p:sp>
-      <p:sp>
-        <p:nvSpPr>
-          <p:cNvPr id="5" name="Arrow: Right 4"/>
-          <p:cNvSpPr/>
-          <p:nvPr/>
-        </p:nvSpPr>
-        <p:spPr>
-          <a:xfrm>
-            <a:off x="303250" y="1430906"/>
-            <a:ext cx="938784" cy="484632"/>
-          </a:xfrm>
-          <a:prstGeom prst="rightArrow">
-            <a:avLst/>
-          </a:prstGeom>
-          <a:solidFill>
-            <a:schemeClr val="accent1">
-              <a:lumMod val="40000"/>
-              <a:lumOff val="60000"/>
-            </a:schemeClr>
-          </a:solidFill>
-        </p:spPr>
-        <p:style>
-          <a:lnRef idx="2">
-            <a:schemeClr val="accent1">
-              <a:shade val="50000"/>
-            </a:schemeClr>
-          </a:lnRef>
-          <a:fillRef idx="1">
-            <a:schemeClr val="accent1"/>
-          </a:fillRef>
-          <a:effectRef idx="0">
-            <a:schemeClr val="accent1"/>
-          </a:effectRef>
-          <a:fontRef idx="minor">
-            <a:schemeClr val="lt1"/>
-          </a:fontRef>
-        </p:style>
-        <p:txBody>
-          <a:bodyPr rtlCol="0" anchor="ctr"/>
-          <a:lstStyle/>
-          <a:p>
-            <a:pPr algn="ctr"/>
-            <a:endParaRPr lang="en-US"/>
-          </a:p>
-        </p:txBody>
-      </p:sp>
-    </p:spTree>
-    <p:extLst>
-      <p:ext uri="{BB962C8B-B14F-4D97-AF65-F5344CB8AC3E}">
-        <p14:creationId xmlns:p14="http://schemas.microsoft.com/office/powerpoint/2010/main" val="2110066861"/>
-      </p:ext>
-    </p:extLst>
-  </p:cSld>
-  <p:clrMapOvr>
-    <a:masterClrMapping/>
-  </p:clrMapOvr>
-</p:sld>
-</file>
-
-<file path=ppt/slides/slide30.xml><?xml version="1.0" encoding="utf-8"?>
-<p:sld xmlns:a="http://schemas.openxmlformats.org/drawingml/2006/main" xmlns:r="http://schemas.openxmlformats.org/officeDocument/2006/relationships" xmlns:p="http://schemas.openxmlformats.org/presentationml/2006/main">
-  <p:cSld>
-    <p:spTree>
-      <p:nvGrpSpPr>
-        <p:cNvPr id="1" name=""/>
-        <p:cNvGrpSpPr/>
-        <p:nvPr/>
-      </p:nvGrpSpPr>
-      <p:grpSpPr>
-        <a:xfrm>
-          <a:off x="0" y="0"/>
-          <a:ext cx="0" cy="0"/>
-          <a:chOff x="0" y="0"/>
-          <a:chExt cx="0" cy="0"/>
-        </a:xfrm>
-      </p:grpSpPr>
-      <p:sp>
-        <p:nvSpPr>
-          <p:cNvPr id="2" name="Title 1"/>
-          <p:cNvSpPr>
-            <a:spLocks noGrp="1"/>
-          </p:cNvSpPr>
-          <p:nvPr>
-            <p:ph type="title"/>
-          </p:nvPr>
-        </p:nvSpPr>
-        <p:spPr/>
-        <p:txBody>
-          <a:bodyPr/>
-          <a:lstStyle/>
-          <a:p>
-            <a:r>
-              <a:rPr lang="en-US" dirty="0"/>
-              <a:t>Outline</a:t>
-            </a:r>
-          </a:p>
-        </p:txBody>
-      </p:sp>
-      <p:sp>
-        <p:nvSpPr>
-          <p:cNvPr id="3" name="Content Placeholder 2"/>
-          <p:cNvSpPr>
-            <a:spLocks noGrp="1"/>
-          </p:cNvSpPr>
-          <p:nvPr>
-            <p:ph idx="1"/>
-          </p:nvPr>
-        </p:nvSpPr>
-        <p:spPr/>
-        <p:txBody>
-          <a:bodyPr/>
-          <a:lstStyle/>
-          <a:p>
-            <a:r>
-              <a:rPr lang="en-US" dirty="0"/>
-              <a:t>Motivating Example:  Predicting the mpg of a car</a:t>
-            </a:r>
-          </a:p>
-          <a:p>
-            <a:r>
-              <a:rPr lang="en-US" dirty="0"/>
-              <a:t>Linear Model</a:t>
-            </a:r>
-          </a:p>
-          <a:p>
-            <a:r>
-              <a:rPr lang="en-US" dirty="0"/>
-              <a:t>Least Squares Fit Problem</a:t>
-            </a:r>
-          </a:p>
-          <a:p>
-            <a:r>
-              <a:rPr lang="en-US" dirty="0"/>
-              <a:t>Sample Mean and Variance; LS Fit Solution</a:t>
-            </a:r>
-          </a:p>
-          <a:p>
-            <a:r>
-              <a:rPr lang="en-US" dirty="0"/>
-              <a:t>Assessing Goodness of Fit</a:t>
-            </a:r>
-          </a:p>
-        </p:txBody>
-      </p:sp>
-      <p:sp>
-        <p:nvSpPr>
-          <p:cNvPr id="4" name="Slide Number Placeholder 3"/>
-          <p:cNvSpPr>
-            <a:spLocks noGrp="1"/>
-          </p:cNvSpPr>
-          <p:nvPr>
-            <p:ph type="sldNum" sz="quarter" idx="12"/>
-          </p:nvPr>
-        </p:nvSpPr>
-        <p:spPr/>
-        <p:txBody>
-          <a:bodyPr/>
-          <a:lstStyle/>
-          <a:p>
-            <a:fld id="{629637A9-119A-49DA-BD12-AAC58B377D80}" type="slidenum">
-              <a:rPr lang="en-US" smtClean="0"/>
-              <a:t>30</a:t>
+              <a:t>31</a:t>
             </a:fld>
             <a:endParaRPr lang="en-US" dirty="0"/>
           </a:p>
@@ -18543,17 +18749,10 @@
   <p:clrMapOvr>
     <a:masterClrMapping/>
   </p:clrMapOvr>
-  <p:timing>
-    <p:tnLst>
-      <p:par>
-        <p:cTn id="1" dur="indefinite" restart="never" nodeType="tmRoot"/>
-      </p:par>
-    </p:tnLst>
-  </p:timing>
 </p:sld>
 </file>
 
-<file path=ppt/slides/slide31.xml><?xml version="1.0" encoding="utf-8"?>
+<file path=ppt/slides/slide32.xml><?xml version="1.0" encoding="utf-8"?>
 <p:sld xmlns:a="http://schemas.openxmlformats.org/drawingml/2006/main" xmlns:r="http://schemas.openxmlformats.org/officeDocument/2006/relationships" xmlns:p="http://schemas.openxmlformats.org/presentationml/2006/main">
   <p:cSld>
     <p:spTree>
@@ -18586,12 +18785,8 @@
           <a:lstStyle/>
           <a:p>
             <a:r>
-              <a:rPr lang="en-US" dirty="0" err="1"/>
-              <a:t>Mimimum</a:t>
-            </a:r>
-            <a:r>
               <a:rPr lang="en-US" dirty="0"/>
-              <a:t> RSS</a:t>
+              <a:t>Minimum RSS</a:t>
             </a:r>
           </a:p>
         </p:txBody>
@@ -18631,7 +18826,7 @@
                       <m:limLowPr>
                         <m:ctrlPr>
                           <a:rPr lang="en-US" b="0" i="1" dirty="0" smtClean="0">
-                            <a:latin typeface="Cambria Math" charset="0"/>
+                            <a:latin typeface="Cambria Math" panose="02040503050406030204" pitchFamily="18" charset="0"/>
                           </a:rPr>
                         </m:ctrlPr>
                       </m:limLowPr>
@@ -18660,7 +18855,7 @@
                           <m:sSubPr>
                             <m:ctrlPr>
                               <a:rPr lang="en-US" b="0" i="1" dirty="0" smtClean="0">
-                                <a:latin typeface="Cambria Math" charset="0"/>
+                                <a:latin typeface="Cambria Math" panose="02040503050406030204" pitchFamily="18" charset="0"/>
                               </a:rPr>
                             </m:ctrlPr>
                           </m:sSubPr>
@@ -18691,7 +18886,7 @@
                           <m:sSubPr>
                             <m:ctrlPr>
                               <a:rPr lang="en-US" b="0" i="1" dirty="0" smtClean="0">
-                                <a:latin typeface="Cambria Math" charset="0"/>
+                                <a:latin typeface="Cambria Math" panose="02040503050406030204" pitchFamily="18" charset="0"/>
                               </a:rPr>
                             </m:ctrlPr>
                           </m:sSubPr>
@@ -18733,7 +18928,7 @@
                       <m:dPr>
                         <m:ctrlPr>
                           <a:rPr lang="en-US" i="1">
-                            <a:latin typeface="Cambria Math" charset="0"/>
+                            <a:latin typeface="Cambria Math" panose="02040503050406030204" pitchFamily="18" charset="0"/>
                           </a:rPr>
                         </m:ctrlPr>
                       </m:dPr>
@@ -18742,7 +18937,7 @@
                           <m:sSubPr>
                             <m:ctrlPr>
                               <a:rPr lang="en-US" i="1">
-                                <a:latin typeface="Cambria Math" charset="0"/>
+                                <a:latin typeface="Cambria Math" panose="02040503050406030204" pitchFamily="18" charset="0"/>
                               </a:rPr>
                             </m:ctrlPr>
                           </m:sSubPr>
@@ -18773,7 +18968,7 @@
                           <m:sSubPr>
                             <m:ctrlPr>
                               <a:rPr lang="en-US" i="1">
-                                <a:latin typeface="Cambria Math" charset="0"/>
+                                <a:latin typeface="Cambria Math" panose="02040503050406030204" pitchFamily="18" charset="0"/>
                               </a:rPr>
                             </m:ctrlPr>
                           </m:sSubPr>
@@ -18812,7 +19007,7 @@
                       <m:dPr>
                         <m:ctrlPr>
                           <a:rPr lang="en-US" b="0" i="1" smtClean="0">
-                            <a:latin typeface="Cambria Math" charset="0"/>
+                            <a:latin typeface="Cambria Math" panose="02040503050406030204" pitchFamily="18" charset="0"/>
                           </a:rPr>
                         </m:ctrlPr>
                       </m:dPr>
@@ -18827,7 +19022,7 @@
                           <m:sSubSupPr>
                             <m:ctrlPr>
                               <a:rPr lang="en-US" b="0" i="1" smtClean="0">
-                                <a:latin typeface="Cambria Math" charset="0"/>
+                                <a:latin typeface="Cambria Math" panose="02040503050406030204" pitchFamily="18" charset="0"/>
                               </a:rPr>
                             </m:ctrlPr>
                           </m:sSubSupPr>
@@ -18862,7 +19057,7 @@
                       <m:sSubSupPr>
                         <m:ctrlPr>
                           <a:rPr lang="en-US" b="0" i="1" smtClean="0">
-                            <a:latin typeface="Cambria Math" charset="0"/>
+                            <a:latin typeface="Cambria Math" panose="02040503050406030204" pitchFamily="18" charset="0"/>
                           </a:rPr>
                         </m:ctrlPr>
                       </m:sSubSupPr>
@@ -18920,7 +19115,7 @@
                       <m:sSupPr>
                         <m:ctrlPr>
                           <a:rPr lang="en-US" b="0" i="1" smtClean="0">
-                            <a:latin typeface="Cambria Math" charset="0"/>
+                            <a:latin typeface="Cambria Math" panose="02040503050406030204" pitchFamily="18" charset="0"/>
                           </a:rPr>
                         </m:ctrlPr>
                       </m:sSupPr>
@@ -18951,7 +19146,7 @@
                       <m:sSubSupPr>
                         <m:ctrlPr>
                           <a:rPr lang="en-US" i="1">
-                            <a:latin typeface="Cambria Math" charset="0"/>
+                            <a:latin typeface="Cambria Math" panose="02040503050406030204" pitchFamily="18" charset="0"/>
                           </a:rPr>
                         </m:ctrlPr>
                       </m:sSubSupPr>
@@ -19024,7 +19219,7 @@
                       <m:sSubSupPr>
                         <m:ctrlPr>
                           <a:rPr lang="en-US" i="1">
-                            <a:latin typeface="Cambria Math" charset="0"/>
+                            <a:latin typeface="Cambria Math" panose="02040503050406030204" pitchFamily="18" charset="0"/>
                           </a:rPr>
                         </m:ctrlPr>
                       </m:sSubSupPr>
@@ -19079,7 +19274,7 @@
                       <m:dPr>
                         <m:ctrlPr>
                           <a:rPr lang="en-US" i="1">
-                            <a:latin typeface="Cambria Math" charset="0"/>
+                            <a:latin typeface="Cambria Math" panose="02040503050406030204" pitchFamily="18" charset="0"/>
                           </a:rPr>
                         </m:ctrlPr>
                       </m:dPr>
@@ -19094,7 +19289,7 @@
                           <m:sSupPr>
                             <m:ctrlPr>
                               <a:rPr lang="en-US" b="0" i="1" smtClean="0">
-                                <a:latin typeface="Cambria Math" charset="0"/>
+                                <a:latin typeface="Cambria Math" panose="02040503050406030204" pitchFamily="18" charset="0"/>
                               </a:rPr>
                             </m:ctrlPr>
                           </m:sSupPr>
@@ -19121,7 +19316,7 @@
                       <m:sSubSupPr>
                         <m:ctrlPr>
                           <a:rPr lang="en-US" i="1">
-                            <a:latin typeface="Cambria Math" charset="0"/>
+                            <a:latin typeface="Cambria Math" panose="02040503050406030204" pitchFamily="18" charset="0"/>
                           </a:rPr>
                         </m:ctrlPr>
                       </m:sSubSupPr>
@@ -19230,7 +19425,7 @@
           <a:p>
             <a:fld id="{629637A9-119A-49DA-BD12-AAC58B377D80}" type="slidenum">
               <a:rPr lang="en-US" smtClean="0"/>
-              <a:t>31</a:t>
+              <a:t>32</a:t>
             </a:fld>
             <a:endParaRPr lang="en-US" dirty="0"/>
           </a:p>
@@ -19287,108 +19482,6 @@
   <p:clrMapOvr>
     <a:masterClrMapping/>
   </p:clrMapOvr>
-  <p:timing>
-    <p:tnLst>
-      <p:par>
-        <p:cTn id="1" dur="indefinite" restart="never" nodeType="tmRoot"/>
-      </p:par>
-    </p:tnLst>
-  </p:timing>
-</p:sld>
-</file>
-
-<file path=ppt/slides/slide32.xml><?xml version="1.0" encoding="utf-8"?>
-<p:sld xmlns:a="http://schemas.openxmlformats.org/drawingml/2006/main" xmlns:r="http://schemas.openxmlformats.org/officeDocument/2006/relationships" xmlns:p="http://schemas.openxmlformats.org/presentationml/2006/main">
-  <p:cSld>
-    <p:spTree>
-      <p:nvGrpSpPr>
-        <p:cNvPr id="1" name=""/>
-        <p:cNvGrpSpPr/>
-        <p:nvPr/>
-      </p:nvGrpSpPr>
-      <p:grpSpPr>
-        <a:xfrm>
-          <a:off x="0" y="0"/>
-          <a:ext cx="0" cy="0"/>
-          <a:chOff x="0" y="0"/>
-          <a:chExt cx="0" cy="0"/>
-        </a:xfrm>
-      </p:grpSpPr>
-      <p:sp>
-        <p:nvSpPr>
-          <p:cNvPr id="2" name="Title 1"/>
-          <p:cNvSpPr>
-            <a:spLocks noGrp="1"/>
-          </p:cNvSpPr>
-          <p:nvPr>
-            <p:ph type="title"/>
-          </p:nvPr>
-        </p:nvSpPr>
-        <p:spPr/>
-        <p:txBody>
-          <a:bodyPr/>
-          <a:lstStyle/>
-          <a:p>
-            <a:r>
-              <a:rPr lang="en-US" dirty="0" smtClean="0"/>
-              <a:t>Go through Unit1 Demo </a:t>
-            </a:r>
-            <a:endParaRPr lang="en-US" dirty="0"/>
-          </a:p>
-        </p:txBody>
-      </p:sp>
-      <p:sp>
-        <p:nvSpPr>
-          <p:cNvPr id="3" name="Content Placeholder 2"/>
-          <p:cNvSpPr>
-            <a:spLocks noGrp="1"/>
-          </p:cNvSpPr>
-          <p:nvPr>
-            <p:ph idx="1"/>
-          </p:nvPr>
-        </p:nvSpPr>
-        <p:spPr/>
-        <p:txBody>
-          <a:bodyPr/>
-          <a:lstStyle/>
-          <a:p>
-            <a:endParaRPr lang="en-US" dirty="0"/>
-          </a:p>
-        </p:txBody>
-      </p:sp>
-      <p:sp>
-        <p:nvSpPr>
-          <p:cNvPr id="4" name="Slide Number Placeholder 3"/>
-          <p:cNvSpPr>
-            <a:spLocks noGrp="1"/>
-          </p:cNvSpPr>
-          <p:nvPr>
-            <p:ph type="sldNum" sz="quarter" idx="12"/>
-          </p:nvPr>
-        </p:nvSpPr>
-        <p:spPr/>
-        <p:txBody>
-          <a:bodyPr/>
-          <a:lstStyle/>
-          <a:p>
-            <a:fld id="{629637A9-119A-49DA-BD12-AAC58B377D80}" type="slidenum">
-              <a:rPr lang="en-US" smtClean="0"/>
-              <a:t>32</a:t>
-            </a:fld>
-            <a:endParaRPr lang="en-US" dirty="0"/>
-          </a:p>
-        </p:txBody>
-      </p:sp>
-    </p:spTree>
-    <p:extLst>
-      <p:ext uri="{BB962C8B-B14F-4D97-AF65-F5344CB8AC3E}">
-        <p14:creationId xmlns:p14="http://schemas.microsoft.com/office/powerpoint/2010/main" val="1517598583"/>
-      </p:ext>
-    </p:extLst>
-  </p:cSld>
-  <p:clrMapOvr>
-    <a:masterClrMapping/>
-  </p:clrMapOvr>
 </p:sld>
 </file>
 
@@ -19461,7 +19554,7 @@
                       <m:sSupPr>
                         <m:ctrlPr>
                           <a:rPr lang="en-US" b="0" i="1" dirty="0" smtClean="0">
-                            <a:latin typeface="Cambria Math" charset="0"/>
+                            <a:latin typeface="Cambria Math" panose="02040503050406030204" pitchFamily="18" charset="0"/>
                           </a:rPr>
                         </m:ctrlPr>
                       </m:sSupPr>
@@ -19492,7 +19585,7 @@
                       <m:sSubSupPr>
                         <m:ctrlPr>
                           <a:rPr lang="en-US" b="0" i="1" dirty="0" smtClean="0">
-                            <a:latin typeface="Cambria Math" charset="0"/>
+                            <a:latin typeface="Cambria Math" panose="02040503050406030204" pitchFamily="18" charset="0"/>
                           </a:rPr>
                         </m:ctrlPr>
                       </m:sSubSupPr>
@@ -19541,7 +19634,7 @@
                       <m:sSupPr>
                         <m:ctrlPr>
                           <a:rPr lang="en-US" i="1" dirty="0">
-                            <a:latin typeface="Cambria Math" charset="0"/>
+                            <a:latin typeface="Cambria Math" panose="02040503050406030204" pitchFamily="18" charset="0"/>
                           </a:rPr>
                         </m:ctrlPr>
                       </m:sSupPr>
@@ -19572,7 +19665,7 @@
                       <m:sSubSupPr>
                         <m:ctrlPr>
                           <a:rPr lang="en-US" i="1" dirty="0">
-                            <a:latin typeface="Cambria Math" charset="0"/>
+                            <a:latin typeface="Cambria Math" panose="02040503050406030204" pitchFamily="18" charset="0"/>
                           </a:rPr>
                         </m:ctrlPr>
                       </m:sSubSupPr>
@@ -19633,7 +19726,7 @@
                       <m:sSubPr>
                         <m:ctrlPr>
                           <a:rPr lang="en-US" b="0" i="1" smtClean="0">
-                            <a:latin typeface="Cambria Math" charset="0"/>
+                            <a:latin typeface="Cambria Math" panose="02040503050406030204" pitchFamily="18" charset="0"/>
                           </a:rPr>
                         </m:ctrlPr>
                       </m:sSubPr>
@@ -19664,7 +19757,7 @@
                       <m:fPr>
                         <m:ctrlPr>
                           <a:rPr lang="en-US" b="0" i="1" smtClean="0">
-                            <a:latin typeface="Cambria Math" charset="0"/>
+                            <a:latin typeface="Cambria Math" panose="02040503050406030204" pitchFamily="18" charset="0"/>
                           </a:rPr>
                         </m:ctrlPr>
                       </m:fPr>
@@ -19673,7 +19766,7 @@
                           <m:sSubPr>
                             <m:ctrlPr>
                               <a:rPr lang="en-US" b="0" i="1" smtClean="0">
-                                <a:latin typeface="Cambria Math" charset="0"/>
+                                <a:latin typeface="Cambria Math" panose="02040503050406030204" pitchFamily="18" charset="0"/>
                               </a:rPr>
                             </m:ctrlPr>
                           </m:sSubPr>
@@ -19698,7 +19791,7 @@
                           <m:sSubPr>
                             <m:ctrlPr>
                               <a:rPr lang="en-US" b="0" i="1" smtClean="0">
-                                <a:latin typeface="Cambria Math" charset="0"/>
+                                <a:latin typeface="Cambria Math" panose="02040503050406030204" pitchFamily="18" charset="0"/>
                               </a:rPr>
                             </m:ctrlPr>
                           </m:sSubPr>
@@ -19725,7 +19818,7 @@
                           <m:sSubPr>
                             <m:ctrlPr>
                               <a:rPr lang="en-US" b="0" i="1" smtClean="0">
-                                <a:latin typeface="Cambria Math" charset="0"/>
+                                <a:latin typeface="Cambria Math" panose="02040503050406030204" pitchFamily="18" charset="0"/>
                               </a:rPr>
                             </m:ctrlPr>
                           </m:sSubPr>
@@ -19766,7 +19859,7 @@
                       <m:sSubPr>
                         <m:ctrlPr>
                           <a:rPr lang="en-US" i="1">
-                            <a:latin typeface="Cambria Math" charset="0"/>
+                            <a:latin typeface="Cambria Math" panose="02040503050406030204" pitchFamily="18" charset="0"/>
                           </a:rPr>
                         </m:ctrlPr>
                       </m:sSubPr>
@@ -19799,7 +19892,7 @@
                       <m:sSubPr>
                         <m:ctrlPr>
                           <a:rPr lang="en-US" i="1">
-                            <a:latin typeface="Cambria Math" charset="0"/>
+                            <a:latin typeface="Cambria Math" panose="02040503050406030204" pitchFamily="18" charset="0"/>
                           </a:rPr>
                         </m:ctrlPr>
                       </m:sSubPr>
@@ -19969,7 +20062,7 @@
                       <m:sSubPr>
                         <m:ctrlPr>
                           <a:rPr lang="en-US" b="0" i="1" smtClean="0">
-                            <a:latin typeface="Cambria Math" charset="0"/>
+                            <a:latin typeface="Cambria Math" panose="02040503050406030204" pitchFamily="18" charset="0"/>
                           </a:rPr>
                         </m:ctrlPr>
                       </m:sSubPr>
@@ -20212,13 +20305,6 @@
   <p:clrMapOvr>
     <a:masterClrMapping/>
   </p:clrMapOvr>
-  <p:timing>
-    <p:tnLst>
-      <p:par>
-        <p:cTn id="1" dur="indefinite" restart="never" nodeType="tmRoot"/>
-      </p:par>
-    </p:tnLst>
-  </p:timing>
 </p:sld>
 </file>
 
@@ -20289,15 +20375,7 @@
           <a:p>
             <a:r>
               <a:rPr lang="en-US" dirty="0"/>
-              <a:t>Always good to </a:t>
-            </a:r>
-            <a:r>
-              <a:rPr lang="en-US" dirty="0" smtClean="0"/>
-              <a:t>visually </a:t>
-            </a:r>
-            <a:r>
-              <a:rPr lang="en-US" dirty="0"/>
-              <a:t>inspect the scatter plot</a:t>
+              <a:t>Always good to visually inspect the scatter plot</a:t>
             </a:r>
           </a:p>
           <a:p>
@@ -20415,13 +20493,6 @@
   <p:clrMapOvr>
     <a:masterClrMapping/>
   </p:clrMapOvr>
-  <p:timing>
-    <p:tnLst>
-      <p:par>
-        <p:cTn id="1" dur="indefinite" restart="never" nodeType="tmRoot"/>
-      </p:par>
-    </p:tnLst>
-  </p:timing>
 </p:sld>
 </file>
 
@@ -20447,7 +20518,7 @@
           <p:cNvPr id="2" name="Title 1">
             <a:extLst>
               <a:ext uri="{FF2B5EF4-FFF2-40B4-BE49-F238E27FC236}">
-                <a16:creationId xmlns:a16="http://schemas.microsoft.com/office/drawing/2014/main" xmlns="" id="{9BBDDD66-5D5A-4D19-8C6B-FFEB898D97AC}"/>
+                <a16:creationId xmlns:a16="http://schemas.microsoft.com/office/drawing/2014/main" id="{9BBDDD66-5D5A-4D19-8C6B-FFEB898D97AC}"/>
               </a:ext>
             </a:extLst>
           </p:cNvPr>
@@ -20477,7 +20548,7 @@
               <p:cNvPr id="3" name="Content Placeholder 2">
                 <a:extLst>
                   <a:ext uri="{FF2B5EF4-FFF2-40B4-BE49-F238E27FC236}">
-                    <a16:creationId xmlns:a16="http://schemas.microsoft.com/office/drawing/2014/main" xmlns="" id="{46F88025-D301-4B5B-9EB2-8E02B478C745}"/>
+                    <a16:creationId xmlns:a16="http://schemas.microsoft.com/office/drawing/2014/main" id="{46F88025-D301-4B5B-9EB2-8E02B478C745}"/>
                   </a:ext>
                 </a:extLst>
               </p:cNvPr>
@@ -20503,7 +20574,7 @@
                       <m:fPr>
                         <m:ctrlPr>
                           <a:rPr lang="en-US" b="0" i="1" smtClean="0">
-                            <a:latin typeface="Cambria Math" charset="0"/>
+                            <a:latin typeface="Cambria Math" panose="02040503050406030204" pitchFamily="18" charset="0"/>
                           </a:rPr>
                         </m:ctrlPr>
                       </m:fPr>
@@ -20543,7 +20614,7 @@
                       <m:sSubPr>
                         <m:ctrlPr>
                           <a:rPr lang="en-US" b="0" i="1" smtClean="0">
-                            <a:latin typeface="Cambria Math" charset="0"/>
+                            <a:latin typeface="Cambria Math" panose="02040503050406030204" pitchFamily="18" charset="0"/>
                           </a:rPr>
                         </m:ctrlPr>
                       </m:sSubPr>
@@ -20574,7 +20645,7 @@
                       <m:sSubPr>
                         <m:ctrlPr>
                           <a:rPr lang="en-US" b="0" i="1" smtClean="0">
-                            <a:latin typeface="Cambria Math" charset="0"/>
+                            <a:latin typeface="Cambria Math" panose="02040503050406030204" pitchFamily="18" charset="0"/>
                           </a:rPr>
                         </m:ctrlPr>
                       </m:sSubPr>
@@ -20671,7 +20742,7 @@
           <p:cNvPr id="4" name="Slide Number Placeholder 3">
             <a:extLst>
               <a:ext uri="{FF2B5EF4-FFF2-40B4-BE49-F238E27FC236}">
-                <a16:creationId xmlns:a16="http://schemas.microsoft.com/office/drawing/2014/main" xmlns="" id="{C360AD86-FCD2-4007-A5B7-8CD09BC238A7}"/>
+                <a16:creationId xmlns:a16="http://schemas.microsoft.com/office/drawing/2014/main" id="{C360AD86-FCD2-4007-A5B7-8CD09BC238A7}"/>
               </a:ext>
             </a:extLst>
           </p:cNvPr>
@@ -20700,7 +20771,7 @@
           <p:cNvPr id="5" name="Picture 4">
             <a:extLst>
               <a:ext uri="{FF2B5EF4-FFF2-40B4-BE49-F238E27FC236}">
-                <a16:creationId xmlns:a16="http://schemas.microsoft.com/office/drawing/2014/main" xmlns="" id="{06952A5F-F1F9-4705-AEFE-DE3779E0E249}"/>
+                <a16:creationId xmlns:a16="http://schemas.microsoft.com/office/drawing/2014/main" id="{06952A5F-F1F9-4705-AEFE-DE3779E0E249}"/>
               </a:ext>
             </a:extLst>
           </p:cNvPr>
@@ -20765,13 +20836,6 @@
   <p:clrMapOvr>
     <a:masterClrMapping/>
   </p:clrMapOvr>
-  <p:timing>
-    <p:tnLst>
-      <p:par>
-        <p:cTn id="1" dur="indefinite" restart="never" nodeType="tmRoot"/>
-      </p:par>
-    </p:tnLst>
-  </p:timing>
 </p:sld>
 </file>
 
@@ -20978,7 +21042,7 @@
           <p:cNvPr id="2" name="Title 1">
             <a:extLst>
               <a:ext uri="{FF2B5EF4-FFF2-40B4-BE49-F238E27FC236}">
-                <a16:creationId xmlns:a16="http://schemas.microsoft.com/office/drawing/2014/main" xmlns="" id="{1E76DD85-3A47-4934-B484-4155003DC884}"/>
+                <a16:creationId xmlns:a16="http://schemas.microsoft.com/office/drawing/2014/main" id="{1E76DD85-3A47-4934-B484-4155003DC884}"/>
               </a:ext>
             </a:extLst>
           </p:cNvPr>
@@ -21011,7 +21075,7 @@
           <p:cNvPr id="3" name="Content Placeholder 2">
             <a:extLst>
               <a:ext uri="{FF2B5EF4-FFF2-40B4-BE49-F238E27FC236}">
-                <a16:creationId xmlns:a16="http://schemas.microsoft.com/office/drawing/2014/main" xmlns="" id="{94DF8060-0899-4DE1-A5A2-2F2A1AD3C636}"/>
+                <a16:creationId xmlns:a16="http://schemas.microsoft.com/office/drawing/2014/main" id="{94DF8060-0899-4DE1-A5A2-2F2A1AD3C636}"/>
               </a:ext>
             </a:extLst>
           </p:cNvPr>
@@ -21029,14 +21093,16 @@
           </a:xfrm>
         </p:spPr>
         <p:txBody>
-          <a:bodyPr/>
+          <a:bodyPr>
+            <a:normAutofit fontScale="92500"/>
+          </a:bodyPr>
           <a:lstStyle/>
           <a:p>
             <a:r>
               <a:rPr lang="en-US" dirty="0">
                 <a:hlinkClick r:id="rId2"/>
               </a:rPr>
-              <a:t>  https://github.com/sdrangan/introml/blob/master/simp_lin_reg/auto_mpg.ipynb</a:t>
+              <a:t>  https://github.com/sdrangan/introml/blob/master/unit02_simp_lin_reg/demo2_auto_mpg.ipynb</a:t>
             </a:r>
             <a:endParaRPr lang="en-US" dirty="0"/>
           </a:p>
@@ -21047,7 +21113,7 @@
           <p:cNvPr id="4" name="Slide Number Placeholder 3">
             <a:extLst>
               <a:ext uri="{FF2B5EF4-FFF2-40B4-BE49-F238E27FC236}">
-                <a16:creationId xmlns:a16="http://schemas.microsoft.com/office/drawing/2014/main" xmlns="" id="{EC97F1AF-7088-426E-92BA-32566DBE58C9}"/>
+                <a16:creationId xmlns:a16="http://schemas.microsoft.com/office/drawing/2014/main" id="{EC97F1AF-7088-426E-92BA-32566DBE58C9}"/>
               </a:ext>
             </a:extLst>
           </p:cNvPr>
@@ -21076,7 +21142,7 @@
           <p:cNvPr id="5" name="Picture 4">
             <a:extLst>
               <a:ext uri="{FF2B5EF4-FFF2-40B4-BE49-F238E27FC236}">
-                <a16:creationId xmlns:a16="http://schemas.microsoft.com/office/drawing/2014/main" xmlns="" id="{09D3E0D0-5BE3-4962-927C-8A351826E84B}"/>
+                <a16:creationId xmlns:a16="http://schemas.microsoft.com/office/drawing/2014/main" id="{09D3E0D0-5BE3-4962-927C-8A351826E84B}"/>
               </a:ext>
             </a:extLst>
           </p:cNvPr>
@@ -21331,6 +21397,325 @@
       </p:grpSpPr>
       <p:sp>
         <p:nvSpPr>
+          <p:cNvPr id="2" name="Title 1">
+            <a:extLst>
+              <a:ext uri="{FF2B5EF4-FFF2-40B4-BE49-F238E27FC236}">
+                <a16:creationId xmlns:a16="http://schemas.microsoft.com/office/drawing/2014/main" id="{1CAFCAFE-EA49-4999-B6FA-643BA496B7AD}"/>
+              </a:ext>
+            </a:extLst>
+          </p:cNvPr>
+          <p:cNvSpPr>
+            <a:spLocks noGrp="1"/>
+          </p:cNvSpPr>
+          <p:nvPr>
+            <p:ph type="title"/>
+          </p:nvPr>
+        </p:nvSpPr>
+        <p:spPr/>
+        <p:txBody>
+          <a:bodyPr/>
+          <a:lstStyle/>
+          <a:p>
+            <a:r>
+              <a:rPr lang="en-US" dirty="0"/>
+              <a:t>Python Packages</a:t>
+            </a:r>
+          </a:p>
+        </p:txBody>
+      </p:sp>
+      <p:sp>
+        <p:nvSpPr>
+          <p:cNvPr id="3" name="Content Placeholder 2">
+            <a:extLst>
+              <a:ext uri="{FF2B5EF4-FFF2-40B4-BE49-F238E27FC236}">
+                <a16:creationId xmlns:a16="http://schemas.microsoft.com/office/drawing/2014/main" id="{20A00139-8BCC-4372-B689-0B52EA0E3E5D}"/>
+              </a:ext>
+            </a:extLst>
+          </p:cNvPr>
+          <p:cNvSpPr>
+            <a:spLocks noGrp="1"/>
+          </p:cNvSpPr>
+          <p:nvPr>
+            <p:ph idx="1"/>
+          </p:nvPr>
+        </p:nvSpPr>
+        <p:spPr/>
+        <p:txBody>
+          <a:bodyPr/>
+          <a:lstStyle/>
+          <a:p>
+            <a:r>
+              <a:rPr lang="en-US" dirty="0"/>
+              <a:t>Python has many powerful </a:t>
+            </a:r>
+            <a:r>
+              <a:rPr lang="en-US" dirty="0">
+                <a:solidFill>
+                  <a:schemeClr val="accent1">
+                    <a:lumMod val="60000"/>
+                    <a:lumOff val="40000"/>
+                  </a:schemeClr>
+                </a:solidFill>
+              </a:rPr>
+              <a:t>packages</a:t>
+            </a:r>
+          </a:p>
+          <a:p>
+            <a:r>
+              <a:rPr lang="en-US" dirty="0"/>
+              <a:t>This demo uses three key packages</a:t>
+            </a:r>
+          </a:p>
+          <a:p>
+            <a:r>
+              <a:rPr lang="en-US" dirty="0">
+                <a:solidFill>
+                  <a:schemeClr val="accent1">
+                    <a:lumMod val="60000"/>
+                    <a:lumOff val="40000"/>
+                  </a:schemeClr>
+                </a:solidFill>
+              </a:rPr>
+              <a:t>Pandas</a:t>
+            </a:r>
+            <a:r>
+              <a:rPr lang="en-US" dirty="0"/>
+              <a:t>:  </a:t>
+            </a:r>
+          </a:p>
+          <a:p>
+            <a:pPr lvl="1"/>
+            <a:r>
+              <a:rPr lang="en-US" dirty="0"/>
+              <a:t>Used for reading and writing data files</a:t>
+            </a:r>
+          </a:p>
+          <a:p>
+            <a:pPr lvl="1"/>
+            <a:r>
+              <a:rPr lang="en-US" dirty="0"/>
+              <a:t>Loads data into </a:t>
+            </a:r>
+            <a:r>
+              <a:rPr lang="en-US" dirty="0" err="1"/>
+              <a:t>dataframes</a:t>
+            </a:r>
+            <a:endParaRPr lang="en-US" dirty="0"/>
+          </a:p>
+          <a:p>
+            <a:r>
+              <a:rPr lang="en-US" dirty="0" err="1">
+                <a:solidFill>
+                  <a:schemeClr val="accent1">
+                    <a:lumMod val="60000"/>
+                    <a:lumOff val="40000"/>
+                  </a:schemeClr>
+                </a:solidFill>
+              </a:rPr>
+              <a:t>Numpy</a:t>
+            </a:r>
+            <a:endParaRPr lang="en-US" dirty="0">
+              <a:solidFill>
+                <a:schemeClr val="accent1">
+                  <a:lumMod val="60000"/>
+                  <a:lumOff val="40000"/>
+                </a:schemeClr>
+              </a:solidFill>
+            </a:endParaRPr>
+          </a:p>
+          <a:p>
+            <a:pPr lvl="1"/>
+            <a:r>
+              <a:rPr lang="en-US" dirty="0"/>
+              <a:t>Numerical operations including linear algebra</a:t>
+            </a:r>
+          </a:p>
+          <a:p>
+            <a:pPr lvl="1"/>
+            <a:r>
+              <a:rPr lang="en-US" dirty="0"/>
+              <a:t>Data is stored in </a:t>
+            </a:r>
+            <a:r>
+              <a:rPr lang="en-US" dirty="0" err="1"/>
+              <a:t>ndarray</a:t>
+            </a:r>
+            <a:r>
+              <a:rPr lang="en-US" dirty="0"/>
+              <a:t> structure</a:t>
+            </a:r>
+          </a:p>
+          <a:p>
+            <a:pPr lvl="1"/>
+            <a:r>
+              <a:rPr lang="en-US" dirty="0"/>
+              <a:t>We convert from </a:t>
+            </a:r>
+            <a:r>
+              <a:rPr lang="en-US" dirty="0" err="1"/>
+              <a:t>dataframes</a:t>
+            </a:r>
+            <a:r>
+              <a:rPr lang="en-US" dirty="0"/>
+              <a:t> to </a:t>
+            </a:r>
+            <a:r>
+              <a:rPr lang="en-US" dirty="0" err="1"/>
+              <a:t>ndarray</a:t>
+            </a:r>
+            <a:endParaRPr lang="en-US" dirty="0"/>
+          </a:p>
+          <a:p>
+            <a:r>
+              <a:rPr lang="en-US" dirty="0">
+                <a:solidFill>
+                  <a:schemeClr val="accent1">
+                    <a:lumMod val="60000"/>
+                    <a:lumOff val="40000"/>
+                  </a:schemeClr>
+                </a:solidFill>
+              </a:rPr>
+              <a:t>Matplotlib</a:t>
+            </a:r>
+            <a:r>
+              <a:rPr lang="en-US" dirty="0"/>
+              <a:t>:</a:t>
+            </a:r>
+          </a:p>
+          <a:p>
+            <a:pPr lvl="1"/>
+            <a:r>
+              <a:rPr lang="en-US" dirty="0"/>
+              <a:t>MATLAB-like plotting and visualization</a:t>
+            </a:r>
+          </a:p>
+          <a:p>
+            <a:pPr lvl="1"/>
+            <a:endParaRPr lang="en-US" dirty="0"/>
+          </a:p>
+        </p:txBody>
+      </p:sp>
+      <p:sp>
+        <p:nvSpPr>
+          <p:cNvPr id="4" name="Slide Number Placeholder 3">
+            <a:extLst>
+              <a:ext uri="{FF2B5EF4-FFF2-40B4-BE49-F238E27FC236}">
+                <a16:creationId xmlns:a16="http://schemas.microsoft.com/office/drawing/2014/main" id="{5A645376-3018-4FE4-A320-C8C7BEC0D783}"/>
+              </a:ext>
+            </a:extLst>
+          </p:cNvPr>
+          <p:cNvSpPr>
+            <a:spLocks noGrp="1"/>
+          </p:cNvSpPr>
+          <p:nvPr>
+            <p:ph type="sldNum" sz="quarter" idx="12"/>
+          </p:nvPr>
+        </p:nvSpPr>
+        <p:spPr/>
+        <p:txBody>
+          <a:bodyPr/>
+          <a:lstStyle/>
+          <a:p>
+            <a:fld id="{629637A9-119A-49DA-BD12-AAC58B377D80}" type="slidenum">
+              <a:rPr lang="en-US" smtClean="0"/>
+              <a:t>7</a:t>
+            </a:fld>
+            <a:endParaRPr lang="en-US" dirty="0"/>
+          </a:p>
+        </p:txBody>
+      </p:sp>
+      <p:pic>
+        <p:nvPicPr>
+          <p:cNvPr id="5" name="Picture 4">
+            <a:extLst>
+              <a:ext uri="{FF2B5EF4-FFF2-40B4-BE49-F238E27FC236}">
+                <a16:creationId xmlns:a16="http://schemas.microsoft.com/office/drawing/2014/main" id="{352AB08E-9FAF-43F7-AC00-70FC7F182863}"/>
+              </a:ext>
+            </a:extLst>
+          </p:cNvPr>
+          <p:cNvPicPr>
+            <a:picLocks noChangeAspect="1"/>
+          </p:cNvPicPr>
+          <p:nvPr/>
+        </p:nvPicPr>
+        <p:blipFill>
+          <a:blip r:embed="rId2"/>
+          <a:stretch>
+            <a:fillRect/>
+          </a:stretch>
+        </p:blipFill>
+        <p:spPr>
+          <a:xfrm>
+            <a:off x="6813736" y="1539277"/>
+            <a:ext cx="3068901" cy="828956"/>
+          </a:xfrm>
+          <a:prstGeom prst="rect">
+            <a:avLst/>
+          </a:prstGeom>
+        </p:spPr>
+      </p:pic>
+      <p:pic>
+        <p:nvPicPr>
+          <p:cNvPr id="6" name="Picture 5">
+            <a:extLst>
+              <a:ext uri="{FF2B5EF4-FFF2-40B4-BE49-F238E27FC236}">
+                <a16:creationId xmlns:a16="http://schemas.microsoft.com/office/drawing/2014/main" id="{8CC46876-54BB-485A-B7AE-076C4193F40B}"/>
+              </a:ext>
+            </a:extLst>
+          </p:cNvPr>
+          <p:cNvPicPr>
+            <a:picLocks noChangeAspect="1"/>
+          </p:cNvPicPr>
+          <p:nvPr/>
+        </p:nvPicPr>
+        <p:blipFill>
+          <a:blip r:embed="rId3"/>
+          <a:stretch>
+            <a:fillRect/>
+          </a:stretch>
+        </p:blipFill>
+        <p:spPr>
+          <a:xfrm>
+            <a:off x="6813736" y="2796257"/>
+            <a:ext cx="4039531" cy="942025"/>
+          </a:xfrm>
+          <a:prstGeom prst="rect">
+            <a:avLst/>
+          </a:prstGeom>
+        </p:spPr>
+      </p:pic>
+    </p:spTree>
+    <p:extLst>
+      <p:ext uri="{BB962C8B-B14F-4D97-AF65-F5344CB8AC3E}">
+        <p14:creationId xmlns:p14="http://schemas.microsoft.com/office/powerpoint/2010/main" val="349769914"/>
+      </p:ext>
+    </p:extLst>
+  </p:cSld>
+  <p:clrMapOvr>
+    <a:masterClrMapping/>
+  </p:clrMapOvr>
+</p:sld>
+</file>
+
+<file path=ppt/slides/slide8.xml><?xml version="1.0" encoding="utf-8"?>
+<p:sld xmlns:a="http://schemas.openxmlformats.org/drawingml/2006/main" xmlns:r="http://schemas.openxmlformats.org/officeDocument/2006/relationships" xmlns:p="http://schemas.openxmlformats.org/presentationml/2006/main">
+  <p:cSld>
+    <p:spTree>
+      <p:nvGrpSpPr>
+        <p:cNvPr id="1" name=""/>
+        <p:cNvGrpSpPr/>
+        <p:nvPr/>
+      </p:nvGrpSpPr>
+      <p:grpSpPr>
+        <a:xfrm>
+          <a:off x="0" y="0"/>
+          <a:ext cx="0" cy="0"/>
+          <a:chOff x="0" y="0"/>
+          <a:chExt cx="0" cy="0"/>
+        </a:xfrm>
+      </p:grpSpPr>
+      <p:sp>
+        <p:nvSpPr>
           <p:cNvPr id="2" name="Title 1"/>
           <p:cNvSpPr>
             <a:spLocks noGrp="1"/>
@@ -21497,7 +21882,7 @@
           <a:p>
             <a:fld id="{629637A9-119A-49DA-BD12-AAC58B377D80}" type="slidenum">
               <a:rPr lang="en-US" smtClean="0"/>
-              <a:t>7</a:t>
+              <a:t>8</a:t>
             </a:fld>
             <a:endParaRPr lang="en-US" dirty="0"/>
           </a:p>
@@ -21564,7 +21949,7 @@
 </p:sld>
 </file>
 
-<file path=ppt/slides/slide8.xml><?xml version="1.0" encoding="utf-8"?>
+<file path=ppt/slides/slide9.xml><?xml version="1.0" encoding="utf-8"?>
 <p:sld xmlns:a="http://schemas.openxmlformats.org/drawingml/2006/main" xmlns:r="http://schemas.openxmlformats.org/officeDocument/2006/relationships" xmlns:p="http://schemas.openxmlformats.org/presentationml/2006/main">
   <p:cSld>
     <p:spTree>
@@ -21606,10 +21991,6 @@
               <a:rPr lang="en-US" dirty="0" err="1"/>
               <a:t>Jupyter</a:t>
             </a:r>
-            <a:r>
-              <a:rPr lang="en-US" dirty="0"/>
-              <a:t/>
-            </a:r>
             <a:br>
               <a:rPr lang="en-US" dirty="0"/>
             </a:br>
@@ -21639,7 +22020,7 @@
         </p:spPr>
         <p:txBody>
           <a:bodyPr>
-            <a:normAutofit lnSpcReduction="10000"/>
+            <a:normAutofit/>
           </a:bodyPr>
           <a:lstStyle/>
           <a:p>
@@ -21676,45 +22057,29 @@
             <a:pPr lvl="1"/>
             <a:r>
               <a:rPr lang="en-US" dirty="0"/>
-              <a:t>You are not the first to have these problems</a:t>
-            </a:r>
-            <a:r>
-              <a:rPr lang="en-US" dirty="0" smtClean="0"/>
-              <a:t>.</a:t>
+              <a:t>You are not the first to have these problems.</a:t>
             </a:r>
           </a:p>
           <a:p>
             <a:pPr lvl="1"/>
             <a:r>
-              <a:rPr lang="en-US" dirty="0" smtClean="0"/>
-              <a:t>Ex: </a:t>
-            </a:r>
-            <a:r>
               <a:rPr lang="en-US" dirty="0"/>
-              <a:t>g</a:t>
-            </a:r>
-            <a:r>
-              <a:rPr lang="en-US" dirty="0" smtClean="0"/>
-              <a:t>oogle “</a:t>
-            </a:r>
-            <a:r>
-              <a:rPr lang="en-US" dirty="0" err="1" smtClean="0"/>
+              <a:t>Ex: google “</a:t>
+            </a:r>
+            <a:r>
+              <a:rPr lang="en-US" dirty="0" err="1"/>
               <a:t>pandas.dataframe</a:t>
             </a:r>
             <a:r>
-              <a:rPr lang="en-US" dirty="0" smtClean="0"/>
+              <a:rPr lang="en-US" dirty="0"/>
               <a:t>”</a:t>
             </a:r>
           </a:p>
           <a:p>
             <a:pPr lvl="1"/>
             <a:r>
-              <a:rPr lang="en-US" dirty="0" smtClean="0"/>
-              <a:t>Ex. google </a:t>
-            </a:r>
-            <a:r>
               <a:rPr lang="en-US" dirty="0"/>
-              <a:t>“</a:t>
+              <a:t>Ex. google “</a:t>
             </a:r>
             <a:r>
               <a:rPr lang="en-US" dirty="0" err="1"/>
@@ -21762,12 +22127,6 @@
               <a:t>df.values</a:t>
             </a:r>
             <a:endParaRPr lang="en-US" dirty="0"/>
-          </a:p>
-          <a:p>
-            <a:r>
-              <a:rPr lang="en-US" dirty="0"/>
-              <a:t>More in recitation</a:t>
-            </a:r>
           </a:p>
           <a:p>
             <a:pPr marL="0" indent="0">
@@ -21794,7 +22153,7 @@
           <a:p>
             <a:fld id="{629637A9-119A-49DA-BD12-AAC58B377D80}" type="slidenum">
               <a:rPr lang="en-US" smtClean="0"/>
-              <a:t>8</a:t>
+              <a:t>9</a:t>
             </a:fld>
             <a:endParaRPr lang="en-US" dirty="0"/>
           </a:p>
@@ -21828,173 +22187,6 @@
     <p:extLst>
       <p:ext uri="{BB962C8B-B14F-4D97-AF65-F5344CB8AC3E}">
         <p14:creationId xmlns:p14="http://schemas.microsoft.com/office/powerpoint/2010/main" val="3577544482"/>
-      </p:ext>
-    </p:extLst>
-  </p:cSld>
-  <p:clrMapOvr>
-    <a:masterClrMapping/>
-  </p:clrMapOvr>
-</p:sld>
-</file>
-
-<file path=ppt/slides/slide9.xml><?xml version="1.0" encoding="utf-8"?>
-<p:sld xmlns:a="http://schemas.openxmlformats.org/drawingml/2006/main" xmlns:r="http://schemas.openxmlformats.org/officeDocument/2006/relationships" xmlns:p="http://schemas.openxmlformats.org/presentationml/2006/main">
-  <p:cSld>
-    <p:spTree>
-      <p:nvGrpSpPr>
-        <p:cNvPr id="1" name=""/>
-        <p:cNvGrpSpPr/>
-        <p:nvPr/>
-      </p:nvGrpSpPr>
-      <p:grpSpPr>
-        <a:xfrm>
-          <a:off x="0" y="0"/>
-          <a:ext cx="0" cy="0"/>
-          <a:chOff x="0" y="0"/>
-          <a:chExt cx="0" cy="0"/>
-        </a:xfrm>
-      </p:grpSpPr>
-      <p:sp>
-        <p:nvSpPr>
-          <p:cNvPr id="2" name="Title 1"/>
-          <p:cNvSpPr>
-            <a:spLocks noGrp="1"/>
-          </p:cNvSpPr>
-          <p:nvPr>
-            <p:ph type="title"/>
-          </p:nvPr>
-        </p:nvSpPr>
-        <p:spPr/>
-        <p:txBody>
-          <a:bodyPr/>
-          <a:lstStyle/>
-          <a:p>
-            <a:r>
-              <a:rPr lang="en-US" dirty="0"/>
-              <a:t>Visualizing the Data</a:t>
-            </a:r>
-          </a:p>
-        </p:txBody>
-      </p:sp>
-      <p:sp>
-        <p:nvSpPr>
-          <p:cNvPr id="3" name="Content Placeholder 2"/>
-          <p:cNvSpPr>
-            <a:spLocks noGrp="1"/>
-          </p:cNvSpPr>
-          <p:nvPr>
-            <p:ph idx="1"/>
-          </p:nvPr>
-        </p:nvSpPr>
-        <p:spPr>
-          <a:xfrm>
-            <a:off x="5047489" y="1539277"/>
-            <a:ext cx="6108192" cy="4329817"/>
-          </a:xfrm>
-        </p:spPr>
-        <p:txBody>
-          <a:bodyPr/>
-          <a:lstStyle/>
-          <a:p>
-            <a:r>
-              <a:rPr lang="en-US" dirty="0"/>
-              <a:t>When possible, look at data before doing anything</a:t>
-            </a:r>
-          </a:p>
-          <a:p>
-            <a:r>
-              <a:rPr lang="en-US" dirty="0"/>
-              <a:t>Python has MATLAB-like plotting </a:t>
-            </a:r>
-          </a:p>
-          <a:p>
-            <a:pPr lvl="1"/>
-            <a:r>
-              <a:rPr lang="en-US" dirty="0" err="1"/>
-              <a:t>Matplotlib</a:t>
-            </a:r>
-            <a:r>
-              <a:rPr lang="en-US" dirty="0"/>
-              <a:t> module</a:t>
-            </a:r>
-          </a:p>
-        </p:txBody>
-      </p:sp>
-      <p:sp>
-        <p:nvSpPr>
-          <p:cNvPr id="4" name="Slide Number Placeholder 3"/>
-          <p:cNvSpPr>
-            <a:spLocks noGrp="1"/>
-          </p:cNvSpPr>
-          <p:nvPr>
-            <p:ph type="sldNum" sz="quarter" idx="12"/>
-          </p:nvPr>
-        </p:nvSpPr>
-        <p:spPr/>
-        <p:txBody>
-          <a:bodyPr/>
-          <a:lstStyle/>
-          <a:p>
-            <a:fld id="{629637A9-119A-49DA-BD12-AAC58B377D80}" type="slidenum">
-              <a:rPr lang="en-US" smtClean="0"/>
-              <a:t>9</a:t>
-            </a:fld>
-            <a:endParaRPr lang="en-US" dirty="0"/>
-          </a:p>
-        </p:txBody>
-      </p:sp>
-      <p:pic>
-        <p:nvPicPr>
-          <p:cNvPr id="5" name="Picture 4"/>
-          <p:cNvPicPr>
-            <a:picLocks noChangeAspect="1"/>
-          </p:cNvPicPr>
-          <p:nvPr/>
-        </p:nvPicPr>
-        <p:blipFill>
-          <a:blip r:embed="rId2"/>
-          <a:stretch>
-            <a:fillRect/>
-          </a:stretch>
-        </p:blipFill>
-        <p:spPr>
-          <a:xfrm>
-            <a:off x="559283" y="1539277"/>
-            <a:ext cx="3542265" cy="2642310"/>
-          </a:xfrm>
-          <a:prstGeom prst="rect">
-            <a:avLst/>
-          </a:prstGeom>
-        </p:spPr>
-      </p:pic>
-      <p:pic>
-        <p:nvPicPr>
-          <p:cNvPr id="6" name="Picture 5"/>
-          <p:cNvPicPr>
-            <a:picLocks noChangeAspect="1"/>
-          </p:cNvPicPr>
-          <p:nvPr/>
-        </p:nvPicPr>
-        <p:blipFill>
-          <a:blip r:embed="rId3"/>
-          <a:stretch>
-            <a:fillRect/>
-          </a:stretch>
-        </p:blipFill>
-        <p:spPr>
-          <a:xfrm>
-            <a:off x="4354167" y="2983226"/>
-            <a:ext cx="4272998" cy="2885868"/>
-          </a:xfrm>
-          <a:prstGeom prst="rect">
-            <a:avLst/>
-          </a:prstGeom>
-        </p:spPr>
-      </p:pic>
-    </p:spTree>
-    <p:extLst>
-      <p:ext uri="{BB962C8B-B14F-4D97-AF65-F5344CB8AC3E}">
-        <p14:creationId xmlns:p14="http://schemas.microsoft.com/office/powerpoint/2010/main" val="3150755345"/>
       </p:ext>
     </p:extLst>
   </p:cSld>

--- a/lectures/Lect02_SimpRegression.pptx
+++ b/lectures/Lect02_SimpRegression.pptx
@@ -5,12 +5,12 @@
     <p:sldMasterId id="2147483648" r:id="rId1"/>
   </p:sldMasterIdLst>
   <p:notesMasterIdLst>
-    <p:notesMasterId r:id="rId37"/>
+    <p:notesMasterId r:id="rId39"/>
   </p:notesMasterIdLst>
   <p:sldIdLst>
     <p:sldId id="258" r:id="rId2"/>
     <p:sldId id="282" r:id="rId3"/>
-    <p:sldId id="293" r:id="rId4"/>
+    <p:sldId id="302" r:id="rId4"/>
     <p:sldId id="264" r:id="rId5"/>
     <p:sldId id="288" r:id="rId6"/>
     <p:sldId id="263" r:id="rId7"/>
@@ -19,30 +19,32 @@
     <p:sldId id="266" r:id="rId10"/>
     <p:sldId id="267" r:id="rId11"/>
     <p:sldId id="268" r:id="rId12"/>
-    <p:sldId id="292" r:id="rId13"/>
+    <p:sldId id="301" r:id="rId13"/>
     <p:sldId id="270" r:id="rId14"/>
     <p:sldId id="271" r:id="rId15"/>
     <p:sldId id="283" r:id="rId16"/>
-    <p:sldId id="273" r:id="rId17"/>
+    <p:sldId id="300" r:id="rId17"/>
     <p:sldId id="272" r:id="rId18"/>
     <p:sldId id="261" r:id="rId19"/>
     <p:sldId id="286" r:id="rId20"/>
     <p:sldId id="287" r:id="rId21"/>
-    <p:sldId id="276" r:id="rId22"/>
-    <p:sldId id="275" r:id="rId23"/>
+    <p:sldId id="275" r:id="rId22"/>
+    <p:sldId id="276" r:id="rId23"/>
     <p:sldId id="289" r:id="rId24"/>
     <p:sldId id="285" r:id="rId25"/>
     <p:sldId id="277" r:id="rId26"/>
-    <p:sldId id="284" r:id="rId27"/>
-    <p:sldId id="295" r:id="rId28"/>
-    <p:sldId id="262" r:id="rId29"/>
-    <p:sldId id="278" r:id="rId30"/>
-    <p:sldId id="290" r:id="rId31"/>
-    <p:sldId id="291" r:id="rId32"/>
-    <p:sldId id="280" r:id="rId33"/>
-    <p:sldId id="281" r:id="rId34"/>
-    <p:sldId id="274" r:id="rId35"/>
-    <p:sldId id="294" r:id="rId36"/>
+    <p:sldId id="297" r:id="rId27"/>
+    <p:sldId id="284" r:id="rId28"/>
+    <p:sldId id="295" r:id="rId29"/>
+    <p:sldId id="298" r:id="rId30"/>
+    <p:sldId id="262" r:id="rId31"/>
+    <p:sldId id="278" r:id="rId32"/>
+    <p:sldId id="290" r:id="rId33"/>
+    <p:sldId id="299" r:id="rId34"/>
+    <p:sldId id="280" r:id="rId35"/>
+    <p:sldId id="281" r:id="rId36"/>
+    <p:sldId id="274" r:id="rId37"/>
+    <p:sldId id="294" r:id="rId38"/>
   </p:sldIdLst>
   <p:sldSz cx="12192000" cy="6858000"/>
   <p:notesSz cx="7315200" cy="9601200"/>
@@ -4356,26 +4358,26 @@
           <a:p>
             <a:r>
               <a:rPr lang="en-US" dirty="0"/>
-              <a:t>Try to find a mathematical to predict mpg from displacement</a:t>
-            </a:r>
-          </a:p>
-          <a:p>
+              <a:t>Try to find a mathematical to predict mpg from displacement, horsepower or acceleration</a:t>
+            </a:r>
+          </a:p>
+          <a:p>
+            <a:pPr lvl="1"/>
             <a:r>
               <a:rPr lang="en-US" dirty="0"/>
-              <a:t>Try to “fit” the model.  Find coefficients / parameters in the model. </a:t>
-            </a:r>
-          </a:p>
-          <a:p>
-            <a:pPr lvl="1"/>
+              <a:t>Make a reasonable / eyeball guess.  No need for program now.</a:t>
+            </a:r>
+          </a:p>
+          <a:p>
             <a:r>
               <a:rPr lang="en-US" dirty="0"/>
-              <a:t>Without using python, make a good guess at the parameters</a:t>
+              <a:t>What does your model predict when displacement = 200?</a:t>
             </a:r>
           </a:p>
           <a:p>
             <a:r>
               <a:rPr lang="en-US" dirty="0"/>
-              <a:t>Which variables (displacement, horsepower, acceleration) seem to predict mpg the best?</a:t>
+              <a:t>Is the prediction reasonable?  Can you improve your model?</a:t>
             </a:r>
           </a:p>
         </p:txBody>
@@ -4694,7 +4696,13 @@
           <a:p>
             <a:r>
               <a:rPr lang="en-US" dirty="0"/>
-              <a:t>Sample Mean and Variance; LS Fit Solution</a:t>
+              <a:t>Sample Mean and Variance</a:t>
+            </a:r>
+          </a:p>
+          <a:p>
+            <a:r>
+              <a:rPr lang="en-US" dirty="0"/>
+              <a:t>LS Fit Solution</a:t>
             </a:r>
           </a:p>
           <a:p>
@@ -4736,7 +4744,7 @@
         </p:nvSpPr>
         <p:spPr>
           <a:xfrm>
-            <a:off x="318749" y="1872608"/>
+            <a:off x="262104" y="1880359"/>
             <a:ext cx="938784" cy="484632"/>
           </a:xfrm>
           <a:prstGeom prst="rightArrow">
@@ -4777,7 +4785,7 @@
     </p:spTree>
     <p:extLst>
       <p:ext uri="{BB962C8B-B14F-4D97-AF65-F5344CB8AC3E}">
-        <p14:creationId xmlns:p14="http://schemas.microsoft.com/office/powerpoint/2010/main" val="2516477050"/>
+        <p14:creationId xmlns:p14="http://schemas.microsoft.com/office/powerpoint/2010/main" val="2614087899"/>
       </p:ext>
     </p:extLst>
   </p:cSld>
@@ -6793,7 +6801,13 @@
           <a:p>
             <a:r>
               <a:rPr lang="en-US" dirty="0"/>
-              <a:t>Sample Mean and Variance; LS Fit Solution</a:t>
+              <a:t>Sample Mean and Variance</a:t>
+            </a:r>
+          </a:p>
+          <a:p>
+            <a:r>
+              <a:rPr lang="en-US" dirty="0"/>
+              <a:t>LS Fit Solution</a:t>
             </a:r>
           </a:p>
           <a:p>
@@ -6835,7 +6849,7 @@
         </p:nvSpPr>
         <p:spPr>
           <a:xfrm>
-            <a:off x="396240" y="2353056"/>
+            <a:off x="287861" y="2408392"/>
             <a:ext cx="938784" cy="484632"/>
           </a:xfrm>
           <a:prstGeom prst="rightArrow">
@@ -6876,7 +6890,7 @@
     </p:spTree>
     <p:extLst>
       <p:ext uri="{BB962C8B-B14F-4D97-AF65-F5344CB8AC3E}">
-        <p14:creationId xmlns:p14="http://schemas.microsoft.com/office/powerpoint/2010/main" val="3706351502"/>
+        <p14:creationId xmlns:p14="http://schemas.microsoft.com/office/powerpoint/2010/main" val="172348312"/>
       </p:ext>
     </p:extLst>
   </p:cSld>
@@ -9187,7 +9201,31 @@
                       <a:rPr lang="en-US" b="0" i="1" smtClean="0">
                         <a:latin typeface="Cambria Math" panose="02040503050406030204" pitchFamily="18" charset="0"/>
                       </a:rPr>
-                      <m:t>=1,2,…,</m:t>
+                      <m:t>=</m:t>
+                    </m:r>
+                    <m:r>
+                      <a:rPr lang="en-US" b="0" i="1" smtClean="0">
+                        <a:latin typeface="Cambria Math" panose="02040503050406030204" pitchFamily="18" charset="0"/>
+                      </a:rPr>
+                      <m:t>1</m:t>
+                    </m:r>
+                    <m:r>
+                      <a:rPr lang="en-US" b="0" i="1" smtClean="0">
+                        <a:latin typeface="Cambria Math" panose="02040503050406030204" pitchFamily="18" charset="0"/>
+                      </a:rPr>
+                      <m:t>,</m:t>
+                    </m:r>
+                    <m:r>
+                      <a:rPr lang="en-US" b="0" i="1" smtClean="0">
+                        <a:latin typeface="Cambria Math" panose="02040503050406030204" pitchFamily="18" charset="0"/>
+                      </a:rPr>
+                      <m:t>2</m:t>
+                    </m:r>
+                    <m:r>
+                      <a:rPr lang="en-US" b="0" i="1" smtClean="0">
+                        <a:latin typeface="Cambria Math" panose="02040503050406030204" pitchFamily="18" charset="0"/>
+                      </a:rPr>
+                      <m:t>,…,</m:t>
                     </m:r>
                     <m:r>
                       <a:rPr lang="en-US" b="0" i="1" smtClean="0">
@@ -10270,7 +10308,13 @@
           <a:p>
             <a:r>
               <a:rPr lang="en-US" dirty="0"/>
-              <a:t>Sample Mean and Variance; LS Fit Solution</a:t>
+              <a:t>Sample Mean and Variance</a:t>
+            </a:r>
+          </a:p>
+          <a:p>
+            <a:r>
+              <a:rPr lang="en-US" dirty="0"/>
+              <a:t>LS Fit Solution</a:t>
             </a:r>
           </a:p>
           <a:p>
@@ -10390,331 +10434,6 @@
             <p:ph type="title"/>
           </p:nvPr>
         </p:nvSpPr>
-        <p:spPr>
-          <a:xfrm>
-            <a:off x="1097280" y="286603"/>
-            <a:ext cx="10058400" cy="1040211"/>
-          </a:xfrm>
-        </p:spPr>
-        <p:txBody>
-          <a:bodyPr>
-            <a:normAutofit fontScale="90000"/>
-          </a:bodyPr>
-          <a:lstStyle/>
-          <a:p>
-            <a:r>
-              <a:rPr lang="en-US" dirty="0"/>
-              <a:t>Visualizing Mean and SD on Scatter Plot</a:t>
-            </a:r>
-            <a:br>
-              <a:rPr lang="en-US" dirty="0"/>
-            </a:br>
-            <a:r>
-              <a:rPr lang="en-US" sz="4000" dirty="0"/>
-              <a:t>Question</a:t>
-            </a:r>
-          </a:p>
-        </p:txBody>
-      </p:sp>
-      <mc:AlternateContent xmlns:mc="http://schemas.openxmlformats.org/markup-compatibility/2006" xmlns:a14="http://schemas.microsoft.com/office/drawing/2010/main">
-        <mc:Choice Requires="a14">
-          <p:sp>
-            <p:nvSpPr>
-              <p:cNvPr id="3" name="Content Placeholder 2"/>
-              <p:cNvSpPr>
-                <a:spLocks noGrp="1"/>
-              </p:cNvSpPr>
-              <p:nvPr>
-                <p:ph idx="1"/>
-              </p:nvPr>
-            </p:nvSpPr>
-            <p:spPr>
-              <a:xfrm>
-                <a:off x="1097280" y="1539277"/>
-                <a:ext cx="10058400" cy="4329817"/>
-              </a:xfrm>
-            </p:spPr>
-            <p:txBody>
-              <a:bodyPr/>
-              <a:lstStyle/>
-              <a:p>
-                <a:pPr marL="0" indent="0">
-                  <a:buNone/>
-                </a:pPr>
-                <a:r>
-                  <a:rPr lang="en-US" dirty="0"/>
-                  <a:t>Using the picture only (no calculators), estimate the following (roughly):</a:t>
-                </a:r>
-              </a:p>
-              <a:p>
-                <a:endParaRPr lang="en-US" dirty="0"/>
-              </a:p>
-              <a:p>
-                <a:r>
-                  <a:rPr lang="en-US" dirty="0"/>
-                  <a:t>The sample mean mpg and horsepower: </a:t>
-                </a:r>
-                <a14:m>
-                  <m:oMath xmlns:m="http://schemas.openxmlformats.org/officeDocument/2006/math">
-                    <m:acc>
-                      <m:accPr>
-                        <m:chr m:val="̅"/>
-                        <m:ctrlPr>
-                          <a:rPr lang="en-US" i="1">
-                            <a:latin typeface="Cambria Math" panose="02040503050406030204" pitchFamily="18" charset="0"/>
-                          </a:rPr>
-                        </m:ctrlPr>
-                      </m:accPr>
-                      <m:e>
-                        <m:r>
-                          <a:rPr lang="en-US" i="1">
-                            <a:latin typeface="Cambria Math" panose="02040503050406030204" pitchFamily="18" charset="0"/>
-                          </a:rPr>
-                          <m:t>𝑥</m:t>
-                        </m:r>
-                      </m:e>
-                    </m:acc>
-                  </m:oMath>
-                </a14:m>
-                <a:r>
-                  <a:rPr lang="en-US" dirty="0"/>
-                  <a:t>, </a:t>
-                </a:r>
-                <a14:m>
-                  <m:oMath xmlns:m="http://schemas.openxmlformats.org/officeDocument/2006/math">
-                    <m:acc>
-                      <m:accPr>
-                        <m:chr m:val="̅"/>
-                        <m:ctrlPr>
-                          <a:rPr lang="en-US" i="1" smtClean="0">
-                            <a:latin typeface="Cambria Math" panose="02040503050406030204" pitchFamily="18" charset="0"/>
-                          </a:rPr>
-                        </m:ctrlPr>
-                      </m:accPr>
-                      <m:e>
-                        <m:r>
-                          <a:rPr lang="en-US" b="0" i="1" smtClean="0">
-                            <a:latin typeface="Cambria Math" panose="02040503050406030204" pitchFamily="18" charset="0"/>
-                          </a:rPr>
-                          <m:t>𝑦</m:t>
-                        </m:r>
-                      </m:e>
-                    </m:acc>
-                  </m:oMath>
-                </a14:m>
-                <a:endParaRPr lang="en-US" dirty="0"/>
-              </a:p>
-              <a:p>
-                <a:endParaRPr lang="en-US" dirty="0"/>
-              </a:p>
-              <a:p>
-                <a:r>
-                  <a:rPr lang="en-US" dirty="0"/>
-                  <a:t>The sample </a:t>
-                </a:r>
-                <a:r>
-                  <a:rPr lang="en-US" dirty="0" err="1"/>
-                  <a:t>std</a:t>
-                </a:r>
-                <a:r>
-                  <a:rPr lang="en-US" dirty="0"/>
-                  <a:t> deviations: </a:t>
-                </a:r>
-                <a14:m>
-                  <m:oMath xmlns:m="http://schemas.openxmlformats.org/officeDocument/2006/math">
-                    <m:sSub>
-                      <m:sSubPr>
-                        <m:ctrlPr>
-                          <a:rPr lang="en-US" b="0" i="1" smtClean="0">
-                            <a:latin typeface="Cambria Math" panose="02040503050406030204" pitchFamily="18" charset="0"/>
-                          </a:rPr>
-                        </m:ctrlPr>
-                      </m:sSubPr>
-                      <m:e>
-                        <m:r>
-                          <a:rPr lang="en-US" b="0" i="1" smtClean="0">
-                            <a:latin typeface="Cambria Math" panose="02040503050406030204" pitchFamily="18" charset="0"/>
-                          </a:rPr>
-                          <m:t>𝑠</m:t>
-                        </m:r>
-                      </m:e>
-                      <m:sub>
-                        <m:r>
-                          <a:rPr lang="en-US" b="0" i="1" smtClean="0">
-                            <a:latin typeface="Cambria Math" panose="02040503050406030204" pitchFamily="18" charset="0"/>
-                          </a:rPr>
-                          <m:t>𝑥</m:t>
-                        </m:r>
-                      </m:sub>
-                    </m:sSub>
-                    <m:r>
-                      <a:rPr lang="en-US" b="0" i="1" smtClean="0">
-                        <a:latin typeface="Cambria Math" panose="02040503050406030204" pitchFamily="18" charset="0"/>
-                      </a:rPr>
-                      <m:t>, </m:t>
-                    </m:r>
-                    <m:sSub>
-                      <m:sSubPr>
-                        <m:ctrlPr>
-                          <a:rPr lang="en-US" b="0" i="1" smtClean="0">
-                            <a:latin typeface="Cambria Math" panose="02040503050406030204" pitchFamily="18" charset="0"/>
-                          </a:rPr>
-                        </m:ctrlPr>
-                      </m:sSubPr>
-                      <m:e>
-                        <m:r>
-                          <a:rPr lang="en-US" b="0" i="1" smtClean="0">
-                            <a:latin typeface="Cambria Math" panose="02040503050406030204" pitchFamily="18" charset="0"/>
-                          </a:rPr>
-                          <m:t>𝑠</m:t>
-                        </m:r>
-                      </m:e>
-                      <m:sub>
-                        <m:r>
-                          <a:rPr lang="en-US" b="0" i="1" smtClean="0">
-                            <a:latin typeface="Cambria Math" panose="02040503050406030204" pitchFamily="18" charset="0"/>
-                          </a:rPr>
-                          <m:t>𝑦</m:t>
-                        </m:r>
-                      </m:sub>
-                    </m:sSub>
-                  </m:oMath>
-                </a14:m>
-                <a:endParaRPr lang="en-US" dirty="0"/>
-              </a:p>
-            </p:txBody>
-          </p:sp>
-        </mc:Choice>
-        <mc:Fallback xmlns="">
-          <p:sp>
-            <p:nvSpPr>
-              <p:cNvPr id="3" name="Content Placeholder 2"/>
-              <p:cNvSpPr>
-                <a:spLocks noGrp="1" noRot="1" noChangeAspect="1" noMove="1" noResize="1" noEditPoints="1" noAdjustHandles="1" noChangeArrowheads="1" noChangeShapeType="1" noTextEdit="1"/>
-              </p:cNvSpPr>
-              <p:nvPr>
-                <p:ph idx="1"/>
-              </p:nvPr>
-            </p:nvSpPr>
-            <p:spPr>
-              <a:xfrm>
-                <a:off x="1097280" y="1539277"/>
-                <a:ext cx="10058400" cy="4329817"/>
-              </a:xfrm>
-              <a:blipFill>
-                <a:blip r:embed="rId2"/>
-                <a:stretch>
-                  <a:fillRect l="-1515" t="-1549"/>
-                </a:stretch>
-              </a:blipFill>
-            </p:spPr>
-            <p:txBody>
-              <a:bodyPr/>
-              <a:lstStyle/>
-              <a:p>
-                <a:r>
-                  <a:rPr lang="en-US">
-                    <a:noFill/>
-                  </a:rPr>
-                  <a:t> </a:t>
-                </a:r>
-              </a:p>
-            </p:txBody>
-          </p:sp>
-        </mc:Fallback>
-      </mc:AlternateContent>
-      <p:sp>
-        <p:nvSpPr>
-          <p:cNvPr id="4" name="Slide Number Placeholder 3"/>
-          <p:cNvSpPr>
-            <a:spLocks noGrp="1"/>
-          </p:cNvSpPr>
-          <p:nvPr>
-            <p:ph type="sldNum" sz="quarter" idx="12"/>
-          </p:nvPr>
-        </p:nvSpPr>
-        <p:spPr>
-          <a:xfrm>
-            <a:off x="9346794" y="6314268"/>
-            <a:ext cx="1312025" cy="365125"/>
-          </a:xfrm>
-        </p:spPr>
-        <p:txBody>
-          <a:bodyPr/>
-          <a:lstStyle/>
-          <a:p>
-            <a:fld id="{629637A9-119A-49DA-BD12-AAC58B377D80}" type="slidenum">
-              <a:rPr lang="en-US" smtClean="0"/>
-              <a:t>21</a:t>
-            </a:fld>
-            <a:endParaRPr lang="en-US" dirty="0"/>
-          </a:p>
-        </p:txBody>
-      </p:sp>
-      <p:pic>
-        <p:nvPicPr>
-          <p:cNvPr id="5" name="Picture 4"/>
-          <p:cNvPicPr>
-            <a:picLocks noChangeAspect="1"/>
-          </p:cNvPicPr>
-          <p:nvPr/>
-        </p:nvPicPr>
-        <p:blipFill>
-          <a:blip r:embed="rId3"/>
-          <a:stretch>
-            <a:fillRect/>
-          </a:stretch>
-        </p:blipFill>
-        <p:spPr>
-          <a:xfrm>
-            <a:off x="7065010" y="2260307"/>
-            <a:ext cx="4563567" cy="2955506"/>
-          </a:xfrm>
-          <a:prstGeom prst="rect">
-            <a:avLst/>
-          </a:prstGeom>
-        </p:spPr>
-      </p:pic>
-    </p:spTree>
-    <p:extLst>
-      <p:ext uri="{BB962C8B-B14F-4D97-AF65-F5344CB8AC3E}">
-        <p14:creationId xmlns:p14="http://schemas.microsoft.com/office/powerpoint/2010/main" val="48048437"/>
-      </p:ext>
-    </p:extLst>
-  </p:cSld>
-  <p:clrMapOvr>
-    <a:masterClrMapping/>
-  </p:clrMapOvr>
-</p:sld>
-</file>
-
-<file path=ppt/slides/slide22.xml><?xml version="1.0" encoding="utf-8"?>
-<p:sld xmlns:a="http://schemas.openxmlformats.org/drawingml/2006/main" xmlns:r="http://schemas.openxmlformats.org/officeDocument/2006/relationships" xmlns:p="http://schemas.openxmlformats.org/presentationml/2006/main">
-  <p:cSld>
-    <p:spTree>
-      <p:nvGrpSpPr>
-        <p:cNvPr id="1" name=""/>
-        <p:cNvGrpSpPr/>
-        <p:nvPr/>
-      </p:nvGrpSpPr>
-      <p:grpSpPr>
-        <a:xfrm>
-          <a:off x="0" y="0"/>
-          <a:ext cx="0" cy="0"/>
-          <a:chOff x="0" y="0"/>
-          <a:chExt cx="0" cy="0"/>
-        </a:xfrm>
-      </p:grpSpPr>
-      <p:sp>
-        <p:nvSpPr>
-          <p:cNvPr id="2" name="Title 1"/>
-          <p:cNvSpPr>
-            <a:spLocks noGrp="1"/>
-          </p:cNvSpPr>
-          <p:nvPr>
-            <p:ph type="title"/>
-          </p:nvPr>
-        </p:nvSpPr>
         <p:spPr/>
         <p:txBody>
           <a:bodyPr/>
@@ -10727,8 +10446,8 @@
           </a:p>
         </p:txBody>
       </p:sp>
-      <mc:AlternateContent xmlns:mc="http://schemas.openxmlformats.org/markup-compatibility/2006" xmlns:a14="http://schemas.microsoft.com/office/drawing/2010/main">
-        <mc:Choice Requires="a14">
+      <mc:AlternateContent xmlns:mc="http://schemas.openxmlformats.org/markup-compatibility/2006">
+        <mc:Choice xmlns:a14="http://schemas.microsoft.com/office/drawing/2010/main" Requires="a14">
           <p:sp>
             <p:nvSpPr>
               <p:cNvPr id="3" name="Content Placeholder 2"/>
@@ -10746,11 +10465,123 @@
               </a:xfrm>
             </p:spPr>
             <p:txBody>
-              <a:bodyPr/>
+              <a:bodyPr>
+                <a:normAutofit fontScale="92500" lnSpcReduction="20000"/>
+              </a:bodyPr>
               <a:lstStyle/>
               <a:p>
                 <a:r>
                   <a:rPr lang="en-US" dirty="0"/>
+                  <a:t>Given data </a:t>
+                </a:r>
+                <a14:m>
+                  <m:oMath xmlns:m="http://schemas.openxmlformats.org/officeDocument/2006/math">
+                    <m:sSub>
+                      <m:sSubPr>
+                        <m:ctrlPr>
+                          <a:rPr lang="en-US" i="1">
+                            <a:latin typeface="Cambria Math" panose="02040503050406030204" pitchFamily="18" charset="0"/>
+                          </a:rPr>
+                        </m:ctrlPr>
+                      </m:sSubPr>
+                      <m:e>
+                        <m:r>
+                          <a:rPr lang="en-US" b="0" i="1" smtClean="0">
+                            <a:latin typeface="Cambria Math" panose="02040503050406030204" pitchFamily="18" charset="0"/>
+                          </a:rPr>
+                          <m:t>(</m:t>
+                        </m:r>
+                        <m:r>
+                          <a:rPr lang="en-US" i="1">
+                            <a:latin typeface="Cambria Math" panose="02040503050406030204" pitchFamily="18" charset="0"/>
+                          </a:rPr>
+                          <m:t>𝑥</m:t>
+                        </m:r>
+                      </m:e>
+                      <m:sub>
+                        <m:r>
+                          <a:rPr lang="en-US" i="1">
+                            <a:latin typeface="Cambria Math" panose="02040503050406030204" pitchFamily="18" charset="0"/>
+                          </a:rPr>
+                          <m:t>𝑖</m:t>
+                        </m:r>
+                      </m:sub>
+                    </m:sSub>
+                    <m:r>
+                      <a:rPr lang="en-US" b="0" i="1" smtClean="0">
+                        <a:latin typeface="Cambria Math" panose="02040503050406030204" pitchFamily="18" charset="0"/>
+                      </a:rPr>
+                      <m:t>,</m:t>
+                    </m:r>
+                    <m:sSub>
+                      <m:sSubPr>
+                        <m:ctrlPr>
+                          <a:rPr lang="en-US" b="0" i="1" smtClean="0">
+                            <a:latin typeface="Cambria Math" panose="02040503050406030204" pitchFamily="18" charset="0"/>
+                          </a:rPr>
+                        </m:ctrlPr>
+                      </m:sSubPr>
+                      <m:e>
+                        <m:r>
+                          <a:rPr lang="en-US" b="0" i="1" smtClean="0">
+                            <a:latin typeface="Cambria Math" panose="02040503050406030204" pitchFamily="18" charset="0"/>
+                          </a:rPr>
+                          <m:t>𝑦</m:t>
+                        </m:r>
+                      </m:e>
+                      <m:sub>
+                        <m:r>
+                          <a:rPr lang="en-US" b="0" i="1" smtClean="0">
+                            <a:latin typeface="Cambria Math" panose="02040503050406030204" pitchFamily="18" charset="0"/>
+                          </a:rPr>
+                          <m:t>𝑖</m:t>
+                        </m:r>
+                      </m:sub>
+                    </m:sSub>
+                    <m:r>
+                      <a:rPr lang="en-US" b="0" i="1" smtClean="0">
+                        <a:latin typeface="Cambria Math" panose="02040503050406030204" pitchFamily="18" charset="0"/>
+                      </a:rPr>
+                      <m:t>)</m:t>
+                    </m:r>
+                    <m:r>
+                      <a:rPr lang="en-US" i="1">
+                        <a:latin typeface="Cambria Math" panose="02040503050406030204" pitchFamily="18" charset="0"/>
+                      </a:rPr>
+                      <m:t>, </m:t>
+                    </m:r>
+                    <m:r>
+                      <a:rPr lang="en-US" i="1">
+                        <a:latin typeface="Cambria Math" panose="02040503050406030204" pitchFamily="18" charset="0"/>
+                      </a:rPr>
+                      <m:t>𝑖</m:t>
+                    </m:r>
+                    <m:r>
+                      <a:rPr lang="en-US" i="1">
+                        <a:latin typeface="Cambria Math" panose="02040503050406030204" pitchFamily="18" charset="0"/>
+                      </a:rPr>
+                      <m:t>=1,…,</m:t>
+                    </m:r>
+                    <m:r>
+                      <a:rPr lang="en-US" i="1">
+                        <a:latin typeface="Cambria Math" panose="02040503050406030204" pitchFamily="18" charset="0"/>
+                      </a:rPr>
+                      <m:t>𝑁</m:t>
+                    </m:r>
+                  </m:oMath>
+                </a14:m>
+                <a:endParaRPr lang="en-US" dirty="0"/>
+              </a:p>
+              <a:p>
+                <a:r>
+                  <a:rPr lang="en-US" dirty="0">
+                    <a:solidFill>
+                      <a:schemeClr val="accent1">
+                        <a:lumMod val="60000"/>
+                        <a:lumOff val="40000"/>
+                      </a:schemeClr>
+                    </a:solidFill>
+                  </a:rPr>
                   <a:t>Sample mean</a:t>
                 </a:r>
                 <a:br>
@@ -11003,6 +10834,9 @@
                   <a:rPr lang="en-US" dirty="0"/>
                   <a:t>Sample variances</a:t>
                 </a:r>
+                <a:br>
+                  <a:rPr lang="en-US" dirty="0"/>
+                </a:br>
                 <a:br>
                   <a:rPr lang="en-US" dirty="0"/>
                 </a:br>
@@ -11420,7 +11254,7 @@
                 <a:pPr lvl="1"/>
                 <a:r>
                   <a:rPr lang="en-US" dirty="0"/>
-                  <a:t>Creates an unbiased estimate.  More on this later.</a:t>
+                  <a:t>For technical reasons, above formulae are called the biased variances.  </a:t>
                 </a:r>
               </a:p>
               <a:p>
@@ -11512,7 +11346,7 @@
             </p:txBody>
           </p:sp>
         </mc:Choice>
-        <mc:Fallback xmlns="">
+        <mc:Fallback>
           <p:sp>
             <p:nvSpPr>
               <p:cNvPr id="3" name="Content Placeholder 2"/>
@@ -11531,7 +11365,7 @@
               <a:blipFill>
                 <a:blip r:embed="rId2"/>
                 <a:stretch>
-                  <a:fillRect l="-2216" t="-1549"/>
+                  <a:fillRect l="-2031" t="-13521" r="-1754"/>
                 </a:stretch>
               </a:blipFill>
             </p:spPr>
@@ -11567,7 +11401,7 @@
           <a:p>
             <a:fld id="{629637A9-119A-49DA-BD12-AAC58B377D80}" type="slidenum">
               <a:rPr lang="en-US" smtClean="0"/>
-              <a:t>22</a:t>
+              <a:t>21</a:t>
             </a:fld>
             <a:endParaRPr lang="en-US" dirty="0"/>
           </a:p>
@@ -11657,6 +11491,331 @@
     <p:extLst>
       <p:ext uri="{BB962C8B-B14F-4D97-AF65-F5344CB8AC3E}">
         <p14:creationId xmlns:p14="http://schemas.microsoft.com/office/powerpoint/2010/main" val="3500512773"/>
+      </p:ext>
+    </p:extLst>
+  </p:cSld>
+  <p:clrMapOvr>
+    <a:masterClrMapping/>
+  </p:clrMapOvr>
+</p:sld>
+</file>
+
+<file path=ppt/slides/slide22.xml><?xml version="1.0" encoding="utf-8"?>
+<p:sld xmlns:a="http://schemas.openxmlformats.org/drawingml/2006/main" xmlns:r="http://schemas.openxmlformats.org/officeDocument/2006/relationships" xmlns:p="http://schemas.openxmlformats.org/presentationml/2006/main">
+  <p:cSld>
+    <p:spTree>
+      <p:nvGrpSpPr>
+        <p:cNvPr id="1" name=""/>
+        <p:cNvGrpSpPr/>
+        <p:nvPr/>
+      </p:nvGrpSpPr>
+      <p:grpSpPr>
+        <a:xfrm>
+          <a:off x="0" y="0"/>
+          <a:ext cx="0" cy="0"/>
+          <a:chOff x="0" y="0"/>
+          <a:chExt cx="0" cy="0"/>
+        </a:xfrm>
+      </p:grpSpPr>
+      <p:sp>
+        <p:nvSpPr>
+          <p:cNvPr id="2" name="Title 1"/>
+          <p:cNvSpPr>
+            <a:spLocks noGrp="1"/>
+          </p:cNvSpPr>
+          <p:nvPr>
+            <p:ph type="title"/>
+          </p:nvPr>
+        </p:nvSpPr>
+        <p:spPr>
+          <a:xfrm>
+            <a:off x="1097280" y="286603"/>
+            <a:ext cx="10058400" cy="1040211"/>
+          </a:xfrm>
+        </p:spPr>
+        <p:txBody>
+          <a:bodyPr>
+            <a:normAutofit fontScale="90000"/>
+          </a:bodyPr>
+          <a:lstStyle/>
+          <a:p>
+            <a:r>
+              <a:rPr lang="en-US" dirty="0"/>
+              <a:t>Visualizing Mean and SD on Scatter Plot</a:t>
+            </a:r>
+            <a:br>
+              <a:rPr lang="en-US" dirty="0"/>
+            </a:br>
+            <a:r>
+              <a:rPr lang="en-US" sz="4000" dirty="0"/>
+              <a:t>Question</a:t>
+            </a:r>
+          </a:p>
+        </p:txBody>
+      </p:sp>
+      <mc:AlternateContent xmlns:mc="http://schemas.openxmlformats.org/markup-compatibility/2006" xmlns:a14="http://schemas.microsoft.com/office/drawing/2010/main">
+        <mc:Choice Requires="a14">
+          <p:sp>
+            <p:nvSpPr>
+              <p:cNvPr id="3" name="Content Placeholder 2"/>
+              <p:cNvSpPr>
+                <a:spLocks noGrp="1"/>
+              </p:cNvSpPr>
+              <p:nvPr>
+                <p:ph idx="1"/>
+              </p:nvPr>
+            </p:nvSpPr>
+            <p:spPr>
+              <a:xfrm>
+                <a:off x="1097280" y="1539277"/>
+                <a:ext cx="10058400" cy="4329817"/>
+              </a:xfrm>
+            </p:spPr>
+            <p:txBody>
+              <a:bodyPr/>
+              <a:lstStyle/>
+              <a:p>
+                <a:pPr marL="0" indent="0">
+                  <a:buNone/>
+                </a:pPr>
+                <a:r>
+                  <a:rPr lang="en-US" dirty="0"/>
+                  <a:t>Using the picture only (no calculators), estimate the following (roughly):</a:t>
+                </a:r>
+              </a:p>
+              <a:p>
+                <a:endParaRPr lang="en-US" dirty="0"/>
+              </a:p>
+              <a:p>
+                <a:r>
+                  <a:rPr lang="en-US" dirty="0"/>
+                  <a:t>The sample mean mpg and horsepower: </a:t>
+                </a:r>
+                <a14:m>
+                  <m:oMath xmlns:m="http://schemas.openxmlformats.org/officeDocument/2006/math">
+                    <m:acc>
+                      <m:accPr>
+                        <m:chr m:val="̅"/>
+                        <m:ctrlPr>
+                          <a:rPr lang="en-US" i="1">
+                            <a:latin typeface="Cambria Math" panose="02040503050406030204" pitchFamily="18" charset="0"/>
+                          </a:rPr>
+                        </m:ctrlPr>
+                      </m:accPr>
+                      <m:e>
+                        <m:r>
+                          <a:rPr lang="en-US" i="1">
+                            <a:latin typeface="Cambria Math" panose="02040503050406030204" pitchFamily="18" charset="0"/>
+                          </a:rPr>
+                          <m:t>𝑥</m:t>
+                        </m:r>
+                      </m:e>
+                    </m:acc>
+                  </m:oMath>
+                </a14:m>
+                <a:r>
+                  <a:rPr lang="en-US" dirty="0"/>
+                  <a:t>, </a:t>
+                </a:r>
+                <a14:m>
+                  <m:oMath xmlns:m="http://schemas.openxmlformats.org/officeDocument/2006/math">
+                    <m:acc>
+                      <m:accPr>
+                        <m:chr m:val="̅"/>
+                        <m:ctrlPr>
+                          <a:rPr lang="en-US" i="1" smtClean="0">
+                            <a:latin typeface="Cambria Math" panose="02040503050406030204" pitchFamily="18" charset="0"/>
+                          </a:rPr>
+                        </m:ctrlPr>
+                      </m:accPr>
+                      <m:e>
+                        <m:r>
+                          <a:rPr lang="en-US" b="0" i="1" smtClean="0">
+                            <a:latin typeface="Cambria Math" panose="02040503050406030204" pitchFamily="18" charset="0"/>
+                          </a:rPr>
+                          <m:t>𝑦</m:t>
+                        </m:r>
+                      </m:e>
+                    </m:acc>
+                  </m:oMath>
+                </a14:m>
+                <a:endParaRPr lang="en-US" dirty="0"/>
+              </a:p>
+              <a:p>
+                <a:endParaRPr lang="en-US" dirty="0"/>
+              </a:p>
+              <a:p>
+                <a:r>
+                  <a:rPr lang="en-US" dirty="0"/>
+                  <a:t>The sample </a:t>
+                </a:r>
+                <a:r>
+                  <a:rPr lang="en-US" dirty="0" err="1"/>
+                  <a:t>std</a:t>
+                </a:r>
+                <a:r>
+                  <a:rPr lang="en-US" dirty="0"/>
+                  <a:t> deviations: </a:t>
+                </a:r>
+                <a14:m>
+                  <m:oMath xmlns:m="http://schemas.openxmlformats.org/officeDocument/2006/math">
+                    <m:sSub>
+                      <m:sSubPr>
+                        <m:ctrlPr>
+                          <a:rPr lang="en-US" b="0" i="1" smtClean="0">
+                            <a:latin typeface="Cambria Math" panose="02040503050406030204" pitchFamily="18" charset="0"/>
+                          </a:rPr>
+                        </m:ctrlPr>
+                      </m:sSubPr>
+                      <m:e>
+                        <m:r>
+                          <a:rPr lang="en-US" b="0" i="1" smtClean="0">
+                            <a:latin typeface="Cambria Math" panose="02040503050406030204" pitchFamily="18" charset="0"/>
+                          </a:rPr>
+                          <m:t>𝑠</m:t>
+                        </m:r>
+                      </m:e>
+                      <m:sub>
+                        <m:r>
+                          <a:rPr lang="en-US" b="0" i="1" smtClean="0">
+                            <a:latin typeface="Cambria Math" panose="02040503050406030204" pitchFamily="18" charset="0"/>
+                          </a:rPr>
+                          <m:t>𝑥</m:t>
+                        </m:r>
+                      </m:sub>
+                    </m:sSub>
+                    <m:r>
+                      <a:rPr lang="en-US" b="0" i="1" smtClean="0">
+                        <a:latin typeface="Cambria Math" panose="02040503050406030204" pitchFamily="18" charset="0"/>
+                      </a:rPr>
+                      <m:t>, </m:t>
+                    </m:r>
+                    <m:sSub>
+                      <m:sSubPr>
+                        <m:ctrlPr>
+                          <a:rPr lang="en-US" b="0" i="1" smtClean="0">
+                            <a:latin typeface="Cambria Math" panose="02040503050406030204" pitchFamily="18" charset="0"/>
+                          </a:rPr>
+                        </m:ctrlPr>
+                      </m:sSubPr>
+                      <m:e>
+                        <m:r>
+                          <a:rPr lang="en-US" b="0" i="1" smtClean="0">
+                            <a:latin typeface="Cambria Math" panose="02040503050406030204" pitchFamily="18" charset="0"/>
+                          </a:rPr>
+                          <m:t>𝑠</m:t>
+                        </m:r>
+                      </m:e>
+                      <m:sub>
+                        <m:r>
+                          <a:rPr lang="en-US" b="0" i="1" smtClean="0">
+                            <a:latin typeface="Cambria Math" panose="02040503050406030204" pitchFamily="18" charset="0"/>
+                          </a:rPr>
+                          <m:t>𝑦</m:t>
+                        </m:r>
+                      </m:sub>
+                    </m:sSub>
+                  </m:oMath>
+                </a14:m>
+                <a:endParaRPr lang="en-US" dirty="0"/>
+              </a:p>
+            </p:txBody>
+          </p:sp>
+        </mc:Choice>
+        <mc:Fallback xmlns="">
+          <p:sp>
+            <p:nvSpPr>
+              <p:cNvPr id="3" name="Content Placeholder 2"/>
+              <p:cNvSpPr>
+                <a:spLocks noGrp="1" noRot="1" noChangeAspect="1" noMove="1" noResize="1" noEditPoints="1" noAdjustHandles="1" noChangeArrowheads="1" noChangeShapeType="1" noTextEdit="1"/>
+              </p:cNvSpPr>
+              <p:nvPr>
+                <p:ph idx="1"/>
+              </p:nvPr>
+            </p:nvSpPr>
+            <p:spPr>
+              <a:xfrm>
+                <a:off x="1097280" y="1539277"/>
+                <a:ext cx="10058400" cy="4329817"/>
+              </a:xfrm>
+              <a:blipFill>
+                <a:blip r:embed="rId2"/>
+                <a:stretch>
+                  <a:fillRect l="-1515" t="-1549"/>
+                </a:stretch>
+              </a:blipFill>
+            </p:spPr>
+            <p:txBody>
+              <a:bodyPr/>
+              <a:lstStyle/>
+              <a:p>
+                <a:r>
+                  <a:rPr lang="en-US">
+                    <a:noFill/>
+                  </a:rPr>
+                  <a:t> </a:t>
+                </a:r>
+              </a:p>
+            </p:txBody>
+          </p:sp>
+        </mc:Fallback>
+      </mc:AlternateContent>
+      <p:sp>
+        <p:nvSpPr>
+          <p:cNvPr id="4" name="Slide Number Placeholder 3"/>
+          <p:cNvSpPr>
+            <a:spLocks noGrp="1"/>
+          </p:cNvSpPr>
+          <p:nvPr>
+            <p:ph type="sldNum" sz="quarter" idx="12"/>
+          </p:nvPr>
+        </p:nvSpPr>
+        <p:spPr>
+          <a:xfrm>
+            <a:off x="9346794" y="6314268"/>
+            <a:ext cx="1312025" cy="365125"/>
+          </a:xfrm>
+        </p:spPr>
+        <p:txBody>
+          <a:bodyPr/>
+          <a:lstStyle/>
+          <a:p>
+            <a:fld id="{629637A9-119A-49DA-BD12-AAC58B377D80}" type="slidenum">
+              <a:rPr lang="en-US" smtClean="0"/>
+              <a:t>22</a:t>
+            </a:fld>
+            <a:endParaRPr lang="en-US" dirty="0"/>
+          </a:p>
+        </p:txBody>
+      </p:sp>
+      <p:pic>
+        <p:nvPicPr>
+          <p:cNvPr id="5" name="Picture 4"/>
+          <p:cNvPicPr>
+            <a:picLocks noChangeAspect="1"/>
+          </p:cNvPicPr>
+          <p:nvPr/>
+        </p:nvPicPr>
+        <p:blipFill>
+          <a:blip r:embed="rId3"/>
+          <a:stretch>
+            <a:fillRect/>
+          </a:stretch>
+        </p:blipFill>
+        <p:spPr>
+          <a:xfrm>
+            <a:off x="7065010" y="2260307"/>
+            <a:ext cx="4563567" cy="2955506"/>
+          </a:xfrm>
+          <a:prstGeom prst="rect">
+            <a:avLst/>
+          </a:prstGeom>
+        </p:spPr>
+      </p:pic>
+    </p:spTree>
+    <p:extLst>
+      <p:ext uri="{BB962C8B-B14F-4D97-AF65-F5344CB8AC3E}">
+        <p14:creationId xmlns:p14="http://schemas.microsoft.com/office/powerpoint/2010/main" val="1202781834"/>
       </p:ext>
     </p:extLst>
   </p:cSld>
@@ -14181,7 +14340,13 @@
       </p:grpSpPr>
       <p:sp>
         <p:nvSpPr>
-          <p:cNvPr id="2" name="Title 1"/>
+          <p:cNvPr id="2" name="Title 1">
+            <a:extLst>
+              <a:ext uri="{FF2B5EF4-FFF2-40B4-BE49-F238E27FC236}">
+                <a16:creationId xmlns:a16="http://schemas.microsoft.com/office/drawing/2014/main" id="{47C8577C-218C-481F-8234-7C8F878DC8C7}"/>
+              </a:ext>
+            </a:extLst>
+          </p:cNvPr>
           <p:cNvSpPr>
             <a:spLocks noGrp="1"/>
           </p:cNvSpPr>
@@ -14196,16 +14361,22 @@
           <a:p>
             <a:r>
               <a:rPr lang="en-US" dirty="0"/>
-              <a:t>Alternate Equation for Variance</a:t>
+              <a:t>Statistics</a:t>
             </a:r>
           </a:p>
         </p:txBody>
       </p:sp>
-      <mc:AlternateContent xmlns:mc="http://schemas.openxmlformats.org/markup-compatibility/2006" xmlns:a14="http://schemas.microsoft.com/office/drawing/2010/main">
-        <mc:Choice Requires="a14">
+      <mc:AlternateContent xmlns:mc="http://schemas.openxmlformats.org/markup-compatibility/2006">
+        <mc:Choice xmlns:a14="http://schemas.microsoft.com/office/drawing/2010/main" Requires="a14">
           <p:sp>
             <p:nvSpPr>
-              <p:cNvPr id="3" name="Content Placeholder 2"/>
+              <p:cNvPr id="3" name="Content Placeholder 2">
+                <a:extLst>
+                  <a:ext uri="{FF2B5EF4-FFF2-40B4-BE49-F238E27FC236}">
+                    <a16:creationId xmlns:a16="http://schemas.microsoft.com/office/drawing/2014/main" id="{2C2CB76B-6912-4537-BD72-A8A5AC2E8DAB}"/>
+                  </a:ext>
+                </a:extLst>
+              </p:cNvPr>
               <p:cNvSpPr>
                 <a:spLocks noGrp="1"/>
               </p:cNvSpPr>
@@ -14220,48 +14391,169 @@
               <a:p>
                 <a:r>
                   <a:rPr lang="en-US" dirty="0"/>
-                  <a:t>Recall sample variance:  </a:t>
+                  <a:t>Often need to compute averages of other functions of data</a:t>
+                </a:r>
+              </a:p>
+              <a:p>
+                <a:r>
+                  <a:rPr lang="en-US" dirty="0">
+                    <a:solidFill>
+                      <a:schemeClr val="accent1">
+                        <a:lumMod val="60000"/>
+                        <a:lumOff val="40000"/>
+                      </a:schemeClr>
+                    </a:solidFill>
+                  </a:rPr>
+                  <a:t>Definition</a:t>
+                </a:r>
+                <a:r>
+                  <a:rPr lang="en-US" dirty="0"/>
+                  <a:t>:  The sample mean of a function </a:t>
                 </a:r>
                 <a14:m>
                   <m:oMath xmlns:m="http://schemas.openxmlformats.org/officeDocument/2006/math">
-                    <m:sSubSup>
-                      <m:sSubSupPr>
-                        <m:ctrlPr>
-                          <a:rPr lang="en-US" b="0" i="1" smtClean="0">
-                            <a:latin typeface="Cambria Math" panose="02040503050406030204" pitchFamily="18" charset="0"/>
-                          </a:rPr>
-                        </m:ctrlPr>
-                      </m:sSubSupPr>
-                      <m:e>
-                        <m:r>
-                          <a:rPr lang="en-US" b="0" i="1" smtClean="0">
-                            <a:latin typeface="Cambria Math" panose="02040503050406030204" pitchFamily="18" charset="0"/>
-                          </a:rPr>
-                          <m:t>𝑠</m:t>
-                        </m:r>
-                      </m:e>
-                      <m:sub>
-                        <m:r>
-                          <a:rPr lang="en-US" b="0" i="1" smtClean="0">
-                            <a:latin typeface="Cambria Math" panose="02040503050406030204" pitchFamily="18" charset="0"/>
-                          </a:rPr>
-                          <m:t>𝑥</m:t>
-                        </m:r>
-                      </m:sub>
-                      <m:sup>
-                        <m:r>
-                          <a:rPr lang="en-US" b="0" i="1" smtClean="0">
-                            <a:latin typeface="Cambria Math" panose="02040503050406030204" pitchFamily="18" charset="0"/>
-                          </a:rPr>
-                          <m:t>2</m:t>
-                        </m:r>
-                      </m:sup>
-                    </m:sSubSup>
                     <m:r>
                       <a:rPr lang="en-US" b="0" i="1" smtClean="0">
                         <a:latin typeface="Cambria Math" panose="02040503050406030204" pitchFamily="18" charset="0"/>
                       </a:rPr>
-                      <m:t>=</m:t>
+                      <m:t>𝑔</m:t>
+                    </m:r>
+                    <m:r>
+                      <a:rPr lang="en-US" b="0" i="1" smtClean="0">
+                        <a:latin typeface="Cambria Math" panose="02040503050406030204" pitchFamily="18" charset="0"/>
+                      </a:rPr>
+                      <m:t>(</m:t>
+                    </m:r>
+                    <m:r>
+                      <a:rPr lang="en-US" b="0" i="1" smtClean="0">
+                        <a:latin typeface="Cambria Math" panose="02040503050406030204" pitchFamily="18" charset="0"/>
+                      </a:rPr>
+                      <m:t>𝑥</m:t>
+                    </m:r>
+                    <m:r>
+                      <a:rPr lang="en-US" b="0" i="1" smtClean="0">
+                        <a:latin typeface="Cambria Math" panose="02040503050406030204" pitchFamily="18" charset="0"/>
+                      </a:rPr>
+                      <m:t>,</m:t>
+                    </m:r>
+                    <m:r>
+                      <a:rPr lang="en-US" b="0" i="1" smtClean="0">
+                        <a:latin typeface="Cambria Math" panose="02040503050406030204" pitchFamily="18" charset="0"/>
+                      </a:rPr>
+                      <m:t>𝑦</m:t>
+                    </m:r>
+                    <m:r>
+                      <a:rPr lang="en-US" b="0" i="1" smtClean="0">
+                        <a:latin typeface="Cambria Math" panose="02040503050406030204" pitchFamily="18" charset="0"/>
+                      </a:rPr>
+                      <m:t>)</m:t>
+                    </m:r>
+                  </m:oMath>
+                </a14:m>
+                <a:r>
+                  <a:rPr lang="en-US" dirty="0"/>
+                  <a:t> is:</a:t>
+                </a:r>
+                <a:br>
+                  <a:rPr lang="en-US" dirty="0"/>
+                </a:br>
+                <a:br>
+                  <a:rPr lang="en-US" dirty="0"/>
+                </a:br>
+                <a14:m>
+                  <m:oMath xmlns:m="http://schemas.openxmlformats.org/officeDocument/2006/math">
+                    <m:d>
+                      <m:dPr>
+                        <m:begChr m:val="⟨"/>
+                        <m:endChr m:val="⟩"/>
+                        <m:ctrlPr>
+                          <a:rPr lang="en-US" i="1" smtClean="0">
+                            <a:latin typeface="Cambria Math" panose="02040503050406030204" pitchFamily="18" charset="0"/>
+                          </a:rPr>
+                        </m:ctrlPr>
+                      </m:dPr>
+                      <m:e>
+                        <m:r>
+                          <a:rPr lang="en-US" b="0" i="1" smtClean="0">
+                            <a:latin typeface="Cambria Math" panose="02040503050406030204" pitchFamily="18" charset="0"/>
+                          </a:rPr>
+                          <m:t>𝑔</m:t>
+                        </m:r>
+                        <m:r>
+                          <a:rPr lang="en-US" b="0" i="1" smtClean="0">
+                            <a:latin typeface="Cambria Math" panose="02040503050406030204" pitchFamily="18" charset="0"/>
+                          </a:rPr>
+                          <m:t>(</m:t>
+                        </m:r>
+                        <m:sSub>
+                          <m:sSubPr>
+                            <m:ctrlPr>
+                              <a:rPr lang="en-US" b="0" i="1" smtClean="0">
+                                <a:latin typeface="Cambria Math" panose="02040503050406030204" pitchFamily="18" charset="0"/>
+                              </a:rPr>
+                            </m:ctrlPr>
+                          </m:sSubPr>
+                          <m:e>
+                            <m:r>
+                              <a:rPr lang="en-US" b="0" i="1" smtClean="0">
+                                <a:latin typeface="Cambria Math" panose="02040503050406030204" pitchFamily="18" charset="0"/>
+                              </a:rPr>
+                              <m:t>𝑥</m:t>
+                            </m:r>
+                          </m:e>
+                          <m:sub>
+                            <m:r>
+                              <a:rPr lang="en-US" b="0" i="1" smtClean="0">
+                                <a:latin typeface="Cambria Math" panose="02040503050406030204" pitchFamily="18" charset="0"/>
+                              </a:rPr>
+                              <m:t>𝑖</m:t>
+                            </m:r>
+                          </m:sub>
+                        </m:sSub>
+                        <m:r>
+                          <a:rPr lang="en-US" b="0" i="1" smtClean="0">
+                            <a:latin typeface="Cambria Math" panose="02040503050406030204" pitchFamily="18" charset="0"/>
+                          </a:rPr>
+                          <m:t>,</m:t>
+                        </m:r>
+                        <m:sSub>
+                          <m:sSubPr>
+                            <m:ctrlPr>
+                              <a:rPr lang="en-US" b="0" i="1" smtClean="0">
+                                <a:latin typeface="Cambria Math" panose="02040503050406030204" pitchFamily="18" charset="0"/>
+                              </a:rPr>
+                            </m:ctrlPr>
+                          </m:sSubPr>
+                          <m:e>
+                            <m:r>
+                              <a:rPr lang="en-US" b="0" i="1" smtClean="0">
+                                <a:latin typeface="Cambria Math" panose="02040503050406030204" pitchFamily="18" charset="0"/>
+                              </a:rPr>
+                              <m:t>𝑦</m:t>
+                            </m:r>
+                          </m:e>
+                          <m:sub>
+                            <m:r>
+                              <a:rPr lang="en-US" b="0" i="1" smtClean="0">
+                                <a:latin typeface="Cambria Math" panose="02040503050406030204" pitchFamily="18" charset="0"/>
+                              </a:rPr>
+                              <m:t>𝑖</m:t>
+                            </m:r>
+                          </m:sub>
+                        </m:sSub>
+                        <m:r>
+                          <a:rPr lang="en-US" b="0" i="1" smtClean="0">
+                            <a:latin typeface="Cambria Math" panose="02040503050406030204" pitchFamily="18" charset="0"/>
+                          </a:rPr>
+                          <m:t>)</m:t>
+                        </m:r>
+                      </m:e>
+                    </m:d>
+                    <m:r>
+                      <a:rPr lang="en-US" b="0" i="1" smtClean="0">
+                        <a:latin typeface="Cambria Math" panose="02040503050406030204" pitchFamily="18" charset="0"/>
+                      </a:rPr>
+                      <m:t>≔</m:t>
                     </m:r>
                     <m:f>
                       <m:fPr>
@@ -14291,16 +14583,420 @@
                     <m:nary>
                       <m:naryPr>
                         <m:chr m:val="∑"/>
-                        <m:subHide m:val="on"/>
-                        <m:supHide m:val="on"/>
                         <m:ctrlPr>
                           <a:rPr lang="en-US" b="0" i="1" smtClean="0">
                             <a:latin typeface="Cambria Math" panose="02040503050406030204" pitchFamily="18" charset="0"/>
                           </a:rPr>
                         </m:ctrlPr>
                       </m:naryPr>
-                      <m:sub/>
-                      <m:sup/>
+                      <m:sub>
+                        <m:r>
+                          <m:rPr>
+                            <m:brk m:alnAt="23"/>
+                          </m:rPr>
+                          <a:rPr lang="en-US" b="0" i="1" smtClean="0">
+                            <a:latin typeface="Cambria Math" panose="02040503050406030204" pitchFamily="18" charset="0"/>
+                          </a:rPr>
+                          <m:t>𝑖</m:t>
+                        </m:r>
+                        <m:r>
+                          <a:rPr lang="en-US" b="0" i="1" smtClean="0">
+                            <a:latin typeface="Cambria Math" panose="02040503050406030204" pitchFamily="18" charset="0"/>
+                          </a:rPr>
+                          <m:t>=1</m:t>
+                        </m:r>
+                      </m:sub>
+                      <m:sup>
+                        <m:r>
+                          <a:rPr lang="en-US" b="0" i="1" smtClean="0">
+                            <a:latin typeface="Cambria Math" panose="02040503050406030204" pitchFamily="18" charset="0"/>
+                          </a:rPr>
+                          <m:t>𝑁</m:t>
+                        </m:r>
+                      </m:sup>
+                      <m:e>
+                        <m:r>
+                          <a:rPr lang="en-US" b="0" i="1" smtClean="0">
+                            <a:latin typeface="Cambria Math" panose="02040503050406030204" pitchFamily="18" charset="0"/>
+                          </a:rPr>
+                          <m:t>𝑔</m:t>
+                        </m:r>
+                        <m:r>
+                          <a:rPr lang="en-US" b="0" i="1" smtClean="0">
+                            <a:latin typeface="Cambria Math" panose="02040503050406030204" pitchFamily="18" charset="0"/>
+                          </a:rPr>
+                          <m:t>(</m:t>
+                        </m:r>
+                        <m:sSub>
+                          <m:sSubPr>
+                            <m:ctrlPr>
+                              <a:rPr lang="en-US" b="0" i="1" smtClean="0">
+                                <a:latin typeface="Cambria Math" panose="02040503050406030204" pitchFamily="18" charset="0"/>
+                              </a:rPr>
+                            </m:ctrlPr>
+                          </m:sSubPr>
+                          <m:e>
+                            <m:r>
+                              <a:rPr lang="en-US" b="0" i="1" smtClean="0">
+                                <a:latin typeface="Cambria Math" panose="02040503050406030204" pitchFamily="18" charset="0"/>
+                              </a:rPr>
+                              <m:t>𝑥</m:t>
+                            </m:r>
+                          </m:e>
+                          <m:sub>
+                            <m:r>
+                              <a:rPr lang="en-US" b="0" i="1" smtClean="0">
+                                <a:latin typeface="Cambria Math" panose="02040503050406030204" pitchFamily="18" charset="0"/>
+                              </a:rPr>
+                              <m:t>𝑖</m:t>
+                            </m:r>
+                          </m:sub>
+                        </m:sSub>
+                        <m:r>
+                          <a:rPr lang="en-US" b="0" i="1" smtClean="0">
+                            <a:latin typeface="Cambria Math" panose="02040503050406030204" pitchFamily="18" charset="0"/>
+                          </a:rPr>
+                          <m:t>,</m:t>
+                        </m:r>
+                        <m:sSub>
+                          <m:sSubPr>
+                            <m:ctrlPr>
+                              <a:rPr lang="en-US" b="0" i="1" smtClean="0">
+                                <a:latin typeface="Cambria Math" panose="02040503050406030204" pitchFamily="18" charset="0"/>
+                              </a:rPr>
+                            </m:ctrlPr>
+                          </m:sSubPr>
+                          <m:e>
+                            <m:r>
+                              <a:rPr lang="en-US" b="0" i="1" smtClean="0">
+                                <a:latin typeface="Cambria Math" panose="02040503050406030204" pitchFamily="18" charset="0"/>
+                              </a:rPr>
+                              <m:t>𝑦</m:t>
+                            </m:r>
+                          </m:e>
+                          <m:sub>
+                            <m:r>
+                              <a:rPr lang="en-US" b="0" i="1" smtClean="0">
+                                <a:latin typeface="Cambria Math" panose="02040503050406030204" pitchFamily="18" charset="0"/>
+                              </a:rPr>
+                              <m:t>𝑖</m:t>
+                            </m:r>
+                          </m:sub>
+                        </m:sSub>
+                        <m:r>
+                          <a:rPr lang="en-US" b="0" i="1" smtClean="0">
+                            <a:latin typeface="Cambria Math" panose="02040503050406030204" pitchFamily="18" charset="0"/>
+                          </a:rPr>
+                          <m:t>)</m:t>
+                        </m:r>
+                      </m:e>
+                    </m:nary>
+                  </m:oMath>
+                </a14:m>
+                <a:endParaRPr lang="en-US" dirty="0"/>
+              </a:p>
+              <a:p>
+                <a:pPr lvl="1"/>
+                <a:r>
+                  <a:rPr lang="en-US" dirty="0"/>
+                  <a:t>Represents the average of </a:t>
+                </a:r>
+                <a14:m>
+                  <m:oMath xmlns:m="http://schemas.openxmlformats.org/officeDocument/2006/math">
+                    <m:r>
+                      <a:rPr lang="en-US" i="1">
+                        <a:latin typeface="Cambria Math" panose="02040503050406030204" pitchFamily="18" charset="0"/>
+                      </a:rPr>
+                      <m:t>𝑔</m:t>
+                    </m:r>
+                    <m:r>
+                      <a:rPr lang="en-US" i="1">
+                        <a:latin typeface="Cambria Math" panose="02040503050406030204" pitchFamily="18" charset="0"/>
+                      </a:rPr>
+                      <m:t>(</m:t>
+                    </m:r>
+                    <m:r>
+                      <a:rPr lang="en-US" i="1">
+                        <a:latin typeface="Cambria Math" panose="02040503050406030204" pitchFamily="18" charset="0"/>
+                      </a:rPr>
+                      <m:t>𝑥</m:t>
+                    </m:r>
+                    <m:r>
+                      <a:rPr lang="en-US" b="0" i="1" smtClean="0">
+                        <a:latin typeface="Cambria Math" panose="02040503050406030204" pitchFamily="18" charset="0"/>
+                      </a:rPr>
+                      <m:t>,</m:t>
+                    </m:r>
+                    <m:r>
+                      <a:rPr lang="en-US" b="0" i="1" smtClean="0">
+                        <a:latin typeface="Cambria Math" panose="02040503050406030204" pitchFamily="18" charset="0"/>
+                      </a:rPr>
+                      <m:t>𝑦</m:t>
+                    </m:r>
+                    <m:r>
+                      <a:rPr lang="en-US" i="1">
+                        <a:latin typeface="Cambria Math" panose="02040503050406030204" pitchFamily="18" charset="0"/>
+                      </a:rPr>
+                      <m:t>)</m:t>
+                    </m:r>
+                  </m:oMath>
+                </a14:m>
+                <a:r>
+                  <a:rPr lang="en-US" dirty="0"/>
+                  <a:t> on the data </a:t>
+                </a:r>
+              </a:p>
+              <a:p>
+                <a:pPr lvl="1"/>
+                <a:r>
+                  <a:rPr lang="en-US" dirty="0"/>
+                  <a:t>Function </a:t>
+                </a:r>
+                <a14:m>
+                  <m:oMath xmlns:m="http://schemas.openxmlformats.org/officeDocument/2006/math">
+                    <m:r>
+                      <a:rPr lang="en-US" i="1">
+                        <a:latin typeface="Cambria Math" panose="02040503050406030204" pitchFamily="18" charset="0"/>
+                      </a:rPr>
+                      <m:t>𝑔</m:t>
+                    </m:r>
+                    <m:r>
+                      <a:rPr lang="en-US" i="1">
+                        <a:latin typeface="Cambria Math" panose="02040503050406030204" pitchFamily="18" charset="0"/>
+                      </a:rPr>
+                      <m:t>(</m:t>
+                    </m:r>
+                    <m:r>
+                      <a:rPr lang="en-US" i="1">
+                        <a:latin typeface="Cambria Math" panose="02040503050406030204" pitchFamily="18" charset="0"/>
+                      </a:rPr>
+                      <m:t>𝑥</m:t>
+                    </m:r>
+                    <m:r>
+                      <a:rPr lang="en-US" i="1">
+                        <a:latin typeface="Cambria Math" panose="02040503050406030204" pitchFamily="18" charset="0"/>
+                      </a:rPr>
+                      <m:t>,</m:t>
+                    </m:r>
+                    <m:r>
+                      <a:rPr lang="en-US" i="1">
+                        <a:latin typeface="Cambria Math" panose="02040503050406030204" pitchFamily="18" charset="0"/>
+                      </a:rPr>
+                      <m:t>𝑦</m:t>
+                    </m:r>
+                    <m:r>
+                      <a:rPr lang="en-US" i="1">
+                        <a:latin typeface="Cambria Math" panose="02040503050406030204" pitchFamily="18" charset="0"/>
+                      </a:rPr>
+                      <m:t>)</m:t>
+                    </m:r>
+                  </m:oMath>
+                </a14:m>
+                <a:r>
+                  <a:rPr lang="en-US" dirty="0"/>
+                  <a:t> is called a </a:t>
+                </a:r>
+                <a:r>
+                  <a:rPr lang="en-US" dirty="0">
+                    <a:solidFill>
+                      <a:schemeClr val="accent1">
+                        <a:lumMod val="60000"/>
+                        <a:lumOff val="40000"/>
+                      </a:schemeClr>
+                    </a:solidFill>
+                  </a:rPr>
+                  <a:t>statistic</a:t>
+                </a:r>
+              </a:p>
+              <a:p>
+                <a:r>
+                  <a:rPr lang="en-US" dirty="0"/>
+                  <a:t>With this notation:</a:t>
+                </a:r>
+              </a:p>
+              <a:p>
+                <a:pPr lvl="1"/>
+                <a14:m>
+                  <m:oMath xmlns:m="http://schemas.openxmlformats.org/officeDocument/2006/math">
+                    <m:acc>
+                      <m:accPr>
+                        <m:chr m:val="̅"/>
+                        <m:ctrlPr>
+                          <a:rPr lang="en-US" i="1" smtClean="0">
+                            <a:latin typeface="Cambria Math" panose="02040503050406030204" pitchFamily="18" charset="0"/>
+                          </a:rPr>
+                        </m:ctrlPr>
+                      </m:accPr>
+                      <m:e>
+                        <m:r>
+                          <a:rPr lang="en-US" b="0" i="1" smtClean="0">
+                            <a:latin typeface="Cambria Math" panose="02040503050406030204" pitchFamily="18" charset="0"/>
+                          </a:rPr>
+                          <m:t>𝑥</m:t>
+                        </m:r>
+                      </m:e>
+                    </m:acc>
+                    <m:r>
+                      <a:rPr lang="en-US" b="0" i="0" smtClean="0">
+                        <a:latin typeface="Cambria Math" panose="02040503050406030204" pitchFamily="18" charset="0"/>
+                      </a:rPr>
+                      <m:t>= </m:t>
+                    </m:r>
+                    <m:d>
+                      <m:dPr>
+                        <m:begChr m:val="⟨"/>
+                        <m:endChr m:val="⟩"/>
+                        <m:ctrlPr>
+                          <a:rPr lang="en-US" b="0" i="1" smtClean="0">
+                            <a:latin typeface="Cambria Math" panose="02040503050406030204" pitchFamily="18" charset="0"/>
+                          </a:rPr>
+                        </m:ctrlPr>
+                      </m:dPr>
+                      <m:e>
+                        <m:sSub>
+                          <m:sSubPr>
+                            <m:ctrlPr>
+                              <a:rPr lang="en-US" b="0" i="1" smtClean="0">
+                                <a:latin typeface="Cambria Math" panose="02040503050406030204" pitchFamily="18" charset="0"/>
+                              </a:rPr>
+                            </m:ctrlPr>
+                          </m:sSubPr>
+                          <m:e>
+                            <m:r>
+                              <a:rPr lang="en-US" b="0" i="1" smtClean="0">
+                                <a:latin typeface="Cambria Math" panose="02040503050406030204" pitchFamily="18" charset="0"/>
+                              </a:rPr>
+                              <m:t>𝑥</m:t>
+                            </m:r>
+                          </m:e>
+                          <m:sub>
+                            <m:r>
+                              <a:rPr lang="en-US" b="0" i="1" smtClean="0">
+                                <a:latin typeface="Cambria Math" panose="02040503050406030204" pitchFamily="18" charset="0"/>
+                              </a:rPr>
+                              <m:t>𝑖</m:t>
+                            </m:r>
+                          </m:sub>
+                        </m:sSub>
+                      </m:e>
+                    </m:d>
+                    <m:r>
+                      <a:rPr lang="en-US" b="0" i="1" smtClean="0">
+                        <a:latin typeface="Cambria Math" panose="02040503050406030204" pitchFamily="18" charset="0"/>
+                      </a:rPr>
+                      <m:t>,   </m:t>
+                    </m:r>
+                    <m:acc>
+                      <m:accPr>
+                        <m:chr m:val="̅"/>
+                        <m:ctrlPr>
+                          <a:rPr lang="en-US" i="1">
+                            <a:latin typeface="Cambria Math" panose="02040503050406030204" pitchFamily="18" charset="0"/>
+                          </a:rPr>
+                        </m:ctrlPr>
+                      </m:accPr>
+                      <m:e>
+                        <m:r>
+                          <a:rPr lang="en-US" b="0" i="1" smtClean="0">
+                            <a:latin typeface="Cambria Math" panose="02040503050406030204" pitchFamily="18" charset="0"/>
+                          </a:rPr>
+                          <m:t>𝑦</m:t>
+                        </m:r>
+                      </m:e>
+                    </m:acc>
+                    <m:r>
+                      <a:rPr lang="en-US">
+                        <a:latin typeface="Cambria Math" panose="02040503050406030204" pitchFamily="18" charset="0"/>
+                      </a:rPr>
+                      <m:t>= </m:t>
+                    </m:r>
+                    <m:d>
+                      <m:dPr>
+                        <m:begChr m:val="⟨"/>
+                        <m:endChr m:val="⟩"/>
+                        <m:ctrlPr>
+                          <a:rPr lang="en-US" i="1">
+                            <a:latin typeface="Cambria Math" panose="02040503050406030204" pitchFamily="18" charset="0"/>
+                          </a:rPr>
+                        </m:ctrlPr>
+                      </m:dPr>
+                      <m:e>
+                        <m:sSub>
+                          <m:sSubPr>
+                            <m:ctrlPr>
+                              <a:rPr lang="en-US" i="1">
+                                <a:latin typeface="Cambria Math" panose="02040503050406030204" pitchFamily="18" charset="0"/>
+                              </a:rPr>
+                            </m:ctrlPr>
+                          </m:sSubPr>
+                          <m:e>
+                            <m:r>
+                              <a:rPr lang="en-US" b="0" i="1" smtClean="0">
+                                <a:latin typeface="Cambria Math" panose="02040503050406030204" pitchFamily="18" charset="0"/>
+                              </a:rPr>
+                              <m:t>𝑦</m:t>
+                            </m:r>
+                          </m:e>
+                          <m:sub>
+                            <m:r>
+                              <a:rPr lang="en-US" i="1">
+                                <a:latin typeface="Cambria Math" panose="02040503050406030204" pitchFamily="18" charset="0"/>
+                              </a:rPr>
+                              <m:t>𝑖</m:t>
+                            </m:r>
+                          </m:sub>
+                        </m:sSub>
+                      </m:e>
+                    </m:d>
+                  </m:oMath>
+                </a14:m>
+                <a:endParaRPr lang="en-US" dirty="0"/>
+              </a:p>
+              <a:p>
+                <a:pPr lvl="1"/>
+                <a14:m>
+                  <m:oMath xmlns:m="http://schemas.openxmlformats.org/officeDocument/2006/math">
+                    <m:sSub>
+                      <m:sSubPr>
+                        <m:ctrlPr>
+                          <a:rPr lang="en-US" b="0" i="1" smtClean="0">
+                            <a:latin typeface="Cambria Math" panose="02040503050406030204" pitchFamily="18" charset="0"/>
+                          </a:rPr>
+                        </m:ctrlPr>
+                      </m:sSubPr>
+                      <m:e>
+                        <m:r>
+                          <a:rPr lang="en-US" b="0" i="1" smtClean="0">
+                            <a:latin typeface="Cambria Math" panose="02040503050406030204" pitchFamily="18" charset="0"/>
+                          </a:rPr>
+                          <m:t>𝑠</m:t>
+                        </m:r>
+                      </m:e>
+                      <m:sub>
+                        <m:r>
+                          <a:rPr lang="en-US" b="0" i="1" smtClean="0">
+                            <a:latin typeface="Cambria Math" panose="02040503050406030204" pitchFamily="18" charset="0"/>
+                          </a:rPr>
+                          <m:t>𝑥𝑥</m:t>
+                        </m:r>
+                      </m:sub>
+                    </m:sSub>
+                    <m:r>
+                      <a:rPr lang="en-US">
+                        <a:latin typeface="Cambria Math" panose="02040503050406030204" pitchFamily="18" charset="0"/>
+                      </a:rPr>
+                      <m:t>= </m:t>
+                    </m:r>
+                    <m:d>
+                      <m:dPr>
+                        <m:begChr m:val="⟨"/>
+                        <m:endChr m:val="⟩"/>
+                        <m:ctrlPr>
+                          <a:rPr lang="en-US" i="1">
+                            <a:latin typeface="Cambria Math" panose="02040503050406030204" pitchFamily="18" charset="0"/>
+                          </a:rPr>
+                        </m:ctrlPr>
+                      </m:dPr>
                       <m:e>
                         <m:sSup>
                           <m:sSupPr>
@@ -14323,14 +15019,14 @@
                                 <m:sSub>
                                   <m:sSubPr>
                                     <m:ctrlPr>
-                                      <a:rPr lang="en-US" b="0" i="1" smtClean="0">
+                                      <a:rPr lang="en-US" i="1">
                                         <a:latin typeface="Cambria Math" panose="02040503050406030204" pitchFamily="18" charset="0"/>
                                       </a:rPr>
                                     </m:ctrlPr>
                                   </m:sSubPr>
                                   <m:e>
                                     <m:r>
-                                      <a:rPr lang="en-US" b="0" i="1" smtClean="0">
+                                      <a:rPr lang="en-US" i="1">
                                         <a:latin typeface="Cambria Math" panose="02040503050406030204" pitchFamily="18" charset="0"/>
                                       </a:rPr>
                                       <m:t>𝑥</m:t>
@@ -14338,7 +15034,7 @@
                                   </m:e>
                                   <m:sub>
                                     <m:r>
-                                      <a:rPr lang="en-US" b="0" i="1" smtClean="0">
+                                      <a:rPr lang="en-US" i="1">
                                         <a:latin typeface="Cambria Math" panose="02040503050406030204" pitchFamily="18" charset="0"/>
                                       </a:rPr>
                                       <m:t>𝑖</m:t>
@@ -14355,14 +15051,14 @@
                                   <m:accPr>
                                     <m:chr m:val="̅"/>
                                     <m:ctrlPr>
-                                      <a:rPr lang="en-US" b="0" i="1" smtClean="0">
+                                      <a:rPr lang="en-US" i="1">
                                         <a:latin typeface="Cambria Math" panose="02040503050406030204" pitchFamily="18" charset="0"/>
                                       </a:rPr>
                                     </m:ctrlPr>
                                   </m:accPr>
                                   <m:e>
                                     <m:r>
-                                      <a:rPr lang="en-US" b="0" i="1" smtClean="0">
+                                      <a:rPr lang="en-US" i="1">
                                         <a:latin typeface="Cambria Math" panose="02040503050406030204" pitchFamily="18" charset="0"/>
                                       </a:rPr>
                                       <m:t>𝑥</m:t>
@@ -14382,33 +15078,317 @@
                           </m:sup>
                         </m:sSup>
                       </m:e>
-                    </m:nary>
+                    </m:d>
+                    <m:r>
+                      <a:rPr lang="en-US" i="1">
+                        <a:latin typeface="Cambria Math" panose="02040503050406030204" pitchFamily="18" charset="0"/>
+                      </a:rPr>
+                      <m:t>,</m:t>
+                    </m:r>
+                    <m:r>
+                      <a:rPr lang="en-US" b="0" i="1" smtClean="0">
+                        <a:latin typeface="Cambria Math" panose="02040503050406030204" pitchFamily="18" charset="0"/>
+                      </a:rPr>
+                      <m:t>  </m:t>
+                    </m:r>
+                    <m:sSub>
+                      <m:sSubPr>
+                        <m:ctrlPr>
+                          <a:rPr lang="en-US" i="1">
+                            <a:latin typeface="Cambria Math" panose="02040503050406030204" pitchFamily="18" charset="0"/>
+                          </a:rPr>
+                        </m:ctrlPr>
+                      </m:sSubPr>
+                      <m:e>
+                        <m:r>
+                          <a:rPr lang="en-US" i="1">
+                            <a:latin typeface="Cambria Math" panose="02040503050406030204" pitchFamily="18" charset="0"/>
+                          </a:rPr>
+                          <m:t>𝑠</m:t>
+                        </m:r>
+                      </m:e>
+                      <m:sub>
+                        <m:r>
+                          <a:rPr lang="en-US" b="0" i="1" smtClean="0">
+                            <a:latin typeface="Cambria Math" panose="02040503050406030204" pitchFamily="18" charset="0"/>
+                          </a:rPr>
+                          <m:t>𝑦𝑦</m:t>
+                        </m:r>
+                      </m:sub>
+                    </m:sSub>
+                    <m:r>
+                      <a:rPr lang="en-US">
+                        <a:latin typeface="Cambria Math" panose="02040503050406030204" pitchFamily="18" charset="0"/>
+                      </a:rPr>
+                      <m:t>= </m:t>
+                    </m:r>
+                    <m:d>
+                      <m:dPr>
+                        <m:begChr m:val="⟨"/>
+                        <m:endChr m:val="⟩"/>
+                        <m:ctrlPr>
+                          <a:rPr lang="en-US" i="1">
+                            <a:latin typeface="Cambria Math" panose="02040503050406030204" pitchFamily="18" charset="0"/>
+                          </a:rPr>
+                        </m:ctrlPr>
+                      </m:dPr>
+                      <m:e>
+                        <m:sSup>
+                          <m:sSupPr>
+                            <m:ctrlPr>
+                              <a:rPr lang="en-US" i="1">
+                                <a:latin typeface="Cambria Math" panose="02040503050406030204" pitchFamily="18" charset="0"/>
+                              </a:rPr>
+                            </m:ctrlPr>
+                          </m:sSupPr>
+                          <m:e>
+                            <m:d>
+                              <m:dPr>
+                                <m:ctrlPr>
+                                  <a:rPr lang="en-US" i="1">
+                                    <a:latin typeface="Cambria Math" panose="02040503050406030204" pitchFamily="18" charset="0"/>
+                                  </a:rPr>
+                                </m:ctrlPr>
+                              </m:dPr>
+                              <m:e>
+                                <m:sSub>
+                                  <m:sSubPr>
+                                    <m:ctrlPr>
+                                      <a:rPr lang="en-US" i="1">
+                                        <a:latin typeface="Cambria Math" panose="02040503050406030204" pitchFamily="18" charset="0"/>
+                                      </a:rPr>
+                                    </m:ctrlPr>
+                                  </m:sSubPr>
+                                  <m:e>
+                                    <m:r>
+                                      <a:rPr lang="en-US" b="0" i="1" smtClean="0">
+                                        <a:latin typeface="Cambria Math" panose="02040503050406030204" pitchFamily="18" charset="0"/>
+                                      </a:rPr>
+                                      <m:t>𝑦</m:t>
+                                    </m:r>
+                                  </m:e>
+                                  <m:sub>
+                                    <m:r>
+                                      <a:rPr lang="en-US" i="1">
+                                        <a:latin typeface="Cambria Math" panose="02040503050406030204" pitchFamily="18" charset="0"/>
+                                      </a:rPr>
+                                      <m:t>𝑖</m:t>
+                                    </m:r>
+                                  </m:sub>
+                                </m:sSub>
+                                <m:r>
+                                  <a:rPr lang="en-US" i="1">
+                                    <a:latin typeface="Cambria Math" panose="02040503050406030204" pitchFamily="18" charset="0"/>
+                                  </a:rPr>
+                                  <m:t>−</m:t>
+                                </m:r>
+                                <m:acc>
+                                  <m:accPr>
+                                    <m:chr m:val="̅"/>
+                                    <m:ctrlPr>
+                                      <a:rPr lang="en-US" i="1">
+                                        <a:latin typeface="Cambria Math" panose="02040503050406030204" pitchFamily="18" charset="0"/>
+                                      </a:rPr>
+                                    </m:ctrlPr>
+                                  </m:accPr>
+                                  <m:e>
+                                    <m:r>
+                                      <a:rPr lang="en-US" b="0" i="1" smtClean="0">
+                                        <a:latin typeface="Cambria Math" panose="02040503050406030204" pitchFamily="18" charset="0"/>
+                                      </a:rPr>
+                                      <m:t>𝑦</m:t>
+                                    </m:r>
+                                  </m:e>
+                                </m:acc>
+                              </m:e>
+                            </m:d>
+                          </m:e>
+                          <m:sup>
+                            <m:r>
+                              <a:rPr lang="en-US" i="1">
+                                <a:latin typeface="Cambria Math" panose="02040503050406030204" pitchFamily="18" charset="0"/>
+                              </a:rPr>
+                              <m:t>2</m:t>
+                            </m:r>
+                          </m:sup>
+                        </m:sSup>
+                      </m:e>
+                    </m:d>
                   </m:oMath>
                 </a14:m>
                 <a:endParaRPr lang="en-US" dirty="0"/>
               </a:p>
               <a:p>
                 <a:pPr lvl="1"/>
+                <a:endParaRPr lang="en-US" dirty="0"/>
+              </a:p>
+            </p:txBody>
+          </p:sp>
+        </mc:Choice>
+        <mc:Fallback>
+          <p:sp>
+            <p:nvSpPr>
+              <p:cNvPr id="3" name="Content Placeholder 2">
+                <a:extLst>
+                  <a:ext uri="{FF2B5EF4-FFF2-40B4-BE49-F238E27FC236}">
+                    <a16:creationId xmlns:a16="http://schemas.microsoft.com/office/drawing/2014/main" id="{2C2CB76B-6912-4537-BD72-A8A5AC2E8DAB}"/>
+                  </a:ext>
+                </a:extLst>
+              </p:cNvPr>
+              <p:cNvSpPr>
+                <a:spLocks noGrp="1" noRot="1" noChangeAspect="1" noMove="1" noResize="1" noEditPoints="1" noAdjustHandles="1" noChangeArrowheads="1" noChangeShapeType="1" noTextEdit="1"/>
+              </p:cNvSpPr>
+              <p:nvPr>
+                <p:ph idx="1"/>
+              </p:nvPr>
+            </p:nvSpPr>
+            <p:spPr>
+              <a:blipFill>
+                <a:blip r:embed="rId2"/>
+                <a:stretch>
+                  <a:fillRect l="-1455" t="-1549"/>
+                </a:stretch>
+              </a:blipFill>
+            </p:spPr>
+            <p:txBody>
+              <a:bodyPr/>
+              <a:lstStyle/>
+              <a:p>
+                <a:r>
+                  <a:rPr lang="en-US">
+                    <a:noFill/>
+                  </a:rPr>
+                  <a:t> </a:t>
+                </a:r>
+              </a:p>
+            </p:txBody>
+          </p:sp>
+        </mc:Fallback>
+      </mc:AlternateContent>
+      <p:sp>
+        <p:nvSpPr>
+          <p:cNvPr id="4" name="Slide Number Placeholder 3">
+            <a:extLst>
+              <a:ext uri="{FF2B5EF4-FFF2-40B4-BE49-F238E27FC236}">
+                <a16:creationId xmlns:a16="http://schemas.microsoft.com/office/drawing/2014/main" id="{5489D87C-8FF4-4740-B4B5-168669D6948F}"/>
+              </a:ext>
+            </a:extLst>
+          </p:cNvPr>
+          <p:cNvSpPr>
+            <a:spLocks noGrp="1"/>
+          </p:cNvSpPr>
+          <p:nvPr>
+            <p:ph type="sldNum" sz="quarter" idx="12"/>
+          </p:nvPr>
+        </p:nvSpPr>
+        <p:spPr/>
+        <p:txBody>
+          <a:bodyPr/>
+          <a:lstStyle/>
+          <a:p>
+            <a:fld id="{629637A9-119A-49DA-BD12-AAC58B377D80}" type="slidenum">
+              <a:rPr lang="en-US" smtClean="0"/>
+              <a:t>26</a:t>
+            </a:fld>
+            <a:endParaRPr lang="en-US" dirty="0"/>
+          </a:p>
+        </p:txBody>
+      </p:sp>
+    </p:spTree>
+    <p:extLst>
+      <p:ext uri="{BB962C8B-B14F-4D97-AF65-F5344CB8AC3E}">
+        <p14:creationId xmlns:p14="http://schemas.microsoft.com/office/powerpoint/2010/main" val="2307255597"/>
+      </p:ext>
+    </p:extLst>
+  </p:cSld>
+  <p:clrMapOvr>
+    <a:masterClrMapping/>
+  </p:clrMapOvr>
+</p:sld>
+</file>
+
+<file path=ppt/slides/slide27.xml><?xml version="1.0" encoding="utf-8"?>
+<p:sld xmlns:a="http://schemas.openxmlformats.org/drawingml/2006/main" xmlns:r="http://schemas.openxmlformats.org/officeDocument/2006/relationships" xmlns:p="http://schemas.openxmlformats.org/presentationml/2006/main">
+  <p:cSld>
+    <p:spTree>
+      <p:nvGrpSpPr>
+        <p:cNvPr id="1" name=""/>
+        <p:cNvGrpSpPr/>
+        <p:nvPr/>
+      </p:nvGrpSpPr>
+      <p:grpSpPr>
+        <a:xfrm>
+          <a:off x="0" y="0"/>
+          <a:ext cx="0" cy="0"/>
+          <a:chOff x="0" y="0"/>
+          <a:chExt cx="0" cy="0"/>
+        </a:xfrm>
+      </p:grpSpPr>
+      <p:sp>
+        <p:nvSpPr>
+          <p:cNvPr id="2" name="Title 1"/>
+          <p:cNvSpPr>
+            <a:spLocks noGrp="1"/>
+          </p:cNvSpPr>
+          <p:nvPr>
+            <p:ph type="title"/>
+          </p:nvPr>
+        </p:nvSpPr>
+        <p:spPr/>
+        <p:txBody>
+          <a:bodyPr/>
+          <a:lstStyle/>
+          <a:p>
+            <a:r>
+              <a:rPr lang="en-US" dirty="0"/>
+              <a:t>Alternate Equation for Variance</a:t>
+            </a:r>
+          </a:p>
+        </p:txBody>
+      </p:sp>
+      <mc:AlternateContent xmlns:mc="http://schemas.openxmlformats.org/markup-compatibility/2006">
+        <mc:Choice xmlns:a14="http://schemas.microsoft.com/office/drawing/2010/main" Requires="a14">
+          <p:sp>
+            <p:nvSpPr>
+              <p:cNvPr id="3" name="Content Placeholder 2"/>
+              <p:cNvSpPr>
+                <a:spLocks noGrp="1"/>
+              </p:cNvSpPr>
+              <p:nvPr>
+                <p:ph idx="1"/>
+              </p:nvPr>
+            </p:nvSpPr>
+            <p:spPr/>
+            <p:txBody>
+              <a:bodyPr>
+                <a:normAutofit/>
+              </a:bodyPr>
+              <a:lstStyle/>
+              <a:p>
                 <a:r>
                   <a:rPr lang="en-US" dirty="0"/>
-                  <a:t>Alternate formula:  </a:t>
+                  <a:t>Alternate equations for variance and sample co-variance:</a:t>
                 </a:r>
-                <a:br>
-                  <a:rPr lang="en-US" dirty="0"/>
-                </a:br>
+              </a:p>
+              <a:p>
+                <a:pPr lvl="1"/>
+                <a:r>
+                  <a:rPr lang="en-US" b="0" dirty="0"/>
+                  <a:t>Sample variances  </a:t>
+                </a:r>
                 <a14:m>
                   <m:oMath xmlns:m="http://schemas.openxmlformats.org/officeDocument/2006/math">
-                    <m:sSubSup>
-                      <m:sSubSupPr>
+                    <m:sSub>
+                      <m:sSubPr>
                         <m:ctrlPr>
-                          <a:rPr lang="en-US" i="1">
+                          <a:rPr lang="en-US" b="0" i="1" smtClean="0">
                             <a:latin typeface="Cambria Math" panose="02040503050406030204" pitchFamily="18" charset="0"/>
                           </a:rPr>
                         </m:ctrlPr>
-                      </m:sSubSupPr>
+                      </m:sSubPr>
                       <m:e>
                         <m:r>
-                          <a:rPr lang="en-US" i="1">
+                          <a:rPr lang="en-US" b="0" i="1" smtClean="0">
                             <a:latin typeface="Cambria Math" panose="02040503050406030204" pitchFamily="18" charset="0"/>
                           </a:rPr>
                           <m:t>𝑠</m:t>
@@ -14416,65 +15396,29 @@
                       </m:e>
                       <m:sub>
                         <m:r>
-                          <a:rPr lang="en-US" i="1">
-                            <a:latin typeface="Cambria Math" panose="02040503050406030204" pitchFamily="18" charset="0"/>
-                          </a:rPr>
-                          <m:t>𝑥</m:t>
+                          <a:rPr lang="en-US" b="0" i="1" smtClean="0">
+                            <a:latin typeface="Cambria Math" panose="02040503050406030204" pitchFamily="18" charset="0"/>
+                          </a:rPr>
+                          <m:t>𝑥𝑥</m:t>
                         </m:r>
                       </m:sub>
-                      <m:sup>
-                        <m:r>
-                          <a:rPr lang="en-US" i="1">
-                            <a:latin typeface="Cambria Math" panose="02040503050406030204" pitchFamily="18" charset="0"/>
-                          </a:rPr>
-                          <m:t>2</m:t>
-                        </m:r>
-                      </m:sup>
-                    </m:sSubSup>
+                    </m:sSub>
                     <m:r>
-                      <a:rPr lang="en-US" i="1">
+                      <a:rPr lang="en-US" b="0" i="1" smtClean="0">
                         <a:latin typeface="Cambria Math" panose="02040503050406030204" pitchFamily="18" charset="0"/>
                       </a:rPr>
                       <m:t>=</m:t>
                     </m:r>
-                    <m:f>
-                      <m:fPr>
+                    <m:d>
+                      <m:dPr>
+                        <m:begChr m:val="⟨"/>
+                        <m:endChr m:val="⟩"/>
                         <m:ctrlPr>
-                          <a:rPr lang="en-US" i="1">
+                          <a:rPr lang="en-US" b="0" i="1" smtClean="0">
                             <a:latin typeface="Cambria Math" panose="02040503050406030204" pitchFamily="18" charset="0"/>
                           </a:rPr>
                         </m:ctrlPr>
-                      </m:fPr>
-                      <m:num>
-                        <m:r>
-                          <a:rPr lang="en-US" i="1">
-                            <a:latin typeface="Cambria Math" panose="02040503050406030204" pitchFamily="18" charset="0"/>
-                          </a:rPr>
-                          <m:t>1</m:t>
-                        </m:r>
-                      </m:num>
-                      <m:den>
-                        <m:r>
-                          <a:rPr lang="en-US" i="1">
-                            <a:latin typeface="Cambria Math" panose="02040503050406030204" pitchFamily="18" charset="0"/>
-                          </a:rPr>
-                          <m:t>𝑁</m:t>
-                        </m:r>
-                      </m:den>
-                    </m:f>
-                    <m:nary>
-                      <m:naryPr>
-                        <m:chr m:val="∑"/>
-                        <m:subHide m:val="on"/>
-                        <m:supHide m:val="on"/>
-                        <m:ctrlPr>
-                          <a:rPr lang="en-US" i="1">
-                            <a:latin typeface="Cambria Math" panose="02040503050406030204" pitchFamily="18" charset="0"/>
-                          </a:rPr>
-                        </m:ctrlPr>
-                      </m:naryPr>
-                      <m:sub/>
-                      <m:sup/>
+                      </m:dPr>
                       <m:e>
                         <m:sSubSup>
                           <m:sSubSupPr>
@@ -14510,7 +15454,7 @@
                           </m:sup>
                         </m:sSubSup>
                       </m:e>
-                    </m:nary>
+                    </m:d>
                     <m:r>
                       <a:rPr lang="en-US" b="0" i="1" smtClean="0">
                         <a:latin typeface="Cambria Math" panose="02040503050406030204" pitchFamily="18" charset="0"/>
@@ -14528,79 +15472,40 @@
                       <m:e>
                         <m:d>
                           <m:dPr>
+                            <m:begChr m:val="⟨"/>
+                            <m:endChr m:val="⟩"/>
                             <m:ctrlPr>
-                              <a:rPr lang="en-US" b="0" i="1" smtClean="0">
+                              <a:rPr lang="en-US" i="1">
                                 <a:latin typeface="Cambria Math" panose="02040503050406030204" pitchFamily="18" charset="0"/>
                               </a:rPr>
                             </m:ctrlPr>
                           </m:dPr>
                           <m:e>
-                            <m:f>
-                              <m:fPr>
+                            <m:sSub>
+                              <m:sSubPr>
                                 <m:ctrlPr>
-                                  <a:rPr lang="en-US" i="1">
+                                  <a:rPr lang="en-US" b="0" i="1" smtClean="0">
                                     <a:latin typeface="Cambria Math" panose="02040503050406030204" pitchFamily="18" charset="0"/>
                                   </a:rPr>
                                 </m:ctrlPr>
-                              </m:fPr>
-                              <m:num>
+                              </m:sSubPr>
+                              <m:e>
                                 <m:r>
-                                  <a:rPr lang="en-US" i="1">
+                                  <a:rPr lang="en-US" b="0" i="1" smtClean="0">
                                     <a:latin typeface="Cambria Math" panose="02040503050406030204" pitchFamily="18" charset="0"/>
                                   </a:rPr>
-                                  <m:t>1</m:t>
+                                  <m:t>𝑥</m:t>
                                 </m:r>
-                              </m:num>
-                              <m:den>
+                              </m:e>
+                              <m:sub>
                                 <m:r>
-                                  <a:rPr lang="en-US" i="1">
+                                  <a:rPr lang="en-US" b="0" i="1" smtClean="0">
                                     <a:latin typeface="Cambria Math" panose="02040503050406030204" pitchFamily="18" charset="0"/>
                                   </a:rPr>
-                                  <m:t>𝑁</m:t>
+                                  <m:t>𝑖</m:t>
                                 </m:r>
-                              </m:den>
-                            </m:f>
-                            <m:nary>
-                              <m:naryPr>
-                                <m:chr m:val="∑"/>
-                                <m:subHide m:val="on"/>
-                                <m:supHide m:val="on"/>
-                                <m:ctrlPr>
-                                  <a:rPr lang="en-US" i="1">
-                                    <a:latin typeface="Cambria Math" panose="02040503050406030204" pitchFamily="18" charset="0"/>
-                                  </a:rPr>
-                                </m:ctrlPr>
-                              </m:naryPr>
-                              <m:sub/>
-                              <m:sup/>
-                              <m:e>
-                                <m:sSub>
-                                  <m:sSubPr>
-                                    <m:ctrlPr>
-                                      <a:rPr lang="en-US" i="1">
-                                        <a:latin typeface="Cambria Math" panose="02040503050406030204" pitchFamily="18" charset="0"/>
-                                      </a:rPr>
-                                    </m:ctrlPr>
-                                  </m:sSubPr>
-                                  <m:e>
-                                    <m:r>
-                                      <a:rPr lang="en-US" i="1">
-                                        <a:latin typeface="Cambria Math" panose="02040503050406030204" pitchFamily="18" charset="0"/>
-                                      </a:rPr>
-                                      <m:t>𝑥</m:t>
-                                    </m:r>
-                                  </m:e>
-                                  <m:sub>
-                                    <m:r>
-                                      <a:rPr lang="en-US" i="1">
-                                        <a:latin typeface="Cambria Math" panose="02040503050406030204" pitchFamily="18" charset="0"/>
-                                      </a:rPr>
-                                      <m:t>𝑖</m:t>
-                                    </m:r>
-                                  </m:sub>
-                                </m:sSub>
-                              </m:e>
-                            </m:nary>
+                              </m:sub>
+                            </m:sSub>
                           </m:e>
                         </m:d>
                       </m:e>
@@ -14617,46 +15522,49 @@
                       <a:rPr lang="en-US" b="0" i="1" smtClean="0">
                         <a:latin typeface="Cambria Math" panose="02040503050406030204" pitchFamily="18" charset="0"/>
                       </a:rPr>
+                      <m:t>,  </m:t>
+                    </m:r>
+                    <m:sSub>
+                      <m:sSubPr>
+                        <m:ctrlPr>
+                          <a:rPr lang="en-US" i="1">
+                            <a:latin typeface="Cambria Math" panose="02040503050406030204" pitchFamily="18" charset="0"/>
+                          </a:rPr>
+                        </m:ctrlPr>
+                      </m:sSubPr>
+                      <m:e>
+                        <m:r>
+                          <a:rPr lang="en-US" i="1">
+                            <a:latin typeface="Cambria Math" panose="02040503050406030204" pitchFamily="18" charset="0"/>
+                          </a:rPr>
+                          <m:t>𝑠</m:t>
+                        </m:r>
+                      </m:e>
+                      <m:sub>
+                        <m:r>
+                          <a:rPr lang="en-US" b="0" i="1" smtClean="0">
+                            <a:latin typeface="Cambria Math" panose="02040503050406030204" pitchFamily="18" charset="0"/>
+                          </a:rPr>
+                          <m:t>𝑦𝑦</m:t>
+                        </m:r>
+                      </m:sub>
+                    </m:sSub>
+                    <m:r>
+                      <a:rPr lang="en-US" i="1">
+                        <a:latin typeface="Cambria Math" panose="02040503050406030204" pitchFamily="18" charset="0"/>
+                      </a:rPr>
                       <m:t>=</m:t>
                     </m:r>
-                    <m:f>
-                      <m:fPr>
+                    <m:d>
+                      <m:dPr>
+                        <m:begChr m:val="⟨"/>
+                        <m:endChr m:val="⟩"/>
                         <m:ctrlPr>
                           <a:rPr lang="en-US" i="1">
                             <a:latin typeface="Cambria Math" panose="02040503050406030204" pitchFamily="18" charset="0"/>
                           </a:rPr>
                         </m:ctrlPr>
-                      </m:fPr>
-                      <m:num>
-                        <m:r>
-                          <a:rPr lang="en-US" i="1">
-                            <a:latin typeface="Cambria Math" panose="02040503050406030204" pitchFamily="18" charset="0"/>
-                          </a:rPr>
-                          <m:t>1</m:t>
-                        </m:r>
-                      </m:num>
-                      <m:den>
-                        <m:r>
-                          <a:rPr lang="en-US" i="1">
-                            <a:latin typeface="Cambria Math" panose="02040503050406030204" pitchFamily="18" charset="0"/>
-                          </a:rPr>
-                          <m:t>𝑁</m:t>
-                        </m:r>
-                      </m:den>
-                    </m:f>
-                    <m:nary>
-                      <m:naryPr>
-                        <m:chr m:val="∑"/>
-                        <m:subHide m:val="on"/>
-                        <m:supHide m:val="on"/>
-                        <m:ctrlPr>
-                          <a:rPr lang="en-US" i="1">
-                            <a:latin typeface="Cambria Math" panose="02040503050406030204" pitchFamily="18" charset="0"/>
-                          </a:rPr>
-                        </m:ctrlPr>
-                      </m:naryPr>
-                      <m:sub/>
-                      <m:sup/>
+                      </m:dPr>
                       <m:e>
                         <m:sSubSup>
                           <m:sSubSupPr>
@@ -14668,10 +15576,10 @@
                           </m:sSubSupPr>
                           <m:e>
                             <m:r>
-                              <a:rPr lang="en-US" i="1">
+                              <a:rPr lang="en-US" b="0" i="1" smtClean="0">
                                 <a:latin typeface="Cambria Math" panose="02040503050406030204" pitchFamily="18" charset="0"/>
                               </a:rPr>
-                              <m:t>𝑥</m:t>
+                              <m:t>𝑦</m:t>
                             </m:r>
                           </m:e>
                           <m:sub>
@@ -14692,7 +15600,7 @@
                           </m:sup>
                         </m:sSubSup>
                       </m:e>
-                    </m:nary>
+                    </m:d>
                     <m:r>
                       <a:rPr lang="en-US" i="1">
                         <a:latin typeface="Cambria Math" panose="02040503050406030204" pitchFamily="18" charset="0"/>
@@ -14702,34 +15610,54 @@
                     <m:sSup>
                       <m:sSupPr>
                         <m:ctrlPr>
-                          <a:rPr lang="en-US" b="0" i="1" smtClean="0">
+                          <a:rPr lang="en-US" i="1">
                             <a:latin typeface="Cambria Math" panose="02040503050406030204" pitchFamily="18" charset="0"/>
                           </a:rPr>
                         </m:ctrlPr>
                       </m:sSupPr>
                       <m:e>
-                        <m:acc>
-                          <m:accPr>
-                            <m:chr m:val="̅"/>
+                        <m:d>
+                          <m:dPr>
+                            <m:begChr m:val="⟨"/>
+                            <m:endChr m:val="⟩"/>
                             <m:ctrlPr>
-                              <a:rPr lang="en-US" i="1" smtClean="0">
+                              <a:rPr lang="en-US" i="1">
                                 <a:latin typeface="Cambria Math" panose="02040503050406030204" pitchFamily="18" charset="0"/>
                               </a:rPr>
                             </m:ctrlPr>
-                          </m:accPr>
+                          </m:dPr>
                           <m:e>
-                            <m:r>
-                              <a:rPr lang="en-US" b="0" i="1" smtClean="0">
-                                <a:latin typeface="Cambria Math" panose="02040503050406030204" pitchFamily="18" charset="0"/>
-                              </a:rPr>
-                              <m:t>𝑥</m:t>
-                            </m:r>
+                            <m:sSub>
+                              <m:sSubPr>
+                                <m:ctrlPr>
+                                  <a:rPr lang="en-US" i="1">
+                                    <a:latin typeface="Cambria Math" panose="02040503050406030204" pitchFamily="18" charset="0"/>
+                                  </a:rPr>
+                                </m:ctrlPr>
+                              </m:sSubPr>
+                              <m:e>
+                                <m:r>
+                                  <a:rPr lang="en-US" b="0" i="1" smtClean="0">
+                                    <a:latin typeface="Cambria Math" panose="02040503050406030204" pitchFamily="18" charset="0"/>
+                                  </a:rPr>
+                                  <m:t>𝑦</m:t>
+                                </m:r>
+                              </m:e>
+                              <m:sub>
+                                <m:r>
+                                  <a:rPr lang="en-US" i="1">
+                                    <a:latin typeface="Cambria Math" panose="02040503050406030204" pitchFamily="18" charset="0"/>
+                                  </a:rPr>
+                                  <m:t>𝑖</m:t>
+                                </m:r>
+                              </m:sub>
+                            </m:sSub>
                           </m:e>
-                        </m:acc>
+                        </m:d>
                       </m:e>
                       <m:sup>
                         <m:r>
-                          <a:rPr lang="en-US" b="0" i="1" smtClean="0">
+                          <a:rPr lang="en-US" i="1">
                             <a:latin typeface="Cambria Math" panose="02040503050406030204" pitchFamily="18" charset="0"/>
                           </a:rPr>
                           <m:t>2</m:t>
@@ -14738,29 +15666,27 @@
                     </m:sSup>
                   </m:oMath>
                 </a14:m>
-                <a:endParaRPr lang="en-US" b="0" dirty="0"/>
+                <a:endParaRPr lang="en-US" dirty="0"/>
               </a:p>
               <a:p>
+                <a:pPr lvl="1"/>
                 <a:r>
                   <a:rPr lang="en-US" dirty="0"/>
-                  <a:t>Similarly, for covariance:</a:t>
+                  <a:t>Sample co-variance  </a:t>
                 </a:r>
-                <a:br>
-                  <a:rPr lang="en-US" dirty="0"/>
-                </a:br>
                 <a14:m>
                   <m:oMath xmlns:m="http://schemas.openxmlformats.org/officeDocument/2006/math">
                     <m:sSub>
                       <m:sSubPr>
                         <m:ctrlPr>
-                          <a:rPr lang="en-US" b="0" i="1" smtClean="0">
+                          <a:rPr lang="en-US" i="1">
                             <a:latin typeface="Cambria Math" panose="02040503050406030204" pitchFamily="18" charset="0"/>
                           </a:rPr>
                         </m:ctrlPr>
                       </m:sSubPr>
                       <m:e>
                         <m:r>
-                          <a:rPr lang="en-US" b="0" i="1" smtClean="0">
+                          <a:rPr lang="en-US" i="1">
                             <a:latin typeface="Cambria Math" panose="02040503050406030204" pitchFamily="18" charset="0"/>
                           </a:rPr>
                           <m:t>𝑠</m:t>
@@ -14768,57 +15694,35 @@
                       </m:e>
                       <m:sub>
                         <m:r>
+                          <a:rPr lang="en-US" i="1">
+                            <a:latin typeface="Cambria Math" panose="02040503050406030204" pitchFamily="18" charset="0"/>
+                          </a:rPr>
+                          <m:t>𝑥</m:t>
+                        </m:r>
+                        <m:r>
                           <a:rPr lang="en-US" b="0" i="1" smtClean="0">
                             <a:latin typeface="Cambria Math" panose="02040503050406030204" pitchFamily="18" charset="0"/>
                           </a:rPr>
-                          <m:t>𝑥𝑦</m:t>
+                          <m:t>𝑦</m:t>
                         </m:r>
                       </m:sub>
                     </m:sSub>
                     <m:r>
-                      <a:rPr lang="en-US" b="0" i="1" smtClean="0">
+                      <a:rPr lang="en-US" i="1">
                         <a:latin typeface="Cambria Math" panose="02040503050406030204" pitchFamily="18" charset="0"/>
                       </a:rPr>
                       <m:t>=</m:t>
                     </m:r>
-                    <m:f>
-                      <m:fPr>
+                    <m:d>
+                      <m:dPr>
+                        <m:begChr m:val="⟨"/>
+                        <m:endChr m:val="⟩"/>
                         <m:ctrlPr>
                           <a:rPr lang="en-US" i="1">
                             <a:latin typeface="Cambria Math" panose="02040503050406030204" pitchFamily="18" charset="0"/>
                           </a:rPr>
                         </m:ctrlPr>
-                      </m:fPr>
-                      <m:num>
-                        <m:r>
-                          <a:rPr lang="en-US" i="1">
-                            <a:latin typeface="Cambria Math" panose="02040503050406030204" pitchFamily="18" charset="0"/>
-                          </a:rPr>
-                          <m:t>1</m:t>
-                        </m:r>
-                      </m:num>
-                      <m:den>
-                        <m:r>
-                          <a:rPr lang="en-US" i="1">
-                            <a:latin typeface="Cambria Math" panose="02040503050406030204" pitchFamily="18" charset="0"/>
-                          </a:rPr>
-                          <m:t>𝑁</m:t>
-                        </m:r>
-                      </m:den>
-                    </m:f>
-                    <m:nary>
-                      <m:naryPr>
-                        <m:chr m:val="∑"/>
-                        <m:subHide m:val="on"/>
-                        <m:supHide m:val="on"/>
-                        <m:ctrlPr>
-                          <a:rPr lang="en-US" i="1">
-                            <a:latin typeface="Cambria Math" panose="02040503050406030204" pitchFamily="18" charset="0"/>
-                          </a:rPr>
-                        </m:ctrlPr>
-                      </m:naryPr>
-                      <m:sub/>
-                      <m:sup/>
+                      </m:dPr>
                       <m:e>
                         <m:sSub>
                           <m:sSubPr>
@@ -14871,33 +15775,1189 @@
                           </m:sub>
                         </m:sSub>
                       </m:e>
-                    </m:nary>
+                    </m:d>
                     <m:r>
                       <a:rPr lang="en-US" i="1">
                         <a:latin typeface="Cambria Math" panose="02040503050406030204" pitchFamily="18" charset="0"/>
                       </a:rPr>
                       <m:t>−</m:t>
                     </m:r>
+                    <m:d>
+                      <m:dPr>
+                        <m:begChr m:val="⟨"/>
+                        <m:endChr m:val="⟩"/>
+                        <m:ctrlPr>
+                          <a:rPr lang="en-US" i="1">
+                            <a:latin typeface="Cambria Math" panose="02040503050406030204" pitchFamily="18" charset="0"/>
+                          </a:rPr>
+                        </m:ctrlPr>
+                      </m:dPr>
+                      <m:e>
+                        <m:sSub>
+                          <m:sSubPr>
+                            <m:ctrlPr>
+                              <a:rPr lang="en-US" i="1">
+                                <a:latin typeface="Cambria Math" panose="02040503050406030204" pitchFamily="18" charset="0"/>
+                              </a:rPr>
+                            </m:ctrlPr>
+                          </m:sSubPr>
+                          <m:e>
+                            <m:r>
+                              <a:rPr lang="en-US" i="1">
+                                <a:latin typeface="Cambria Math" panose="02040503050406030204" pitchFamily="18" charset="0"/>
+                              </a:rPr>
+                              <m:t>𝑥</m:t>
+                            </m:r>
+                          </m:e>
+                          <m:sub>
+                            <m:r>
+                              <a:rPr lang="en-US" i="1">
+                                <a:latin typeface="Cambria Math" panose="02040503050406030204" pitchFamily="18" charset="0"/>
+                              </a:rPr>
+                              <m:t>𝑖</m:t>
+                            </m:r>
+                          </m:sub>
+                        </m:sSub>
+                      </m:e>
+                    </m:d>
+                    <m:d>
+                      <m:dPr>
+                        <m:begChr m:val="⟨"/>
+                        <m:endChr m:val="⟩"/>
+                        <m:ctrlPr>
+                          <a:rPr lang="en-US" i="1">
+                            <a:latin typeface="Cambria Math" panose="02040503050406030204" pitchFamily="18" charset="0"/>
+                          </a:rPr>
+                        </m:ctrlPr>
+                      </m:dPr>
+                      <m:e>
+                        <m:sSub>
+                          <m:sSubPr>
+                            <m:ctrlPr>
+                              <a:rPr lang="en-US" i="1">
+                                <a:latin typeface="Cambria Math" panose="02040503050406030204" pitchFamily="18" charset="0"/>
+                              </a:rPr>
+                            </m:ctrlPr>
+                          </m:sSubPr>
+                          <m:e>
+                            <m:r>
+                              <a:rPr lang="en-US" b="0" i="1" smtClean="0">
+                                <a:latin typeface="Cambria Math" panose="02040503050406030204" pitchFamily="18" charset="0"/>
+                              </a:rPr>
+                              <m:t>𝑦</m:t>
+                            </m:r>
+                          </m:e>
+                          <m:sub>
+                            <m:r>
+                              <a:rPr lang="en-US" i="1">
+                                <a:latin typeface="Cambria Math" panose="02040503050406030204" pitchFamily="18" charset="0"/>
+                              </a:rPr>
+                              <m:t>𝑖</m:t>
+                            </m:r>
+                          </m:sub>
+                        </m:sSub>
+                      </m:e>
+                    </m:d>
+                  </m:oMath>
+                </a14:m>
+                <a:endParaRPr lang="en-US" dirty="0"/>
+              </a:p>
+              <a:p>
+                <a:endParaRPr lang="en-US" dirty="0"/>
+              </a:p>
+              <a:p>
+                <a:r>
+                  <a:rPr lang="en-US" dirty="0"/>
+                  <a:t>Proof:</a:t>
+                </a:r>
+              </a:p>
+              <a:p>
+                <a:pPr lvl="1"/>
+                <a14:m>
+                  <m:oMath xmlns:m="http://schemas.openxmlformats.org/officeDocument/2006/math">
+                    <m:sSub>
+                      <m:sSubPr>
+                        <m:ctrlPr>
+                          <a:rPr lang="en-US" b="0" i="1" smtClean="0">
+                            <a:latin typeface="Cambria Math" panose="02040503050406030204" pitchFamily="18" charset="0"/>
+                          </a:rPr>
+                        </m:ctrlPr>
+                      </m:sSubPr>
+                      <m:e>
+                        <m:r>
+                          <a:rPr lang="en-US" b="0" i="1" smtClean="0">
+                            <a:latin typeface="Cambria Math" panose="02040503050406030204" pitchFamily="18" charset="0"/>
+                          </a:rPr>
+                          <m:t>𝑠</m:t>
+                        </m:r>
+                      </m:e>
+                      <m:sub>
+                        <m:r>
+                          <a:rPr lang="en-US" b="0" i="1" smtClean="0">
+                            <a:latin typeface="Cambria Math" panose="02040503050406030204" pitchFamily="18" charset="0"/>
+                          </a:rPr>
+                          <m:t>𝑥𝑥</m:t>
+                        </m:r>
+                      </m:sub>
+                    </m:sSub>
+                    <m:r>
+                      <a:rPr lang="en-US" i="1">
+                        <a:latin typeface="Cambria Math" panose="02040503050406030204" pitchFamily="18" charset="0"/>
+                      </a:rPr>
+                      <m:t>=</m:t>
+                    </m:r>
+                    <m:f>
+                      <m:fPr>
+                        <m:ctrlPr>
+                          <a:rPr lang="en-US" i="1">
+                            <a:latin typeface="Cambria Math" panose="02040503050406030204" pitchFamily="18" charset="0"/>
+                          </a:rPr>
+                        </m:ctrlPr>
+                      </m:fPr>
+                      <m:num>
+                        <m:r>
+                          <a:rPr lang="en-US" i="1">
+                            <a:latin typeface="Cambria Math" panose="02040503050406030204" pitchFamily="18" charset="0"/>
+                          </a:rPr>
+                          <m:t>1</m:t>
+                        </m:r>
+                      </m:num>
+                      <m:den>
+                        <m:r>
+                          <a:rPr lang="en-US" i="1">
+                            <a:latin typeface="Cambria Math" panose="02040503050406030204" pitchFamily="18" charset="0"/>
+                          </a:rPr>
+                          <m:t>𝑁</m:t>
+                        </m:r>
+                      </m:den>
+                    </m:f>
+                    <m:nary>
+                      <m:naryPr>
+                        <m:chr m:val="∑"/>
+                        <m:subHide m:val="on"/>
+                        <m:supHide m:val="on"/>
+                        <m:ctrlPr>
+                          <a:rPr lang="en-US" i="1">
+                            <a:latin typeface="Cambria Math" panose="02040503050406030204" pitchFamily="18" charset="0"/>
+                          </a:rPr>
+                        </m:ctrlPr>
+                      </m:naryPr>
+                      <m:sub/>
+                      <m:sup/>
+                      <m:e>
+                        <m:sSup>
+                          <m:sSupPr>
+                            <m:ctrlPr>
+                              <a:rPr lang="en-US" i="1">
+                                <a:latin typeface="Cambria Math" panose="02040503050406030204" pitchFamily="18" charset="0"/>
+                              </a:rPr>
+                            </m:ctrlPr>
+                          </m:sSupPr>
+                          <m:e>
+                            <m:d>
+                              <m:dPr>
+                                <m:ctrlPr>
+                                  <a:rPr lang="en-US" i="1">
+                                    <a:latin typeface="Cambria Math" panose="02040503050406030204" pitchFamily="18" charset="0"/>
+                                  </a:rPr>
+                                </m:ctrlPr>
+                              </m:dPr>
+                              <m:e>
+                                <m:sSub>
+                                  <m:sSubPr>
+                                    <m:ctrlPr>
+                                      <a:rPr lang="en-US" i="1">
+                                        <a:latin typeface="Cambria Math" panose="02040503050406030204" pitchFamily="18" charset="0"/>
+                                      </a:rPr>
+                                    </m:ctrlPr>
+                                  </m:sSubPr>
+                                  <m:e>
+                                    <m:r>
+                                      <a:rPr lang="en-US" i="1">
+                                        <a:latin typeface="Cambria Math" panose="02040503050406030204" pitchFamily="18" charset="0"/>
+                                      </a:rPr>
+                                      <m:t>𝑥</m:t>
+                                    </m:r>
+                                  </m:e>
+                                  <m:sub>
+                                    <m:r>
+                                      <a:rPr lang="en-US" i="1">
+                                        <a:latin typeface="Cambria Math" panose="02040503050406030204" pitchFamily="18" charset="0"/>
+                                      </a:rPr>
+                                      <m:t>𝑖</m:t>
+                                    </m:r>
+                                  </m:sub>
+                                </m:sSub>
+                                <m:r>
+                                  <a:rPr lang="en-US" i="1">
+                                    <a:latin typeface="Cambria Math" panose="02040503050406030204" pitchFamily="18" charset="0"/>
+                                  </a:rPr>
+                                  <m:t>−</m:t>
+                                </m:r>
+                                <m:acc>
+                                  <m:accPr>
+                                    <m:chr m:val="̅"/>
+                                    <m:ctrlPr>
+                                      <a:rPr lang="en-US" i="1">
+                                        <a:latin typeface="Cambria Math" panose="02040503050406030204" pitchFamily="18" charset="0"/>
+                                      </a:rPr>
+                                    </m:ctrlPr>
+                                  </m:accPr>
+                                  <m:e>
+                                    <m:r>
+                                      <a:rPr lang="en-US" i="1">
+                                        <a:latin typeface="Cambria Math" panose="02040503050406030204" pitchFamily="18" charset="0"/>
+                                      </a:rPr>
+                                      <m:t>𝑥</m:t>
+                                    </m:r>
+                                  </m:e>
+                                </m:acc>
+                              </m:e>
+                            </m:d>
+                          </m:e>
+                          <m:sup>
+                            <m:r>
+                              <a:rPr lang="en-US" i="1">
+                                <a:latin typeface="Cambria Math" panose="02040503050406030204" pitchFamily="18" charset="0"/>
+                              </a:rPr>
+                              <m:t>2</m:t>
+                            </m:r>
+                          </m:sup>
+                        </m:sSup>
+                      </m:e>
+                    </m:nary>
+                    <m:r>
+                      <a:rPr lang="en-US" b="0" i="1" smtClean="0">
+                        <a:latin typeface="Cambria Math" panose="02040503050406030204" pitchFamily="18" charset="0"/>
+                      </a:rPr>
+                      <m:t>=</m:t>
+                    </m:r>
+                    <m:f>
+                      <m:fPr>
+                        <m:ctrlPr>
+                          <a:rPr lang="en-US" i="1">
+                            <a:latin typeface="Cambria Math" panose="02040503050406030204" pitchFamily="18" charset="0"/>
+                          </a:rPr>
+                        </m:ctrlPr>
+                      </m:fPr>
+                      <m:num>
+                        <m:r>
+                          <a:rPr lang="en-US" i="1">
+                            <a:latin typeface="Cambria Math" panose="02040503050406030204" pitchFamily="18" charset="0"/>
+                          </a:rPr>
+                          <m:t>1</m:t>
+                        </m:r>
+                      </m:num>
+                      <m:den>
+                        <m:r>
+                          <a:rPr lang="en-US" i="1">
+                            <a:latin typeface="Cambria Math" panose="02040503050406030204" pitchFamily="18" charset="0"/>
+                          </a:rPr>
+                          <m:t>𝑁</m:t>
+                        </m:r>
+                      </m:den>
+                    </m:f>
+                    <m:nary>
+                      <m:naryPr>
+                        <m:chr m:val="∑"/>
+                        <m:subHide m:val="on"/>
+                        <m:supHide m:val="on"/>
+                        <m:ctrlPr>
+                          <a:rPr lang="en-US" i="1">
+                            <a:latin typeface="Cambria Math" panose="02040503050406030204" pitchFamily="18" charset="0"/>
+                          </a:rPr>
+                        </m:ctrlPr>
+                      </m:naryPr>
+                      <m:sub/>
+                      <m:sup/>
+                      <m:e>
+                        <m:r>
+                          <a:rPr lang="en-US" b="0" i="1" smtClean="0">
+                            <a:latin typeface="Cambria Math" panose="02040503050406030204" pitchFamily="18" charset="0"/>
+                          </a:rPr>
+                          <m:t>(</m:t>
+                        </m:r>
+                        <m:sSubSup>
+                          <m:sSubSupPr>
+                            <m:ctrlPr>
+                              <a:rPr lang="en-US" i="1">
+                                <a:latin typeface="Cambria Math" panose="02040503050406030204" pitchFamily="18" charset="0"/>
+                              </a:rPr>
+                            </m:ctrlPr>
+                          </m:sSubSupPr>
+                          <m:e>
+                            <m:r>
+                              <a:rPr lang="en-US" i="1">
+                                <a:latin typeface="Cambria Math" panose="02040503050406030204" pitchFamily="18" charset="0"/>
+                              </a:rPr>
+                              <m:t>𝑥</m:t>
+                            </m:r>
+                          </m:e>
+                          <m:sub>
+                            <m:r>
+                              <a:rPr lang="en-US" i="1">
+                                <a:latin typeface="Cambria Math" panose="02040503050406030204" pitchFamily="18" charset="0"/>
+                              </a:rPr>
+                              <m:t>𝑖</m:t>
+                            </m:r>
+                          </m:sub>
+                          <m:sup>
+                            <m:r>
+                              <a:rPr lang="en-US" i="1">
+                                <a:latin typeface="Cambria Math" panose="02040503050406030204" pitchFamily="18" charset="0"/>
+                              </a:rPr>
+                              <m:t>2</m:t>
+                            </m:r>
+                          </m:sup>
+                        </m:sSubSup>
+                        <m:r>
+                          <a:rPr lang="en-US" i="1">
+                            <a:latin typeface="Cambria Math" panose="02040503050406030204" pitchFamily="18" charset="0"/>
+                          </a:rPr>
+                          <m:t>−</m:t>
+                        </m:r>
+                        <m:r>
+                          <a:rPr lang="en-US" b="0" i="1" smtClean="0">
+                            <a:latin typeface="Cambria Math" panose="02040503050406030204" pitchFamily="18" charset="0"/>
+                          </a:rPr>
+                          <m:t>2</m:t>
+                        </m:r>
+                        <m:sSub>
+                          <m:sSubPr>
+                            <m:ctrlPr>
+                              <a:rPr lang="en-US" b="0" i="1" smtClean="0">
+                                <a:latin typeface="Cambria Math" panose="02040503050406030204" pitchFamily="18" charset="0"/>
+                              </a:rPr>
+                            </m:ctrlPr>
+                          </m:sSubPr>
+                          <m:e>
+                            <m:r>
+                              <a:rPr lang="en-US" b="0" i="1" smtClean="0">
+                                <a:latin typeface="Cambria Math" panose="02040503050406030204" pitchFamily="18" charset="0"/>
+                              </a:rPr>
+                              <m:t>𝑥</m:t>
+                            </m:r>
+                          </m:e>
+                          <m:sub>
+                            <m:r>
+                              <a:rPr lang="en-US" b="0" i="1" smtClean="0">
+                                <a:latin typeface="Cambria Math" panose="02040503050406030204" pitchFamily="18" charset="0"/>
+                              </a:rPr>
+                              <m:t>𝑖</m:t>
+                            </m:r>
+                          </m:sub>
+                        </m:sSub>
+                        <m:acc>
+                          <m:accPr>
+                            <m:chr m:val="̅"/>
+                            <m:ctrlPr>
+                              <a:rPr lang="en-US" i="1">
+                                <a:latin typeface="Cambria Math" panose="02040503050406030204" pitchFamily="18" charset="0"/>
+                              </a:rPr>
+                            </m:ctrlPr>
+                          </m:accPr>
+                          <m:e>
+                            <m:r>
+                              <a:rPr lang="en-US" i="1">
+                                <a:latin typeface="Cambria Math" panose="02040503050406030204" pitchFamily="18" charset="0"/>
+                              </a:rPr>
+                              <m:t>𝑥</m:t>
+                            </m:r>
+                          </m:e>
+                        </m:acc>
+                        <m:r>
+                          <a:rPr lang="en-US" b="0" i="1" smtClean="0">
+                            <a:latin typeface="Cambria Math" panose="02040503050406030204" pitchFamily="18" charset="0"/>
+                          </a:rPr>
+                          <m:t>+</m:t>
+                        </m:r>
+                        <m:sSup>
+                          <m:sSupPr>
+                            <m:ctrlPr>
+                              <a:rPr lang="en-US" b="0" i="1" smtClean="0">
+                                <a:latin typeface="Cambria Math" panose="02040503050406030204" pitchFamily="18" charset="0"/>
+                              </a:rPr>
+                            </m:ctrlPr>
+                          </m:sSupPr>
+                          <m:e>
+                            <m:acc>
+                              <m:accPr>
+                                <m:chr m:val="̅"/>
+                                <m:ctrlPr>
+                                  <a:rPr lang="en-US" i="1">
+                                    <a:latin typeface="Cambria Math" panose="02040503050406030204" pitchFamily="18" charset="0"/>
+                                  </a:rPr>
+                                </m:ctrlPr>
+                              </m:accPr>
+                              <m:e>
+                                <m:r>
+                                  <a:rPr lang="en-US" i="1">
+                                    <a:latin typeface="Cambria Math" panose="02040503050406030204" pitchFamily="18" charset="0"/>
+                                  </a:rPr>
+                                  <m:t>𝑥</m:t>
+                                </m:r>
+                              </m:e>
+                            </m:acc>
+                          </m:e>
+                          <m:sup>
+                            <m:r>
+                              <a:rPr lang="en-US" b="0" i="1" smtClean="0">
+                                <a:latin typeface="Cambria Math" panose="02040503050406030204" pitchFamily="18" charset="0"/>
+                              </a:rPr>
+                              <m:t>2</m:t>
+                            </m:r>
+                          </m:sup>
+                        </m:sSup>
+                        <m:r>
+                          <a:rPr lang="en-US" b="0" i="1" smtClean="0">
+                            <a:latin typeface="Cambria Math" panose="02040503050406030204" pitchFamily="18" charset="0"/>
+                          </a:rPr>
+                          <m:t>)</m:t>
+                        </m:r>
+                      </m:e>
+                    </m:nary>
+                    <m:r>
+                      <a:rPr lang="en-US" b="0" i="1" smtClean="0">
+                        <a:latin typeface="Cambria Math" panose="02040503050406030204" pitchFamily="18" charset="0"/>
+                      </a:rPr>
+                      <m:t>=</m:t>
+                    </m:r>
+                    <m:d>
+                      <m:dPr>
+                        <m:begChr m:val="⟨"/>
+                        <m:endChr m:val="⟩"/>
+                        <m:ctrlPr>
+                          <a:rPr lang="en-US" i="1">
+                            <a:latin typeface="Cambria Math" panose="02040503050406030204" pitchFamily="18" charset="0"/>
+                          </a:rPr>
+                        </m:ctrlPr>
+                      </m:dPr>
+                      <m:e>
+                        <m:sSubSup>
+                          <m:sSubSupPr>
+                            <m:ctrlPr>
+                              <a:rPr lang="en-US" i="1">
+                                <a:latin typeface="Cambria Math" panose="02040503050406030204" pitchFamily="18" charset="0"/>
+                              </a:rPr>
+                            </m:ctrlPr>
+                          </m:sSubSupPr>
+                          <m:e>
+                            <m:r>
+                              <a:rPr lang="en-US" i="1">
+                                <a:latin typeface="Cambria Math" panose="02040503050406030204" pitchFamily="18" charset="0"/>
+                              </a:rPr>
+                              <m:t>𝑥</m:t>
+                            </m:r>
+                          </m:e>
+                          <m:sub>
+                            <m:r>
+                              <a:rPr lang="en-US" i="1">
+                                <a:latin typeface="Cambria Math" panose="02040503050406030204" pitchFamily="18" charset="0"/>
+                              </a:rPr>
+                              <m:t>𝑖</m:t>
+                            </m:r>
+                          </m:sub>
+                          <m:sup>
+                            <m:r>
+                              <a:rPr lang="en-US" i="1">
+                                <a:latin typeface="Cambria Math" panose="02040503050406030204" pitchFamily="18" charset="0"/>
+                              </a:rPr>
+                              <m:t>2</m:t>
+                            </m:r>
+                          </m:sup>
+                        </m:sSubSup>
+                      </m:e>
+                    </m:d>
+                    <m:r>
+                      <a:rPr lang="en-US" b="0" i="1" smtClean="0">
+                        <a:latin typeface="Cambria Math" panose="02040503050406030204" pitchFamily="18" charset="0"/>
+                      </a:rPr>
+                      <m:t>−2</m:t>
+                    </m:r>
                     <m:acc>
                       <m:accPr>
                         <m:chr m:val="̅"/>
                         <m:ctrlPr>
-                          <a:rPr lang="en-US" b="0" i="1" smtClean="0">
+                          <a:rPr lang="en-US" i="1">
                             <a:latin typeface="Cambria Math" panose="02040503050406030204" pitchFamily="18" charset="0"/>
                           </a:rPr>
                         </m:ctrlPr>
                       </m:accPr>
                       <m:e>
                         <m:r>
-                          <a:rPr lang="en-US" b="0" i="1" smtClean="0">
-                            <a:latin typeface="Cambria Math" panose="02040503050406030204" pitchFamily="18" charset="0"/>
-                          </a:rPr>
-                          <m:t>𝑥𝑦</m:t>
+                          <a:rPr lang="en-US" i="1">
+                            <a:latin typeface="Cambria Math" panose="02040503050406030204" pitchFamily="18" charset="0"/>
+                          </a:rPr>
+                          <m:t>𝑥</m:t>
                         </m:r>
                       </m:e>
                     </m:acc>
+                    <m:d>
+                      <m:dPr>
+                        <m:begChr m:val="⟨"/>
+                        <m:endChr m:val="⟩"/>
+                        <m:ctrlPr>
+                          <a:rPr lang="en-US" i="1">
+                            <a:latin typeface="Cambria Math" panose="02040503050406030204" pitchFamily="18" charset="0"/>
+                          </a:rPr>
+                        </m:ctrlPr>
+                      </m:dPr>
+                      <m:e>
+                        <m:sSub>
+                          <m:sSubPr>
+                            <m:ctrlPr>
+                              <a:rPr lang="en-US" i="1">
+                                <a:latin typeface="Cambria Math" panose="02040503050406030204" pitchFamily="18" charset="0"/>
+                              </a:rPr>
+                            </m:ctrlPr>
+                          </m:sSubPr>
+                          <m:e>
+                            <m:r>
+                              <a:rPr lang="en-US" i="1">
+                                <a:latin typeface="Cambria Math" panose="02040503050406030204" pitchFamily="18" charset="0"/>
+                              </a:rPr>
+                              <m:t>𝑥</m:t>
+                            </m:r>
+                          </m:e>
+                          <m:sub>
+                            <m:r>
+                              <a:rPr lang="en-US" i="1">
+                                <a:latin typeface="Cambria Math" panose="02040503050406030204" pitchFamily="18" charset="0"/>
+                              </a:rPr>
+                              <m:t>𝑖</m:t>
+                            </m:r>
+                          </m:sub>
+                        </m:sSub>
+                      </m:e>
+                    </m:d>
+                    <m:r>
+                      <a:rPr lang="en-US" b="0" i="1" smtClean="0">
+                        <a:latin typeface="Cambria Math" panose="02040503050406030204" pitchFamily="18" charset="0"/>
+                      </a:rPr>
+                      <m:t>+</m:t>
+                    </m:r>
+                    <m:sSup>
+                      <m:sSupPr>
+                        <m:ctrlPr>
+                          <a:rPr lang="en-US" b="0" i="1" smtClean="0">
+                            <a:latin typeface="Cambria Math" panose="02040503050406030204" pitchFamily="18" charset="0"/>
+                          </a:rPr>
+                        </m:ctrlPr>
+                      </m:sSupPr>
+                      <m:e>
+                        <m:acc>
+                          <m:accPr>
+                            <m:chr m:val="̅"/>
+                            <m:ctrlPr>
+                              <a:rPr lang="en-US" i="1">
+                                <a:latin typeface="Cambria Math" panose="02040503050406030204" pitchFamily="18" charset="0"/>
+                              </a:rPr>
+                            </m:ctrlPr>
+                          </m:accPr>
+                          <m:e>
+                            <m:r>
+                              <a:rPr lang="en-US" i="1">
+                                <a:latin typeface="Cambria Math" panose="02040503050406030204" pitchFamily="18" charset="0"/>
+                              </a:rPr>
+                              <m:t>𝑥</m:t>
+                            </m:r>
+                          </m:e>
+                        </m:acc>
+                      </m:e>
+                      <m:sup>
+                        <m:r>
+                          <a:rPr lang="en-US" b="0" i="1" smtClean="0">
+                            <a:latin typeface="Cambria Math" panose="02040503050406030204" pitchFamily="18" charset="0"/>
+                          </a:rPr>
+                          <m:t>2</m:t>
+                        </m:r>
+                      </m:sup>
+                    </m:sSup>
                   </m:oMath>
                 </a14:m>
+                <a:endParaRPr lang="en-US" b="0" dirty="0"/>
+              </a:p>
+              <a:p>
+                <a:pPr lvl="1"/>
+                <a:r>
+                  <a:rPr lang="en-US" dirty="0"/>
+                  <a:t>Recall </a:t>
+                </a:r>
+                <a14:m>
+                  <m:oMath xmlns:m="http://schemas.openxmlformats.org/officeDocument/2006/math">
+                    <m:acc>
+                      <m:accPr>
+                        <m:chr m:val="̅"/>
+                        <m:ctrlPr>
+                          <a:rPr lang="en-US" i="1">
+                            <a:latin typeface="Cambria Math" panose="02040503050406030204" pitchFamily="18" charset="0"/>
+                          </a:rPr>
+                        </m:ctrlPr>
+                      </m:accPr>
+                      <m:e>
+                        <m:r>
+                          <a:rPr lang="en-US" i="1">
+                            <a:latin typeface="Cambria Math" panose="02040503050406030204" pitchFamily="18" charset="0"/>
+                          </a:rPr>
+                          <m:t>𝑥</m:t>
+                        </m:r>
+                      </m:e>
+                    </m:acc>
+                    <m:r>
+                      <a:rPr lang="en-US" i="1">
+                        <a:latin typeface="Cambria Math" panose="02040503050406030204" pitchFamily="18" charset="0"/>
+                      </a:rPr>
+                      <m:t>=</m:t>
+                    </m:r>
+                  </m:oMath>
+                </a14:m>
+                <a:r>
+                  <a:rPr lang="en-US" dirty="0"/>
+                  <a:t> </a:t>
+                </a:r>
+                <a14:m>
+                  <m:oMath xmlns:m="http://schemas.openxmlformats.org/officeDocument/2006/math">
+                    <m:d>
+                      <m:dPr>
+                        <m:begChr m:val="⟨"/>
+                        <m:endChr m:val="⟩"/>
+                        <m:ctrlPr>
+                          <a:rPr lang="en-US" i="1">
+                            <a:latin typeface="Cambria Math" panose="02040503050406030204" pitchFamily="18" charset="0"/>
+                          </a:rPr>
+                        </m:ctrlPr>
+                      </m:dPr>
+                      <m:e>
+                        <m:sSub>
+                          <m:sSubPr>
+                            <m:ctrlPr>
+                              <a:rPr lang="en-US" i="1">
+                                <a:latin typeface="Cambria Math" panose="02040503050406030204" pitchFamily="18" charset="0"/>
+                              </a:rPr>
+                            </m:ctrlPr>
+                          </m:sSubPr>
+                          <m:e>
+                            <m:r>
+                              <a:rPr lang="en-US" i="1">
+                                <a:latin typeface="Cambria Math" panose="02040503050406030204" pitchFamily="18" charset="0"/>
+                              </a:rPr>
+                              <m:t>𝑥</m:t>
+                            </m:r>
+                          </m:e>
+                          <m:sub>
+                            <m:r>
+                              <a:rPr lang="en-US" i="1">
+                                <a:latin typeface="Cambria Math" panose="02040503050406030204" pitchFamily="18" charset="0"/>
+                              </a:rPr>
+                              <m:t>𝑖</m:t>
+                            </m:r>
+                          </m:sub>
+                        </m:sSub>
+                      </m:e>
+                    </m:d>
+                  </m:oMath>
+                </a14:m>
+                <a:endParaRPr lang="en-US" dirty="0"/>
+              </a:p>
+              <a:p>
+                <a:pPr lvl="1"/>
+                <a:r>
+                  <a:rPr lang="en-US" dirty="0"/>
+                  <a:t>Therefore, </a:t>
+                </a:r>
+                <a14:m>
+                  <m:oMath xmlns:m="http://schemas.openxmlformats.org/officeDocument/2006/math">
+                    <m:sSub>
+                      <m:sSubPr>
+                        <m:ctrlPr>
+                          <a:rPr lang="en-US" i="1">
+                            <a:latin typeface="Cambria Math" panose="02040503050406030204" pitchFamily="18" charset="0"/>
+                          </a:rPr>
+                        </m:ctrlPr>
+                      </m:sSubPr>
+                      <m:e>
+                        <m:r>
+                          <a:rPr lang="en-US" i="1">
+                            <a:latin typeface="Cambria Math" panose="02040503050406030204" pitchFamily="18" charset="0"/>
+                          </a:rPr>
+                          <m:t>𝑠</m:t>
+                        </m:r>
+                      </m:e>
+                      <m:sub>
+                        <m:r>
+                          <a:rPr lang="en-US" i="1">
+                            <a:latin typeface="Cambria Math" panose="02040503050406030204" pitchFamily="18" charset="0"/>
+                          </a:rPr>
+                          <m:t>𝑥𝑥</m:t>
+                        </m:r>
+                      </m:sub>
+                    </m:sSub>
+                    <m:r>
+                      <a:rPr lang="en-US" b="0" i="1" smtClean="0">
+                        <a:latin typeface="Cambria Math" panose="02040503050406030204" pitchFamily="18" charset="0"/>
+                      </a:rPr>
+                      <m:t>=</m:t>
+                    </m:r>
+                    <m:d>
+                      <m:dPr>
+                        <m:begChr m:val="⟨"/>
+                        <m:endChr m:val="⟩"/>
+                        <m:ctrlPr>
+                          <a:rPr lang="en-US" i="1">
+                            <a:latin typeface="Cambria Math" panose="02040503050406030204" pitchFamily="18" charset="0"/>
+                          </a:rPr>
+                        </m:ctrlPr>
+                      </m:dPr>
+                      <m:e>
+                        <m:sSubSup>
+                          <m:sSubSupPr>
+                            <m:ctrlPr>
+                              <a:rPr lang="en-US" i="1">
+                                <a:latin typeface="Cambria Math" panose="02040503050406030204" pitchFamily="18" charset="0"/>
+                              </a:rPr>
+                            </m:ctrlPr>
+                          </m:sSubSupPr>
+                          <m:e>
+                            <m:r>
+                              <a:rPr lang="en-US" i="1">
+                                <a:latin typeface="Cambria Math" panose="02040503050406030204" pitchFamily="18" charset="0"/>
+                              </a:rPr>
+                              <m:t>𝑥</m:t>
+                            </m:r>
+                          </m:e>
+                          <m:sub>
+                            <m:r>
+                              <a:rPr lang="en-US" i="1">
+                                <a:latin typeface="Cambria Math" panose="02040503050406030204" pitchFamily="18" charset="0"/>
+                              </a:rPr>
+                              <m:t>𝑖</m:t>
+                            </m:r>
+                          </m:sub>
+                          <m:sup>
+                            <m:r>
+                              <a:rPr lang="en-US" i="1">
+                                <a:latin typeface="Cambria Math" panose="02040503050406030204" pitchFamily="18" charset="0"/>
+                              </a:rPr>
+                              <m:t>2</m:t>
+                            </m:r>
+                          </m:sup>
+                        </m:sSubSup>
+                      </m:e>
+                    </m:d>
+                    <m:r>
+                      <a:rPr lang="en-US" b="0" i="1" smtClean="0">
+                        <a:latin typeface="Cambria Math" panose="02040503050406030204" pitchFamily="18" charset="0"/>
+                      </a:rPr>
+                      <m:t>−</m:t>
+                    </m:r>
+                    <m:sSup>
+                      <m:sSupPr>
+                        <m:ctrlPr>
+                          <a:rPr lang="en-US" i="1">
+                            <a:latin typeface="Cambria Math" panose="02040503050406030204" pitchFamily="18" charset="0"/>
+                          </a:rPr>
+                        </m:ctrlPr>
+                      </m:sSupPr>
+                      <m:e>
+                        <m:d>
+                          <m:dPr>
+                            <m:begChr m:val="⟨"/>
+                            <m:endChr m:val="⟩"/>
+                            <m:ctrlPr>
+                              <a:rPr lang="en-US" i="1">
+                                <a:latin typeface="Cambria Math" panose="02040503050406030204" pitchFamily="18" charset="0"/>
+                              </a:rPr>
+                            </m:ctrlPr>
+                          </m:dPr>
+                          <m:e>
+                            <m:sSub>
+                              <m:sSubPr>
+                                <m:ctrlPr>
+                                  <a:rPr lang="en-US" i="1">
+                                    <a:latin typeface="Cambria Math" panose="02040503050406030204" pitchFamily="18" charset="0"/>
+                                  </a:rPr>
+                                </m:ctrlPr>
+                              </m:sSubPr>
+                              <m:e>
+                                <m:r>
+                                  <a:rPr lang="en-US" i="1">
+                                    <a:latin typeface="Cambria Math" panose="02040503050406030204" pitchFamily="18" charset="0"/>
+                                  </a:rPr>
+                                  <m:t>𝑥</m:t>
+                                </m:r>
+                              </m:e>
+                              <m:sub>
+                                <m:r>
+                                  <a:rPr lang="en-US" i="1">
+                                    <a:latin typeface="Cambria Math" panose="02040503050406030204" pitchFamily="18" charset="0"/>
+                                  </a:rPr>
+                                  <m:t>𝑖</m:t>
+                                </m:r>
+                              </m:sub>
+                            </m:sSub>
+                          </m:e>
+                        </m:d>
+                      </m:e>
+                      <m:sup>
+                        <m:r>
+                          <a:rPr lang="en-US" i="1">
+                            <a:latin typeface="Cambria Math" panose="02040503050406030204" pitchFamily="18" charset="0"/>
+                          </a:rPr>
+                          <m:t>2</m:t>
+                        </m:r>
+                      </m:sup>
+                    </m:sSup>
+                  </m:oMath>
+                </a14:m>
+                <a:endParaRPr lang="en-US" dirty="0"/>
+              </a:p>
+              <a:p>
+                <a:pPr lvl="1"/>
+                <a:r>
+                  <a:rPr lang="en-US" dirty="0"/>
+                  <a:t>Other relations </a:t>
+                </a:r>
+                <a14:m>
+                  <m:oMath xmlns:m="http://schemas.openxmlformats.org/officeDocument/2006/math">
+                    <m:sSub>
+                      <m:sSubPr>
+                        <m:ctrlPr>
+                          <a:rPr lang="en-US" i="1">
+                            <a:latin typeface="Cambria Math" panose="02040503050406030204" pitchFamily="18" charset="0"/>
+                          </a:rPr>
+                        </m:ctrlPr>
+                      </m:sSubPr>
+                      <m:e>
+                        <m:r>
+                          <a:rPr lang="en-US" i="1">
+                            <a:latin typeface="Cambria Math" panose="02040503050406030204" pitchFamily="18" charset="0"/>
+                          </a:rPr>
+                          <m:t>𝑠</m:t>
+                        </m:r>
+                      </m:e>
+                      <m:sub>
+                        <m:r>
+                          <a:rPr lang="en-US" i="1">
+                            <a:latin typeface="Cambria Math" panose="02040503050406030204" pitchFamily="18" charset="0"/>
+                          </a:rPr>
+                          <m:t>𝑦𝑦</m:t>
+                        </m:r>
+                      </m:sub>
+                    </m:sSub>
+                    <m:r>
+                      <a:rPr lang="en-US" i="1">
+                        <a:latin typeface="Cambria Math" panose="02040503050406030204" pitchFamily="18" charset="0"/>
+                      </a:rPr>
+                      <m:t>=</m:t>
+                    </m:r>
+                    <m:d>
+                      <m:dPr>
+                        <m:begChr m:val="⟨"/>
+                        <m:endChr m:val="⟩"/>
+                        <m:ctrlPr>
+                          <a:rPr lang="en-US" i="1">
+                            <a:latin typeface="Cambria Math" panose="02040503050406030204" pitchFamily="18" charset="0"/>
+                          </a:rPr>
+                        </m:ctrlPr>
+                      </m:dPr>
+                      <m:e>
+                        <m:sSubSup>
+                          <m:sSubSupPr>
+                            <m:ctrlPr>
+                              <a:rPr lang="en-US" i="1">
+                                <a:latin typeface="Cambria Math" panose="02040503050406030204" pitchFamily="18" charset="0"/>
+                              </a:rPr>
+                            </m:ctrlPr>
+                          </m:sSubSupPr>
+                          <m:e>
+                            <m:r>
+                              <a:rPr lang="en-US" i="1">
+                                <a:latin typeface="Cambria Math" panose="02040503050406030204" pitchFamily="18" charset="0"/>
+                              </a:rPr>
+                              <m:t>𝑦</m:t>
+                            </m:r>
+                          </m:e>
+                          <m:sub>
+                            <m:r>
+                              <a:rPr lang="en-US" i="1">
+                                <a:latin typeface="Cambria Math" panose="02040503050406030204" pitchFamily="18" charset="0"/>
+                              </a:rPr>
+                              <m:t>𝑖</m:t>
+                            </m:r>
+                          </m:sub>
+                          <m:sup>
+                            <m:r>
+                              <a:rPr lang="en-US" i="1">
+                                <a:latin typeface="Cambria Math" panose="02040503050406030204" pitchFamily="18" charset="0"/>
+                              </a:rPr>
+                              <m:t>2</m:t>
+                            </m:r>
+                          </m:sup>
+                        </m:sSubSup>
+                      </m:e>
+                    </m:d>
+                    <m:r>
+                      <a:rPr lang="en-US" i="1">
+                        <a:latin typeface="Cambria Math" panose="02040503050406030204" pitchFamily="18" charset="0"/>
+                      </a:rPr>
+                      <m:t>−</m:t>
+                    </m:r>
+                    <m:sSup>
+                      <m:sSupPr>
+                        <m:ctrlPr>
+                          <a:rPr lang="en-US" i="1">
+                            <a:latin typeface="Cambria Math" panose="02040503050406030204" pitchFamily="18" charset="0"/>
+                          </a:rPr>
+                        </m:ctrlPr>
+                      </m:sSupPr>
+                      <m:e>
+                        <m:d>
+                          <m:dPr>
+                            <m:begChr m:val="⟨"/>
+                            <m:endChr m:val="⟩"/>
+                            <m:ctrlPr>
+                              <a:rPr lang="en-US" i="1">
+                                <a:latin typeface="Cambria Math" panose="02040503050406030204" pitchFamily="18" charset="0"/>
+                              </a:rPr>
+                            </m:ctrlPr>
+                          </m:dPr>
+                          <m:e>
+                            <m:sSub>
+                              <m:sSubPr>
+                                <m:ctrlPr>
+                                  <a:rPr lang="en-US" i="1">
+                                    <a:latin typeface="Cambria Math" panose="02040503050406030204" pitchFamily="18" charset="0"/>
+                                  </a:rPr>
+                                </m:ctrlPr>
+                              </m:sSubPr>
+                              <m:e>
+                                <m:r>
+                                  <a:rPr lang="en-US" i="1">
+                                    <a:latin typeface="Cambria Math" panose="02040503050406030204" pitchFamily="18" charset="0"/>
+                                  </a:rPr>
+                                  <m:t>𝑦</m:t>
+                                </m:r>
+                              </m:e>
+                              <m:sub>
+                                <m:r>
+                                  <a:rPr lang="en-US" i="1">
+                                    <a:latin typeface="Cambria Math" panose="02040503050406030204" pitchFamily="18" charset="0"/>
+                                  </a:rPr>
+                                  <m:t>𝑖</m:t>
+                                </m:r>
+                              </m:sub>
+                            </m:sSub>
+                          </m:e>
+                        </m:d>
+                      </m:e>
+                      <m:sup>
+                        <m:r>
+                          <a:rPr lang="en-US" i="1">
+                            <a:latin typeface="Cambria Math" panose="02040503050406030204" pitchFamily="18" charset="0"/>
+                          </a:rPr>
+                          <m:t>2</m:t>
+                        </m:r>
+                      </m:sup>
+                    </m:sSup>
+                  </m:oMath>
+                </a14:m>
+                <a:r>
+                  <a:rPr lang="en-US" dirty="0"/>
+                  <a:t> and </a:t>
+                </a:r>
+                <a14:m>
+                  <m:oMath xmlns:m="http://schemas.openxmlformats.org/officeDocument/2006/math">
+                    <m:sSub>
+                      <m:sSubPr>
+                        <m:ctrlPr>
+                          <a:rPr lang="en-US" i="1">
+                            <a:latin typeface="Cambria Math" panose="02040503050406030204" pitchFamily="18" charset="0"/>
+                          </a:rPr>
+                        </m:ctrlPr>
+                      </m:sSubPr>
+                      <m:e>
+                        <m:r>
+                          <a:rPr lang="en-US" i="1">
+                            <a:latin typeface="Cambria Math" panose="02040503050406030204" pitchFamily="18" charset="0"/>
+                          </a:rPr>
+                          <m:t>𝑠</m:t>
+                        </m:r>
+                      </m:e>
+                      <m:sub>
+                        <m:r>
+                          <a:rPr lang="en-US" i="1">
+                            <a:latin typeface="Cambria Math" panose="02040503050406030204" pitchFamily="18" charset="0"/>
+                          </a:rPr>
+                          <m:t>𝑥</m:t>
+                        </m:r>
+                        <m:r>
+                          <a:rPr lang="en-US" i="1">
+                            <a:latin typeface="Cambria Math" panose="02040503050406030204" pitchFamily="18" charset="0"/>
+                          </a:rPr>
+                          <m:t>𝑦</m:t>
+                        </m:r>
+                      </m:sub>
+                    </m:sSub>
+                    <m:r>
+                      <a:rPr lang="en-US" i="1">
+                        <a:latin typeface="Cambria Math" panose="02040503050406030204" pitchFamily="18" charset="0"/>
+                      </a:rPr>
+                      <m:t>=</m:t>
+                    </m:r>
+                    <m:d>
+                      <m:dPr>
+                        <m:begChr m:val="⟨"/>
+                        <m:endChr m:val="⟩"/>
+                        <m:ctrlPr>
+                          <a:rPr lang="en-US" i="1">
+                            <a:latin typeface="Cambria Math" panose="02040503050406030204" pitchFamily="18" charset="0"/>
+                          </a:rPr>
+                        </m:ctrlPr>
+                      </m:dPr>
+                      <m:e>
+                        <m:sSub>
+                          <m:sSubPr>
+                            <m:ctrlPr>
+                              <a:rPr lang="en-US" i="1">
+                                <a:latin typeface="Cambria Math" panose="02040503050406030204" pitchFamily="18" charset="0"/>
+                              </a:rPr>
+                            </m:ctrlPr>
+                          </m:sSubPr>
+                          <m:e>
+                            <m:r>
+                              <a:rPr lang="en-US" i="1">
+                                <a:latin typeface="Cambria Math" panose="02040503050406030204" pitchFamily="18" charset="0"/>
+                              </a:rPr>
+                              <m:t>𝑥</m:t>
+                            </m:r>
+                          </m:e>
+                          <m:sub>
+                            <m:r>
+                              <a:rPr lang="en-US" i="1">
+                                <a:latin typeface="Cambria Math" panose="02040503050406030204" pitchFamily="18" charset="0"/>
+                              </a:rPr>
+                              <m:t>𝑖</m:t>
+                            </m:r>
+                          </m:sub>
+                        </m:sSub>
+                        <m:sSub>
+                          <m:sSubPr>
+                            <m:ctrlPr>
+                              <a:rPr lang="en-US" i="1">
+                                <a:latin typeface="Cambria Math" panose="02040503050406030204" pitchFamily="18" charset="0"/>
+                              </a:rPr>
+                            </m:ctrlPr>
+                          </m:sSubPr>
+                          <m:e>
+                            <m:r>
+                              <a:rPr lang="en-US" i="1">
+                                <a:latin typeface="Cambria Math" panose="02040503050406030204" pitchFamily="18" charset="0"/>
+                              </a:rPr>
+                              <m:t>𝑦</m:t>
+                            </m:r>
+                          </m:e>
+                          <m:sub>
+                            <m:r>
+                              <a:rPr lang="en-US" i="1">
+                                <a:latin typeface="Cambria Math" panose="02040503050406030204" pitchFamily="18" charset="0"/>
+                              </a:rPr>
+                              <m:t>𝑖</m:t>
+                            </m:r>
+                          </m:sub>
+                        </m:sSub>
+                      </m:e>
+                    </m:d>
+                    <m:r>
+                      <a:rPr lang="en-US" i="1">
+                        <a:latin typeface="Cambria Math" panose="02040503050406030204" pitchFamily="18" charset="0"/>
+                      </a:rPr>
+                      <m:t>−</m:t>
+                    </m:r>
+                    <m:d>
+                      <m:dPr>
+                        <m:begChr m:val="⟨"/>
+                        <m:endChr m:val="⟩"/>
+                        <m:ctrlPr>
+                          <a:rPr lang="en-US" i="1">
+                            <a:latin typeface="Cambria Math" panose="02040503050406030204" pitchFamily="18" charset="0"/>
+                          </a:rPr>
+                        </m:ctrlPr>
+                      </m:dPr>
+                      <m:e>
+                        <m:sSub>
+                          <m:sSubPr>
+                            <m:ctrlPr>
+                              <a:rPr lang="en-US" i="1">
+                                <a:latin typeface="Cambria Math" panose="02040503050406030204" pitchFamily="18" charset="0"/>
+                              </a:rPr>
+                            </m:ctrlPr>
+                          </m:sSubPr>
+                          <m:e>
+                            <m:r>
+                              <a:rPr lang="en-US" i="1">
+                                <a:latin typeface="Cambria Math" panose="02040503050406030204" pitchFamily="18" charset="0"/>
+                              </a:rPr>
+                              <m:t>𝑥</m:t>
+                            </m:r>
+                          </m:e>
+                          <m:sub>
+                            <m:r>
+                              <a:rPr lang="en-US" i="1">
+                                <a:latin typeface="Cambria Math" panose="02040503050406030204" pitchFamily="18" charset="0"/>
+                              </a:rPr>
+                              <m:t>𝑖</m:t>
+                            </m:r>
+                          </m:sub>
+                        </m:sSub>
+                      </m:e>
+                    </m:d>
+                    <m:d>
+                      <m:dPr>
+                        <m:begChr m:val="⟨"/>
+                        <m:endChr m:val="⟩"/>
+                        <m:ctrlPr>
+                          <a:rPr lang="en-US" i="1">
+                            <a:latin typeface="Cambria Math" panose="02040503050406030204" pitchFamily="18" charset="0"/>
+                          </a:rPr>
+                        </m:ctrlPr>
+                      </m:dPr>
+                      <m:e>
+                        <m:sSub>
+                          <m:sSubPr>
+                            <m:ctrlPr>
+                              <a:rPr lang="en-US" i="1">
+                                <a:latin typeface="Cambria Math" panose="02040503050406030204" pitchFamily="18" charset="0"/>
+                              </a:rPr>
+                            </m:ctrlPr>
+                          </m:sSubPr>
+                          <m:e>
+                            <m:r>
+                              <a:rPr lang="en-US" i="1">
+                                <a:latin typeface="Cambria Math" panose="02040503050406030204" pitchFamily="18" charset="0"/>
+                              </a:rPr>
+                              <m:t>𝑦</m:t>
+                            </m:r>
+                          </m:e>
+                          <m:sub>
+                            <m:r>
+                              <a:rPr lang="en-US" i="1">
+                                <a:latin typeface="Cambria Math" panose="02040503050406030204" pitchFamily="18" charset="0"/>
+                              </a:rPr>
+                              <m:t>𝑖</m:t>
+                            </m:r>
+                          </m:sub>
+                        </m:sSub>
+                      </m:e>
+                    </m:d>
+                  </m:oMath>
+                </a14:m>
+                <a:r>
+                  <a:rPr lang="en-US" dirty="0"/>
+                  <a:t> proved similarly</a:t>
+                </a:r>
+              </a:p>
+              <a:p>
+                <a:pPr lvl="1"/>
                 <a:endParaRPr lang="en-US" dirty="0"/>
               </a:p>
               <a:p>
@@ -14907,7 +16967,7 @@
             </p:txBody>
           </p:sp>
         </mc:Choice>
-        <mc:Fallback xmlns="">
+        <mc:Fallback>
           <p:sp>
             <p:nvSpPr>
               <p:cNvPr id="3" name="Content Placeholder 2"/>
@@ -14922,7 +16982,7 @@
               <a:blipFill>
                 <a:blip r:embed="rId2"/>
                 <a:stretch>
-                  <a:fillRect l="-1455" t="-10704"/>
+                  <a:fillRect l="-1455" t="-1549"/>
                 </a:stretch>
               </a:blipFill>
             </p:spPr>
@@ -14958,7 +17018,7 @@
           <a:p>
             <a:fld id="{629637A9-119A-49DA-BD12-AAC58B377D80}" type="slidenum">
               <a:rPr lang="en-US" smtClean="0"/>
-              <a:t>26</a:t>
+              <a:t>27</a:t>
             </a:fld>
             <a:endParaRPr lang="en-US" dirty="0"/>
           </a:p>
@@ -14977,7 +17037,7 @@
 </p:sld>
 </file>
 
-<file path=ppt/slides/slide27.xml><?xml version="1.0" encoding="utf-8"?>
+<file path=ppt/slides/slide28.xml><?xml version="1.0" encoding="utf-8"?>
 <p:sld xmlns:a="http://schemas.openxmlformats.org/drawingml/2006/main" xmlns:r="http://schemas.openxmlformats.org/officeDocument/2006/relationships" xmlns:p="http://schemas.openxmlformats.org/presentationml/2006/main">
   <p:cSld>
     <p:spTree>
@@ -15085,7 +17145,7 @@
           <a:p>
             <a:fld id="{629637A9-119A-49DA-BD12-AAC58B377D80}" type="slidenum">
               <a:rPr lang="en-US" smtClean="0"/>
-              <a:t>27</a:t>
+              <a:t>28</a:t>
             </a:fld>
             <a:endParaRPr lang="en-US" dirty="0"/>
           </a:p>
@@ -16726,7 +18786,353 @@
 </p:sld>
 </file>
 
-<file path=ppt/slides/slide28.xml><?xml version="1.0" encoding="utf-8"?>
+<file path=ppt/slides/slide29.xml><?xml version="1.0" encoding="utf-8"?>
+<p:sld xmlns:a="http://schemas.openxmlformats.org/drawingml/2006/main" xmlns:r="http://schemas.openxmlformats.org/officeDocument/2006/relationships" xmlns:p="http://schemas.openxmlformats.org/presentationml/2006/main">
+  <p:cSld>
+    <p:spTree>
+      <p:nvGrpSpPr>
+        <p:cNvPr id="1" name=""/>
+        <p:cNvGrpSpPr/>
+        <p:nvPr/>
+      </p:nvGrpSpPr>
+      <p:grpSpPr>
+        <a:xfrm>
+          <a:off x="0" y="0"/>
+          <a:ext cx="0" cy="0"/>
+          <a:chOff x="0" y="0"/>
+          <a:chExt cx="0" cy="0"/>
+        </a:xfrm>
+      </p:grpSpPr>
+      <p:sp>
+        <p:nvSpPr>
+          <p:cNvPr id="2" name="Title 1"/>
+          <p:cNvSpPr>
+            <a:spLocks noGrp="1"/>
+          </p:cNvSpPr>
+          <p:nvPr>
+            <p:ph type="title"/>
+          </p:nvPr>
+        </p:nvSpPr>
+        <p:spPr/>
+        <p:txBody>
+          <a:bodyPr/>
+          <a:lstStyle/>
+          <a:p>
+            <a:r>
+              <a:rPr lang="en-US" dirty="0"/>
+              <a:t>Outline</a:t>
+            </a:r>
+          </a:p>
+        </p:txBody>
+      </p:sp>
+      <p:sp>
+        <p:nvSpPr>
+          <p:cNvPr id="3" name="Content Placeholder 2"/>
+          <p:cNvSpPr>
+            <a:spLocks noGrp="1"/>
+          </p:cNvSpPr>
+          <p:nvPr>
+            <p:ph idx="1"/>
+          </p:nvPr>
+        </p:nvSpPr>
+        <p:spPr/>
+        <p:txBody>
+          <a:bodyPr/>
+          <a:lstStyle/>
+          <a:p>
+            <a:r>
+              <a:rPr lang="en-US" dirty="0"/>
+              <a:t>Motivating Example:  Predicting the mpg of a car</a:t>
+            </a:r>
+          </a:p>
+          <a:p>
+            <a:r>
+              <a:rPr lang="en-US" dirty="0"/>
+              <a:t>Linear Model</a:t>
+            </a:r>
+          </a:p>
+          <a:p>
+            <a:r>
+              <a:rPr lang="en-US" dirty="0"/>
+              <a:t>Least Squares Fit Problem</a:t>
+            </a:r>
+          </a:p>
+          <a:p>
+            <a:r>
+              <a:rPr lang="en-US" dirty="0"/>
+              <a:t>Sample Mean and Variance</a:t>
+            </a:r>
+          </a:p>
+          <a:p>
+            <a:r>
+              <a:rPr lang="en-US" dirty="0"/>
+              <a:t>LS Fit Solution</a:t>
+            </a:r>
+          </a:p>
+          <a:p>
+            <a:r>
+              <a:rPr lang="en-US" dirty="0"/>
+              <a:t>Assessing Goodness of Fit</a:t>
+            </a:r>
+          </a:p>
+        </p:txBody>
+      </p:sp>
+      <p:sp>
+        <p:nvSpPr>
+          <p:cNvPr id="4" name="Slide Number Placeholder 3"/>
+          <p:cNvSpPr>
+            <a:spLocks noGrp="1"/>
+          </p:cNvSpPr>
+          <p:nvPr>
+            <p:ph type="sldNum" sz="quarter" idx="12"/>
+          </p:nvPr>
+        </p:nvSpPr>
+        <p:spPr/>
+        <p:txBody>
+          <a:bodyPr/>
+          <a:lstStyle/>
+          <a:p>
+            <a:fld id="{629637A9-119A-49DA-BD12-AAC58B377D80}" type="slidenum">
+              <a:rPr lang="en-US" smtClean="0"/>
+              <a:t>29</a:t>
+            </a:fld>
+            <a:endParaRPr lang="en-US" dirty="0"/>
+          </a:p>
+        </p:txBody>
+      </p:sp>
+      <p:sp>
+        <p:nvSpPr>
+          <p:cNvPr id="5" name="Arrow: Right 4"/>
+          <p:cNvSpPr/>
+          <p:nvPr/>
+        </p:nvSpPr>
+        <p:spPr>
+          <a:xfrm>
+            <a:off x="352255" y="3322792"/>
+            <a:ext cx="938784" cy="484632"/>
+          </a:xfrm>
+          <a:prstGeom prst="rightArrow">
+            <a:avLst/>
+          </a:prstGeom>
+          <a:solidFill>
+            <a:schemeClr val="accent1">
+              <a:lumMod val="40000"/>
+              <a:lumOff val="60000"/>
+            </a:schemeClr>
+          </a:solidFill>
+        </p:spPr>
+        <p:style>
+          <a:lnRef idx="2">
+            <a:schemeClr val="accent1">
+              <a:shade val="50000"/>
+            </a:schemeClr>
+          </a:lnRef>
+          <a:fillRef idx="1">
+            <a:schemeClr val="accent1"/>
+          </a:fillRef>
+          <a:effectRef idx="0">
+            <a:schemeClr val="accent1"/>
+          </a:effectRef>
+          <a:fontRef idx="minor">
+            <a:schemeClr val="lt1"/>
+          </a:fontRef>
+        </p:style>
+        <p:txBody>
+          <a:bodyPr rtlCol="0" anchor="ctr"/>
+          <a:lstStyle/>
+          <a:p>
+            <a:pPr algn="ctr"/>
+            <a:endParaRPr lang="en-US"/>
+          </a:p>
+        </p:txBody>
+      </p:sp>
+    </p:spTree>
+    <p:extLst>
+      <p:ext uri="{BB962C8B-B14F-4D97-AF65-F5344CB8AC3E}">
+        <p14:creationId xmlns:p14="http://schemas.microsoft.com/office/powerpoint/2010/main" val="40371835"/>
+      </p:ext>
+    </p:extLst>
+  </p:cSld>
+  <p:clrMapOvr>
+    <a:masterClrMapping/>
+  </p:clrMapOvr>
+</p:sld>
+</file>
+
+<file path=ppt/slides/slide3.xml><?xml version="1.0" encoding="utf-8"?>
+<p:sld xmlns:a="http://schemas.openxmlformats.org/drawingml/2006/main" xmlns:r="http://schemas.openxmlformats.org/officeDocument/2006/relationships" xmlns:p="http://schemas.openxmlformats.org/presentationml/2006/main">
+  <p:cSld>
+    <p:spTree>
+      <p:nvGrpSpPr>
+        <p:cNvPr id="1" name=""/>
+        <p:cNvGrpSpPr/>
+        <p:nvPr/>
+      </p:nvGrpSpPr>
+      <p:grpSpPr>
+        <a:xfrm>
+          <a:off x="0" y="0"/>
+          <a:ext cx="0" cy="0"/>
+          <a:chOff x="0" y="0"/>
+          <a:chExt cx="0" cy="0"/>
+        </a:xfrm>
+      </p:grpSpPr>
+      <p:sp>
+        <p:nvSpPr>
+          <p:cNvPr id="2" name="Title 1"/>
+          <p:cNvSpPr>
+            <a:spLocks noGrp="1"/>
+          </p:cNvSpPr>
+          <p:nvPr>
+            <p:ph type="title"/>
+          </p:nvPr>
+        </p:nvSpPr>
+        <p:spPr/>
+        <p:txBody>
+          <a:bodyPr/>
+          <a:lstStyle/>
+          <a:p>
+            <a:r>
+              <a:rPr lang="en-US" dirty="0"/>
+              <a:t>Outline</a:t>
+            </a:r>
+          </a:p>
+        </p:txBody>
+      </p:sp>
+      <p:sp>
+        <p:nvSpPr>
+          <p:cNvPr id="3" name="Content Placeholder 2"/>
+          <p:cNvSpPr>
+            <a:spLocks noGrp="1"/>
+          </p:cNvSpPr>
+          <p:nvPr>
+            <p:ph idx="1"/>
+          </p:nvPr>
+        </p:nvSpPr>
+        <p:spPr/>
+        <p:txBody>
+          <a:bodyPr/>
+          <a:lstStyle/>
+          <a:p>
+            <a:r>
+              <a:rPr lang="en-US" dirty="0"/>
+              <a:t>Motivating Example:  Predicting the mpg of a car</a:t>
+            </a:r>
+          </a:p>
+          <a:p>
+            <a:r>
+              <a:rPr lang="en-US" dirty="0"/>
+              <a:t>Linear Model</a:t>
+            </a:r>
+          </a:p>
+          <a:p>
+            <a:r>
+              <a:rPr lang="en-US" dirty="0"/>
+              <a:t>Least Squares Fit Problem</a:t>
+            </a:r>
+          </a:p>
+          <a:p>
+            <a:r>
+              <a:rPr lang="en-US" dirty="0"/>
+              <a:t>Sample Mean and Variance</a:t>
+            </a:r>
+          </a:p>
+          <a:p>
+            <a:r>
+              <a:rPr lang="en-US" dirty="0"/>
+              <a:t>LS Fit Solution</a:t>
+            </a:r>
+          </a:p>
+          <a:p>
+            <a:r>
+              <a:rPr lang="en-US" dirty="0"/>
+              <a:t>Assessing Goodness of Fit</a:t>
+            </a:r>
+          </a:p>
+        </p:txBody>
+      </p:sp>
+      <p:sp>
+        <p:nvSpPr>
+          <p:cNvPr id="4" name="Slide Number Placeholder 3"/>
+          <p:cNvSpPr>
+            <a:spLocks noGrp="1"/>
+          </p:cNvSpPr>
+          <p:nvPr>
+            <p:ph type="sldNum" sz="quarter" idx="12"/>
+          </p:nvPr>
+        </p:nvSpPr>
+        <p:spPr/>
+        <p:txBody>
+          <a:bodyPr/>
+          <a:lstStyle/>
+          <a:p>
+            <a:fld id="{629637A9-119A-49DA-BD12-AAC58B377D80}" type="slidenum">
+              <a:rPr lang="en-US" smtClean="0"/>
+              <a:t>3</a:t>
+            </a:fld>
+            <a:endParaRPr lang="en-US" dirty="0"/>
+          </a:p>
+        </p:txBody>
+      </p:sp>
+      <p:sp>
+        <p:nvSpPr>
+          <p:cNvPr id="5" name="Arrow: Right 4"/>
+          <p:cNvSpPr/>
+          <p:nvPr/>
+        </p:nvSpPr>
+        <p:spPr>
+          <a:xfrm>
+            <a:off x="326498" y="1449124"/>
+            <a:ext cx="938784" cy="484632"/>
+          </a:xfrm>
+          <a:prstGeom prst="rightArrow">
+            <a:avLst/>
+          </a:prstGeom>
+          <a:solidFill>
+            <a:schemeClr val="accent1">
+              <a:lumMod val="40000"/>
+              <a:lumOff val="60000"/>
+            </a:schemeClr>
+          </a:solidFill>
+        </p:spPr>
+        <p:style>
+          <a:lnRef idx="2">
+            <a:schemeClr val="accent1">
+              <a:shade val="50000"/>
+            </a:schemeClr>
+          </a:lnRef>
+          <a:fillRef idx="1">
+            <a:schemeClr val="accent1"/>
+          </a:fillRef>
+          <a:effectRef idx="0">
+            <a:schemeClr val="accent1"/>
+          </a:effectRef>
+          <a:fontRef idx="minor">
+            <a:schemeClr val="lt1"/>
+          </a:fontRef>
+        </p:style>
+        <p:txBody>
+          <a:bodyPr rtlCol="0" anchor="ctr"/>
+          <a:lstStyle/>
+          <a:p>
+            <a:pPr algn="ctr"/>
+            <a:endParaRPr lang="en-US"/>
+          </a:p>
+        </p:txBody>
+      </p:sp>
+    </p:spTree>
+    <p:extLst>
+      <p:ext uri="{BB962C8B-B14F-4D97-AF65-F5344CB8AC3E}">
+        <p14:creationId xmlns:p14="http://schemas.microsoft.com/office/powerpoint/2010/main" val="2695907019"/>
+      </p:ext>
+    </p:extLst>
+  </p:cSld>
+  <p:clrMapOvr>
+    <a:masterClrMapping/>
+  </p:clrMapOvr>
+</p:sld>
+</file>
+
+<file path=ppt/slides/slide30.xml><?xml version="1.0" encoding="utf-8"?>
 <p:sld xmlns:a="http://schemas.openxmlformats.org/drawingml/2006/main" xmlns:r="http://schemas.openxmlformats.org/officeDocument/2006/relationships" xmlns:p="http://schemas.openxmlformats.org/presentationml/2006/main">
   <p:cSld>
     <p:spTree>
@@ -17756,7 +20162,7 @@
           <a:p>
             <a:fld id="{629637A9-119A-49DA-BD12-AAC58B377D80}" type="slidenum">
               <a:rPr lang="en-US" smtClean="0"/>
-              <a:t>28</a:t>
+              <a:t>30</a:t>
             </a:fld>
             <a:endParaRPr lang="en-US" dirty="0"/>
           </a:p>
@@ -17775,7 +20181,7 @@
 </p:sld>
 </file>
 
-<file path=ppt/slides/slide29.xml><?xml version="1.0" encoding="utf-8"?>
+<file path=ppt/slides/slide31.xml><?xml version="1.0" encoding="utf-8"?>
 <p:sld xmlns:a="http://schemas.openxmlformats.org/drawingml/2006/main" xmlns:r="http://schemas.openxmlformats.org/officeDocument/2006/relationships" xmlns:p="http://schemas.openxmlformats.org/presentationml/2006/main">
   <p:cSld>
     <p:spTree>
@@ -17890,7 +20296,7 @@
           <a:p>
             <a:fld id="{629637A9-119A-49DA-BD12-AAC58B377D80}" type="slidenum">
               <a:rPr lang="en-US" smtClean="0"/>
-              <a:t>29</a:t>
+              <a:t>31</a:t>
             </a:fld>
             <a:endParaRPr lang="en-US" dirty="0"/>
           </a:p>
@@ -17933,174 +20339,7 @@
 </p:sld>
 </file>
 
-<file path=ppt/slides/slide3.xml><?xml version="1.0" encoding="utf-8"?>
-<p:sld xmlns:a="http://schemas.openxmlformats.org/drawingml/2006/main" xmlns:r="http://schemas.openxmlformats.org/officeDocument/2006/relationships" xmlns:p="http://schemas.openxmlformats.org/presentationml/2006/main">
-  <p:cSld>
-    <p:spTree>
-      <p:nvGrpSpPr>
-        <p:cNvPr id="1" name=""/>
-        <p:cNvGrpSpPr/>
-        <p:nvPr/>
-      </p:nvGrpSpPr>
-      <p:grpSpPr>
-        <a:xfrm>
-          <a:off x="0" y="0"/>
-          <a:ext cx="0" cy="0"/>
-          <a:chOff x="0" y="0"/>
-          <a:chExt cx="0" cy="0"/>
-        </a:xfrm>
-      </p:grpSpPr>
-      <p:sp>
-        <p:nvSpPr>
-          <p:cNvPr id="2" name="Title 1"/>
-          <p:cNvSpPr>
-            <a:spLocks noGrp="1"/>
-          </p:cNvSpPr>
-          <p:nvPr>
-            <p:ph type="title"/>
-          </p:nvPr>
-        </p:nvSpPr>
-        <p:spPr/>
-        <p:txBody>
-          <a:bodyPr/>
-          <a:lstStyle/>
-          <a:p>
-            <a:r>
-              <a:rPr lang="en-US" dirty="0"/>
-              <a:t>Outline</a:t>
-            </a:r>
-          </a:p>
-        </p:txBody>
-      </p:sp>
-      <p:sp>
-        <p:nvSpPr>
-          <p:cNvPr id="3" name="Content Placeholder 2"/>
-          <p:cNvSpPr>
-            <a:spLocks noGrp="1"/>
-          </p:cNvSpPr>
-          <p:nvPr>
-            <p:ph idx="1"/>
-          </p:nvPr>
-        </p:nvSpPr>
-        <p:spPr/>
-        <p:txBody>
-          <a:bodyPr/>
-          <a:lstStyle/>
-          <a:p>
-            <a:r>
-              <a:rPr lang="en-US" dirty="0"/>
-              <a:t>Motivating Example:  Predicting the mpg of a car</a:t>
-            </a:r>
-          </a:p>
-          <a:p>
-            <a:r>
-              <a:rPr lang="en-US" dirty="0"/>
-              <a:t>Linear Model</a:t>
-            </a:r>
-          </a:p>
-          <a:p>
-            <a:r>
-              <a:rPr lang="en-US" dirty="0"/>
-              <a:t>Least Squares Fit Problem</a:t>
-            </a:r>
-          </a:p>
-          <a:p>
-            <a:r>
-              <a:rPr lang="en-US" dirty="0"/>
-              <a:t>Sample Mean and Variance; LS Fit Solution</a:t>
-            </a:r>
-          </a:p>
-          <a:p>
-            <a:r>
-              <a:rPr lang="en-US" dirty="0"/>
-              <a:t>Assessing Goodness of Fit</a:t>
-            </a:r>
-          </a:p>
-        </p:txBody>
-      </p:sp>
-      <p:sp>
-        <p:nvSpPr>
-          <p:cNvPr id="4" name="Slide Number Placeholder 3"/>
-          <p:cNvSpPr>
-            <a:spLocks noGrp="1"/>
-          </p:cNvSpPr>
-          <p:nvPr>
-            <p:ph type="sldNum" sz="quarter" idx="12"/>
-          </p:nvPr>
-        </p:nvSpPr>
-        <p:spPr/>
-        <p:txBody>
-          <a:bodyPr/>
-          <a:lstStyle/>
-          <a:p>
-            <a:fld id="{629637A9-119A-49DA-BD12-AAC58B377D80}" type="slidenum">
-              <a:rPr lang="en-US" smtClean="0"/>
-              <a:t>3</a:t>
-            </a:fld>
-            <a:endParaRPr lang="en-US" dirty="0"/>
-          </a:p>
-        </p:txBody>
-      </p:sp>
-      <p:sp>
-        <p:nvSpPr>
-          <p:cNvPr id="5" name="Arrow: Right 4"/>
-          <p:cNvSpPr/>
-          <p:nvPr/>
-        </p:nvSpPr>
-        <p:spPr>
-          <a:xfrm>
-            <a:off x="303250" y="1430906"/>
-            <a:ext cx="938784" cy="484632"/>
-          </a:xfrm>
-          <a:prstGeom prst="rightArrow">
-            <a:avLst/>
-          </a:prstGeom>
-          <a:solidFill>
-            <a:schemeClr val="accent1">
-              <a:lumMod val="40000"/>
-              <a:lumOff val="60000"/>
-            </a:schemeClr>
-          </a:solidFill>
-        </p:spPr>
-        <p:style>
-          <a:lnRef idx="2">
-            <a:schemeClr val="accent1">
-              <a:shade val="50000"/>
-            </a:schemeClr>
-          </a:lnRef>
-          <a:fillRef idx="1">
-            <a:schemeClr val="accent1"/>
-          </a:fillRef>
-          <a:effectRef idx="0">
-            <a:schemeClr val="accent1"/>
-          </a:effectRef>
-          <a:fontRef idx="minor">
-            <a:schemeClr val="lt1"/>
-          </a:fontRef>
-        </p:style>
-        <p:txBody>
-          <a:bodyPr rtlCol="0" anchor="ctr"/>
-          <a:lstStyle/>
-          <a:p>
-            <a:pPr algn="ctr"/>
-            <a:endParaRPr lang="en-US"/>
-          </a:p>
-        </p:txBody>
-      </p:sp>
-    </p:spTree>
-    <p:extLst>
-      <p:ext uri="{BB962C8B-B14F-4D97-AF65-F5344CB8AC3E}">
-        <p14:creationId xmlns:p14="http://schemas.microsoft.com/office/powerpoint/2010/main" val="2110066861"/>
-      </p:ext>
-    </p:extLst>
-  </p:cSld>
-  <p:clrMapOvr>
-    <a:masterClrMapping/>
-  </p:clrMapOvr>
-</p:sld>
-</file>
-
-<file path=ppt/slides/slide30.xml><?xml version="1.0" encoding="utf-8"?>
+<file path=ppt/slides/slide32.xml><?xml version="1.0" encoding="utf-8"?>
 <p:sld xmlns:a="http://schemas.openxmlformats.org/drawingml/2006/main" xmlns:r="http://schemas.openxmlformats.org/officeDocument/2006/relationships" xmlns:p="http://schemas.openxmlformats.org/presentationml/2006/main">
   <p:cSld>
     <p:spTree>
@@ -18201,7 +20440,7 @@
           <a:p>
             <a:fld id="{629637A9-119A-49DA-BD12-AAC58B377D80}" type="slidenum">
               <a:rPr lang="en-US" smtClean="0"/>
-              <a:t>30</a:t>
+              <a:t>32</a:t>
             </a:fld>
             <a:endParaRPr lang="en-US" dirty="0"/>
           </a:p>
@@ -18585,7 +20824,7 @@
 </p:sld>
 </file>
 
-<file path=ppt/slides/slide31.xml><?xml version="1.0" encoding="utf-8"?>
+<file path=ppt/slides/slide33.xml><?xml version="1.0" encoding="utf-8"?>
 <p:sld xmlns:a="http://schemas.openxmlformats.org/drawingml/2006/main" xmlns:r="http://schemas.openxmlformats.org/officeDocument/2006/relationships" xmlns:p="http://schemas.openxmlformats.org/presentationml/2006/main">
   <p:cSld>
     <p:spTree>
@@ -18659,7 +20898,13 @@
           <a:p>
             <a:r>
               <a:rPr lang="en-US" dirty="0"/>
-              <a:t>Sample Mean and Variance; LS Fit Solution</a:t>
+              <a:t>Sample Mean and Variance</a:t>
+            </a:r>
+          </a:p>
+          <a:p>
+            <a:r>
+              <a:rPr lang="en-US" dirty="0"/>
+              <a:t>LS Fit Solution</a:t>
             </a:r>
           </a:p>
           <a:p>
@@ -18687,7 +20932,7 @@
           <a:p>
             <a:fld id="{629637A9-119A-49DA-BD12-AAC58B377D80}" type="slidenum">
               <a:rPr lang="en-US" smtClean="0"/>
-              <a:t>31</a:t>
+              <a:t>33</a:t>
             </a:fld>
             <a:endParaRPr lang="en-US" dirty="0"/>
           </a:p>
@@ -18701,7 +20946,7 @@
         </p:nvSpPr>
         <p:spPr>
           <a:xfrm>
-            <a:off x="326497" y="3275206"/>
+            <a:off x="390891" y="3704185"/>
             <a:ext cx="938784" cy="484632"/>
           </a:xfrm>
           <a:prstGeom prst="rightArrow">
@@ -18742,7 +20987,7 @@
     </p:spTree>
     <p:extLst>
       <p:ext uri="{BB962C8B-B14F-4D97-AF65-F5344CB8AC3E}">
-        <p14:creationId xmlns:p14="http://schemas.microsoft.com/office/powerpoint/2010/main" val="1240598927"/>
+        <p14:creationId xmlns:p14="http://schemas.microsoft.com/office/powerpoint/2010/main" val="548470963"/>
       </p:ext>
     </p:extLst>
   </p:cSld>
@@ -18752,7 +20997,7 @@
 </p:sld>
 </file>
 
-<file path=ppt/slides/slide32.xml><?xml version="1.0" encoding="utf-8"?>
+<file path=ppt/slides/slide34.xml><?xml version="1.0" encoding="utf-8"?>
 <p:sld xmlns:a="http://schemas.openxmlformats.org/drawingml/2006/main" xmlns:r="http://schemas.openxmlformats.org/officeDocument/2006/relationships" xmlns:p="http://schemas.openxmlformats.org/presentationml/2006/main">
   <p:cSld>
     <p:spTree>
@@ -19425,7 +21670,7 @@
           <a:p>
             <a:fld id="{629637A9-119A-49DA-BD12-AAC58B377D80}" type="slidenum">
               <a:rPr lang="en-US" smtClean="0"/>
-              <a:t>32</a:t>
+              <a:t>34</a:t>
             </a:fld>
             <a:endParaRPr lang="en-US" dirty="0"/>
           </a:p>
@@ -19485,7 +21730,7 @@
 </p:sld>
 </file>
 
-<file path=ppt/slides/slide33.xml><?xml version="1.0" encoding="utf-8"?>
+<file path=ppt/slides/slide35.xml><?xml version="1.0" encoding="utf-8"?>
 <p:sld xmlns:a="http://schemas.openxmlformats.org/drawingml/2006/main" xmlns:r="http://schemas.openxmlformats.org/officeDocument/2006/relationships" xmlns:p="http://schemas.openxmlformats.org/presentationml/2006/main">
   <p:cSld>
     <p:spTree>
@@ -19981,7 +22226,7 @@
           <a:p>
             <a:fld id="{629637A9-119A-49DA-BD12-AAC58B377D80}" type="slidenum">
               <a:rPr lang="en-US" smtClean="0"/>
-              <a:t>33</a:t>
+              <a:t>35</a:t>
             </a:fld>
             <a:endParaRPr lang="en-US" dirty="0"/>
           </a:p>
@@ -20308,7 +22553,7 @@
 </p:sld>
 </file>
 
-<file path=ppt/slides/slide34.xml><?xml version="1.0" encoding="utf-8"?>
+<file path=ppt/slides/slide36.xml><?xml version="1.0" encoding="utf-8"?>
 <p:sld xmlns:a="http://schemas.openxmlformats.org/drawingml/2006/main" xmlns:r="http://schemas.openxmlformats.org/officeDocument/2006/relationships" xmlns:p="http://schemas.openxmlformats.org/presentationml/2006/main">
   <p:cSld>
     <p:spTree>
@@ -20436,7 +22681,7 @@
           <a:p>
             <a:fld id="{629637A9-119A-49DA-BD12-AAC58B377D80}" type="slidenum">
               <a:rPr lang="en-US" smtClean="0"/>
-              <a:t>34</a:t>
+              <a:t>36</a:t>
             </a:fld>
             <a:endParaRPr lang="en-US" dirty="0"/>
           </a:p>
@@ -20496,7 +22741,7 @@
 </p:sld>
 </file>
 
-<file path=ppt/slides/slide35.xml><?xml version="1.0" encoding="utf-8"?>
+<file path=ppt/slides/slide37.xml><?xml version="1.0" encoding="utf-8"?>
 <p:sld xmlns:a="http://schemas.openxmlformats.org/drawingml/2006/main" xmlns:r="http://schemas.openxmlformats.org/officeDocument/2006/relationships" xmlns:p="http://schemas.openxmlformats.org/presentationml/2006/main">
   <p:cSld>
     <p:spTree>
@@ -20760,7 +23005,7 @@
           <a:p>
             <a:fld id="{629637A9-119A-49DA-BD12-AAC58B377D80}" type="slidenum">
               <a:rPr lang="en-US" smtClean="0"/>
-              <a:t>35</a:t>
+              <a:t>37</a:t>
             </a:fld>
             <a:endParaRPr lang="en-US" dirty="0"/>
           </a:p>
